--- a/SupFiles/ARES_logo.pptx
+++ b/SupFiles/ARES_logo.pptx
@@ -108,6 +108,11 @@
       </a:defRPr>
     </a:lvl9pPr>
   </p:defaultTextStyle>
+  <p:extLst>
+    <p:ext uri="{EFAFB233-063F-42B5-8137-9DF3F51BA10A}">
+      <p15:sldGuideLst xmlns:p15="http://schemas.microsoft.com/office/powerpoint/2012/main"/>
+    </p:ext>
+  </p:extLst>
 </p:presentation>
 </file>
 
@@ -6898,6 +6903,2054 @@
           </a:p>
         </p:txBody>
       </p:sp>
+      <p:sp>
+        <p:nvSpPr>
+          <p:cNvPr id="68" name="弦形 67">
+            <a:extLst>
+              <a:ext uri="{FF2B5EF4-FFF2-40B4-BE49-F238E27FC236}">
+                <a16:creationId xmlns:a16="http://schemas.microsoft.com/office/drawing/2014/main" id="{D1FEEB10-21A7-4B2B-8898-73014C5C3C6B}"/>
+              </a:ext>
+            </a:extLst>
+          </p:cNvPr>
+          <p:cNvSpPr/>
+          <p:nvPr/>
+        </p:nvSpPr>
+        <p:spPr>
+          <a:xfrm>
+            <a:off x="3188188" y="3494399"/>
+            <a:ext cx="1661722" cy="1666240"/>
+          </a:xfrm>
+          <a:prstGeom prst="chord">
+            <a:avLst>
+              <a:gd name="adj1" fmla="val 8275321"/>
+              <a:gd name="adj2" fmla="val 18995435"/>
+            </a:avLst>
+          </a:prstGeom>
+          <a:solidFill>
+            <a:schemeClr val="tx1">
+              <a:lumMod val="65000"/>
+              <a:lumOff val="35000"/>
+            </a:schemeClr>
+          </a:solidFill>
+          <a:ln>
+            <a:noFill/>
+          </a:ln>
+        </p:spPr>
+        <p:style>
+          <a:lnRef idx="2">
+            <a:schemeClr val="accent1">
+              <a:shade val="50000"/>
+            </a:schemeClr>
+          </a:lnRef>
+          <a:fillRef idx="1">
+            <a:schemeClr val="accent1"/>
+          </a:fillRef>
+          <a:effectRef idx="0">
+            <a:schemeClr val="accent1"/>
+          </a:effectRef>
+          <a:fontRef idx="minor">
+            <a:schemeClr val="lt1"/>
+          </a:fontRef>
+        </p:style>
+        <p:txBody>
+          <a:bodyPr rtlCol="0" anchor="ctr"/>
+          <a:lstStyle/>
+          <a:p>
+            <a:pPr algn="ctr"/>
+            <a:endParaRPr lang="en-US" dirty="0">
+              <a:solidFill>
+                <a:schemeClr val="bg2">
+                  <a:lumMod val="50000"/>
+                </a:schemeClr>
+              </a:solidFill>
+            </a:endParaRPr>
+          </a:p>
+        </p:txBody>
+      </p:sp>
+      <p:cxnSp>
+        <p:nvCxnSpPr>
+          <p:cNvPr id="69" name="直接连接符 68">
+            <a:extLst>
+              <a:ext uri="{FF2B5EF4-FFF2-40B4-BE49-F238E27FC236}">
+                <a16:creationId xmlns:a16="http://schemas.microsoft.com/office/drawing/2014/main" id="{B0E1099F-BC92-4FA0-904C-7BE07E79FEF5}"/>
+              </a:ext>
+            </a:extLst>
+          </p:cNvPr>
+          <p:cNvCxnSpPr>
+            <a:cxnSpLocks/>
+            <a:endCxn id="123" idx="2"/>
+          </p:cNvCxnSpPr>
+          <p:nvPr/>
+        </p:nvCxnSpPr>
+        <p:spPr>
+          <a:xfrm>
+            <a:off x="3234138" y="4030563"/>
+            <a:ext cx="808155" cy="284502"/>
+          </a:xfrm>
+          <a:prstGeom prst="line">
+            <a:avLst/>
+          </a:prstGeom>
+          <a:ln>
+            <a:solidFill>
+              <a:schemeClr val="bg1"/>
+            </a:solidFill>
+          </a:ln>
+        </p:spPr>
+        <p:style>
+          <a:lnRef idx="1">
+            <a:schemeClr val="accent1"/>
+          </a:lnRef>
+          <a:fillRef idx="0">
+            <a:schemeClr val="accent1"/>
+          </a:fillRef>
+          <a:effectRef idx="0">
+            <a:schemeClr val="accent1"/>
+          </a:effectRef>
+          <a:fontRef idx="minor">
+            <a:schemeClr val="tx1"/>
+          </a:fontRef>
+        </p:style>
+      </p:cxnSp>
+      <p:cxnSp>
+        <p:nvCxnSpPr>
+          <p:cNvPr id="71" name="直接连接符 70">
+            <a:extLst>
+              <a:ext uri="{FF2B5EF4-FFF2-40B4-BE49-F238E27FC236}">
+                <a16:creationId xmlns:a16="http://schemas.microsoft.com/office/drawing/2014/main" id="{52CF00F2-9CD8-44CE-8D0A-6032A3368D7B}"/>
+              </a:ext>
+            </a:extLst>
+          </p:cNvPr>
+          <p:cNvCxnSpPr>
+            <a:cxnSpLocks/>
+            <a:endCxn id="123" idx="2"/>
+          </p:cNvCxnSpPr>
+          <p:nvPr/>
+        </p:nvCxnSpPr>
+        <p:spPr>
+          <a:xfrm>
+            <a:off x="3222063" y="4086219"/>
+            <a:ext cx="820230" cy="228846"/>
+          </a:xfrm>
+          <a:prstGeom prst="line">
+            <a:avLst/>
+          </a:prstGeom>
+          <a:ln>
+            <a:solidFill>
+              <a:schemeClr val="bg1"/>
+            </a:solidFill>
+          </a:ln>
+        </p:spPr>
+        <p:style>
+          <a:lnRef idx="1">
+            <a:schemeClr val="accent1"/>
+          </a:lnRef>
+          <a:fillRef idx="0">
+            <a:schemeClr val="accent1"/>
+          </a:fillRef>
+          <a:effectRef idx="0">
+            <a:schemeClr val="accent1"/>
+          </a:effectRef>
+          <a:fontRef idx="minor">
+            <a:schemeClr val="tx1"/>
+          </a:fontRef>
+        </p:style>
+      </p:cxnSp>
+      <p:cxnSp>
+        <p:nvCxnSpPr>
+          <p:cNvPr id="73" name="直接连接符 72">
+            <a:extLst>
+              <a:ext uri="{FF2B5EF4-FFF2-40B4-BE49-F238E27FC236}">
+                <a16:creationId xmlns:a16="http://schemas.microsoft.com/office/drawing/2014/main" id="{C07A9C78-6DCF-4543-960F-548E6B402B7D}"/>
+              </a:ext>
+            </a:extLst>
+          </p:cNvPr>
+          <p:cNvCxnSpPr>
+            <a:cxnSpLocks/>
+            <a:endCxn id="123" idx="2"/>
+          </p:cNvCxnSpPr>
+          <p:nvPr/>
+        </p:nvCxnSpPr>
+        <p:spPr>
+          <a:xfrm>
+            <a:off x="3247170" y="3958835"/>
+            <a:ext cx="795123" cy="356230"/>
+          </a:xfrm>
+          <a:prstGeom prst="line">
+            <a:avLst/>
+          </a:prstGeom>
+          <a:ln>
+            <a:solidFill>
+              <a:schemeClr val="bg1"/>
+            </a:solidFill>
+          </a:ln>
+        </p:spPr>
+        <p:style>
+          <a:lnRef idx="1">
+            <a:schemeClr val="accent1"/>
+          </a:lnRef>
+          <a:fillRef idx="0">
+            <a:schemeClr val="accent1"/>
+          </a:fillRef>
+          <a:effectRef idx="0">
+            <a:schemeClr val="accent1"/>
+          </a:effectRef>
+          <a:fontRef idx="minor">
+            <a:schemeClr val="tx1"/>
+          </a:fontRef>
+        </p:style>
+      </p:cxnSp>
+      <p:cxnSp>
+        <p:nvCxnSpPr>
+          <p:cNvPr id="74" name="直接连接符 73">
+            <a:extLst>
+              <a:ext uri="{FF2B5EF4-FFF2-40B4-BE49-F238E27FC236}">
+                <a16:creationId xmlns:a16="http://schemas.microsoft.com/office/drawing/2014/main" id="{06C07359-E1D9-4948-8B77-0ED37903004A}"/>
+              </a:ext>
+            </a:extLst>
+          </p:cNvPr>
+          <p:cNvCxnSpPr>
+            <a:cxnSpLocks/>
+            <a:endCxn id="123" idx="2"/>
+          </p:cNvCxnSpPr>
+          <p:nvPr/>
+        </p:nvCxnSpPr>
+        <p:spPr>
+          <a:xfrm>
+            <a:off x="3304320" y="3892009"/>
+            <a:ext cx="737973" cy="423056"/>
+          </a:xfrm>
+          <a:prstGeom prst="line">
+            <a:avLst/>
+          </a:prstGeom>
+          <a:ln>
+            <a:solidFill>
+              <a:schemeClr val="bg1"/>
+            </a:solidFill>
+          </a:ln>
+        </p:spPr>
+        <p:style>
+          <a:lnRef idx="1">
+            <a:schemeClr val="accent1"/>
+          </a:lnRef>
+          <a:fillRef idx="0">
+            <a:schemeClr val="accent1"/>
+          </a:fillRef>
+          <a:effectRef idx="0">
+            <a:schemeClr val="accent1"/>
+          </a:effectRef>
+          <a:fontRef idx="minor">
+            <a:schemeClr val="tx1"/>
+          </a:fontRef>
+        </p:style>
+      </p:cxnSp>
+      <p:cxnSp>
+        <p:nvCxnSpPr>
+          <p:cNvPr id="78" name="直接连接符 77">
+            <a:extLst>
+              <a:ext uri="{FF2B5EF4-FFF2-40B4-BE49-F238E27FC236}">
+                <a16:creationId xmlns:a16="http://schemas.microsoft.com/office/drawing/2014/main" id="{53630DF6-612E-46BE-A7D2-35878AE7979C}"/>
+              </a:ext>
+            </a:extLst>
+          </p:cNvPr>
+          <p:cNvCxnSpPr>
+            <a:cxnSpLocks/>
+            <a:endCxn id="123" idx="2"/>
+          </p:cNvCxnSpPr>
+          <p:nvPr/>
+        </p:nvCxnSpPr>
+        <p:spPr>
+          <a:xfrm>
+            <a:off x="3346230" y="3814087"/>
+            <a:ext cx="696063" cy="500978"/>
+          </a:xfrm>
+          <a:prstGeom prst="line">
+            <a:avLst/>
+          </a:prstGeom>
+          <a:ln>
+            <a:solidFill>
+              <a:schemeClr val="bg1"/>
+            </a:solidFill>
+          </a:ln>
+        </p:spPr>
+        <p:style>
+          <a:lnRef idx="1">
+            <a:schemeClr val="accent1"/>
+          </a:lnRef>
+          <a:fillRef idx="0">
+            <a:schemeClr val="accent1"/>
+          </a:fillRef>
+          <a:effectRef idx="0">
+            <a:schemeClr val="accent1"/>
+          </a:effectRef>
+          <a:fontRef idx="minor">
+            <a:schemeClr val="tx1"/>
+          </a:fontRef>
+        </p:style>
+      </p:cxnSp>
+      <p:cxnSp>
+        <p:nvCxnSpPr>
+          <p:cNvPr id="80" name="直接连接符 79">
+            <a:extLst>
+              <a:ext uri="{FF2B5EF4-FFF2-40B4-BE49-F238E27FC236}">
+                <a16:creationId xmlns:a16="http://schemas.microsoft.com/office/drawing/2014/main" id="{2EB31343-E505-488E-AF75-AF4A16608F45}"/>
+              </a:ext>
+            </a:extLst>
+          </p:cNvPr>
+          <p:cNvCxnSpPr>
+            <a:cxnSpLocks/>
+            <a:endCxn id="123" idx="2"/>
+          </p:cNvCxnSpPr>
+          <p:nvPr/>
+        </p:nvCxnSpPr>
+        <p:spPr>
+          <a:xfrm>
+            <a:off x="3409861" y="3731883"/>
+            <a:ext cx="632432" cy="583182"/>
+          </a:xfrm>
+          <a:prstGeom prst="line">
+            <a:avLst/>
+          </a:prstGeom>
+          <a:ln>
+            <a:solidFill>
+              <a:schemeClr val="bg1"/>
+            </a:solidFill>
+          </a:ln>
+        </p:spPr>
+        <p:style>
+          <a:lnRef idx="1">
+            <a:schemeClr val="accent1"/>
+          </a:lnRef>
+          <a:fillRef idx="0">
+            <a:schemeClr val="accent1"/>
+          </a:fillRef>
+          <a:effectRef idx="0">
+            <a:schemeClr val="accent1"/>
+          </a:effectRef>
+          <a:fontRef idx="minor">
+            <a:schemeClr val="tx1"/>
+          </a:fontRef>
+        </p:style>
+      </p:cxnSp>
+      <p:cxnSp>
+        <p:nvCxnSpPr>
+          <p:cNvPr id="82" name="直接连接符 81">
+            <a:extLst>
+              <a:ext uri="{FF2B5EF4-FFF2-40B4-BE49-F238E27FC236}">
+                <a16:creationId xmlns:a16="http://schemas.microsoft.com/office/drawing/2014/main" id="{27B5E1B2-B4F8-400D-9B7B-267E7C2C5FC4}"/>
+              </a:ext>
+            </a:extLst>
+          </p:cNvPr>
+          <p:cNvCxnSpPr>
+            <a:cxnSpLocks/>
+            <a:endCxn id="125" idx="0"/>
+          </p:cNvCxnSpPr>
+          <p:nvPr/>
+        </p:nvCxnSpPr>
+        <p:spPr>
+          <a:xfrm>
+            <a:off x="3481427" y="3661471"/>
+            <a:ext cx="543966" cy="640443"/>
+          </a:xfrm>
+          <a:prstGeom prst="line">
+            <a:avLst/>
+          </a:prstGeom>
+          <a:ln>
+            <a:solidFill>
+              <a:schemeClr val="bg1"/>
+            </a:solidFill>
+          </a:ln>
+        </p:spPr>
+        <p:style>
+          <a:lnRef idx="1">
+            <a:schemeClr val="accent1"/>
+          </a:lnRef>
+          <a:fillRef idx="0">
+            <a:schemeClr val="accent1"/>
+          </a:fillRef>
+          <a:effectRef idx="0">
+            <a:schemeClr val="accent1"/>
+          </a:effectRef>
+          <a:fontRef idx="minor">
+            <a:schemeClr val="tx1"/>
+          </a:fontRef>
+        </p:style>
+      </p:cxnSp>
+      <p:cxnSp>
+        <p:nvCxnSpPr>
+          <p:cNvPr id="83" name="直接连接符 82">
+            <a:extLst>
+              <a:ext uri="{FF2B5EF4-FFF2-40B4-BE49-F238E27FC236}">
+                <a16:creationId xmlns:a16="http://schemas.microsoft.com/office/drawing/2014/main" id="{0B22220E-9EC1-4AD1-BC5E-BDB858E5CDAD}"/>
+              </a:ext>
+            </a:extLst>
+          </p:cNvPr>
+          <p:cNvCxnSpPr>
+            <a:cxnSpLocks/>
+            <a:endCxn id="123" idx="2"/>
+          </p:cNvCxnSpPr>
+          <p:nvPr/>
+        </p:nvCxnSpPr>
+        <p:spPr>
+          <a:xfrm>
+            <a:off x="3584409" y="3612684"/>
+            <a:ext cx="457884" cy="702381"/>
+          </a:xfrm>
+          <a:prstGeom prst="line">
+            <a:avLst/>
+          </a:prstGeom>
+          <a:ln>
+            <a:solidFill>
+              <a:schemeClr val="bg1"/>
+            </a:solidFill>
+          </a:ln>
+        </p:spPr>
+        <p:style>
+          <a:lnRef idx="1">
+            <a:schemeClr val="accent1"/>
+          </a:lnRef>
+          <a:fillRef idx="0">
+            <a:schemeClr val="accent1"/>
+          </a:fillRef>
+          <a:effectRef idx="0">
+            <a:schemeClr val="accent1"/>
+          </a:effectRef>
+          <a:fontRef idx="minor">
+            <a:schemeClr val="tx1"/>
+          </a:fontRef>
+        </p:style>
+      </p:cxnSp>
+      <p:cxnSp>
+        <p:nvCxnSpPr>
+          <p:cNvPr id="85" name="直接连接符 84">
+            <a:extLst>
+              <a:ext uri="{FF2B5EF4-FFF2-40B4-BE49-F238E27FC236}">
+                <a16:creationId xmlns:a16="http://schemas.microsoft.com/office/drawing/2014/main" id="{39B73520-E01E-40F6-9C5E-3C3003F58C8F}"/>
+              </a:ext>
+            </a:extLst>
+          </p:cNvPr>
+          <p:cNvCxnSpPr>
+            <a:cxnSpLocks/>
+            <a:endCxn id="125" idx="0"/>
+          </p:cNvCxnSpPr>
+          <p:nvPr/>
+        </p:nvCxnSpPr>
+        <p:spPr>
+          <a:xfrm>
+            <a:off x="3694261" y="3557701"/>
+            <a:ext cx="331132" cy="744213"/>
+          </a:xfrm>
+          <a:prstGeom prst="line">
+            <a:avLst/>
+          </a:prstGeom>
+          <a:ln>
+            <a:solidFill>
+              <a:schemeClr val="bg1"/>
+            </a:solidFill>
+          </a:ln>
+        </p:spPr>
+        <p:style>
+          <a:lnRef idx="1">
+            <a:schemeClr val="accent1"/>
+          </a:lnRef>
+          <a:fillRef idx="0">
+            <a:schemeClr val="accent1"/>
+          </a:fillRef>
+          <a:effectRef idx="0">
+            <a:schemeClr val="accent1"/>
+          </a:effectRef>
+          <a:fontRef idx="minor">
+            <a:schemeClr val="tx1"/>
+          </a:fontRef>
+        </p:style>
+      </p:cxnSp>
+      <p:cxnSp>
+        <p:nvCxnSpPr>
+          <p:cNvPr id="87" name="直接连接符 86">
+            <a:extLst>
+              <a:ext uri="{FF2B5EF4-FFF2-40B4-BE49-F238E27FC236}">
+                <a16:creationId xmlns:a16="http://schemas.microsoft.com/office/drawing/2014/main" id="{2A0A0610-49E4-4441-86C1-34AD478357E0}"/>
+              </a:ext>
+            </a:extLst>
+          </p:cNvPr>
+          <p:cNvCxnSpPr>
+            <a:cxnSpLocks/>
+            <a:endCxn id="123" idx="2"/>
+          </p:cNvCxnSpPr>
+          <p:nvPr/>
+        </p:nvCxnSpPr>
+        <p:spPr>
+          <a:xfrm>
+            <a:off x="3839791" y="3502529"/>
+            <a:ext cx="202502" cy="812536"/>
+          </a:xfrm>
+          <a:prstGeom prst="line">
+            <a:avLst/>
+          </a:prstGeom>
+          <a:ln>
+            <a:solidFill>
+              <a:schemeClr val="bg1"/>
+            </a:solidFill>
+          </a:ln>
+        </p:spPr>
+        <p:style>
+          <a:lnRef idx="1">
+            <a:schemeClr val="accent1"/>
+          </a:lnRef>
+          <a:fillRef idx="0">
+            <a:schemeClr val="accent1"/>
+          </a:fillRef>
+          <a:effectRef idx="0">
+            <a:schemeClr val="accent1"/>
+          </a:effectRef>
+          <a:fontRef idx="minor">
+            <a:schemeClr val="tx1"/>
+          </a:fontRef>
+        </p:style>
+      </p:cxnSp>
+      <p:cxnSp>
+        <p:nvCxnSpPr>
+          <p:cNvPr id="88" name="直接连接符 87">
+            <a:extLst>
+              <a:ext uri="{FF2B5EF4-FFF2-40B4-BE49-F238E27FC236}">
+                <a16:creationId xmlns:a16="http://schemas.microsoft.com/office/drawing/2014/main" id="{5120B73B-5FAA-4D9F-93EA-F03CD70A15C6}"/>
+              </a:ext>
+            </a:extLst>
+          </p:cNvPr>
+          <p:cNvCxnSpPr>
+            <a:cxnSpLocks/>
+            <a:endCxn id="125" idx="0"/>
+          </p:cNvCxnSpPr>
+          <p:nvPr/>
+        </p:nvCxnSpPr>
+        <p:spPr>
+          <a:xfrm>
+            <a:off x="4000194" y="3480399"/>
+            <a:ext cx="25199" cy="821515"/>
+          </a:xfrm>
+          <a:prstGeom prst="line">
+            <a:avLst/>
+          </a:prstGeom>
+          <a:ln>
+            <a:solidFill>
+              <a:schemeClr val="bg1"/>
+            </a:solidFill>
+          </a:ln>
+        </p:spPr>
+        <p:style>
+          <a:lnRef idx="1">
+            <a:schemeClr val="accent1"/>
+          </a:lnRef>
+          <a:fillRef idx="0">
+            <a:schemeClr val="accent1"/>
+          </a:fillRef>
+          <a:effectRef idx="0">
+            <a:schemeClr val="accent1"/>
+          </a:effectRef>
+          <a:fontRef idx="minor">
+            <a:schemeClr val="tx1"/>
+          </a:fontRef>
+        </p:style>
+      </p:cxnSp>
+      <p:cxnSp>
+        <p:nvCxnSpPr>
+          <p:cNvPr id="89" name="直接连接符 88">
+            <a:extLst>
+              <a:ext uri="{FF2B5EF4-FFF2-40B4-BE49-F238E27FC236}">
+                <a16:creationId xmlns:a16="http://schemas.microsoft.com/office/drawing/2014/main" id="{1090D685-73BA-4172-8F8D-8A6AEB8EF5B4}"/>
+              </a:ext>
+            </a:extLst>
+          </p:cNvPr>
+          <p:cNvCxnSpPr>
+            <a:cxnSpLocks/>
+            <a:endCxn id="123" idx="2"/>
+          </p:cNvCxnSpPr>
+          <p:nvPr/>
+        </p:nvCxnSpPr>
+        <p:spPr>
+          <a:xfrm flipH="1">
+            <a:off x="4042293" y="3494399"/>
+            <a:ext cx="116132" cy="820666"/>
+          </a:xfrm>
+          <a:prstGeom prst="line">
+            <a:avLst/>
+          </a:prstGeom>
+          <a:ln>
+            <a:solidFill>
+              <a:schemeClr val="bg1"/>
+            </a:solidFill>
+          </a:ln>
+        </p:spPr>
+        <p:style>
+          <a:lnRef idx="1">
+            <a:schemeClr val="accent1"/>
+          </a:lnRef>
+          <a:fillRef idx="0">
+            <a:schemeClr val="accent1"/>
+          </a:fillRef>
+          <a:effectRef idx="0">
+            <a:schemeClr val="accent1"/>
+          </a:effectRef>
+          <a:fontRef idx="minor">
+            <a:schemeClr val="tx1"/>
+          </a:fontRef>
+        </p:style>
+      </p:cxnSp>
+      <p:cxnSp>
+        <p:nvCxnSpPr>
+          <p:cNvPr id="91" name="直接连接符 90">
+            <a:extLst>
+              <a:ext uri="{FF2B5EF4-FFF2-40B4-BE49-F238E27FC236}">
+                <a16:creationId xmlns:a16="http://schemas.microsoft.com/office/drawing/2014/main" id="{290AE4E1-6413-40A1-B803-755FE6C8A3BA}"/>
+              </a:ext>
+            </a:extLst>
+          </p:cNvPr>
+          <p:cNvCxnSpPr>
+            <a:cxnSpLocks/>
+            <a:endCxn id="125" idx="0"/>
+          </p:cNvCxnSpPr>
+          <p:nvPr/>
+        </p:nvCxnSpPr>
+        <p:spPr>
+          <a:xfrm flipH="1">
+            <a:off x="4025393" y="3543333"/>
+            <a:ext cx="304578" cy="758581"/>
+          </a:xfrm>
+          <a:prstGeom prst="line">
+            <a:avLst/>
+          </a:prstGeom>
+          <a:ln>
+            <a:solidFill>
+              <a:schemeClr val="bg1"/>
+            </a:solidFill>
+          </a:ln>
+        </p:spPr>
+        <p:style>
+          <a:lnRef idx="1">
+            <a:schemeClr val="accent1"/>
+          </a:lnRef>
+          <a:fillRef idx="0">
+            <a:schemeClr val="accent1"/>
+          </a:fillRef>
+          <a:effectRef idx="0">
+            <a:schemeClr val="accent1"/>
+          </a:effectRef>
+          <a:fontRef idx="minor">
+            <a:schemeClr val="tx1"/>
+          </a:fontRef>
+        </p:style>
+      </p:cxnSp>
+      <p:cxnSp>
+        <p:nvCxnSpPr>
+          <p:cNvPr id="93" name="直接连接符 92">
+            <a:extLst>
+              <a:ext uri="{FF2B5EF4-FFF2-40B4-BE49-F238E27FC236}">
+                <a16:creationId xmlns:a16="http://schemas.microsoft.com/office/drawing/2014/main" id="{DDDAB90E-AAFF-4A5D-8840-B5660F5BCD2C}"/>
+              </a:ext>
+            </a:extLst>
+          </p:cNvPr>
+          <p:cNvCxnSpPr>
+            <a:cxnSpLocks/>
+            <a:endCxn id="125" idx="0"/>
+          </p:cNvCxnSpPr>
+          <p:nvPr/>
+        </p:nvCxnSpPr>
+        <p:spPr>
+          <a:xfrm flipH="1">
+            <a:off x="4025393" y="3621792"/>
+            <a:ext cx="474098" cy="680122"/>
+          </a:xfrm>
+          <a:prstGeom prst="line">
+            <a:avLst/>
+          </a:prstGeom>
+          <a:ln>
+            <a:solidFill>
+              <a:schemeClr val="bg1"/>
+            </a:solidFill>
+          </a:ln>
+        </p:spPr>
+        <p:style>
+          <a:lnRef idx="1">
+            <a:schemeClr val="accent1"/>
+          </a:lnRef>
+          <a:fillRef idx="0">
+            <a:schemeClr val="accent1"/>
+          </a:fillRef>
+          <a:effectRef idx="0">
+            <a:schemeClr val="accent1"/>
+          </a:effectRef>
+          <a:fontRef idx="minor">
+            <a:schemeClr val="tx1"/>
+          </a:fontRef>
+        </p:style>
+      </p:cxnSp>
+      <p:cxnSp>
+        <p:nvCxnSpPr>
+          <p:cNvPr id="94" name="直接连接符 93">
+            <a:extLst>
+              <a:ext uri="{FF2B5EF4-FFF2-40B4-BE49-F238E27FC236}">
+                <a16:creationId xmlns:a16="http://schemas.microsoft.com/office/drawing/2014/main" id="{4256E97F-EE31-4929-86F3-762673CFB7FE}"/>
+              </a:ext>
+            </a:extLst>
+          </p:cNvPr>
+          <p:cNvCxnSpPr>
+            <a:cxnSpLocks/>
+            <a:endCxn id="125" idx="0"/>
+          </p:cNvCxnSpPr>
+          <p:nvPr/>
+        </p:nvCxnSpPr>
+        <p:spPr>
+          <a:xfrm>
+            <a:off x="3187773" y="4277829"/>
+            <a:ext cx="837620" cy="24085"/>
+          </a:xfrm>
+          <a:prstGeom prst="line">
+            <a:avLst/>
+          </a:prstGeom>
+          <a:ln>
+            <a:solidFill>
+              <a:schemeClr val="bg1"/>
+            </a:solidFill>
+          </a:ln>
+        </p:spPr>
+        <p:style>
+          <a:lnRef idx="1">
+            <a:schemeClr val="accent1"/>
+          </a:lnRef>
+          <a:fillRef idx="0">
+            <a:schemeClr val="accent1"/>
+          </a:fillRef>
+          <a:effectRef idx="0">
+            <a:schemeClr val="accent1"/>
+          </a:effectRef>
+          <a:fontRef idx="minor">
+            <a:schemeClr val="tx1"/>
+          </a:fontRef>
+        </p:style>
+      </p:cxnSp>
+      <p:cxnSp>
+        <p:nvCxnSpPr>
+          <p:cNvPr id="95" name="直接连接符 94">
+            <a:extLst>
+              <a:ext uri="{FF2B5EF4-FFF2-40B4-BE49-F238E27FC236}">
+                <a16:creationId xmlns:a16="http://schemas.microsoft.com/office/drawing/2014/main" id="{24D73C4A-C780-4938-B626-E9A4625ED130}"/>
+              </a:ext>
+            </a:extLst>
+          </p:cNvPr>
+          <p:cNvCxnSpPr>
+            <a:cxnSpLocks/>
+            <a:endCxn id="123" idx="2"/>
+          </p:cNvCxnSpPr>
+          <p:nvPr/>
+        </p:nvCxnSpPr>
+        <p:spPr>
+          <a:xfrm>
+            <a:off x="3187773" y="4189089"/>
+            <a:ext cx="854520" cy="125976"/>
+          </a:xfrm>
+          <a:prstGeom prst="line">
+            <a:avLst/>
+          </a:prstGeom>
+          <a:ln>
+            <a:solidFill>
+              <a:schemeClr val="bg1"/>
+            </a:solidFill>
+          </a:ln>
+        </p:spPr>
+        <p:style>
+          <a:lnRef idx="1">
+            <a:schemeClr val="accent1"/>
+          </a:lnRef>
+          <a:fillRef idx="0">
+            <a:schemeClr val="accent1"/>
+          </a:fillRef>
+          <a:effectRef idx="0">
+            <a:schemeClr val="accent1"/>
+          </a:effectRef>
+          <a:fontRef idx="minor">
+            <a:schemeClr val="tx1"/>
+          </a:fontRef>
+        </p:style>
+      </p:cxnSp>
+      <p:cxnSp>
+        <p:nvCxnSpPr>
+          <p:cNvPr id="96" name="直接连接符 95">
+            <a:extLst>
+              <a:ext uri="{FF2B5EF4-FFF2-40B4-BE49-F238E27FC236}">
+                <a16:creationId xmlns:a16="http://schemas.microsoft.com/office/drawing/2014/main" id="{CBAB6E20-5984-4E33-8F17-10CF1C4F86A1}"/>
+              </a:ext>
+            </a:extLst>
+          </p:cNvPr>
+          <p:cNvCxnSpPr>
+            <a:cxnSpLocks/>
+            <a:endCxn id="123" idx="2"/>
+          </p:cNvCxnSpPr>
+          <p:nvPr/>
+        </p:nvCxnSpPr>
+        <p:spPr>
+          <a:xfrm>
+            <a:off x="3187773" y="4139559"/>
+            <a:ext cx="854520" cy="175506"/>
+          </a:xfrm>
+          <a:prstGeom prst="line">
+            <a:avLst/>
+          </a:prstGeom>
+          <a:ln>
+            <a:solidFill>
+              <a:schemeClr val="bg1"/>
+            </a:solidFill>
+          </a:ln>
+        </p:spPr>
+        <p:style>
+          <a:lnRef idx="1">
+            <a:schemeClr val="accent1"/>
+          </a:lnRef>
+          <a:fillRef idx="0">
+            <a:schemeClr val="accent1"/>
+          </a:fillRef>
+          <a:effectRef idx="0">
+            <a:schemeClr val="accent1"/>
+          </a:effectRef>
+          <a:fontRef idx="minor">
+            <a:schemeClr val="tx1"/>
+          </a:fontRef>
+        </p:style>
+      </p:cxnSp>
+      <p:cxnSp>
+        <p:nvCxnSpPr>
+          <p:cNvPr id="97" name="直接连接符 96">
+            <a:extLst>
+              <a:ext uri="{FF2B5EF4-FFF2-40B4-BE49-F238E27FC236}">
+                <a16:creationId xmlns:a16="http://schemas.microsoft.com/office/drawing/2014/main" id="{D846E782-F2AB-4DFE-9FF4-F1E3B85F8586}"/>
+              </a:ext>
+            </a:extLst>
+          </p:cNvPr>
+          <p:cNvCxnSpPr>
+            <a:cxnSpLocks/>
+          </p:cNvCxnSpPr>
+          <p:nvPr/>
+        </p:nvCxnSpPr>
+        <p:spPr>
+          <a:xfrm>
+            <a:off x="3188216" y="4235488"/>
+            <a:ext cx="880346" cy="72821"/>
+          </a:xfrm>
+          <a:prstGeom prst="line">
+            <a:avLst/>
+          </a:prstGeom>
+          <a:ln>
+            <a:solidFill>
+              <a:schemeClr val="bg1"/>
+            </a:solidFill>
+          </a:ln>
+        </p:spPr>
+        <p:style>
+          <a:lnRef idx="1">
+            <a:schemeClr val="accent1"/>
+          </a:lnRef>
+          <a:fillRef idx="0">
+            <a:schemeClr val="accent1"/>
+          </a:fillRef>
+          <a:effectRef idx="0">
+            <a:schemeClr val="accent1"/>
+          </a:effectRef>
+          <a:fontRef idx="minor">
+            <a:schemeClr val="tx1"/>
+          </a:fontRef>
+        </p:style>
+      </p:cxnSp>
+      <p:sp>
+        <p:nvSpPr>
+          <p:cNvPr id="98" name="弦形 97">
+            <a:extLst>
+              <a:ext uri="{FF2B5EF4-FFF2-40B4-BE49-F238E27FC236}">
+                <a16:creationId xmlns:a16="http://schemas.microsoft.com/office/drawing/2014/main" id="{0F5DF21B-1465-470A-A5A8-E2C6D17565A8}"/>
+              </a:ext>
+            </a:extLst>
+          </p:cNvPr>
+          <p:cNvSpPr/>
+          <p:nvPr/>
+        </p:nvSpPr>
+        <p:spPr>
+          <a:xfrm>
+            <a:off x="3473839" y="3759891"/>
+            <a:ext cx="1136370" cy="1106908"/>
+          </a:xfrm>
+          <a:prstGeom prst="chord">
+            <a:avLst>
+              <a:gd name="adj1" fmla="val 8275321"/>
+              <a:gd name="adj2" fmla="val 18957101"/>
+            </a:avLst>
+          </a:prstGeom>
+          <a:solidFill>
+            <a:schemeClr val="bg1">
+              <a:lumMod val="85000"/>
+            </a:schemeClr>
+          </a:solidFill>
+          <a:ln>
+            <a:solidFill>
+              <a:schemeClr val="bg1"/>
+            </a:solidFill>
+          </a:ln>
+        </p:spPr>
+        <p:style>
+          <a:lnRef idx="2">
+            <a:schemeClr val="accent1">
+              <a:shade val="50000"/>
+            </a:schemeClr>
+          </a:lnRef>
+          <a:fillRef idx="1">
+            <a:schemeClr val="accent1"/>
+          </a:fillRef>
+          <a:effectRef idx="0">
+            <a:schemeClr val="accent1"/>
+          </a:effectRef>
+          <a:fontRef idx="minor">
+            <a:schemeClr val="lt1"/>
+          </a:fontRef>
+        </p:style>
+        <p:txBody>
+          <a:bodyPr rtlCol="0" anchor="ctr"/>
+          <a:lstStyle/>
+          <a:p>
+            <a:pPr algn="ctr"/>
+            <a:endParaRPr lang="en-US"/>
+          </a:p>
+        </p:txBody>
+      </p:sp>
+      <p:sp>
+        <p:nvSpPr>
+          <p:cNvPr id="123" name="弦形 122">
+            <a:extLst>
+              <a:ext uri="{FF2B5EF4-FFF2-40B4-BE49-F238E27FC236}">
+                <a16:creationId xmlns:a16="http://schemas.microsoft.com/office/drawing/2014/main" id="{3C9032AD-18F4-485C-A134-F0CECB84F563}"/>
+              </a:ext>
+            </a:extLst>
+          </p:cNvPr>
+          <p:cNvSpPr/>
+          <p:nvPr/>
+        </p:nvSpPr>
+        <p:spPr>
+          <a:xfrm rot="5400000">
+            <a:off x="3802821" y="3992974"/>
+            <a:ext cx="478406" cy="609600"/>
+          </a:xfrm>
+          <a:prstGeom prst="chord">
+            <a:avLst>
+              <a:gd name="adj1" fmla="val 5171697"/>
+              <a:gd name="adj2" fmla="val 16362398"/>
+            </a:avLst>
+          </a:prstGeom>
+          <a:solidFill>
+            <a:schemeClr val="bg1">
+              <a:lumMod val="85000"/>
+            </a:schemeClr>
+          </a:solidFill>
+          <a:ln>
+            <a:solidFill>
+              <a:schemeClr val="bg1"/>
+            </a:solidFill>
+          </a:ln>
+        </p:spPr>
+        <p:style>
+          <a:lnRef idx="2">
+            <a:schemeClr val="accent1">
+              <a:shade val="50000"/>
+            </a:schemeClr>
+          </a:lnRef>
+          <a:fillRef idx="1">
+            <a:schemeClr val="accent1"/>
+          </a:fillRef>
+          <a:effectRef idx="0">
+            <a:schemeClr val="accent1"/>
+          </a:effectRef>
+          <a:fontRef idx="minor">
+            <a:schemeClr val="lt1"/>
+          </a:fontRef>
+        </p:style>
+        <p:txBody>
+          <a:bodyPr rtlCol="0" anchor="ctr"/>
+          <a:lstStyle/>
+          <a:p>
+            <a:pPr algn="ctr"/>
+            <a:endParaRPr lang="en-US"/>
+          </a:p>
+        </p:txBody>
+      </p:sp>
+      <p:sp>
+        <p:nvSpPr>
+          <p:cNvPr id="125" name="矩形 124">
+            <a:extLst>
+              <a:ext uri="{FF2B5EF4-FFF2-40B4-BE49-F238E27FC236}">
+                <a16:creationId xmlns:a16="http://schemas.microsoft.com/office/drawing/2014/main" id="{FC121575-6921-4323-8498-3320D4CCC398}"/>
+              </a:ext>
+            </a:extLst>
+          </p:cNvPr>
+          <p:cNvSpPr/>
+          <p:nvPr/>
+        </p:nvSpPr>
+        <p:spPr>
+          <a:xfrm>
+            <a:off x="3744813" y="4301914"/>
+            <a:ext cx="561159" cy="269813"/>
+          </a:xfrm>
+          <a:prstGeom prst="rect">
+            <a:avLst/>
+          </a:prstGeom>
+          <a:solidFill>
+            <a:schemeClr val="bg1">
+              <a:lumMod val="85000"/>
+            </a:schemeClr>
+          </a:solidFill>
+          <a:ln>
+            <a:noFill/>
+          </a:ln>
+        </p:spPr>
+        <p:style>
+          <a:lnRef idx="2">
+            <a:schemeClr val="accent1">
+              <a:shade val="50000"/>
+            </a:schemeClr>
+          </a:lnRef>
+          <a:fillRef idx="1">
+            <a:schemeClr val="accent1"/>
+          </a:fillRef>
+          <a:effectRef idx="0">
+            <a:schemeClr val="accent1"/>
+          </a:effectRef>
+          <a:fontRef idx="minor">
+            <a:schemeClr val="lt1"/>
+          </a:fontRef>
+        </p:style>
+        <p:txBody>
+          <a:bodyPr rtlCol="0" anchor="ctr"/>
+          <a:lstStyle/>
+          <a:p>
+            <a:pPr algn="ctr"/>
+            <a:endParaRPr lang="en-US" dirty="0"/>
+          </a:p>
+        </p:txBody>
+      </p:sp>
+      <p:sp>
+        <p:nvSpPr>
+          <p:cNvPr id="126" name="等腰三角形 125">
+            <a:extLst>
+              <a:ext uri="{FF2B5EF4-FFF2-40B4-BE49-F238E27FC236}">
+                <a16:creationId xmlns:a16="http://schemas.microsoft.com/office/drawing/2014/main" id="{00722E4F-C3C1-423E-80D4-2EE341698841}"/>
+              </a:ext>
+            </a:extLst>
+          </p:cNvPr>
+          <p:cNvSpPr/>
+          <p:nvPr/>
+        </p:nvSpPr>
+        <p:spPr>
+          <a:xfrm flipH="1" flipV="1">
+            <a:off x="3727735" y="4571376"/>
+            <a:ext cx="578237" cy="301814"/>
+          </a:xfrm>
+          <a:prstGeom prst="triangle">
+            <a:avLst>
+              <a:gd name="adj" fmla="val 0"/>
+            </a:avLst>
+          </a:prstGeom>
+          <a:solidFill>
+            <a:schemeClr val="bg1">
+              <a:lumMod val="85000"/>
+            </a:schemeClr>
+          </a:solidFill>
+          <a:ln>
+            <a:noFill/>
+          </a:ln>
+        </p:spPr>
+        <p:style>
+          <a:lnRef idx="2">
+            <a:schemeClr val="accent1">
+              <a:shade val="50000"/>
+            </a:schemeClr>
+          </a:lnRef>
+          <a:fillRef idx="1">
+            <a:schemeClr val="accent1"/>
+          </a:fillRef>
+          <a:effectRef idx="0">
+            <a:schemeClr val="accent1"/>
+          </a:effectRef>
+          <a:fontRef idx="minor">
+            <a:schemeClr val="lt1"/>
+          </a:fontRef>
+        </p:style>
+        <p:txBody>
+          <a:bodyPr rtlCol="0" anchor="ctr"/>
+          <a:lstStyle/>
+          <a:p>
+            <a:pPr algn="ctr"/>
+            <a:endParaRPr lang="en-US"/>
+          </a:p>
+        </p:txBody>
+      </p:sp>
+      <p:sp>
+        <p:nvSpPr>
+          <p:cNvPr id="100" name="矩形 99">
+            <a:extLst>
+              <a:ext uri="{FF2B5EF4-FFF2-40B4-BE49-F238E27FC236}">
+                <a16:creationId xmlns:a16="http://schemas.microsoft.com/office/drawing/2014/main" id="{B8AC43B5-E85E-423D-B11C-BCCD83E653F2}"/>
+              </a:ext>
+            </a:extLst>
+          </p:cNvPr>
+          <p:cNvSpPr/>
+          <p:nvPr/>
+        </p:nvSpPr>
+        <p:spPr>
+          <a:xfrm>
+            <a:off x="4178258" y="4308308"/>
+            <a:ext cx="127714" cy="484979"/>
+          </a:xfrm>
+          <a:prstGeom prst="rect">
+            <a:avLst/>
+          </a:prstGeom>
+          <a:solidFill>
+            <a:schemeClr val="tx1">
+              <a:lumMod val="65000"/>
+              <a:lumOff val="35000"/>
+            </a:schemeClr>
+          </a:solidFill>
+          <a:ln>
+            <a:noFill/>
+          </a:ln>
+        </p:spPr>
+        <p:style>
+          <a:lnRef idx="2">
+            <a:schemeClr val="accent1">
+              <a:shade val="50000"/>
+            </a:schemeClr>
+          </a:lnRef>
+          <a:fillRef idx="1">
+            <a:schemeClr val="accent1"/>
+          </a:fillRef>
+          <a:effectRef idx="0">
+            <a:schemeClr val="accent1"/>
+          </a:effectRef>
+          <a:fontRef idx="minor">
+            <a:schemeClr val="lt1"/>
+          </a:fontRef>
+        </p:style>
+        <p:txBody>
+          <a:bodyPr rtlCol="0" anchor="ctr"/>
+          <a:lstStyle/>
+          <a:p>
+            <a:pPr algn="ctr"/>
+            <a:endParaRPr lang="en-US"/>
+          </a:p>
+        </p:txBody>
+      </p:sp>
+      <p:sp>
+        <p:nvSpPr>
+          <p:cNvPr id="101" name="等腰三角形 100">
+            <a:extLst>
+              <a:ext uri="{FF2B5EF4-FFF2-40B4-BE49-F238E27FC236}">
+                <a16:creationId xmlns:a16="http://schemas.microsoft.com/office/drawing/2014/main" id="{B3709904-D3BF-4E02-85BB-2D5B66A518D0}"/>
+              </a:ext>
+            </a:extLst>
+          </p:cNvPr>
+          <p:cNvSpPr/>
+          <p:nvPr/>
+        </p:nvSpPr>
+        <p:spPr>
+          <a:xfrm flipV="1">
+            <a:off x="3976511" y="4308303"/>
+            <a:ext cx="329461" cy="137951"/>
+          </a:xfrm>
+          <a:prstGeom prst="triangle">
+            <a:avLst>
+              <a:gd name="adj" fmla="val 61694"/>
+            </a:avLst>
+          </a:prstGeom>
+          <a:solidFill>
+            <a:schemeClr val="tx1">
+              <a:lumMod val="65000"/>
+              <a:lumOff val="35000"/>
+            </a:schemeClr>
+          </a:solidFill>
+          <a:ln>
+            <a:noFill/>
+          </a:ln>
+        </p:spPr>
+        <p:style>
+          <a:lnRef idx="2">
+            <a:schemeClr val="accent1">
+              <a:shade val="50000"/>
+            </a:schemeClr>
+          </a:lnRef>
+          <a:fillRef idx="1">
+            <a:schemeClr val="accent1"/>
+          </a:fillRef>
+          <a:effectRef idx="0">
+            <a:schemeClr val="accent1"/>
+          </a:effectRef>
+          <a:fontRef idx="minor">
+            <a:schemeClr val="lt1"/>
+          </a:fontRef>
+        </p:style>
+        <p:txBody>
+          <a:bodyPr rtlCol="0" anchor="ctr"/>
+          <a:lstStyle/>
+          <a:p>
+            <a:pPr algn="ctr"/>
+            <a:endParaRPr lang="en-US" dirty="0"/>
+          </a:p>
+        </p:txBody>
+      </p:sp>
+      <p:sp>
+        <p:nvSpPr>
+          <p:cNvPr id="102" name="矩形 101">
+            <a:extLst>
+              <a:ext uri="{FF2B5EF4-FFF2-40B4-BE49-F238E27FC236}">
+                <a16:creationId xmlns:a16="http://schemas.microsoft.com/office/drawing/2014/main" id="{A32CD2C2-04B7-4809-B7D4-2E743B444D24}"/>
+              </a:ext>
+            </a:extLst>
+          </p:cNvPr>
+          <p:cNvSpPr/>
+          <p:nvPr/>
+        </p:nvSpPr>
+        <p:spPr>
+          <a:xfrm>
+            <a:off x="3187773" y="4329575"/>
+            <a:ext cx="549036" cy="576995"/>
+          </a:xfrm>
+          <a:prstGeom prst="rect">
+            <a:avLst/>
+          </a:prstGeom>
+          <a:solidFill>
+            <a:schemeClr val="bg1"/>
+          </a:solidFill>
+          <a:ln>
+            <a:solidFill>
+              <a:schemeClr val="bg1"/>
+            </a:solidFill>
+          </a:ln>
+        </p:spPr>
+        <p:style>
+          <a:lnRef idx="2">
+            <a:schemeClr val="accent1">
+              <a:shade val="50000"/>
+            </a:schemeClr>
+          </a:lnRef>
+          <a:fillRef idx="1">
+            <a:schemeClr val="accent1"/>
+          </a:fillRef>
+          <a:effectRef idx="0">
+            <a:schemeClr val="accent1"/>
+          </a:effectRef>
+          <a:fontRef idx="minor">
+            <a:schemeClr val="lt1"/>
+          </a:fontRef>
+        </p:style>
+        <p:txBody>
+          <a:bodyPr rtlCol="0" anchor="ctr"/>
+          <a:lstStyle/>
+          <a:p>
+            <a:pPr algn="ctr"/>
+            <a:endParaRPr lang="en-US" dirty="0"/>
+          </a:p>
+        </p:txBody>
+      </p:sp>
+      <p:sp>
+        <p:nvSpPr>
+          <p:cNvPr id="104" name="弧形 103">
+            <a:extLst>
+              <a:ext uri="{FF2B5EF4-FFF2-40B4-BE49-F238E27FC236}">
+                <a16:creationId xmlns:a16="http://schemas.microsoft.com/office/drawing/2014/main" id="{F6F1CEF1-308B-4FFD-A64E-55393D80F98B}"/>
+              </a:ext>
+            </a:extLst>
+          </p:cNvPr>
+          <p:cNvSpPr/>
+          <p:nvPr/>
+        </p:nvSpPr>
+        <p:spPr>
+          <a:xfrm rot="16200000">
+            <a:off x="3663755" y="3937999"/>
+            <a:ext cx="849531" cy="898386"/>
+          </a:xfrm>
+          <a:prstGeom prst="arc">
+            <a:avLst>
+              <a:gd name="adj1" fmla="val 17354715"/>
+              <a:gd name="adj2" fmla="val 1650107"/>
+            </a:avLst>
+          </a:prstGeom>
+          <a:ln w="25400">
+            <a:solidFill>
+              <a:schemeClr val="tx1">
+                <a:lumMod val="65000"/>
+                <a:lumOff val="35000"/>
+              </a:schemeClr>
+            </a:solidFill>
+          </a:ln>
+        </p:spPr>
+        <p:style>
+          <a:lnRef idx="1">
+            <a:schemeClr val="accent1"/>
+          </a:lnRef>
+          <a:fillRef idx="0">
+            <a:schemeClr val="accent1"/>
+          </a:fillRef>
+          <a:effectRef idx="0">
+            <a:schemeClr val="accent1"/>
+          </a:effectRef>
+          <a:fontRef idx="minor">
+            <a:schemeClr val="tx1"/>
+          </a:fontRef>
+        </p:style>
+        <p:txBody>
+          <a:bodyPr rtlCol="0" anchor="ctr"/>
+          <a:lstStyle/>
+          <a:p>
+            <a:pPr algn="ctr"/>
+            <a:endParaRPr lang="en-US">
+              <a:ln>
+                <a:solidFill>
+                  <a:sysClr val="windowText" lastClr="000000"/>
+                </a:solidFill>
+              </a:ln>
+            </a:endParaRPr>
+          </a:p>
+        </p:txBody>
+      </p:sp>
+      <p:sp>
+        <p:nvSpPr>
+          <p:cNvPr id="105" name="Oval 26">
+            <a:extLst>
+              <a:ext uri="{FF2B5EF4-FFF2-40B4-BE49-F238E27FC236}">
+                <a16:creationId xmlns:a16="http://schemas.microsoft.com/office/drawing/2014/main" id="{58B3184F-BEDD-4CBB-BF48-14366F07750D}"/>
+              </a:ext>
+            </a:extLst>
+          </p:cNvPr>
+          <p:cNvSpPr/>
+          <p:nvPr/>
+        </p:nvSpPr>
+        <p:spPr>
+          <a:xfrm>
+            <a:off x="3659170" y="4097021"/>
+            <a:ext cx="101600" cy="101600"/>
+          </a:xfrm>
+          <a:prstGeom prst="ellipse">
+            <a:avLst/>
+          </a:prstGeom>
+          <a:solidFill>
+            <a:srgbClr val="FF9900"/>
+          </a:solidFill>
+          <a:ln>
+            <a:noFill/>
+          </a:ln>
+        </p:spPr>
+        <p:style>
+          <a:lnRef idx="2">
+            <a:schemeClr val="accent1">
+              <a:shade val="50000"/>
+            </a:schemeClr>
+          </a:lnRef>
+          <a:fillRef idx="1">
+            <a:schemeClr val="accent1"/>
+          </a:fillRef>
+          <a:effectRef idx="0">
+            <a:schemeClr val="accent1"/>
+          </a:effectRef>
+          <a:fontRef idx="minor">
+            <a:schemeClr val="lt1"/>
+          </a:fontRef>
+        </p:style>
+        <p:txBody>
+          <a:bodyPr rtlCol="0" anchor="ctr"/>
+          <a:lstStyle/>
+          <a:p>
+            <a:pPr algn="ctr"/>
+            <a:endParaRPr lang="en-US">
+              <a:solidFill>
+                <a:srgbClr val="ED7D31"/>
+              </a:solidFill>
+            </a:endParaRPr>
+          </a:p>
+        </p:txBody>
+      </p:sp>
+      <p:sp>
+        <p:nvSpPr>
+          <p:cNvPr id="107" name="Oval 35">
+            <a:extLst>
+              <a:ext uri="{FF2B5EF4-FFF2-40B4-BE49-F238E27FC236}">
+                <a16:creationId xmlns:a16="http://schemas.microsoft.com/office/drawing/2014/main" id="{6C384A0C-EC62-4909-A17A-261AD5117779}"/>
+              </a:ext>
+            </a:extLst>
+          </p:cNvPr>
+          <p:cNvSpPr/>
+          <p:nvPr/>
+        </p:nvSpPr>
+        <p:spPr>
+          <a:xfrm>
+            <a:off x="4108040" y="3917200"/>
+            <a:ext cx="101600" cy="101600"/>
+          </a:xfrm>
+          <a:prstGeom prst="ellipse">
+            <a:avLst/>
+          </a:prstGeom>
+          <a:solidFill>
+            <a:srgbClr val="FF0000"/>
+          </a:solidFill>
+          <a:ln>
+            <a:noFill/>
+          </a:ln>
+        </p:spPr>
+        <p:style>
+          <a:lnRef idx="2">
+            <a:schemeClr val="accent1">
+              <a:shade val="50000"/>
+            </a:schemeClr>
+          </a:lnRef>
+          <a:fillRef idx="1">
+            <a:schemeClr val="accent1"/>
+          </a:fillRef>
+          <a:effectRef idx="0">
+            <a:schemeClr val="accent1"/>
+          </a:effectRef>
+          <a:fontRef idx="minor">
+            <a:schemeClr val="lt1"/>
+          </a:fontRef>
+        </p:style>
+        <p:txBody>
+          <a:bodyPr rtlCol="0" anchor="ctr"/>
+          <a:lstStyle/>
+          <a:p>
+            <a:pPr algn="ctr"/>
+            <a:endParaRPr lang="en-US">
+              <a:solidFill>
+                <a:srgbClr val="FFFF00"/>
+              </a:solidFill>
+            </a:endParaRPr>
+          </a:p>
+        </p:txBody>
+      </p:sp>
+      <p:sp>
+        <p:nvSpPr>
+          <p:cNvPr id="108" name="Oval 36">
+            <a:extLst>
+              <a:ext uri="{FF2B5EF4-FFF2-40B4-BE49-F238E27FC236}">
+                <a16:creationId xmlns:a16="http://schemas.microsoft.com/office/drawing/2014/main" id="{AC388E2B-C68B-4810-AF0A-2DC151EE1636}"/>
+              </a:ext>
+            </a:extLst>
+          </p:cNvPr>
+          <p:cNvSpPr/>
+          <p:nvPr/>
+        </p:nvSpPr>
+        <p:spPr>
+          <a:xfrm>
+            <a:off x="3943906" y="3920567"/>
+            <a:ext cx="101600" cy="101600"/>
+          </a:xfrm>
+          <a:prstGeom prst="ellipse">
+            <a:avLst/>
+          </a:prstGeom>
+          <a:solidFill>
+            <a:srgbClr val="3366FF"/>
+          </a:solidFill>
+          <a:ln>
+            <a:noFill/>
+          </a:ln>
+        </p:spPr>
+        <p:style>
+          <a:lnRef idx="2">
+            <a:schemeClr val="accent1">
+              <a:shade val="50000"/>
+            </a:schemeClr>
+          </a:lnRef>
+          <a:fillRef idx="1">
+            <a:schemeClr val="accent1"/>
+          </a:fillRef>
+          <a:effectRef idx="0">
+            <a:schemeClr val="accent1"/>
+          </a:effectRef>
+          <a:fontRef idx="minor">
+            <a:schemeClr val="lt1"/>
+          </a:fontRef>
+        </p:style>
+        <p:txBody>
+          <a:bodyPr rtlCol="0" anchor="ctr"/>
+          <a:lstStyle/>
+          <a:p>
+            <a:pPr algn="ctr"/>
+            <a:endParaRPr lang="en-US"/>
+          </a:p>
+        </p:txBody>
+      </p:sp>
+      <p:sp>
+        <p:nvSpPr>
+          <p:cNvPr id="110" name="Oval 39">
+            <a:extLst>
+              <a:ext uri="{FF2B5EF4-FFF2-40B4-BE49-F238E27FC236}">
+                <a16:creationId xmlns:a16="http://schemas.microsoft.com/office/drawing/2014/main" id="{1AF9F045-FC3A-4FD0-B35B-47E505E2CA55}"/>
+              </a:ext>
+            </a:extLst>
+          </p:cNvPr>
+          <p:cNvSpPr/>
+          <p:nvPr/>
+        </p:nvSpPr>
+        <p:spPr>
+          <a:xfrm>
+            <a:off x="3773961" y="3978817"/>
+            <a:ext cx="101600" cy="101600"/>
+          </a:xfrm>
+          <a:prstGeom prst="ellipse">
+            <a:avLst/>
+          </a:prstGeom>
+          <a:solidFill>
+            <a:srgbClr val="33CC33"/>
+          </a:solidFill>
+          <a:ln>
+            <a:noFill/>
+          </a:ln>
+        </p:spPr>
+        <p:style>
+          <a:lnRef idx="2">
+            <a:schemeClr val="accent1">
+              <a:shade val="50000"/>
+            </a:schemeClr>
+          </a:lnRef>
+          <a:fillRef idx="1">
+            <a:schemeClr val="accent1"/>
+          </a:fillRef>
+          <a:effectRef idx="0">
+            <a:schemeClr val="accent1"/>
+          </a:effectRef>
+          <a:fontRef idx="minor">
+            <a:schemeClr val="lt1"/>
+          </a:fontRef>
+        </p:style>
+        <p:txBody>
+          <a:bodyPr rtlCol="0" anchor="ctr"/>
+          <a:lstStyle/>
+          <a:p>
+            <a:pPr algn="ctr"/>
+            <a:endParaRPr lang="en-US"/>
+          </a:p>
+        </p:txBody>
+      </p:sp>
+      <p:sp>
+        <p:nvSpPr>
+          <p:cNvPr id="111" name="Oval 52">
+            <a:extLst>
+              <a:ext uri="{FF2B5EF4-FFF2-40B4-BE49-F238E27FC236}">
+                <a16:creationId xmlns:a16="http://schemas.microsoft.com/office/drawing/2014/main" id="{994235FB-7509-4A03-B206-4AE33B6AFAC5}"/>
+              </a:ext>
+            </a:extLst>
+          </p:cNvPr>
+          <p:cNvSpPr/>
+          <p:nvPr/>
+        </p:nvSpPr>
+        <p:spPr>
+          <a:xfrm>
+            <a:off x="4108040" y="4311916"/>
+            <a:ext cx="101600" cy="101600"/>
+          </a:xfrm>
+          <a:prstGeom prst="ellipse">
+            <a:avLst/>
+          </a:prstGeom>
+          <a:solidFill>
+            <a:schemeClr val="bg1"/>
+          </a:solidFill>
+          <a:ln>
+            <a:noFill/>
+          </a:ln>
+        </p:spPr>
+        <p:style>
+          <a:lnRef idx="2">
+            <a:schemeClr val="accent1">
+              <a:shade val="50000"/>
+            </a:schemeClr>
+          </a:lnRef>
+          <a:fillRef idx="1">
+            <a:schemeClr val="accent1"/>
+          </a:fillRef>
+          <a:effectRef idx="0">
+            <a:schemeClr val="accent1"/>
+          </a:effectRef>
+          <a:fontRef idx="minor">
+            <a:schemeClr val="lt1"/>
+          </a:fontRef>
+        </p:style>
+        <p:txBody>
+          <a:bodyPr rtlCol="0" anchor="ctr"/>
+          <a:lstStyle/>
+          <a:p>
+            <a:pPr algn="ctr"/>
+            <a:endParaRPr lang="en-US"/>
+          </a:p>
+        </p:txBody>
+      </p:sp>
+      <p:cxnSp>
+        <p:nvCxnSpPr>
+          <p:cNvPr id="112" name="Straight Arrow Connector 32">
+            <a:extLst>
+              <a:ext uri="{FF2B5EF4-FFF2-40B4-BE49-F238E27FC236}">
+                <a16:creationId xmlns:a16="http://schemas.microsoft.com/office/drawing/2014/main" id="{EECD2CC8-0D28-42CE-9CD8-E3A2FCDE1F6E}"/>
+              </a:ext>
+            </a:extLst>
+          </p:cNvPr>
+          <p:cNvCxnSpPr>
+            <a:cxnSpLocks/>
+            <a:stCxn id="107" idx="4"/>
+            <a:endCxn id="111" idx="0"/>
+          </p:cNvCxnSpPr>
+          <p:nvPr/>
+        </p:nvCxnSpPr>
+        <p:spPr>
+          <a:xfrm>
+            <a:off x="4158840" y="4018800"/>
+            <a:ext cx="0" cy="293116"/>
+          </a:xfrm>
+          <a:prstGeom prst="straightConnector1">
+            <a:avLst/>
+          </a:prstGeom>
+          <a:ln w="28575">
+            <a:solidFill>
+              <a:schemeClr val="tx1">
+                <a:lumMod val="65000"/>
+                <a:lumOff val="35000"/>
+              </a:schemeClr>
+            </a:solidFill>
+            <a:prstDash val="sysDot"/>
+            <a:tailEnd type="triangle"/>
+          </a:ln>
+        </p:spPr>
+        <p:style>
+          <a:lnRef idx="1">
+            <a:schemeClr val="accent1"/>
+          </a:lnRef>
+          <a:fillRef idx="0">
+            <a:schemeClr val="accent1"/>
+          </a:fillRef>
+          <a:effectRef idx="0">
+            <a:schemeClr val="accent1"/>
+          </a:effectRef>
+          <a:fontRef idx="minor">
+            <a:schemeClr val="tx1"/>
+          </a:fontRef>
+        </p:style>
+      </p:cxnSp>
+      <p:sp>
+        <p:nvSpPr>
+          <p:cNvPr id="113" name="等腰三角形 112">
+            <a:extLst>
+              <a:ext uri="{FF2B5EF4-FFF2-40B4-BE49-F238E27FC236}">
+                <a16:creationId xmlns:a16="http://schemas.microsoft.com/office/drawing/2014/main" id="{F4D54E16-E9B4-471D-B881-ADBB697FDC3A}"/>
+              </a:ext>
+            </a:extLst>
+          </p:cNvPr>
+          <p:cNvSpPr/>
+          <p:nvPr/>
+        </p:nvSpPr>
+        <p:spPr>
+          <a:xfrm rot="5400000">
+            <a:off x="4179946" y="4649483"/>
+            <a:ext cx="215700" cy="219075"/>
+          </a:xfrm>
+          <a:prstGeom prst="triangle">
+            <a:avLst>
+              <a:gd name="adj" fmla="val 18189"/>
+            </a:avLst>
+          </a:prstGeom>
+          <a:solidFill>
+            <a:schemeClr val="bg1"/>
+          </a:solidFill>
+          <a:ln>
+            <a:noFill/>
+          </a:ln>
+        </p:spPr>
+        <p:style>
+          <a:lnRef idx="2">
+            <a:schemeClr val="accent1">
+              <a:shade val="50000"/>
+            </a:schemeClr>
+          </a:lnRef>
+          <a:fillRef idx="1">
+            <a:schemeClr val="accent1"/>
+          </a:fillRef>
+          <a:effectRef idx="0">
+            <a:schemeClr val="accent1"/>
+          </a:effectRef>
+          <a:fontRef idx="minor">
+            <a:schemeClr val="lt1"/>
+          </a:fontRef>
+        </p:style>
+        <p:txBody>
+          <a:bodyPr rtlCol="0" anchor="ctr"/>
+          <a:lstStyle/>
+          <a:p>
+            <a:pPr algn="ctr"/>
+            <a:endParaRPr lang="en-US"/>
+          </a:p>
+        </p:txBody>
+      </p:sp>
+      <p:sp>
+        <p:nvSpPr>
+          <p:cNvPr id="115" name="矩形 114">
+            <a:extLst>
+              <a:ext uri="{FF2B5EF4-FFF2-40B4-BE49-F238E27FC236}">
+                <a16:creationId xmlns:a16="http://schemas.microsoft.com/office/drawing/2014/main" id="{EBBAB7D3-35D9-4DF0-991C-E97A8C6EA6C0}"/>
+              </a:ext>
+            </a:extLst>
+          </p:cNvPr>
+          <p:cNvSpPr/>
+          <p:nvPr/>
+        </p:nvSpPr>
+        <p:spPr>
+          <a:xfrm>
+            <a:off x="4213077" y="4742467"/>
+            <a:ext cx="272515" cy="144723"/>
+          </a:xfrm>
+          <a:prstGeom prst="rect">
+            <a:avLst/>
+          </a:prstGeom>
+          <a:solidFill>
+            <a:schemeClr val="bg1"/>
+          </a:solidFill>
+          <a:ln>
+            <a:noFill/>
+          </a:ln>
+        </p:spPr>
+        <p:style>
+          <a:lnRef idx="2">
+            <a:schemeClr val="accent1">
+              <a:shade val="50000"/>
+            </a:schemeClr>
+          </a:lnRef>
+          <a:fillRef idx="1">
+            <a:schemeClr val="accent1"/>
+          </a:fillRef>
+          <a:effectRef idx="0">
+            <a:schemeClr val="accent1"/>
+          </a:effectRef>
+          <a:fontRef idx="minor">
+            <a:schemeClr val="lt1"/>
+          </a:fontRef>
+        </p:style>
+        <p:txBody>
+          <a:bodyPr rtlCol="0" anchor="ctr"/>
+          <a:lstStyle/>
+          <a:p>
+            <a:pPr algn="ctr"/>
+            <a:endParaRPr lang="en-US"/>
+          </a:p>
+        </p:txBody>
+      </p:sp>
+      <p:sp>
+        <p:nvSpPr>
+          <p:cNvPr id="116" name="Rectangle 55">
+            <a:extLst>
+              <a:ext uri="{FF2B5EF4-FFF2-40B4-BE49-F238E27FC236}">
+                <a16:creationId xmlns:a16="http://schemas.microsoft.com/office/drawing/2014/main" id="{42D923B5-8E0C-47AA-ABC0-27CA50907313}"/>
+              </a:ext>
+            </a:extLst>
+          </p:cNvPr>
+          <p:cNvSpPr/>
+          <p:nvPr/>
+        </p:nvSpPr>
+        <p:spPr>
+          <a:xfrm>
+            <a:off x="4148775" y="4240390"/>
+            <a:ext cx="234360" cy="246221"/>
+          </a:xfrm>
+          <a:prstGeom prst="rect">
+            <a:avLst/>
+          </a:prstGeom>
+        </p:spPr>
+        <p:txBody>
+          <a:bodyPr wrap="none">
+            <a:spAutoFit/>
+          </a:bodyPr>
+          <a:lstStyle/>
+          <a:p>
+            <a:r>
+              <a:rPr lang="en-US" altLang="zh-CN" sz="1000" b="1" dirty="0">
+                <a:solidFill>
+                  <a:schemeClr val="bg1"/>
+                </a:solidFill>
+                <a:latin typeface="Times New Roman" panose="02020603050405020304" pitchFamily="18" charset="0"/>
+                <a:cs typeface="Times New Roman" panose="02020603050405020304" pitchFamily="18" charset="0"/>
+              </a:rPr>
+              <a:t>I</a:t>
+            </a:r>
+            <a:endParaRPr lang="en-US" sz="1000" b="1" dirty="0">
+              <a:solidFill>
+                <a:schemeClr val="bg1"/>
+              </a:solidFill>
+              <a:latin typeface="Times New Roman" panose="02020603050405020304" pitchFamily="18" charset="0"/>
+              <a:cs typeface="Times New Roman" panose="02020603050405020304" pitchFamily="18" charset="0"/>
+            </a:endParaRPr>
+          </a:p>
+        </p:txBody>
+      </p:sp>
+      <p:sp>
+        <p:nvSpPr>
+          <p:cNvPr id="118" name="Rectangle 55">
+            <a:extLst>
+              <a:ext uri="{FF2B5EF4-FFF2-40B4-BE49-F238E27FC236}">
+                <a16:creationId xmlns:a16="http://schemas.microsoft.com/office/drawing/2014/main" id="{7CC3742E-027F-4545-96E7-99D046367B10}"/>
+              </a:ext>
+            </a:extLst>
+          </p:cNvPr>
+          <p:cNvSpPr/>
+          <p:nvPr/>
+        </p:nvSpPr>
+        <p:spPr>
+          <a:xfrm>
+            <a:off x="4025507" y="3726083"/>
+            <a:ext cx="277640" cy="246221"/>
+          </a:xfrm>
+          <a:prstGeom prst="rect">
+            <a:avLst/>
+          </a:prstGeom>
+        </p:spPr>
+        <p:txBody>
+          <a:bodyPr wrap="none">
+            <a:spAutoFit/>
+          </a:bodyPr>
+          <a:lstStyle/>
+          <a:p>
+            <a:r>
+              <a:rPr lang="en-US" altLang="zh-CN" sz="1000" b="1" dirty="0">
+                <a:solidFill>
+                  <a:srgbClr val="FF0000"/>
+                </a:solidFill>
+                <a:latin typeface="Times New Roman" panose="02020603050405020304" pitchFamily="18" charset="0"/>
+                <a:cs typeface="Times New Roman" panose="02020603050405020304" pitchFamily="18" charset="0"/>
+              </a:rPr>
+              <a:t>A</a:t>
+            </a:r>
+            <a:endParaRPr lang="en-US" sz="1000" b="1" dirty="0">
+              <a:solidFill>
+                <a:srgbClr val="FF0000"/>
+              </a:solidFill>
+              <a:latin typeface="Times New Roman" panose="02020603050405020304" pitchFamily="18" charset="0"/>
+              <a:cs typeface="Times New Roman" panose="02020603050405020304" pitchFamily="18" charset="0"/>
+            </a:endParaRPr>
+          </a:p>
+        </p:txBody>
+      </p:sp>
+      <p:sp>
+        <p:nvSpPr>
+          <p:cNvPr id="119" name="Rectangle 55">
+            <a:extLst>
+              <a:ext uri="{FF2B5EF4-FFF2-40B4-BE49-F238E27FC236}">
+                <a16:creationId xmlns:a16="http://schemas.microsoft.com/office/drawing/2014/main" id="{23F13F8C-4112-4ECD-A77A-0D5938E7900B}"/>
+              </a:ext>
+            </a:extLst>
+          </p:cNvPr>
+          <p:cNvSpPr/>
+          <p:nvPr/>
+        </p:nvSpPr>
+        <p:spPr>
+          <a:xfrm>
+            <a:off x="3825613" y="3736198"/>
+            <a:ext cx="284052" cy="246221"/>
+          </a:xfrm>
+          <a:prstGeom prst="rect">
+            <a:avLst/>
+          </a:prstGeom>
+        </p:spPr>
+        <p:txBody>
+          <a:bodyPr wrap="none">
+            <a:spAutoFit/>
+          </a:bodyPr>
+          <a:lstStyle/>
+          <a:p>
+            <a:r>
+              <a:rPr lang="en-US" sz="1000" b="1" dirty="0">
+                <a:solidFill>
+                  <a:srgbClr val="3366FF"/>
+                </a:solidFill>
+                <a:latin typeface="Times New Roman" panose="02020603050405020304" pitchFamily="18" charset="0"/>
+                <a:cs typeface="Times New Roman" panose="02020603050405020304" pitchFamily="18" charset="0"/>
+              </a:rPr>
+              <a:t>G</a:t>
+            </a:r>
+          </a:p>
+        </p:txBody>
+      </p:sp>
+      <p:sp>
+        <p:nvSpPr>
+          <p:cNvPr id="120" name="Rectangle 55">
+            <a:extLst>
+              <a:ext uri="{FF2B5EF4-FFF2-40B4-BE49-F238E27FC236}">
+                <a16:creationId xmlns:a16="http://schemas.microsoft.com/office/drawing/2014/main" id="{CE38EFAC-DBD6-4D65-B741-02D6D48E1673}"/>
+              </a:ext>
+            </a:extLst>
+          </p:cNvPr>
+          <p:cNvSpPr/>
+          <p:nvPr/>
+        </p:nvSpPr>
+        <p:spPr>
+          <a:xfrm>
+            <a:off x="3628224" y="3812674"/>
+            <a:ext cx="277640" cy="246221"/>
+          </a:xfrm>
+          <a:prstGeom prst="rect">
+            <a:avLst/>
+          </a:prstGeom>
+        </p:spPr>
+        <p:txBody>
+          <a:bodyPr wrap="none">
+            <a:spAutoFit/>
+          </a:bodyPr>
+          <a:lstStyle/>
+          <a:p>
+            <a:r>
+              <a:rPr lang="en-US" sz="1000" b="1" dirty="0">
+                <a:solidFill>
+                  <a:srgbClr val="33CC33"/>
+                </a:solidFill>
+                <a:latin typeface="Times New Roman" panose="02020603050405020304" pitchFamily="18" charset="0"/>
+                <a:cs typeface="Times New Roman" panose="02020603050405020304" pitchFamily="18" charset="0"/>
+              </a:rPr>
+              <a:t>U</a:t>
+            </a:r>
+          </a:p>
+        </p:txBody>
+      </p:sp>
+      <p:sp>
+        <p:nvSpPr>
+          <p:cNvPr id="122" name="Rectangle 55">
+            <a:extLst>
+              <a:ext uri="{FF2B5EF4-FFF2-40B4-BE49-F238E27FC236}">
+                <a16:creationId xmlns:a16="http://schemas.microsoft.com/office/drawing/2014/main" id="{D79984FB-D3F2-4BB6-B13A-E6FDD85F1CB9}"/>
+              </a:ext>
+            </a:extLst>
+          </p:cNvPr>
+          <p:cNvSpPr/>
+          <p:nvPr/>
+        </p:nvSpPr>
+        <p:spPr>
+          <a:xfrm>
+            <a:off x="3480122" y="3955968"/>
+            <a:ext cx="277640" cy="246221"/>
+          </a:xfrm>
+          <a:prstGeom prst="rect">
+            <a:avLst/>
+          </a:prstGeom>
+        </p:spPr>
+        <p:txBody>
+          <a:bodyPr wrap="none">
+            <a:spAutoFit/>
+          </a:bodyPr>
+          <a:lstStyle/>
+          <a:p>
+            <a:r>
+              <a:rPr lang="en-US" sz="1000" b="1" dirty="0">
+                <a:solidFill>
+                  <a:srgbClr val="FF9900"/>
+                </a:solidFill>
+                <a:latin typeface="Times New Roman" panose="02020603050405020304" pitchFamily="18" charset="0"/>
+                <a:cs typeface="Times New Roman" panose="02020603050405020304" pitchFamily="18" charset="0"/>
+              </a:rPr>
+              <a:t>C</a:t>
+            </a:r>
+          </a:p>
+        </p:txBody>
+      </p:sp>
+      <p:sp>
+        <p:nvSpPr>
+          <p:cNvPr id="127" name="文本框 126">
+            <a:extLst>
+              <a:ext uri="{FF2B5EF4-FFF2-40B4-BE49-F238E27FC236}">
+                <a16:creationId xmlns:a16="http://schemas.microsoft.com/office/drawing/2014/main" id="{9E75149F-CAB9-409C-8DF4-328713BB8358}"/>
+              </a:ext>
+            </a:extLst>
+          </p:cNvPr>
+          <p:cNvSpPr txBox="1"/>
+          <p:nvPr/>
+        </p:nvSpPr>
+        <p:spPr>
+          <a:xfrm rot="1647995">
+            <a:off x="3676661" y="4474034"/>
+            <a:ext cx="593432" cy="276999"/>
+          </a:xfrm>
+          <a:prstGeom prst="rect">
+            <a:avLst/>
+          </a:prstGeom>
+          <a:noFill/>
+          <a:effectLst/>
+        </p:spPr>
+        <p:txBody>
+          <a:bodyPr wrap="none" rtlCol="0">
+            <a:spAutoFit/>
+          </a:bodyPr>
+          <a:lstStyle/>
+          <a:p>
+            <a:r>
+              <a:rPr lang="en-US" sz="1200" b="1" dirty="0">
+                <a:solidFill>
+                  <a:schemeClr val="tx1">
+                    <a:lumMod val="65000"/>
+                    <a:lumOff val="35000"/>
+                  </a:schemeClr>
+                </a:solidFill>
+                <a:latin typeface="Times New Roman" panose="02020603050405020304" pitchFamily="18" charset="0"/>
+                <a:cs typeface="Times New Roman" panose="02020603050405020304" pitchFamily="18" charset="0"/>
+              </a:rPr>
+              <a:t>ARES</a:t>
+            </a:r>
+          </a:p>
+        </p:txBody>
+      </p:sp>
+      <p:sp>
+        <p:nvSpPr>
+          <p:cNvPr id="12" name="弦形 11">
+            <a:extLst>
+              <a:ext uri="{FF2B5EF4-FFF2-40B4-BE49-F238E27FC236}">
+                <a16:creationId xmlns:a16="http://schemas.microsoft.com/office/drawing/2014/main" id="{43CAEDA4-1BA7-46DC-A198-7F092EC434AC}"/>
+              </a:ext>
+            </a:extLst>
+          </p:cNvPr>
+          <p:cNvSpPr/>
+          <p:nvPr/>
+        </p:nvSpPr>
+        <p:spPr>
+          <a:xfrm rot="19838953">
+            <a:off x="4207798" y="4374755"/>
+            <a:ext cx="203960" cy="210595"/>
+          </a:xfrm>
+          <a:prstGeom prst="chord">
+            <a:avLst>
+              <a:gd name="adj1" fmla="val 3269547"/>
+              <a:gd name="adj2" fmla="val 10530933"/>
+            </a:avLst>
+          </a:prstGeom>
+          <a:solidFill>
+            <a:schemeClr val="bg1"/>
+          </a:solidFill>
+          <a:ln>
+            <a:noFill/>
+          </a:ln>
+        </p:spPr>
+        <p:style>
+          <a:lnRef idx="2">
+            <a:schemeClr val="accent1">
+              <a:shade val="50000"/>
+            </a:schemeClr>
+          </a:lnRef>
+          <a:fillRef idx="1">
+            <a:schemeClr val="accent1"/>
+          </a:fillRef>
+          <a:effectRef idx="0">
+            <a:schemeClr val="accent1"/>
+          </a:effectRef>
+          <a:fontRef idx="minor">
+            <a:schemeClr val="lt1"/>
+          </a:fontRef>
+        </p:style>
+        <p:txBody>
+          <a:bodyPr rtlCol="0" anchor="ctr"/>
+          <a:lstStyle/>
+          <a:p>
+            <a:pPr algn="ctr"/>
+            <a:endParaRPr lang="en-US"/>
+          </a:p>
+        </p:txBody>
+      </p:sp>
     </p:spTree>
     <p:extLst>
       <p:ext uri="{BB962C8B-B14F-4D97-AF65-F5344CB8AC3E}">
@@ -6952,6 +9005,36 @@
           <a:xfrm>
             <a:off x="2919566" y="1632155"/>
             <a:ext cx="3176434" cy="3176434"/>
+          </a:xfrm>
+          <a:prstGeom prst="rect">
+            <a:avLst/>
+          </a:prstGeom>
+        </p:spPr>
+      </p:pic>
+      <p:pic>
+        <p:nvPicPr>
+          <p:cNvPr id="5" name="图片 4">
+            <a:extLst>
+              <a:ext uri="{FF2B5EF4-FFF2-40B4-BE49-F238E27FC236}">
+                <a16:creationId xmlns:a16="http://schemas.microsoft.com/office/drawing/2014/main" id="{A2CE091F-2A3C-49BA-906D-3F4FD2A6FD7C}"/>
+              </a:ext>
+            </a:extLst>
+          </p:cNvPr>
+          <p:cNvPicPr>
+            <a:picLocks noChangeAspect="1"/>
+          </p:cNvPicPr>
+          <p:nvPr/>
+        </p:nvPicPr>
+        <p:blipFill>
+          <a:blip r:embed="rId3"/>
+          <a:stretch>
+            <a:fillRect/>
+          </a:stretch>
+        </p:blipFill>
+        <p:spPr>
+          <a:xfrm>
+            <a:off x="6817360" y="1337681"/>
+            <a:ext cx="3802364" cy="3470908"/>
           </a:xfrm>
           <a:prstGeom prst="rect">
             <a:avLst/>

--- a/SupFiles/ARES_logo.pptx
+++ b/SupFiles/ARES_logo.pptx
@@ -7813,7 +7813,11 @@
           <a:lstStyle/>
           <a:p>
             <a:pPr algn="ctr"/>
-            <a:endParaRPr lang="en-US"/>
+            <a:endParaRPr lang="en-US">
+              <a:solidFill>
+                <a:schemeClr val="accent1"/>
+              </a:solidFill>
+            </a:endParaRPr>
           </a:p>
         </p:txBody>
       </p:sp>
@@ -8234,7 +8238,9 @@
             <a:avLst/>
           </a:prstGeom>
           <a:solidFill>
-            <a:srgbClr val="FF9900"/>
+            <a:schemeClr val="accent6">
+              <a:lumMod val="75000"/>
+            </a:schemeClr>
           </a:solidFill>
           <a:ln>
             <a:noFill/>
@@ -8346,7 +8352,7 @@
             <a:avLst/>
           </a:prstGeom>
           <a:solidFill>
-            <a:srgbClr val="3366FF"/>
+            <a:schemeClr val="accent1"/>
           </a:solidFill>
           <a:ln>
             <a:noFill/>
@@ -8398,7 +8404,7 @@
             <a:avLst/>
           </a:prstGeom>
           <a:solidFill>
-            <a:srgbClr val="33CC33"/>
+            <a:srgbClr val="FF9900"/>
           </a:solidFill>
           <a:ln>
             <a:noFill/>
@@ -8761,7 +8767,7 @@
             <a:r>
               <a:rPr lang="en-US" sz="1000" b="1" dirty="0">
                 <a:solidFill>
-                  <a:srgbClr val="3366FF"/>
+                  <a:schemeClr val="accent1"/>
                 </a:solidFill>
                 <a:latin typeface="Times New Roman" panose="02020603050405020304" pitchFamily="18" charset="0"/>
                 <a:cs typeface="Times New Roman" panose="02020603050405020304" pitchFamily="18" charset="0"/>
@@ -8801,12 +8807,12 @@
             <a:r>
               <a:rPr lang="en-US" sz="1000" b="1" dirty="0">
                 <a:solidFill>
-                  <a:srgbClr val="33CC33"/>
+                  <a:srgbClr val="FF9900"/>
                 </a:solidFill>
                 <a:latin typeface="Times New Roman" panose="02020603050405020304" pitchFamily="18" charset="0"/>
                 <a:cs typeface="Times New Roman" panose="02020603050405020304" pitchFamily="18" charset="0"/>
               </a:rPr>
-              <a:t>U</a:t>
+              <a:t>C</a:t>
             </a:r>
           </a:p>
         </p:txBody>
@@ -8841,12 +8847,14 @@
             <a:r>
               <a:rPr lang="en-US" sz="1000" b="1" dirty="0">
                 <a:solidFill>
-                  <a:srgbClr val="FF9900"/>
+                  <a:schemeClr val="accent6">
+                    <a:lumMod val="75000"/>
+                  </a:schemeClr>
                 </a:solidFill>
                 <a:latin typeface="Times New Roman" panose="02020603050405020304" pitchFamily="18" charset="0"/>
                 <a:cs typeface="Times New Roman" panose="02020603050405020304" pitchFamily="18" charset="0"/>
               </a:rPr>
-              <a:t>C</a:t>
+              <a:t>U</a:t>
             </a:r>
           </a:p>
         </p:txBody>
@@ -9013,10 +9021,10 @@
       </p:pic>
       <p:pic>
         <p:nvPicPr>
-          <p:cNvPr id="5" name="图片 4">
-            <a:extLst>
-              <a:ext uri="{FF2B5EF4-FFF2-40B4-BE49-F238E27FC236}">
-                <a16:creationId xmlns:a16="http://schemas.microsoft.com/office/drawing/2014/main" id="{A2CE091F-2A3C-49BA-906D-3F4FD2A6FD7C}"/>
+          <p:cNvPr id="9" name="图片 8">
+            <a:extLst>
+              <a:ext uri="{FF2B5EF4-FFF2-40B4-BE49-F238E27FC236}">
+                <a16:creationId xmlns:a16="http://schemas.microsoft.com/office/drawing/2014/main" id="{C2E9313B-C71F-4974-AAFC-C3E4E40B63E6}"/>
               </a:ext>
             </a:extLst>
           </p:cNvPr>
@@ -9033,8 +9041,8 @@
         </p:blipFill>
         <p:spPr>
           <a:xfrm>
-            <a:off x="6817360" y="1337681"/>
-            <a:ext cx="3802364" cy="3470908"/>
+            <a:off x="6829107" y="1744949"/>
+            <a:ext cx="3226473" cy="2950845"/>
           </a:xfrm>
           <a:prstGeom prst="rect">
             <a:avLst/>

--- a/SupFiles/ARES_logo.pptx
+++ b/SupFiles/ARES_logo.pptx
@@ -6917,7 +6917,7 @@
         </p:nvSpPr>
         <p:spPr>
           <a:xfrm>
-            <a:off x="3188188" y="3494399"/>
+            <a:off x="2332432" y="3270103"/>
             <a:ext cx="1661722" cy="1666240"/>
           </a:xfrm>
           <a:prstGeom prst="chord">
@@ -6984,7 +6984,7 @@
         </p:nvCxnSpPr>
         <p:spPr>
           <a:xfrm>
-            <a:off x="3234138" y="4030563"/>
+            <a:off x="2378382" y="3806267"/>
             <a:ext cx="808155" cy="284502"/>
           </a:xfrm>
           <a:prstGeom prst="line">
@@ -7028,7 +7028,7 @@
         </p:nvCxnSpPr>
         <p:spPr>
           <a:xfrm>
-            <a:off x="3222063" y="4086219"/>
+            <a:off x="2366307" y="3861923"/>
             <a:ext cx="820230" cy="228846"/>
           </a:xfrm>
           <a:prstGeom prst="line">
@@ -7072,7 +7072,7 @@
         </p:nvCxnSpPr>
         <p:spPr>
           <a:xfrm>
-            <a:off x="3247170" y="3958835"/>
+            <a:off x="2391414" y="3734539"/>
             <a:ext cx="795123" cy="356230"/>
           </a:xfrm>
           <a:prstGeom prst="line">
@@ -7116,7 +7116,7 @@
         </p:nvCxnSpPr>
         <p:spPr>
           <a:xfrm>
-            <a:off x="3304320" y="3892009"/>
+            <a:off x="2448564" y="3667713"/>
             <a:ext cx="737973" cy="423056"/>
           </a:xfrm>
           <a:prstGeom prst="line">
@@ -7160,7 +7160,7 @@
         </p:nvCxnSpPr>
         <p:spPr>
           <a:xfrm>
-            <a:off x="3346230" y="3814087"/>
+            <a:off x="2490474" y="3589791"/>
             <a:ext cx="696063" cy="500978"/>
           </a:xfrm>
           <a:prstGeom prst="line">
@@ -7204,7 +7204,7 @@
         </p:nvCxnSpPr>
         <p:spPr>
           <a:xfrm>
-            <a:off x="3409861" y="3731883"/>
+            <a:off x="2554105" y="3507587"/>
             <a:ext cx="632432" cy="583182"/>
           </a:xfrm>
           <a:prstGeom prst="line">
@@ -7248,7 +7248,7 @@
         </p:nvCxnSpPr>
         <p:spPr>
           <a:xfrm>
-            <a:off x="3481427" y="3661471"/>
+            <a:off x="2625671" y="3437175"/>
             <a:ext cx="543966" cy="640443"/>
           </a:xfrm>
           <a:prstGeom prst="line">
@@ -7292,7 +7292,7 @@
         </p:nvCxnSpPr>
         <p:spPr>
           <a:xfrm>
-            <a:off x="3584409" y="3612684"/>
+            <a:off x="2728653" y="3388388"/>
             <a:ext cx="457884" cy="702381"/>
           </a:xfrm>
           <a:prstGeom prst="line">
@@ -7336,7 +7336,7 @@
         </p:nvCxnSpPr>
         <p:spPr>
           <a:xfrm>
-            <a:off x="3694261" y="3557701"/>
+            <a:off x="2838505" y="3333405"/>
             <a:ext cx="331132" cy="744213"/>
           </a:xfrm>
           <a:prstGeom prst="line">
@@ -7380,7 +7380,7 @@
         </p:nvCxnSpPr>
         <p:spPr>
           <a:xfrm>
-            <a:off x="3839791" y="3502529"/>
+            <a:off x="2984035" y="3278233"/>
             <a:ext cx="202502" cy="812536"/>
           </a:xfrm>
           <a:prstGeom prst="line">
@@ -7424,7 +7424,7 @@
         </p:nvCxnSpPr>
         <p:spPr>
           <a:xfrm>
-            <a:off x="4000194" y="3480399"/>
+            <a:off x="3144438" y="3256103"/>
             <a:ext cx="25199" cy="821515"/>
           </a:xfrm>
           <a:prstGeom prst="line">
@@ -7468,7 +7468,7 @@
         </p:nvCxnSpPr>
         <p:spPr>
           <a:xfrm flipH="1">
-            <a:off x="4042293" y="3494399"/>
+            <a:off x="3186537" y="3270103"/>
             <a:ext cx="116132" cy="820666"/>
           </a:xfrm>
           <a:prstGeom prst="line">
@@ -7512,7 +7512,7 @@
         </p:nvCxnSpPr>
         <p:spPr>
           <a:xfrm flipH="1">
-            <a:off x="4025393" y="3543333"/>
+            <a:off x="3169637" y="3319037"/>
             <a:ext cx="304578" cy="758581"/>
           </a:xfrm>
           <a:prstGeom prst="line">
@@ -7556,7 +7556,7 @@
         </p:nvCxnSpPr>
         <p:spPr>
           <a:xfrm flipH="1">
-            <a:off x="4025393" y="3621792"/>
+            <a:off x="3169637" y="3397496"/>
             <a:ext cx="474098" cy="680122"/>
           </a:xfrm>
           <a:prstGeom prst="line">
@@ -7600,7 +7600,7 @@
         </p:nvCxnSpPr>
         <p:spPr>
           <a:xfrm>
-            <a:off x="3187773" y="4277829"/>
+            <a:off x="2332017" y="4053533"/>
             <a:ext cx="837620" cy="24085"/>
           </a:xfrm>
           <a:prstGeom prst="line">
@@ -7644,7 +7644,7 @@
         </p:nvCxnSpPr>
         <p:spPr>
           <a:xfrm>
-            <a:off x="3187773" y="4189089"/>
+            <a:off x="2332017" y="3964793"/>
             <a:ext cx="854520" cy="125976"/>
           </a:xfrm>
           <a:prstGeom prst="line">
@@ -7688,7 +7688,7 @@
         </p:nvCxnSpPr>
         <p:spPr>
           <a:xfrm>
-            <a:off x="3187773" y="4139559"/>
+            <a:off x="2332017" y="3915263"/>
             <a:ext cx="854520" cy="175506"/>
           </a:xfrm>
           <a:prstGeom prst="line">
@@ -7731,7 +7731,7 @@
         </p:nvCxnSpPr>
         <p:spPr>
           <a:xfrm>
-            <a:off x="3188216" y="4235488"/>
+            <a:off x="2332460" y="4011192"/>
             <a:ext cx="880346" cy="72821"/>
           </a:xfrm>
           <a:prstGeom prst="line">
@@ -7772,7 +7772,7 @@
         </p:nvSpPr>
         <p:spPr>
           <a:xfrm>
-            <a:off x="3473839" y="3759891"/>
+            <a:off x="2618083" y="3535595"/>
             <a:ext cx="1136370" cy="1106908"/>
           </a:xfrm>
           <a:prstGeom prst="chord">
@@ -7835,7 +7835,7 @@
         </p:nvSpPr>
         <p:spPr>
           <a:xfrm rot="5400000">
-            <a:off x="3802821" y="3992974"/>
+            <a:off x="2947065" y="3768678"/>
             <a:ext cx="478406" cy="609600"/>
           </a:xfrm>
           <a:prstGeom prst="chord">
@@ -7894,7 +7894,7 @@
         </p:nvSpPr>
         <p:spPr>
           <a:xfrm>
-            <a:off x="3744813" y="4301914"/>
+            <a:off x="2889057" y="4077618"/>
             <a:ext cx="561159" cy="269813"/>
           </a:xfrm>
           <a:prstGeom prst="rect">
@@ -7948,7 +7948,7 @@
         </p:nvSpPr>
         <p:spPr>
           <a:xfrm flipH="1" flipV="1">
-            <a:off x="3727735" y="4571376"/>
+            <a:off x="2871979" y="4347080"/>
             <a:ext cx="578237" cy="301814"/>
           </a:xfrm>
           <a:prstGeom prst="triangle">
@@ -8004,7 +8004,7 @@
         </p:nvSpPr>
         <p:spPr>
           <a:xfrm>
-            <a:off x="4178258" y="4308308"/>
+            <a:off x="3322502" y="4084012"/>
             <a:ext cx="127714" cy="484979"/>
           </a:xfrm>
           <a:prstGeom prst="rect">
@@ -8059,7 +8059,7 @@
         </p:nvSpPr>
         <p:spPr>
           <a:xfrm flipV="1">
-            <a:off x="3976511" y="4308303"/>
+            <a:off x="3120755" y="4084007"/>
             <a:ext cx="329461" cy="137951"/>
           </a:xfrm>
           <a:prstGeom prst="triangle">
@@ -8116,7 +8116,7 @@
         </p:nvSpPr>
         <p:spPr>
           <a:xfrm>
-            <a:off x="3187773" y="4329575"/>
+            <a:off x="2332017" y="4105279"/>
             <a:ext cx="549036" cy="576995"/>
           </a:xfrm>
           <a:prstGeom prst="rect">
@@ -8170,7 +8170,7 @@
         </p:nvSpPr>
         <p:spPr>
           <a:xfrm rot="16200000">
-            <a:off x="3663755" y="3937999"/>
+            <a:off x="2807999" y="3713703"/>
             <a:ext cx="849531" cy="898386"/>
           </a:xfrm>
           <a:prstGeom prst="arc">
@@ -8231,7 +8231,7 @@
         </p:nvSpPr>
         <p:spPr>
           <a:xfrm>
-            <a:off x="3659170" y="4097021"/>
+            <a:off x="2803414" y="3872725"/>
             <a:ext cx="101600" cy="101600"/>
           </a:xfrm>
           <a:prstGeom prst="ellipse">
@@ -8289,7 +8289,7 @@
         </p:nvSpPr>
         <p:spPr>
           <a:xfrm>
-            <a:off x="4108040" y="3917200"/>
+            <a:off x="3252284" y="3692904"/>
             <a:ext cx="101600" cy="101600"/>
           </a:xfrm>
           <a:prstGeom prst="ellipse">
@@ -8345,7 +8345,7 @@
         </p:nvSpPr>
         <p:spPr>
           <a:xfrm>
-            <a:off x="3943906" y="3920567"/>
+            <a:off x="3088150" y="3696271"/>
             <a:ext cx="101600" cy="101600"/>
           </a:xfrm>
           <a:prstGeom prst="ellipse">
@@ -8397,7 +8397,7 @@
         </p:nvSpPr>
         <p:spPr>
           <a:xfrm>
-            <a:off x="3773961" y="3978817"/>
+            <a:off x="2918205" y="3754521"/>
             <a:ext cx="101600" cy="101600"/>
           </a:xfrm>
           <a:prstGeom prst="ellipse">
@@ -8449,7 +8449,7 @@
         </p:nvSpPr>
         <p:spPr>
           <a:xfrm>
-            <a:off x="4108040" y="4311916"/>
+            <a:off x="3252284" y="4087620"/>
             <a:ext cx="101600" cy="101600"/>
           </a:xfrm>
           <a:prstGeom prst="ellipse">
@@ -8505,7 +8505,7 @@
         </p:nvCxnSpPr>
         <p:spPr>
           <a:xfrm>
-            <a:off x="4158840" y="4018800"/>
+            <a:off x="3303084" y="3794504"/>
             <a:ext cx="0" cy="293116"/>
           </a:xfrm>
           <a:prstGeom prst="straightConnector1">
@@ -8551,7 +8551,7 @@
         </p:nvSpPr>
         <p:spPr>
           <a:xfrm rot="5400000">
-            <a:off x="4179946" y="4649483"/>
+            <a:off x="3324190" y="4425187"/>
             <a:ext cx="215700" cy="219075"/>
           </a:xfrm>
           <a:prstGeom prst="triangle">
@@ -8605,7 +8605,7 @@
         </p:nvSpPr>
         <p:spPr>
           <a:xfrm>
-            <a:off x="4213077" y="4742467"/>
+            <a:off x="3357321" y="4518171"/>
             <a:ext cx="272515" cy="144723"/>
           </a:xfrm>
           <a:prstGeom prst="rect">
@@ -8657,7 +8657,7 @@
         </p:nvSpPr>
         <p:spPr>
           <a:xfrm>
-            <a:off x="4148775" y="4240390"/>
+            <a:off x="3293019" y="4016094"/>
             <a:ext cx="234360" cy="246221"/>
           </a:xfrm>
           <a:prstGeom prst="rect">
@@ -8704,7 +8704,7 @@
         </p:nvSpPr>
         <p:spPr>
           <a:xfrm>
-            <a:off x="4025507" y="3726083"/>
+            <a:off x="3169751" y="3501787"/>
             <a:ext cx="277640" cy="246221"/>
           </a:xfrm>
           <a:prstGeom prst="rect">
@@ -8751,7 +8751,7 @@
         </p:nvSpPr>
         <p:spPr>
           <a:xfrm>
-            <a:off x="3825613" y="3736198"/>
+            <a:off x="2969857" y="3511902"/>
             <a:ext cx="284052" cy="246221"/>
           </a:xfrm>
           <a:prstGeom prst="rect">
@@ -8791,7 +8791,7 @@
         </p:nvSpPr>
         <p:spPr>
           <a:xfrm>
-            <a:off x="3628224" y="3812674"/>
+            <a:off x="2772468" y="3588378"/>
             <a:ext cx="277640" cy="246221"/>
           </a:xfrm>
           <a:prstGeom prst="rect">
@@ -8831,7 +8831,7 @@
         </p:nvSpPr>
         <p:spPr>
           <a:xfrm>
-            <a:off x="3480122" y="3955968"/>
+            <a:off x="2624366" y="3731672"/>
             <a:ext cx="277640" cy="246221"/>
           </a:xfrm>
           <a:prstGeom prst="rect">
@@ -8873,7 +8873,7 @@
         </p:nvSpPr>
         <p:spPr>
           <a:xfrm rot="1647995">
-            <a:off x="3676661" y="4474034"/>
+            <a:off x="2820905" y="4249738"/>
             <a:ext cx="593432" cy="276999"/>
           </a:xfrm>
           <a:prstGeom prst="rect">
@@ -8918,7 +8918,7 @@
         </p:nvSpPr>
         <p:spPr>
           <a:xfrm rot="19838953">
-            <a:off x="4207798" y="4374755"/>
+            <a:off x="3352042" y="4150459"/>
             <a:ext cx="203960" cy="210595"/>
           </a:xfrm>
           <a:prstGeom prst="chord">
@@ -8959,6 +8959,4090 @@
           </a:p>
         </p:txBody>
       </p:sp>
+      <p:sp>
+        <p:nvSpPr>
+          <p:cNvPr id="129" name="弦形 128">
+            <a:extLst>
+              <a:ext uri="{FF2B5EF4-FFF2-40B4-BE49-F238E27FC236}">
+                <a16:creationId xmlns:a16="http://schemas.microsoft.com/office/drawing/2014/main" id="{52A90F2F-A1F4-4A78-BF65-E0CA1FFE4E68}"/>
+              </a:ext>
+            </a:extLst>
+          </p:cNvPr>
+          <p:cNvSpPr/>
+          <p:nvPr/>
+        </p:nvSpPr>
+        <p:spPr>
+          <a:xfrm>
+            <a:off x="5092042" y="3174781"/>
+            <a:ext cx="1661722" cy="1666240"/>
+          </a:xfrm>
+          <a:prstGeom prst="chord">
+            <a:avLst>
+              <a:gd name="adj1" fmla="val 8275321"/>
+              <a:gd name="adj2" fmla="val 18995435"/>
+            </a:avLst>
+          </a:prstGeom>
+          <a:solidFill>
+            <a:schemeClr val="tx1">
+              <a:lumMod val="65000"/>
+              <a:lumOff val="35000"/>
+            </a:schemeClr>
+          </a:solidFill>
+          <a:ln>
+            <a:noFill/>
+          </a:ln>
+        </p:spPr>
+        <p:style>
+          <a:lnRef idx="2">
+            <a:schemeClr val="accent1">
+              <a:shade val="50000"/>
+            </a:schemeClr>
+          </a:lnRef>
+          <a:fillRef idx="1">
+            <a:schemeClr val="accent1"/>
+          </a:fillRef>
+          <a:effectRef idx="0">
+            <a:schemeClr val="accent1"/>
+          </a:effectRef>
+          <a:fontRef idx="minor">
+            <a:schemeClr val="lt1"/>
+          </a:fontRef>
+        </p:style>
+        <p:txBody>
+          <a:bodyPr rtlCol="0" anchor="ctr"/>
+          <a:lstStyle/>
+          <a:p>
+            <a:pPr algn="ctr"/>
+            <a:endParaRPr lang="en-US" dirty="0">
+              <a:solidFill>
+                <a:schemeClr val="bg2">
+                  <a:lumMod val="50000"/>
+                </a:schemeClr>
+              </a:solidFill>
+            </a:endParaRPr>
+          </a:p>
+        </p:txBody>
+      </p:sp>
+      <p:cxnSp>
+        <p:nvCxnSpPr>
+          <p:cNvPr id="130" name="直接连接符 129">
+            <a:extLst>
+              <a:ext uri="{FF2B5EF4-FFF2-40B4-BE49-F238E27FC236}">
+                <a16:creationId xmlns:a16="http://schemas.microsoft.com/office/drawing/2014/main" id="{8503D18A-16D4-4A4C-8F73-AC163BFFE6F3}"/>
+              </a:ext>
+            </a:extLst>
+          </p:cNvPr>
+          <p:cNvCxnSpPr>
+            <a:cxnSpLocks/>
+            <a:endCxn id="155" idx="2"/>
+          </p:cNvCxnSpPr>
+          <p:nvPr/>
+        </p:nvCxnSpPr>
+        <p:spPr>
+          <a:xfrm>
+            <a:off x="5137992" y="3710945"/>
+            <a:ext cx="808155" cy="284502"/>
+          </a:xfrm>
+          <a:prstGeom prst="line">
+            <a:avLst/>
+          </a:prstGeom>
+          <a:ln>
+            <a:solidFill>
+              <a:schemeClr val="bg1"/>
+            </a:solidFill>
+          </a:ln>
+        </p:spPr>
+        <p:style>
+          <a:lnRef idx="1">
+            <a:schemeClr val="accent1"/>
+          </a:lnRef>
+          <a:fillRef idx="0">
+            <a:schemeClr val="accent1"/>
+          </a:fillRef>
+          <a:effectRef idx="0">
+            <a:schemeClr val="accent1"/>
+          </a:effectRef>
+          <a:fontRef idx="minor">
+            <a:schemeClr val="tx1"/>
+          </a:fontRef>
+        </p:style>
+      </p:cxnSp>
+      <p:cxnSp>
+        <p:nvCxnSpPr>
+          <p:cNvPr id="132" name="直接连接符 131">
+            <a:extLst>
+              <a:ext uri="{FF2B5EF4-FFF2-40B4-BE49-F238E27FC236}">
+                <a16:creationId xmlns:a16="http://schemas.microsoft.com/office/drawing/2014/main" id="{14932D80-FBB2-4261-A6EB-4930AB6EBBC6}"/>
+              </a:ext>
+            </a:extLst>
+          </p:cNvPr>
+          <p:cNvCxnSpPr>
+            <a:cxnSpLocks/>
+            <a:endCxn id="155" idx="2"/>
+          </p:cNvCxnSpPr>
+          <p:nvPr/>
+        </p:nvCxnSpPr>
+        <p:spPr>
+          <a:xfrm>
+            <a:off x="5125917" y="3766601"/>
+            <a:ext cx="820230" cy="228846"/>
+          </a:xfrm>
+          <a:prstGeom prst="line">
+            <a:avLst/>
+          </a:prstGeom>
+          <a:ln>
+            <a:solidFill>
+              <a:schemeClr val="bg1"/>
+            </a:solidFill>
+          </a:ln>
+        </p:spPr>
+        <p:style>
+          <a:lnRef idx="1">
+            <a:schemeClr val="accent1"/>
+          </a:lnRef>
+          <a:fillRef idx="0">
+            <a:schemeClr val="accent1"/>
+          </a:fillRef>
+          <a:effectRef idx="0">
+            <a:schemeClr val="accent1"/>
+          </a:effectRef>
+          <a:fontRef idx="minor">
+            <a:schemeClr val="tx1"/>
+          </a:fontRef>
+        </p:style>
+      </p:cxnSp>
+      <p:cxnSp>
+        <p:nvCxnSpPr>
+          <p:cNvPr id="133" name="直接连接符 132">
+            <a:extLst>
+              <a:ext uri="{FF2B5EF4-FFF2-40B4-BE49-F238E27FC236}">
+                <a16:creationId xmlns:a16="http://schemas.microsoft.com/office/drawing/2014/main" id="{0BC158E4-FE8D-40C3-A805-52FA21D3A53C}"/>
+              </a:ext>
+            </a:extLst>
+          </p:cNvPr>
+          <p:cNvCxnSpPr>
+            <a:cxnSpLocks/>
+            <a:endCxn id="155" idx="2"/>
+          </p:cNvCxnSpPr>
+          <p:nvPr/>
+        </p:nvCxnSpPr>
+        <p:spPr>
+          <a:xfrm>
+            <a:off x="5151024" y="3639217"/>
+            <a:ext cx="795123" cy="356230"/>
+          </a:xfrm>
+          <a:prstGeom prst="line">
+            <a:avLst/>
+          </a:prstGeom>
+          <a:ln>
+            <a:solidFill>
+              <a:schemeClr val="bg1"/>
+            </a:solidFill>
+          </a:ln>
+        </p:spPr>
+        <p:style>
+          <a:lnRef idx="1">
+            <a:schemeClr val="accent1"/>
+          </a:lnRef>
+          <a:fillRef idx="0">
+            <a:schemeClr val="accent1"/>
+          </a:fillRef>
+          <a:effectRef idx="0">
+            <a:schemeClr val="accent1"/>
+          </a:effectRef>
+          <a:fontRef idx="minor">
+            <a:schemeClr val="tx1"/>
+          </a:fontRef>
+        </p:style>
+      </p:cxnSp>
+      <p:cxnSp>
+        <p:nvCxnSpPr>
+          <p:cNvPr id="135" name="直接连接符 134">
+            <a:extLst>
+              <a:ext uri="{FF2B5EF4-FFF2-40B4-BE49-F238E27FC236}">
+                <a16:creationId xmlns:a16="http://schemas.microsoft.com/office/drawing/2014/main" id="{7D6C96A0-5172-4B51-B982-27913778758B}"/>
+              </a:ext>
+            </a:extLst>
+          </p:cNvPr>
+          <p:cNvCxnSpPr>
+            <a:cxnSpLocks/>
+            <a:endCxn id="155" idx="2"/>
+          </p:cNvCxnSpPr>
+          <p:nvPr/>
+        </p:nvCxnSpPr>
+        <p:spPr>
+          <a:xfrm>
+            <a:off x="5208174" y="3572391"/>
+            <a:ext cx="737973" cy="423056"/>
+          </a:xfrm>
+          <a:prstGeom prst="line">
+            <a:avLst/>
+          </a:prstGeom>
+          <a:ln>
+            <a:solidFill>
+              <a:schemeClr val="bg1"/>
+            </a:solidFill>
+          </a:ln>
+        </p:spPr>
+        <p:style>
+          <a:lnRef idx="1">
+            <a:schemeClr val="accent1"/>
+          </a:lnRef>
+          <a:fillRef idx="0">
+            <a:schemeClr val="accent1"/>
+          </a:fillRef>
+          <a:effectRef idx="0">
+            <a:schemeClr val="accent1"/>
+          </a:effectRef>
+          <a:fontRef idx="minor">
+            <a:schemeClr val="tx1"/>
+          </a:fontRef>
+        </p:style>
+      </p:cxnSp>
+      <p:cxnSp>
+        <p:nvCxnSpPr>
+          <p:cNvPr id="136" name="直接连接符 135">
+            <a:extLst>
+              <a:ext uri="{FF2B5EF4-FFF2-40B4-BE49-F238E27FC236}">
+                <a16:creationId xmlns:a16="http://schemas.microsoft.com/office/drawing/2014/main" id="{15B4CB27-B589-4C73-873C-5A38E6C2644C}"/>
+              </a:ext>
+            </a:extLst>
+          </p:cNvPr>
+          <p:cNvCxnSpPr>
+            <a:cxnSpLocks/>
+            <a:endCxn id="155" idx="2"/>
+          </p:cNvCxnSpPr>
+          <p:nvPr/>
+        </p:nvCxnSpPr>
+        <p:spPr>
+          <a:xfrm>
+            <a:off x="5250084" y="3494469"/>
+            <a:ext cx="696063" cy="500978"/>
+          </a:xfrm>
+          <a:prstGeom prst="line">
+            <a:avLst/>
+          </a:prstGeom>
+          <a:ln>
+            <a:solidFill>
+              <a:schemeClr val="bg1"/>
+            </a:solidFill>
+          </a:ln>
+        </p:spPr>
+        <p:style>
+          <a:lnRef idx="1">
+            <a:schemeClr val="accent1"/>
+          </a:lnRef>
+          <a:fillRef idx="0">
+            <a:schemeClr val="accent1"/>
+          </a:fillRef>
+          <a:effectRef idx="0">
+            <a:schemeClr val="accent1"/>
+          </a:effectRef>
+          <a:fontRef idx="minor">
+            <a:schemeClr val="tx1"/>
+          </a:fontRef>
+        </p:style>
+      </p:cxnSp>
+      <p:cxnSp>
+        <p:nvCxnSpPr>
+          <p:cNvPr id="138" name="直接连接符 137">
+            <a:extLst>
+              <a:ext uri="{FF2B5EF4-FFF2-40B4-BE49-F238E27FC236}">
+                <a16:creationId xmlns:a16="http://schemas.microsoft.com/office/drawing/2014/main" id="{DF2A6AE7-7527-4163-8D79-888CB48333BB}"/>
+              </a:ext>
+            </a:extLst>
+          </p:cNvPr>
+          <p:cNvCxnSpPr>
+            <a:cxnSpLocks/>
+            <a:endCxn id="155" idx="2"/>
+          </p:cNvCxnSpPr>
+          <p:nvPr/>
+        </p:nvCxnSpPr>
+        <p:spPr>
+          <a:xfrm>
+            <a:off x="5313715" y="3412265"/>
+            <a:ext cx="632432" cy="583182"/>
+          </a:xfrm>
+          <a:prstGeom prst="line">
+            <a:avLst/>
+          </a:prstGeom>
+          <a:ln>
+            <a:solidFill>
+              <a:schemeClr val="bg1"/>
+            </a:solidFill>
+          </a:ln>
+        </p:spPr>
+        <p:style>
+          <a:lnRef idx="1">
+            <a:schemeClr val="accent1"/>
+          </a:lnRef>
+          <a:fillRef idx="0">
+            <a:schemeClr val="accent1"/>
+          </a:fillRef>
+          <a:effectRef idx="0">
+            <a:schemeClr val="accent1"/>
+          </a:effectRef>
+          <a:fontRef idx="minor">
+            <a:schemeClr val="tx1"/>
+          </a:fontRef>
+        </p:style>
+      </p:cxnSp>
+      <p:cxnSp>
+        <p:nvCxnSpPr>
+          <p:cNvPr id="139" name="直接连接符 138">
+            <a:extLst>
+              <a:ext uri="{FF2B5EF4-FFF2-40B4-BE49-F238E27FC236}">
+                <a16:creationId xmlns:a16="http://schemas.microsoft.com/office/drawing/2014/main" id="{5DB6037D-F871-4A3D-87E5-A07DD33CA868}"/>
+              </a:ext>
+            </a:extLst>
+          </p:cNvPr>
+          <p:cNvCxnSpPr>
+            <a:cxnSpLocks/>
+            <a:endCxn id="156" idx="0"/>
+          </p:cNvCxnSpPr>
+          <p:nvPr/>
+        </p:nvCxnSpPr>
+        <p:spPr>
+          <a:xfrm>
+            <a:off x="5385281" y="3341853"/>
+            <a:ext cx="543966" cy="640443"/>
+          </a:xfrm>
+          <a:prstGeom prst="line">
+            <a:avLst/>
+          </a:prstGeom>
+          <a:ln>
+            <a:solidFill>
+              <a:schemeClr val="bg1"/>
+            </a:solidFill>
+          </a:ln>
+        </p:spPr>
+        <p:style>
+          <a:lnRef idx="1">
+            <a:schemeClr val="accent1"/>
+          </a:lnRef>
+          <a:fillRef idx="0">
+            <a:schemeClr val="accent1"/>
+          </a:fillRef>
+          <a:effectRef idx="0">
+            <a:schemeClr val="accent1"/>
+          </a:effectRef>
+          <a:fontRef idx="minor">
+            <a:schemeClr val="tx1"/>
+          </a:fontRef>
+        </p:style>
+      </p:cxnSp>
+      <p:cxnSp>
+        <p:nvCxnSpPr>
+          <p:cNvPr id="141" name="直接连接符 140">
+            <a:extLst>
+              <a:ext uri="{FF2B5EF4-FFF2-40B4-BE49-F238E27FC236}">
+                <a16:creationId xmlns:a16="http://schemas.microsoft.com/office/drawing/2014/main" id="{E7A29320-F95A-423E-95E3-CAD297749096}"/>
+              </a:ext>
+            </a:extLst>
+          </p:cNvPr>
+          <p:cNvCxnSpPr>
+            <a:cxnSpLocks/>
+            <a:endCxn id="155" idx="2"/>
+          </p:cNvCxnSpPr>
+          <p:nvPr/>
+        </p:nvCxnSpPr>
+        <p:spPr>
+          <a:xfrm>
+            <a:off x="5488263" y="3293066"/>
+            <a:ext cx="457884" cy="702381"/>
+          </a:xfrm>
+          <a:prstGeom prst="line">
+            <a:avLst/>
+          </a:prstGeom>
+          <a:ln>
+            <a:solidFill>
+              <a:schemeClr val="bg1"/>
+            </a:solidFill>
+          </a:ln>
+        </p:spPr>
+        <p:style>
+          <a:lnRef idx="1">
+            <a:schemeClr val="accent1"/>
+          </a:lnRef>
+          <a:fillRef idx="0">
+            <a:schemeClr val="accent1"/>
+          </a:fillRef>
+          <a:effectRef idx="0">
+            <a:schemeClr val="accent1"/>
+          </a:effectRef>
+          <a:fontRef idx="minor">
+            <a:schemeClr val="tx1"/>
+          </a:fontRef>
+        </p:style>
+      </p:cxnSp>
+      <p:cxnSp>
+        <p:nvCxnSpPr>
+          <p:cNvPr id="142" name="直接连接符 141">
+            <a:extLst>
+              <a:ext uri="{FF2B5EF4-FFF2-40B4-BE49-F238E27FC236}">
+                <a16:creationId xmlns:a16="http://schemas.microsoft.com/office/drawing/2014/main" id="{99365552-A427-4F3F-9A43-3B426FECF1A1}"/>
+              </a:ext>
+            </a:extLst>
+          </p:cNvPr>
+          <p:cNvCxnSpPr>
+            <a:cxnSpLocks/>
+            <a:endCxn id="156" idx="0"/>
+          </p:cNvCxnSpPr>
+          <p:nvPr/>
+        </p:nvCxnSpPr>
+        <p:spPr>
+          <a:xfrm>
+            <a:off x="5598115" y="3238083"/>
+            <a:ext cx="331132" cy="744213"/>
+          </a:xfrm>
+          <a:prstGeom prst="line">
+            <a:avLst/>
+          </a:prstGeom>
+          <a:ln>
+            <a:solidFill>
+              <a:schemeClr val="bg1"/>
+            </a:solidFill>
+          </a:ln>
+        </p:spPr>
+        <p:style>
+          <a:lnRef idx="1">
+            <a:schemeClr val="accent1"/>
+          </a:lnRef>
+          <a:fillRef idx="0">
+            <a:schemeClr val="accent1"/>
+          </a:fillRef>
+          <a:effectRef idx="0">
+            <a:schemeClr val="accent1"/>
+          </a:effectRef>
+          <a:fontRef idx="minor">
+            <a:schemeClr val="tx1"/>
+          </a:fontRef>
+        </p:style>
+      </p:cxnSp>
+      <p:cxnSp>
+        <p:nvCxnSpPr>
+          <p:cNvPr id="144" name="直接连接符 143">
+            <a:extLst>
+              <a:ext uri="{FF2B5EF4-FFF2-40B4-BE49-F238E27FC236}">
+                <a16:creationId xmlns:a16="http://schemas.microsoft.com/office/drawing/2014/main" id="{83447098-2F3F-4A66-AD92-417D5ED1D5F6}"/>
+              </a:ext>
+            </a:extLst>
+          </p:cNvPr>
+          <p:cNvCxnSpPr>
+            <a:cxnSpLocks/>
+            <a:endCxn id="155" idx="2"/>
+          </p:cNvCxnSpPr>
+          <p:nvPr/>
+        </p:nvCxnSpPr>
+        <p:spPr>
+          <a:xfrm>
+            <a:off x="5743645" y="3182911"/>
+            <a:ext cx="202502" cy="812536"/>
+          </a:xfrm>
+          <a:prstGeom prst="line">
+            <a:avLst/>
+          </a:prstGeom>
+          <a:ln>
+            <a:solidFill>
+              <a:schemeClr val="bg1"/>
+            </a:solidFill>
+          </a:ln>
+        </p:spPr>
+        <p:style>
+          <a:lnRef idx="1">
+            <a:schemeClr val="accent1"/>
+          </a:lnRef>
+          <a:fillRef idx="0">
+            <a:schemeClr val="accent1"/>
+          </a:fillRef>
+          <a:effectRef idx="0">
+            <a:schemeClr val="accent1"/>
+          </a:effectRef>
+          <a:fontRef idx="minor">
+            <a:schemeClr val="tx1"/>
+          </a:fontRef>
+        </p:style>
+      </p:cxnSp>
+      <p:cxnSp>
+        <p:nvCxnSpPr>
+          <p:cNvPr id="145" name="直接连接符 144">
+            <a:extLst>
+              <a:ext uri="{FF2B5EF4-FFF2-40B4-BE49-F238E27FC236}">
+                <a16:creationId xmlns:a16="http://schemas.microsoft.com/office/drawing/2014/main" id="{5A11A92C-27DE-4EF8-A01D-411287F418BF}"/>
+              </a:ext>
+            </a:extLst>
+          </p:cNvPr>
+          <p:cNvCxnSpPr>
+            <a:cxnSpLocks/>
+            <a:endCxn id="156" idx="0"/>
+          </p:cNvCxnSpPr>
+          <p:nvPr/>
+        </p:nvCxnSpPr>
+        <p:spPr>
+          <a:xfrm>
+            <a:off x="5904048" y="3160781"/>
+            <a:ext cx="25199" cy="821515"/>
+          </a:xfrm>
+          <a:prstGeom prst="line">
+            <a:avLst/>
+          </a:prstGeom>
+          <a:ln>
+            <a:solidFill>
+              <a:schemeClr val="bg1"/>
+            </a:solidFill>
+          </a:ln>
+        </p:spPr>
+        <p:style>
+          <a:lnRef idx="1">
+            <a:schemeClr val="accent1"/>
+          </a:lnRef>
+          <a:fillRef idx="0">
+            <a:schemeClr val="accent1"/>
+          </a:fillRef>
+          <a:effectRef idx="0">
+            <a:schemeClr val="accent1"/>
+          </a:effectRef>
+          <a:fontRef idx="minor">
+            <a:schemeClr val="tx1"/>
+          </a:fontRef>
+        </p:style>
+      </p:cxnSp>
+      <p:cxnSp>
+        <p:nvCxnSpPr>
+          <p:cNvPr id="146" name="直接连接符 145">
+            <a:extLst>
+              <a:ext uri="{FF2B5EF4-FFF2-40B4-BE49-F238E27FC236}">
+                <a16:creationId xmlns:a16="http://schemas.microsoft.com/office/drawing/2014/main" id="{F29822A9-3767-4D2A-B79C-B12AA7EA524A}"/>
+              </a:ext>
+            </a:extLst>
+          </p:cNvPr>
+          <p:cNvCxnSpPr>
+            <a:cxnSpLocks/>
+            <a:endCxn id="155" idx="2"/>
+          </p:cNvCxnSpPr>
+          <p:nvPr/>
+        </p:nvCxnSpPr>
+        <p:spPr>
+          <a:xfrm flipH="1">
+            <a:off x="5946147" y="3174781"/>
+            <a:ext cx="116132" cy="820666"/>
+          </a:xfrm>
+          <a:prstGeom prst="line">
+            <a:avLst/>
+          </a:prstGeom>
+          <a:ln>
+            <a:solidFill>
+              <a:schemeClr val="bg1"/>
+            </a:solidFill>
+          </a:ln>
+        </p:spPr>
+        <p:style>
+          <a:lnRef idx="1">
+            <a:schemeClr val="accent1"/>
+          </a:lnRef>
+          <a:fillRef idx="0">
+            <a:schemeClr val="accent1"/>
+          </a:fillRef>
+          <a:effectRef idx="0">
+            <a:schemeClr val="accent1"/>
+          </a:effectRef>
+          <a:fontRef idx="minor">
+            <a:schemeClr val="tx1"/>
+          </a:fontRef>
+        </p:style>
+      </p:cxnSp>
+      <p:cxnSp>
+        <p:nvCxnSpPr>
+          <p:cNvPr id="148" name="直接连接符 147">
+            <a:extLst>
+              <a:ext uri="{FF2B5EF4-FFF2-40B4-BE49-F238E27FC236}">
+                <a16:creationId xmlns:a16="http://schemas.microsoft.com/office/drawing/2014/main" id="{8732188E-313E-4BC4-8D6C-BE29E8E0B2A3}"/>
+              </a:ext>
+            </a:extLst>
+          </p:cNvPr>
+          <p:cNvCxnSpPr>
+            <a:cxnSpLocks/>
+            <a:endCxn id="156" idx="0"/>
+          </p:cNvCxnSpPr>
+          <p:nvPr/>
+        </p:nvCxnSpPr>
+        <p:spPr>
+          <a:xfrm flipH="1">
+            <a:off x="5929247" y="3223715"/>
+            <a:ext cx="304578" cy="758581"/>
+          </a:xfrm>
+          <a:prstGeom prst="line">
+            <a:avLst/>
+          </a:prstGeom>
+          <a:ln>
+            <a:solidFill>
+              <a:schemeClr val="bg1"/>
+            </a:solidFill>
+          </a:ln>
+        </p:spPr>
+        <p:style>
+          <a:lnRef idx="1">
+            <a:schemeClr val="accent1"/>
+          </a:lnRef>
+          <a:fillRef idx="0">
+            <a:schemeClr val="accent1"/>
+          </a:fillRef>
+          <a:effectRef idx="0">
+            <a:schemeClr val="accent1"/>
+          </a:effectRef>
+          <a:fontRef idx="minor">
+            <a:schemeClr val="tx1"/>
+          </a:fontRef>
+        </p:style>
+      </p:cxnSp>
+      <p:cxnSp>
+        <p:nvCxnSpPr>
+          <p:cNvPr id="149" name="直接连接符 148">
+            <a:extLst>
+              <a:ext uri="{FF2B5EF4-FFF2-40B4-BE49-F238E27FC236}">
+                <a16:creationId xmlns:a16="http://schemas.microsoft.com/office/drawing/2014/main" id="{147B30CD-B5C5-449C-B4FE-8A69F124BB3D}"/>
+              </a:ext>
+            </a:extLst>
+          </p:cNvPr>
+          <p:cNvCxnSpPr>
+            <a:cxnSpLocks/>
+            <a:endCxn id="156" idx="0"/>
+          </p:cNvCxnSpPr>
+          <p:nvPr/>
+        </p:nvCxnSpPr>
+        <p:spPr>
+          <a:xfrm flipH="1">
+            <a:off x="5929247" y="3302174"/>
+            <a:ext cx="474098" cy="680122"/>
+          </a:xfrm>
+          <a:prstGeom prst="line">
+            <a:avLst/>
+          </a:prstGeom>
+          <a:ln>
+            <a:solidFill>
+              <a:schemeClr val="bg1"/>
+            </a:solidFill>
+          </a:ln>
+        </p:spPr>
+        <p:style>
+          <a:lnRef idx="1">
+            <a:schemeClr val="accent1"/>
+          </a:lnRef>
+          <a:fillRef idx="0">
+            <a:schemeClr val="accent1"/>
+          </a:fillRef>
+          <a:effectRef idx="0">
+            <a:schemeClr val="accent1"/>
+          </a:effectRef>
+          <a:fontRef idx="minor">
+            <a:schemeClr val="tx1"/>
+          </a:fontRef>
+        </p:style>
+      </p:cxnSp>
+      <p:cxnSp>
+        <p:nvCxnSpPr>
+          <p:cNvPr id="150" name="直接连接符 149">
+            <a:extLst>
+              <a:ext uri="{FF2B5EF4-FFF2-40B4-BE49-F238E27FC236}">
+                <a16:creationId xmlns:a16="http://schemas.microsoft.com/office/drawing/2014/main" id="{57DEE4CB-C98A-40F4-8DAF-719B56C5AAF6}"/>
+              </a:ext>
+            </a:extLst>
+          </p:cNvPr>
+          <p:cNvCxnSpPr>
+            <a:cxnSpLocks/>
+            <a:endCxn id="156" idx="0"/>
+          </p:cNvCxnSpPr>
+          <p:nvPr/>
+        </p:nvCxnSpPr>
+        <p:spPr>
+          <a:xfrm>
+            <a:off x="5091627" y="3958211"/>
+            <a:ext cx="837620" cy="24085"/>
+          </a:xfrm>
+          <a:prstGeom prst="line">
+            <a:avLst/>
+          </a:prstGeom>
+          <a:ln>
+            <a:solidFill>
+              <a:schemeClr val="bg1"/>
+            </a:solidFill>
+          </a:ln>
+        </p:spPr>
+        <p:style>
+          <a:lnRef idx="1">
+            <a:schemeClr val="accent1"/>
+          </a:lnRef>
+          <a:fillRef idx="0">
+            <a:schemeClr val="accent1"/>
+          </a:fillRef>
+          <a:effectRef idx="0">
+            <a:schemeClr val="accent1"/>
+          </a:effectRef>
+          <a:fontRef idx="minor">
+            <a:schemeClr val="tx1"/>
+          </a:fontRef>
+        </p:style>
+      </p:cxnSp>
+      <p:cxnSp>
+        <p:nvCxnSpPr>
+          <p:cNvPr id="151" name="直接连接符 150">
+            <a:extLst>
+              <a:ext uri="{FF2B5EF4-FFF2-40B4-BE49-F238E27FC236}">
+                <a16:creationId xmlns:a16="http://schemas.microsoft.com/office/drawing/2014/main" id="{9E505A73-C1C2-4887-BB28-2C528FDD8D17}"/>
+              </a:ext>
+            </a:extLst>
+          </p:cNvPr>
+          <p:cNvCxnSpPr>
+            <a:cxnSpLocks/>
+            <a:endCxn id="155" idx="2"/>
+          </p:cNvCxnSpPr>
+          <p:nvPr/>
+        </p:nvCxnSpPr>
+        <p:spPr>
+          <a:xfrm>
+            <a:off x="5091627" y="3869471"/>
+            <a:ext cx="854520" cy="125976"/>
+          </a:xfrm>
+          <a:prstGeom prst="line">
+            <a:avLst/>
+          </a:prstGeom>
+          <a:ln>
+            <a:solidFill>
+              <a:schemeClr val="bg1"/>
+            </a:solidFill>
+          </a:ln>
+        </p:spPr>
+        <p:style>
+          <a:lnRef idx="1">
+            <a:schemeClr val="accent1"/>
+          </a:lnRef>
+          <a:fillRef idx="0">
+            <a:schemeClr val="accent1"/>
+          </a:fillRef>
+          <a:effectRef idx="0">
+            <a:schemeClr val="accent1"/>
+          </a:effectRef>
+          <a:fontRef idx="minor">
+            <a:schemeClr val="tx1"/>
+          </a:fontRef>
+        </p:style>
+      </p:cxnSp>
+      <p:cxnSp>
+        <p:nvCxnSpPr>
+          <p:cNvPr id="152" name="直接连接符 151">
+            <a:extLst>
+              <a:ext uri="{FF2B5EF4-FFF2-40B4-BE49-F238E27FC236}">
+                <a16:creationId xmlns:a16="http://schemas.microsoft.com/office/drawing/2014/main" id="{4299519A-00A8-4F69-B504-9501907D99BE}"/>
+              </a:ext>
+            </a:extLst>
+          </p:cNvPr>
+          <p:cNvCxnSpPr>
+            <a:cxnSpLocks/>
+            <a:endCxn id="155" idx="2"/>
+          </p:cNvCxnSpPr>
+          <p:nvPr/>
+        </p:nvCxnSpPr>
+        <p:spPr>
+          <a:xfrm>
+            <a:off x="5091627" y="3819941"/>
+            <a:ext cx="854520" cy="175506"/>
+          </a:xfrm>
+          <a:prstGeom prst="line">
+            <a:avLst/>
+          </a:prstGeom>
+          <a:ln>
+            <a:solidFill>
+              <a:schemeClr val="bg1"/>
+            </a:solidFill>
+          </a:ln>
+        </p:spPr>
+        <p:style>
+          <a:lnRef idx="1">
+            <a:schemeClr val="accent1"/>
+          </a:lnRef>
+          <a:fillRef idx="0">
+            <a:schemeClr val="accent1"/>
+          </a:fillRef>
+          <a:effectRef idx="0">
+            <a:schemeClr val="accent1"/>
+          </a:effectRef>
+          <a:fontRef idx="minor">
+            <a:schemeClr val="tx1"/>
+          </a:fontRef>
+        </p:style>
+      </p:cxnSp>
+      <p:cxnSp>
+        <p:nvCxnSpPr>
+          <p:cNvPr id="153" name="直接连接符 152">
+            <a:extLst>
+              <a:ext uri="{FF2B5EF4-FFF2-40B4-BE49-F238E27FC236}">
+                <a16:creationId xmlns:a16="http://schemas.microsoft.com/office/drawing/2014/main" id="{2D92AD7F-6C25-487B-B04E-3879C451D44A}"/>
+              </a:ext>
+            </a:extLst>
+          </p:cNvPr>
+          <p:cNvCxnSpPr>
+            <a:cxnSpLocks/>
+          </p:cNvCxnSpPr>
+          <p:nvPr/>
+        </p:nvCxnSpPr>
+        <p:spPr>
+          <a:xfrm>
+            <a:off x="5092070" y="3915870"/>
+            <a:ext cx="880346" cy="72821"/>
+          </a:xfrm>
+          <a:prstGeom prst="line">
+            <a:avLst/>
+          </a:prstGeom>
+          <a:ln>
+            <a:solidFill>
+              <a:schemeClr val="bg1"/>
+            </a:solidFill>
+          </a:ln>
+        </p:spPr>
+        <p:style>
+          <a:lnRef idx="1">
+            <a:schemeClr val="accent1"/>
+          </a:lnRef>
+          <a:fillRef idx="0">
+            <a:schemeClr val="accent1"/>
+          </a:fillRef>
+          <a:effectRef idx="0">
+            <a:schemeClr val="accent1"/>
+          </a:effectRef>
+          <a:fontRef idx="minor">
+            <a:schemeClr val="tx1"/>
+          </a:fontRef>
+        </p:style>
+      </p:cxnSp>
+      <p:sp>
+        <p:nvSpPr>
+          <p:cNvPr id="154" name="弦形 153">
+            <a:extLst>
+              <a:ext uri="{FF2B5EF4-FFF2-40B4-BE49-F238E27FC236}">
+                <a16:creationId xmlns:a16="http://schemas.microsoft.com/office/drawing/2014/main" id="{12B9E05D-0A84-43A9-8865-2740F165502E}"/>
+              </a:ext>
+            </a:extLst>
+          </p:cNvPr>
+          <p:cNvSpPr/>
+          <p:nvPr/>
+        </p:nvSpPr>
+        <p:spPr>
+          <a:xfrm>
+            <a:off x="5377693" y="3440273"/>
+            <a:ext cx="1136370" cy="1106908"/>
+          </a:xfrm>
+          <a:prstGeom prst="chord">
+            <a:avLst>
+              <a:gd name="adj1" fmla="val 8275321"/>
+              <a:gd name="adj2" fmla="val 18957101"/>
+            </a:avLst>
+          </a:prstGeom>
+          <a:solidFill>
+            <a:schemeClr val="bg1">
+              <a:lumMod val="85000"/>
+            </a:schemeClr>
+          </a:solidFill>
+          <a:ln>
+            <a:solidFill>
+              <a:schemeClr val="bg1"/>
+            </a:solidFill>
+          </a:ln>
+        </p:spPr>
+        <p:style>
+          <a:lnRef idx="2">
+            <a:schemeClr val="accent1">
+              <a:shade val="50000"/>
+            </a:schemeClr>
+          </a:lnRef>
+          <a:fillRef idx="1">
+            <a:schemeClr val="accent1"/>
+          </a:fillRef>
+          <a:effectRef idx="0">
+            <a:schemeClr val="accent1"/>
+          </a:effectRef>
+          <a:fontRef idx="minor">
+            <a:schemeClr val="lt1"/>
+          </a:fontRef>
+        </p:style>
+        <p:txBody>
+          <a:bodyPr rtlCol="0" anchor="ctr"/>
+          <a:lstStyle/>
+          <a:p>
+            <a:pPr algn="ctr"/>
+            <a:endParaRPr lang="en-US">
+              <a:solidFill>
+                <a:schemeClr val="accent1"/>
+              </a:solidFill>
+            </a:endParaRPr>
+          </a:p>
+        </p:txBody>
+      </p:sp>
+      <p:sp>
+        <p:nvSpPr>
+          <p:cNvPr id="155" name="弦形 154">
+            <a:extLst>
+              <a:ext uri="{FF2B5EF4-FFF2-40B4-BE49-F238E27FC236}">
+                <a16:creationId xmlns:a16="http://schemas.microsoft.com/office/drawing/2014/main" id="{DE48B841-D6A2-406B-9D7D-7296B5BFC3BD}"/>
+              </a:ext>
+            </a:extLst>
+          </p:cNvPr>
+          <p:cNvSpPr/>
+          <p:nvPr/>
+        </p:nvSpPr>
+        <p:spPr>
+          <a:xfrm rot="5400000">
+            <a:off x="5706675" y="3673356"/>
+            <a:ext cx="478406" cy="609600"/>
+          </a:xfrm>
+          <a:prstGeom prst="chord">
+            <a:avLst>
+              <a:gd name="adj1" fmla="val 5171697"/>
+              <a:gd name="adj2" fmla="val 16362398"/>
+            </a:avLst>
+          </a:prstGeom>
+          <a:solidFill>
+            <a:schemeClr val="bg1">
+              <a:lumMod val="85000"/>
+            </a:schemeClr>
+          </a:solidFill>
+          <a:ln>
+            <a:solidFill>
+              <a:schemeClr val="bg1"/>
+            </a:solidFill>
+          </a:ln>
+        </p:spPr>
+        <p:style>
+          <a:lnRef idx="2">
+            <a:schemeClr val="accent1">
+              <a:shade val="50000"/>
+            </a:schemeClr>
+          </a:lnRef>
+          <a:fillRef idx="1">
+            <a:schemeClr val="accent1"/>
+          </a:fillRef>
+          <a:effectRef idx="0">
+            <a:schemeClr val="accent1"/>
+          </a:effectRef>
+          <a:fontRef idx="minor">
+            <a:schemeClr val="lt1"/>
+          </a:fontRef>
+        </p:style>
+        <p:txBody>
+          <a:bodyPr rtlCol="0" anchor="ctr"/>
+          <a:lstStyle/>
+          <a:p>
+            <a:pPr algn="ctr"/>
+            <a:endParaRPr lang="en-US"/>
+          </a:p>
+        </p:txBody>
+      </p:sp>
+      <p:sp>
+        <p:nvSpPr>
+          <p:cNvPr id="156" name="矩形 155">
+            <a:extLst>
+              <a:ext uri="{FF2B5EF4-FFF2-40B4-BE49-F238E27FC236}">
+                <a16:creationId xmlns:a16="http://schemas.microsoft.com/office/drawing/2014/main" id="{7EF4FB23-D5A7-48C0-8809-E28CF09E886C}"/>
+              </a:ext>
+            </a:extLst>
+          </p:cNvPr>
+          <p:cNvSpPr/>
+          <p:nvPr/>
+        </p:nvSpPr>
+        <p:spPr>
+          <a:xfrm>
+            <a:off x="5648667" y="3982296"/>
+            <a:ext cx="561159" cy="269813"/>
+          </a:xfrm>
+          <a:prstGeom prst="rect">
+            <a:avLst/>
+          </a:prstGeom>
+          <a:solidFill>
+            <a:schemeClr val="bg1">
+              <a:lumMod val="85000"/>
+            </a:schemeClr>
+          </a:solidFill>
+          <a:ln>
+            <a:noFill/>
+          </a:ln>
+        </p:spPr>
+        <p:style>
+          <a:lnRef idx="2">
+            <a:schemeClr val="accent1">
+              <a:shade val="50000"/>
+            </a:schemeClr>
+          </a:lnRef>
+          <a:fillRef idx="1">
+            <a:schemeClr val="accent1"/>
+          </a:fillRef>
+          <a:effectRef idx="0">
+            <a:schemeClr val="accent1"/>
+          </a:effectRef>
+          <a:fontRef idx="minor">
+            <a:schemeClr val="lt1"/>
+          </a:fontRef>
+        </p:style>
+        <p:txBody>
+          <a:bodyPr rtlCol="0" anchor="ctr"/>
+          <a:lstStyle/>
+          <a:p>
+            <a:pPr algn="ctr"/>
+            <a:endParaRPr lang="en-US" dirty="0"/>
+          </a:p>
+        </p:txBody>
+      </p:sp>
+      <p:sp>
+        <p:nvSpPr>
+          <p:cNvPr id="157" name="等腰三角形 156">
+            <a:extLst>
+              <a:ext uri="{FF2B5EF4-FFF2-40B4-BE49-F238E27FC236}">
+                <a16:creationId xmlns:a16="http://schemas.microsoft.com/office/drawing/2014/main" id="{D26DBA28-6874-49F2-ACAD-A7644DB73439}"/>
+              </a:ext>
+            </a:extLst>
+          </p:cNvPr>
+          <p:cNvSpPr/>
+          <p:nvPr/>
+        </p:nvSpPr>
+        <p:spPr>
+          <a:xfrm flipH="1" flipV="1">
+            <a:off x="5631589" y="4251758"/>
+            <a:ext cx="578237" cy="301814"/>
+          </a:xfrm>
+          <a:prstGeom prst="triangle">
+            <a:avLst>
+              <a:gd name="adj" fmla="val 0"/>
+            </a:avLst>
+          </a:prstGeom>
+          <a:solidFill>
+            <a:schemeClr val="bg1">
+              <a:lumMod val="85000"/>
+            </a:schemeClr>
+          </a:solidFill>
+          <a:ln>
+            <a:noFill/>
+          </a:ln>
+        </p:spPr>
+        <p:style>
+          <a:lnRef idx="2">
+            <a:schemeClr val="accent1">
+              <a:shade val="50000"/>
+            </a:schemeClr>
+          </a:lnRef>
+          <a:fillRef idx="1">
+            <a:schemeClr val="accent1"/>
+          </a:fillRef>
+          <a:effectRef idx="0">
+            <a:schemeClr val="accent1"/>
+          </a:effectRef>
+          <a:fontRef idx="minor">
+            <a:schemeClr val="lt1"/>
+          </a:fontRef>
+        </p:style>
+        <p:txBody>
+          <a:bodyPr rtlCol="0" anchor="ctr"/>
+          <a:lstStyle/>
+          <a:p>
+            <a:pPr algn="ctr"/>
+            <a:endParaRPr lang="en-US"/>
+          </a:p>
+        </p:txBody>
+      </p:sp>
+      <p:sp>
+        <p:nvSpPr>
+          <p:cNvPr id="158" name="矩形 157">
+            <a:extLst>
+              <a:ext uri="{FF2B5EF4-FFF2-40B4-BE49-F238E27FC236}">
+                <a16:creationId xmlns:a16="http://schemas.microsoft.com/office/drawing/2014/main" id="{071CE4DF-0E0D-4A01-A94C-7E9AF9931B74}"/>
+              </a:ext>
+            </a:extLst>
+          </p:cNvPr>
+          <p:cNvSpPr/>
+          <p:nvPr/>
+        </p:nvSpPr>
+        <p:spPr>
+          <a:xfrm>
+            <a:off x="6082112" y="3988690"/>
+            <a:ext cx="127714" cy="484979"/>
+          </a:xfrm>
+          <a:prstGeom prst="rect">
+            <a:avLst/>
+          </a:prstGeom>
+          <a:solidFill>
+            <a:schemeClr val="tx1">
+              <a:lumMod val="65000"/>
+              <a:lumOff val="35000"/>
+            </a:schemeClr>
+          </a:solidFill>
+          <a:ln>
+            <a:noFill/>
+          </a:ln>
+        </p:spPr>
+        <p:style>
+          <a:lnRef idx="2">
+            <a:schemeClr val="accent1">
+              <a:shade val="50000"/>
+            </a:schemeClr>
+          </a:lnRef>
+          <a:fillRef idx="1">
+            <a:schemeClr val="accent1"/>
+          </a:fillRef>
+          <a:effectRef idx="0">
+            <a:schemeClr val="accent1"/>
+          </a:effectRef>
+          <a:fontRef idx="minor">
+            <a:schemeClr val="lt1"/>
+          </a:fontRef>
+        </p:style>
+        <p:txBody>
+          <a:bodyPr rtlCol="0" anchor="ctr"/>
+          <a:lstStyle/>
+          <a:p>
+            <a:pPr algn="ctr"/>
+            <a:endParaRPr lang="en-US"/>
+          </a:p>
+        </p:txBody>
+      </p:sp>
+      <p:sp>
+        <p:nvSpPr>
+          <p:cNvPr id="159" name="等腰三角形 158">
+            <a:extLst>
+              <a:ext uri="{FF2B5EF4-FFF2-40B4-BE49-F238E27FC236}">
+                <a16:creationId xmlns:a16="http://schemas.microsoft.com/office/drawing/2014/main" id="{33725A3A-4FFA-4084-A495-2802AFFFD9D0}"/>
+              </a:ext>
+            </a:extLst>
+          </p:cNvPr>
+          <p:cNvSpPr/>
+          <p:nvPr/>
+        </p:nvSpPr>
+        <p:spPr>
+          <a:xfrm flipV="1">
+            <a:off x="5880365" y="3988685"/>
+            <a:ext cx="329461" cy="137951"/>
+          </a:xfrm>
+          <a:prstGeom prst="triangle">
+            <a:avLst>
+              <a:gd name="adj" fmla="val 61694"/>
+            </a:avLst>
+          </a:prstGeom>
+          <a:solidFill>
+            <a:schemeClr val="tx1">
+              <a:lumMod val="65000"/>
+              <a:lumOff val="35000"/>
+            </a:schemeClr>
+          </a:solidFill>
+          <a:ln>
+            <a:noFill/>
+          </a:ln>
+        </p:spPr>
+        <p:style>
+          <a:lnRef idx="2">
+            <a:schemeClr val="accent1">
+              <a:shade val="50000"/>
+            </a:schemeClr>
+          </a:lnRef>
+          <a:fillRef idx="1">
+            <a:schemeClr val="accent1"/>
+          </a:fillRef>
+          <a:effectRef idx="0">
+            <a:schemeClr val="accent1"/>
+          </a:effectRef>
+          <a:fontRef idx="minor">
+            <a:schemeClr val="lt1"/>
+          </a:fontRef>
+        </p:style>
+        <p:txBody>
+          <a:bodyPr rtlCol="0" anchor="ctr"/>
+          <a:lstStyle/>
+          <a:p>
+            <a:pPr algn="ctr"/>
+            <a:endParaRPr lang="en-US" dirty="0"/>
+          </a:p>
+        </p:txBody>
+      </p:sp>
+      <p:sp>
+        <p:nvSpPr>
+          <p:cNvPr id="160" name="矩形 159">
+            <a:extLst>
+              <a:ext uri="{FF2B5EF4-FFF2-40B4-BE49-F238E27FC236}">
+                <a16:creationId xmlns:a16="http://schemas.microsoft.com/office/drawing/2014/main" id="{D238791D-595B-4F6D-BBA5-7416715B0193}"/>
+              </a:ext>
+            </a:extLst>
+          </p:cNvPr>
+          <p:cNvSpPr/>
+          <p:nvPr/>
+        </p:nvSpPr>
+        <p:spPr>
+          <a:xfrm>
+            <a:off x="5091627" y="4009957"/>
+            <a:ext cx="549036" cy="576995"/>
+          </a:xfrm>
+          <a:prstGeom prst="rect">
+            <a:avLst/>
+          </a:prstGeom>
+          <a:solidFill>
+            <a:schemeClr val="bg1"/>
+          </a:solidFill>
+          <a:ln>
+            <a:solidFill>
+              <a:schemeClr val="bg1"/>
+            </a:solidFill>
+          </a:ln>
+        </p:spPr>
+        <p:style>
+          <a:lnRef idx="2">
+            <a:schemeClr val="accent1">
+              <a:shade val="50000"/>
+            </a:schemeClr>
+          </a:lnRef>
+          <a:fillRef idx="1">
+            <a:schemeClr val="accent1"/>
+          </a:fillRef>
+          <a:effectRef idx="0">
+            <a:schemeClr val="accent1"/>
+          </a:effectRef>
+          <a:fontRef idx="minor">
+            <a:schemeClr val="lt1"/>
+          </a:fontRef>
+        </p:style>
+        <p:txBody>
+          <a:bodyPr rtlCol="0" anchor="ctr"/>
+          <a:lstStyle/>
+          <a:p>
+            <a:pPr algn="ctr"/>
+            <a:endParaRPr lang="en-US" dirty="0"/>
+          </a:p>
+        </p:txBody>
+      </p:sp>
+      <p:sp>
+        <p:nvSpPr>
+          <p:cNvPr id="162" name="弧形 161">
+            <a:extLst>
+              <a:ext uri="{FF2B5EF4-FFF2-40B4-BE49-F238E27FC236}">
+                <a16:creationId xmlns:a16="http://schemas.microsoft.com/office/drawing/2014/main" id="{B43F6EF6-B232-42D6-9C12-8C1F35ED1C9B}"/>
+              </a:ext>
+            </a:extLst>
+          </p:cNvPr>
+          <p:cNvSpPr/>
+          <p:nvPr/>
+        </p:nvSpPr>
+        <p:spPr>
+          <a:xfrm rot="16200000">
+            <a:off x="5567609" y="3618381"/>
+            <a:ext cx="849531" cy="898386"/>
+          </a:xfrm>
+          <a:prstGeom prst="arc">
+            <a:avLst>
+              <a:gd name="adj1" fmla="val 17354715"/>
+              <a:gd name="adj2" fmla="val 1650107"/>
+            </a:avLst>
+          </a:prstGeom>
+          <a:ln w="25400">
+            <a:solidFill>
+              <a:schemeClr val="tx1">
+                <a:lumMod val="65000"/>
+                <a:lumOff val="35000"/>
+              </a:schemeClr>
+            </a:solidFill>
+          </a:ln>
+        </p:spPr>
+        <p:style>
+          <a:lnRef idx="1">
+            <a:schemeClr val="accent1"/>
+          </a:lnRef>
+          <a:fillRef idx="0">
+            <a:schemeClr val="accent1"/>
+          </a:fillRef>
+          <a:effectRef idx="0">
+            <a:schemeClr val="accent1"/>
+          </a:effectRef>
+          <a:fontRef idx="minor">
+            <a:schemeClr val="tx1"/>
+          </a:fontRef>
+        </p:style>
+        <p:txBody>
+          <a:bodyPr rtlCol="0" anchor="ctr"/>
+          <a:lstStyle/>
+          <a:p>
+            <a:pPr algn="ctr"/>
+            <a:endParaRPr lang="en-US">
+              <a:ln>
+                <a:solidFill>
+                  <a:sysClr val="windowText" lastClr="000000"/>
+                </a:solidFill>
+              </a:ln>
+            </a:endParaRPr>
+          </a:p>
+        </p:txBody>
+      </p:sp>
+      <p:sp>
+        <p:nvSpPr>
+          <p:cNvPr id="164" name="Oval 26">
+            <a:extLst>
+              <a:ext uri="{FF2B5EF4-FFF2-40B4-BE49-F238E27FC236}">
+                <a16:creationId xmlns:a16="http://schemas.microsoft.com/office/drawing/2014/main" id="{073F5CE2-EE96-412C-8E20-C601F1EB66DE}"/>
+              </a:ext>
+            </a:extLst>
+          </p:cNvPr>
+          <p:cNvSpPr/>
+          <p:nvPr/>
+        </p:nvSpPr>
+        <p:spPr>
+          <a:xfrm>
+            <a:off x="5563024" y="3777403"/>
+            <a:ext cx="101600" cy="101600"/>
+          </a:xfrm>
+          <a:prstGeom prst="ellipse">
+            <a:avLst/>
+          </a:prstGeom>
+          <a:solidFill>
+            <a:schemeClr val="accent6">
+              <a:lumMod val="75000"/>
+            </a:schemeClr>
+          </a:solidFill>
+          <a:ln>
+            <a:noFill/>
+          </a:ln>
+        </p:spPr>
+        <p:style>
+          <a:lnRef idx="2">
+            <a:schemeClr val="accent1">
+              <a:shade val="50000"/>
+            </a:schemeClr>
+          </a:lnRef>
+          <a:fillRef idx="1">
+            <a:schemeClr val="accent1"/>
+          </a:fillRef>
+          <a:effectRef idx="0">
+            <a:schemeClr val="accent1"/>
+          </a:effectRef>
+          <a:fontRef idx="minor">
+            <a:schemeClr val="lt1"/>
+          </a:fontRef>
+        </p:style>
+        <p:txBody>
+          <a:bodyPr rtlCol="0" anchor="ctr"/>
+          <a:lstStyle/>
+          <a:p>
+            <a:pPr algn="ctr"/>
+            <a:endParaRPr lang="en-US">
+              <a:solidFill>
+                <a:srgbClr val="ED7D31"/>
+              </a:solidFill>
+            </a:endParaRPr>
+          </a:p>
+        </p:txBody>
+      </p:sp>
+      <p:sp>
+        <p:nvSpPr>
+          <p:cNvPr id="166" name="Oval 35">
+            <a:extLst>
+              <a:ext uri="{FF2B5EF4-FFF2-40B4-BE49-F238E27FC236}">
+                <a16:creationId xmlns:a16="http://schemas.microsoft.com/office/drawing/2014/main" id="{20C58BD3-F616-489D-A545-2418F4C205F8}"/>
+              </a:ext>
+            </a:extLst>
+          </p:cNvPr>
+          <p:cNvSpPr/>
+          <p:nvPr/>
+        </p:nvSpPr>
+        <p:spPr>
+          <a:xfrm>
+            <a:off x="6011894" y="3597582"/>
+            <a:ext cx="101600" cy="101600"/>
+          </a:xfrm>
+          <a:prstGeom prst="ellipse">
+            <a:avLst/>
+          </a:prstGeom>
+          <a:solidFill>
+            <a:srgbClr val="FF0000"/>
+          </a:solidFill>
+          <a:ln>
+            <a:noFill/>
+          </a:ln>
+        </p:spPr>
+        <p:style>
+          <a:lnRef idx="2">
+            <a:schemeClr val="accent1">
+              <a:shade val="50000"/>
+            </a:schemeClr>
+          </a:lnRef>
+          <a:fillRef idx="1">
+            <a:schemeClr val="accent1"/>
+          </a:fillRef>
+          <a:effectRef idx="0">
+            <a:schemeClr val="accent1"/>
+          </a:effectRef>
+          <a:fontRef idx="minor">
+            <a:schemeClr val="lt1"/>
+          </a:fontRef>
+        </p:style>
+        <p:txBody>
+          <a:bodyPr rtlCol="0" anchor="ctr"/>
+          <a:lstStyle/>
+          <a:p>
+            <a:pPr algn="ctr"/>
+            <a:endParaRPr lang="en-US">
+              <a:solidFill>
+                <a:srgbClr val="FFFF00"/>
+              </a:solidFill>
+            </a:endParaRPr>
+          </a:p>
+        </p:txBody>
+      </p:sp>
+      <p:sp>
+        <p:nvSpPr>
+          <p:cNvPr id="168" name="Oval 36">
+            <a:extLst>
+              <a:ext uri="{FF2B5EF4-FFF2-40B4-BE49-F238E27FC236}">
+                <a16:creationId xmlns:a16="http://schemas.microsoft.com/office/drawing/2014/main" id="{816E4099-744B-4842-AF28-E800CA7C36DC}"/>
+              </a:ext>
+            </a:extLst>
+          </p:cNvPr>
+          <p:cNvSpPr/>
+          <p:nvPr/>
+        </p:nvSpPr>
+        <p:spPr>
+          <a:xfrm>
+            <a:off x="5847760" y="3600949"/>
+            <a:ext cx="101600" cy="101600"/>
+          </a:xfrm>
+          <a:prstGeom prst="ellipse">
+            <a:avLst/>
+          </a:prstGeom>
+          <a:solidFill>
+            <a:schemeClr val="accent1"/>
+          </a:solidFill>
+          <a:ln>
+            <a:noFill/>
+          </a:ln>
+        </p:spPr>
+        <p:style>
+          <a:lnRef idx="2">
+            <a:schemeClr val="accent1">
+              <a:shade val="50000"/>
+            </a:schemeClr>
+          </a:lnRef>
+          <a:fillRef idx="1">
+            <a:schemeClr val="accent1"/>
+          </a:fillRef>
+          <a:effectRef idx="0">
+            <a:schemeClr val="accent1"/>
+          </a:effectRef>
+          <a:fontRef idx="minor">
+            <a:schemeClr val="lt1"/>
+          </a:fontRef>
+        </p:style>
+        <p:txBody>
+          <a:bodyPr rtlCol="0" anchor="ctr"/>
+          <a:lstStyle/>
+          <a:p>
+            <a:pPr algn="ctr"/>
+            <a:endParaRPr lang="en-US"/>
+          </a:p>
+        </p:txBody>
+      </p:sp>
+      <p:sp>
+        <p:nvSpPr>
+          <p:cNvPr id="170" name="Oval 39">
+            <a:extLst>
+              <a:ext uri="{FF2B5EF4-FFF2-40B4-BE49-F238E27FC236}">
+                <a16:creationId xmlns:a16="http://schemas.microsoft.com/office/drawing/2014/main" id="{78CAE785-AB65-42AF-9ED9-7EFFFEF14038}"/>
+              </a:ext>
+            </a:extLst>
+          </p:cNvPr>
+          <p:cNvSpPr/>
+          <p:nvPr/>
+        </p:nvSpPr>
+        <p:spPr>
+          <a:xfrm>
+            <a:off x="5677815" y="3659199"/>
+            <a:ext cx="101600" cy="101600"/>
+          </a:xfrm>
+          <a:prstGeom prst="ellipse">
+            <a:avLst/>
+          </a:prstGeom>
+          <a:solidFill>
+            <a:srgbClr val="FF9900"/>
+          </a:solidFill>
+          <a:ln>
+            <a:noFill/>
+          </a:ln>
+        </p:spPr>
+        <p:style>
+          <a:lnRef idx="2">
+            <a:schemeClr val="accent1">
+              <a:shade val="50000"/>
+            </a:schemeClr>
+          </a:lnRef>
+          <a:fillRef idx="1">
+            <a:schemeClr val="accent1"/>
+          </a:fillRef>
+          <a:effectRef idx="0">
+            <a:schemeClr val="accent1"/>
+          </a:effectRef>
+          <a:fontRef idx="minor">
+            <a:schemeClr val="lt1"/>
+          </a:fontRef>
+        </p:style>
+        <p:txBody>
+          <a:bodyPr rtlCol="0" anchor="ctr"/>
+          <a:lstStyle/>
+          <a:p>
+            <a:pPr algn="ctr"/>
+            <a:endParaRPr lang="en-US"/>
+          </a:p>
+        </p:txBody>
+      </p:sp>
+      <p:sp>
+        <p:nvSpPr>
+          <p:cNvPr id="171" name="Oval 52">
+            <a:extLst>
+              <a:ext uri="{FF2B5EF4-FFF2-40B4-BE49-F238E27FC236}">
+                <a16:creationId xmlns:a16="http://schemas.microsoft.com/office/drawing/2014/main" id="{FF54BA12-4D7F-4F28-9E3B-164DD8003F35}"/>
+              </a:ext>
+            </a:extLst>
+          </p:cNvPr>
+          <p:cNvSpPr/>
+          <p:nvPr/>
+        </p:nvSpPr>
+        <p:spPr>
+          <a:xfrm>
+            <a:off x="6011894" y="3992298"/>
+            <a:ext cx="101600" cy="101600"/>
+          </a:xfrm>
+          <a:prstGeom prst="ellipse">
+            <a:avLst/>
+          </a:prstGeom>
+          <a:solidFill>
+            <a:schemeClr val="bg1"/>
+          </a:solidFill>
+          <a:ln>
+            <a:noFill/>
+          </a:ln>
+        </p:spPr>
+        <p:style>
+          <a:lnRef idx="2">
+            <a:schemeClr val="accent1">
+              <a:shade val="50000"/>
+            </a:schemeClr>
+          </a:lnRef>
+          <a:fillRef idx="1">
+            <a:schemeClr val="accent1"/>
+          </a:fillRef>
+          <a:effectRef idx="0">
+            <a:schemeClr val="accent1"/>
+          </a:effectRef>
+          <a:fontRef idx="minor">
+            <a:schemeClr val="lt1"/>
+          </a:fontRef>
+        </p:style>
+        <p:txBody>
+          <a:bodyPr rtlCol="0" anchor="ctr"/>
+          <a:lstStyle/>
+          <a:p>
+            <a:pPr algn="ctr"/>
+            <a:endParaRPr lang="en-US"/>
+          </a:p>
+        </p:txBody>
+      </p:sp>
+      <p:cxnSp>
+        <p:nvCxnSpPr>
+          <p:cNvPr id="172" name="Straight Arrow Connector 32">
+            <a:extLst>
+              <a:ext uri="{FF2B5EF4-FFF2-40B4-BE49-F238E27FC236}">
+                <a16:creationId xmlns:a16="http://schemas.microsoft.com/office/drawing/2014/main" id="{F6035715-1825-471A-AE6C-04EDBB63A242}"/>
+              </a:ext>
+            </a:extLst>
+          </p:cNvPr>
+          <p:cNvCxnSpPr>
+            <a:cxnSpLocks/>
+            <a:stCxn id="166" idx="4"/>
+            <a:endCxn id="171" idx="0"/>
+          </p:cNvCxnSpPr>
+          <p:nvPr/>
+        </p:nvCxnSpPr>
+        <p:spPr>
+          <a:xfrm>
+            <a:off x="6062694" y="3699182"/>
+            <a:ext cx="0" cy="293116"/>
+          </a:xfrm>
+          <a:prstGeom prst="straightConnector1">
+            <a:avLst/>
+          </a:prstGeom>
+          <a:ln w="28575">
+            <a:solidFill>
+              <a:schemeClr val="tx1">
+                <a:lumMod val="65000"/>
+                <a:lumOff val="35000"/>
+              </a:schemeClr>
+            </a:solidFill>
+            <a:prstDash val="sysDot"/>
+            <a:tailEnd type="triangle"/>
+          </a:ln>
+        </p:spPr>
+        <p:style>
+          <a:lnRef idx="1">
+            <a:schemeClr val="accent1"/>
+          </a:lnRef>
+          <a:fillRef idx="0">
+            <a:schemeClr val="accent1"/>
+          </a:fillRef>
+          <a:effectRef idx="0">
+            <a:schemeClr val="accent1"/>
+          </a:effectRef>
+          <a:fontRef idx="minor">
+            <a:schemeClr val="tx1"/>
+          </a:fontRef>
+        </p:style>
+      </p:cxnSp>
+      <p:sp>
+        <p:nvSpPr>
+          <p:cNvPr id="174" name="等腰三角形 173">
+            <a:extLst>
+              <a:ext uri="{FF2B5EF4-FFF2-40B4-BE49-F238E27FC236}">
+                <a16:creationId xmlns:a16="http://schemas.microsoft.com/office/drawing/2014/main" id="{B92EF51D-4044-4E02-B66A-9943F4076EA5}"/>
+              </a:ext>
+            </a:extLst>
+          </p:cNvPr>
+          <p:cNvSpPr/>
+          <p:nvPr/>
+        </p:nvSpPr>
+        <p:spPr>
+          <a:xfrm rot="5400000">
+            <a:off x="6083800" y="4329865"/>
+            <a:ext cx="215700" cy="219075"/>
+          </a:xfrm>
+          <a:prstGeom prst="triangle">
+            <a:avLst>
+              <a:gd name="adj" fmla="val 18189"/>
+            </a:avLst>
+          </a:prstGeom>
+          <a:solidFill>
+            <a:schemeClr val="bg1"/>
+          </a:solidFill>
+          <a:ln>
+            <a:noFill/>
+          </a:ln>
+        </p:spPr>
+        <p:style>
+          <a:lnRef idx="2">
+            <a:schemeClr val="accent1">
+              <a:shade val="50000"/>
+            </a:schemeClr>
+          </a:lnRef>
+          <a:fillRef idx="1">
+            <a:schemeClr val="accent1"/>
+          </a:fillRef>
+          <a:effectRef idx="0">
+            <a:schemeClr val="accent1"/>
+          </a:effectRef>
+          <a:fontRef idx="minor">
+            <a:schemeClr val="lt1"/>
+          </a:fontRef>
+        </p:style>
+        <p:txBody>
+          <a:bodyPr rtlCol="0" anchor="ctr"/>
+          <a:lstStyle/>
+          <a:p>
+            <a:pPr algn="ctr"/>
+            <a:endParaRPr lang="en-US"/>
+          </a:p>
+        </p:txBody>
+      </p:sp>
+      <p:sp>
+        <p:nvSpPr>
+          <p:cNvPr id="175" name="矩形 174">
+            <a:extLst>
+              <a:ext uri="{FF2B5EF4-FFF2-40B4-BE49-F238E27FC236}">
+                <a16:creationId xmlns:a16="http://schemas.microsoft.com/office/drawing/2014/main" id="{5A0D5458-148E-4C7B-830E-7CE500E43E6A}"/>
+              </a:ext>
+            </a:extLst>
+          </p:cNvPr>
+          <p:cNvSpPr/>
+          <p:nvPr/>
+        </p:nvSpPr>
+        <p:spPr>
+          <a:xfrm>
+            <a:off x="6116931" y="4422849"/>
+            <a:ext cx="272515" cy="144723"/>
+          </a:xfrm>
+          <a:prstGeom prst="rect">
+            <a:avLst/>
+          </a:prstGeom>
+          <a:solidFill>
+            <a:schemeClr val="bg1"/>
+          </a:solidFill>
+          <a:ln>
+            <a:noFill/>
+          </a:ln>
+        </p:spPr>
+        <p:style>
+          <a:lnRef idx="2">
+            <a:schemeClr val="accent1">
+              <a:shade val="50000"/>
+            </a:schemeClr>
+          </a:lnRef>
+          <a:fillRef idx="1">
+            <a:schemeClr val="accent1"/>
+          </a:fillRef>
+          <a:effectRef idx="0">
+            <a:schemeClr val="accent1"/>
+          </a:effectRef>
+          <a:fontRef idx="minor">
+            <a:schemeClr val="lt1"/>
+          </a:fontRef>
+        </p:style>
+        <p:txBody>
+          <a:bodyPr rtlCol="0" anchor="ctr"/>
+          <a:lstStyle/>
+          <a:p>
+            <a:pPr algn="ctr"/>
+            <a:endParaRPr lang="en-US"/>
+          </a:p>
+        </p:txBody>
+      </p:sp>
+      <p:sp>
+        <p:nvSpPr>
+          <p:cNvPr id="176" name="Rectangle 55">
+            <a:extLst>
+              <a:ext uri="{FF2B5EF4-FFF2-40B4-BE49-F238E27FC236}">
+                <a16:creationId xmlns:a16="http://schemas.microsoft.com/office/drawing/2014/main" id="{08B48D1B-718A-426F-BF2D-839DB826DD99}"/>
+              </a:ext>
+            </a:extLst>
+          </p:cNvPr>
+          <p:cNvSpPr/>
+          <p:nvPr/>
+        </p:nvSpPr>
+        <p:spPr>
+          <a:xfrm>
+            <a:off x="6052629" y="3920772"/>
+            <a:ext cx="234360" cy="246221"/>
+          </a:xfrm>
+          <a:prstGeom prst="rect">
+            <a:avLst/>
+          </a:prstGeom>
+        </p:spPr>
+        <p:txBody>
+          <a:bodyPr wrap="none">
+            <a:spAutoFit/>
+          </a:bodyPr>
+          <a:lstStyle/>
+          <a:p>
+            <a:r>
+              <a:rPr lang="en-US" altLang="zh-CN" sz="1000" b="1" dirty="0">
+                <a:solidFill>
+                  <a:schemeClr val="bg1"/>
+                </a:solidFill>
+                <a:latin typeface="Times New Roman" panose="02020603050405020304" pitchFamily="18" charset="0"/>
+                <a:cs typeface="Times New Roman" panose="02020603050405020304" pitchFamily="18" charset="0"/>
+              </a:rPr>
+              <a:t>I</a:t>
+            </a:r>
+            <a:endParaRPr lang="en-US" sz="1000" b="1" dirty="0">
+              <a:solidFill>
+                <a:schemeClr val="bg1"/>
+              </a:solidFill>
+              <a:latin typeface="Times New Roman" panose="02020603050405020304" pitchFamily="18" charset="0"/>
+              <a:cs typeface="Times New Roman" panose="02020603050405020304" pitchFamily="18" charset="0"/>
+            </a:endParaRPr>
+          </a:p>
+        </p:txBody>
+      </p:sp>
+      <p:sp>
+        <p:nvSpPr>
+          <p:cNvPr id="177" name="Rectangle 55">
+            <a:extLst>
+              <a:ext uri="{FF2B5EF4-FFF2-40B4-BE49-F238E27FC236}">
+                <a16:creationId xmlns:a16="http://schemas.microsoft.com/office/drawing/2014/main" id="{520B6F91-0B20-45E8-A6F3-78D670EA6CE3}"/>
+              </a:ext>
+            </a:extLst>
+          </p:cNvPr>
+          <p:cNvSpPr/>
+          <p:nvPr/>
+        </p:nvSpPr>
+        <p:spPr>
+          <a:xfrm>
+            <a:off x="5929361" y="3406465"/>
+            <a:ext cx="277640" cy="246221"/>
+          </a:xfrm>
+          <a:prstGeom prst="rect">
+            <a:avLst/>
+          </a:prstGeom>
+        </p:spPr>
+        <p:txBody>
+          <a:bodyPr wrap="none">
+            <a:spAutoFit/>
+          </a:bodyPr>
+          <a:lstStyle/>
+          <a:p>
+            <a:r>
+              <a:rPr lang="en-US" altLang="zh-CN" sz="1000" b="1" dirty="0">
+                <a:solidFill>
+                  <a:srgbClr val="FF0000"/>
+                </a:solidFill>
+                <a:latin typeface="Times New Roman" panose="02020603050405020304" pitchFamily="18" charset="0"/>
+                <a:cs typeface="Times New Roman" panose="02020603050405020304" pitchFamily="18" charset="0"/>
+              </a:rPr>
+              <a:t>A</a:t>
+            </a:r>
+            <a:endParaRPr lang="en-US" sz="1000" b="1" dirty="0">
+              <a:solidFill>
+                <a:srgbClr val="FF0000"/>
+              </a:solidFill>
+              <a:latin typeface="Times New Roman" panose="02020603050405020304" pitchFamily="18" charset="0"/>
+              <a:cs typeface="Times New Roman" panose="02020603050405020304" pitchFamily="18" charset="0"/>
+            </a:endParaRPr>
+          </a:p>
+        </p:txBody>
+      </p:sp>
+      <p:sp>
+        <p:nvSpPr>
+          <p:cNvPr id="178" name="Rectangle 55">
+            <a:extLst>
+              <a:ext uri="{FF2B5EF4-FFF2-40B4-BE49-F238E27FC236}">
+                <a16:creationId xmlns:a16="http://schemas.microsoft.com/office/drawing/2014/main" id="{E95C0967-860B-424D-8A84-5464C8D99D12}"/>
+              </a:ext>
+            </a:extLst>
+          </p:cNvPr>
+          <p:cNvSpPr/>
+          <p:nvPr/>
+        </p:nvSpPr>
+        <p:spPr>
+          <a:xfrm>
+            <a:off x="5729467" y="3416580"/>
+            <a:ext cx="284052" cy="246221"/>
+          </a:xfrm>
+          <a:prstGeom prst="rect">
+            <a:avLst/>
+          </a:prstGeom>
+        </p:spPr>
+        <p:txBody>
+          <a:bodyPr wrap="none">
+            <a:spAutoFit/>
+          </a:bodyPr>
+          <a:lstStyle/>
+          <a:p>
+            <a:r>
+              <a:rPr lang="en-US" sz="1000" b="1" dirty="0">
+                <a:solidFill>
+                  <a:schemeClr val="accent1"/>
+                </a:solidFill>
+                <a:latin typeface="Times New Roman" panose="02020603050405020304" pitchFamily="18" charset="0"/>
+                <a:cs typeface="Times New Roman" panose="02020603050405020304" pitchFamily="18" charset="0"/>
+              </a:rPr>
+              <a:t>G</a:t>
+            </a:r>
+          </a:p>
+        </p:txBody>
+      </p:sp>
+      <p:sp>
+        <p:nvSpPr>
+          <p:cNvPr id="179" name="Rectangle 55">
+            <a:extLst>
+              <a:ext uri="{FF2B5EF4-FFF2-40B4-BE49-F238E27FC236}">
+                <a16:creationId xmlns:a16="http://schemas.microsoft.com/office/drawing/2014/main" id="{E64CA0C4-BA65-4752-8EF0-1BE9A1CDC63C}"/>
+              </a:ext>
+            </a:extLst>
+          </p:cNvPr>
+          <p:cNvSpPr/>
+          <p:nvPr/>
+        </p:nvSpPr>
+        <p:spPr>
+          <a:xfrm>
+            <a:off x="5532078" y="3493056"/>
+            <a:ext cx="277640" cy="246221"/>
+          </a:xfrm>
+          <a:prstGeom prst="rect">
+            <a:avLst/>
+          </a:prstGeom>
+        </p:spPr>
+        <p:txBody>
+          <a:bodyPr wrap="none">
+            <a:spAutoFit/>
+          </a:bodyPr>
+          <a:lstStyle/>
+          <a:p>
+            <a:r>
+              <a:rPr lang="en-US" sz="1000" b="1" dirty="0">
+                <a:solidFill>
+                  <a:srgbClr val="FF9900"/>
+                </a:solidFill>
+                <a:latin typeface="Times New Roman" panose="02020603050405020304" pitchFamily="18" charset="0"/>
+                <a:cs typeface="Times New Roman" panose="02020603050405020304" pitchFamily="18" charset="0"/>
+              </a:rPr>
+              <a:t>C</a:t>
+            </a:r>
+          </a:p>
+        </p:txBody>
+      </p:sp>
+      <p:sp>
+        <p:nvSpPr>
+          <p:cNvPr id="180" name="Rectangle 55">
+            <a:extLst>
+              <a:ext uri="{FF2B5EF4-FFF2-40B4-BE49-F238E27FC236}">
+                <a16:creationId xmlns:a16="http://schemas.microsoft.com/office/drawing/2014/main" id="{8DCA255B-A75F-4DE8-8062-159F3D157EB8}"/>
+              </a:ext>
+            </a:extLst>
+          </p:cNvPr>
+          <p:cNvSpPr/>
+          <p:nvPr/>
+        </p:nvSpPr>
+        <p:spPr>
+          <a:xfrm>
+            <a:off x="5383976" y="3636350"/>
+            <a:ext cx="277640" cy="246221"/>
+          </a:xfrm>
+          <a:prstGeom prst="rect">
+            <a:avLst/>
+          </a:prstGeom>
+        </p:spPr>
+        <p:txBody>
+          <a:bodyPr wrap="none">
+            <a:spAutoFit/>
+          </a:bodyPr>
+          <a:lstStyle/>
+          <a:p>
+            <a:r>
+              <a:rPr lang="en-US" sz="1000" b="1" dirty="0">
+                <a:solidFill>
+                  <a:schemeClr val="accent6">
+                    <a:lumMod val="75000"/>
+                  </a:schemeClr>
+                </a:solidFill>
+                <a:latin typeface="Times New Roman" panose="02020603050405020304" pitchFamily="18" charset="0"/>
+                <a:cs typeface="Times New Roman" panose="02020603050405020304" pitchFamily="18" charset="0"/>
+              </a:rPr>
+              <a:t>U</a:t>
+            </a:r>
+          </a:p>
+        </p:txBody>
+      </p:sp>
+      <p:sp>
+        <p:nvSpPr>
+          <p:cNvPr id="181" name="文本框 180">
+            <a:extLst>
+              <a:ext uri="{FF2B5EF4-FFF2-40B4-BE49-F238E27FC236}">
+                <a16:creationId xmlns:a16="http://schemas.microsoft.com/office/drawing/2014/main" id="{F9CC96D9-C2F3-426A-B029-9E3B7C78675F}"/>
+              </a:ext>
+            </a:extLst>
+          </p:cNvPr>
+          <p:cNvSpPr txBox="1"/>
+          <p:nvPr/>
+        </p:nvSpPr>
+        <p:spPr>
+          <a:xfrm rot="1647995">
+            <a:off x="5580515" y="4154416"/>
+            <a:ext cx="593432" cy="276999"/>
+          </a:xfrm>
+          <a:prstGeom prst="rect">
+            <a:avLst/>
+          </a:prstGeom>
+          <a:noFill/>
+          <a:effectLst/>
+        </p:spPr>
+        <p:txBody>
+          <a:bodyPr wrap="none" rtlCol="0">
+            <a:spAutoFit/>
+          </a:bodyPr>
+          <a:lstStyle/>
+          <a:p>
+            <a:r>
+              <a:rPr lang="en-US" sz="1200" b="1" dirty="0">
+                <a:solidFill>
+                  <a:schemeClr val="tx1">
+                    <a:lumMod val="65000"/>
+                    <a:lumOff val="35000"/>
+                  </a:schemeClr>
+                </a:solidFill>
+                <a:latin typeface="Times New Roman" panose="02020603050405020304" pitchFamily="18" charset="0"/>
+                <a:cs typeface="Times New Roman" panose="02020603050405020304" pitchFamily="18" charset="0"/>
+              </a:rPr>
+              <a:t>ARES</a:t>
+            </a:r>
+          </a:p>
+        </p:txBody>
+      </p:sp>
+      <p:cxnSp>
+        <p:nvCxnSpPr>
+          <p:cNvPr id="3" name="直接连接符 2">
+            <a:extLst>
+              <a:ext uri="{FF2B5EF4-FFF2-40B4-BE49-F238E27FC236}">
+                <a16:creationId xmlns:a16="http://schemas.microsoft.com/office/drawing/2014/main" id="{70BB706A-FFEC-4B70-862C-08EAEB20B731}"/>
+              </a:ext>
+            </a:extLst>
+          </p:cNvPr>
+          <p:cNvCxnSpPr/>
+          <p:nvPr/>
+        </p:nvCxnSpPr>
+        <p:spPr>
+          <a:xfrm>
+            <a:off x="6135497" y="4229193"/>
+            <a:ext cx="102332" cy="0"/>
+          </a:xfrm>
+          <a:prstGeom prst="line">
+            <a:avLst/>
+          </a:prstGeom>
+          <a:ln w="25400">
+            <a:solidFill>
+              <a:schemeClr val="bg1"/>
+            </a:solidFill>
+          </a:ln>
+        </p:spPr>
+        <p:style>
+          <a:lnRef idx="1">
+            <a:schemeClr val="accent1"/>
+          </a:lnRef>
+          <a:fillRef idx="0">
+            <a:schemeClr val="accent1"/>
+          </a:fillRef>
+          <a:effectRef idx="0">
+            <a:schemeClr val="accent1"/>
+          </a:effectRef>
+          <a:fontRef idx="minor">
+            <a:schemeClr val="tx1"/>
+          </a:fontRef>
+        </p:style>
+      </p:cxnSp>
+      <p:sp>
+        <p:nvSpPr>
+          <p:cNvPr id="234" name="弦形 233">
+            <a:extLst>
+              <a:ext uri="{FF2B5EF4-FFF2-40B4-BE49-F238E27FC236}">
+                <a16:creationId xmlns:a16="http://schemas.microsoft.com/office/drawing/2014/main" id="{A34D7EB7-2733-4343-8B67-651E8F87E2B7}"/>
+              </a:ext>
+            </a:extLst>
+          </p:cNvPr>
+          <p:cNvSpPr/>
+          <p:nvPr/>
+        </p:nvSpPr>
+        <p:spPr>
+          <a:xfrm>
+            <a:off x="8994832" y="3766009"/>
+            <a:ext cx="1661722" cy="1666240"/>
+          </a:xfrm>
+          <a:prstGeom prst="chord">
+            <a:avLst>
+              <a:gd name="adj1" fmla="val 8275321"/>
+              <a:gd name="adj2" fmla="val 18995435"/>
+            </a:avLst>
+          </a:prstGeom>
+          <a:solidFill>
+            <a:schemeClr val="tx1">
+              <a:lumMod val="65000"/>
+              <a:lumOff val="35000"/>
+            </a:schemeClr>
+          </a:solidFill>
+          <a:ln>
+            <a:noFill/>
+          </a:ln>
+        </p:spPr>
+        <p:style>
+          <a:lnRef idx="2">
+            <a:schemeClr val="accent1">
+              <a:shade val="50000"/>
+            </a:schemeClr>
+          </a:lnRef>
+          <a:fillRef idx="1">
+            <a:schemeClr val="accent1"/>
+          </a:fillRef>
+          <a:effectRef idx="0">
+            <a:schemeClr val="accent1"/>
+          </a:effectRef>
+          <a:fontRef idx="minor">
+            <a:schemeClr val="lt1"/>
+          </a:fontRef>
+        </p:style>
+        <p:txBody>
+          <a:bodyPr rtlCol="0" anchor="ctr"/>
+          <a:lstStyle/>
+          <a:p>
+            <a:pPr algn="ctr"/>
+            <a:endParaRPr lang="en-US" dirty="0">
+              <a:solidFill>
+                <a:schemeClr val="bg2">
+                  <a:lumMod val="50000"/>
+                </a:schemeClr>
+              </a:solidFill>
+            </a:endParaRPr>
+          </a:p>
+        </p:txBody>
+      </p:sp>
+      <p:cxnSp>
+        <p:nvCxnSpPr>
+          <p:cNvPr id="235" name="直接连接符 234">
+            <a:extLst>
+              <a:ext uri="{FF2B5EF4-FFF2-40B4-BE49-F238E27FC236}">
+                <a16:creationId xmlns:a16="http://schemas.microsoft.com/office/drawing/2014/main" id="{7A3F2D2E-0B2B-49B1-AE2B-557078C323B4}"/>
+              </a:ext>
+            </a:extLst>
+          </p:cNvPr>
+          <p:cNvCxnSpPr>
+            <a:cxnSpLocks/>
+            <a:endCxn id="254" idx="2"/>
+          </p:cNvCxnSpPr>
+          <p:nvPr/>
+        </p:nvCxnSpPr>
+        <p:spPr>
+          <a:xfrm>
+            <a:off x="9040782" y="4302173"/>
+            <a:ext cx="808155" cy="284502"/>
+          </a:xfrm>
+          <a:prstGeom prst="line">
+            <a:avLst/>
+          </a:prstGeom>
+          <a:ln>
+            <a:solidFill>
+              <a:schemeClr val="bg1"/>
+            </a:solidFill>
+          </a:ln>
+        </p:spPr>
+        <p:style>
+          <a:lnRef idx="1">
+            <a:schemeClr val="accent1"/>
+          </a:lnRef>
+          <a:fillRef idx="0">
+            <a:schemeClr val="accent1"/>
+          </a:fillRef>
+          <a:effectRef idx="0">
+            <a:schemeClr val="accent1"/>
+          </a:effectRef>
+          <a:fontRef idx="minor">
+            <a:schemeClr val="tx1"/>
+          </a:fontRef>
+        </p:style>
+      </p:cxnSp>
+      <p:cxnSp>
+        <p:nvCxnSpPr>
+          <p:cNvPr id="236" name="直接连接符 235">
+            <a:extLst>
+              <a:ext uri="{FF2B5EF4-FFF2-40B4-BE49-F238E27FC236}">
+                <a16:creationId xmlns:a16="http://schemas.microsoft.com/office/drawing/2014/main" id="{53C8954C-4C0C-4892-8AEA-02F1A8AFD03C}"/>
+              </a:ext>
+            </a:extLst>
+          </p:cNvPr>
+          <p:cNvCxnSpPr>
+            <a:cxnSpLocks/>
+            <a:endCxn id="254" idx="2"/>
+          </p:cNvCxnSpPr>
+          <p:nvPr/>
+        </p:nvCxnSpPr>
+        <p:spPr>
+          <a:xfrm>
+            <a:off x="9028707" y="4357829"/>
+            <a:ext cx="820230" cy="228846"/>
+          </a:xfrm>
+          <a:prstGeom prst="line">
+            <a:avLst/>
+          </a:prstGeom>
+          <a:ln>
+            <a:solidFill>
+              <a:schemeClr val="bg1"/>
+            </a:solidFill>
+          </a:ln>
+        </p:spPr>
+        <p:style>
+          <a:lnRef idx="1">
+            <a:schemeClr val="accent1"/>
+          </a:lnRef>
+          <a:fillRef idx="0">
+            <a:schemeClr val="accent1"/>
+          </a:fillRef>
+          <a:effectRef idx="0">
+            <a:schemeClr val="accent1"/>
+          </a:effectRef>
+          <a:fontRef idx="minor">
+            <a:schemeClr val="tx1"/>
+          </a:fontRef>
+        </p:style>
+      </p:cxnSp>
+      <p:cxnSp>
+        <p:nvCxnSpPr>
+          <p:cNvPr id="237" name="直接连接符 236">
+            <a:extLst>
+              <a:ext uri="{FF2B5EF4-FFF2-40B4-BE49-F238E27FC236}">
+                <a16:creationId xmlns:a16="http://schemas.microsoft.com/office/drawing/2014/main" id="{D8C11E02-57A3-4212-A282-5E1D5D4F6C7D}"/>
+              </a:ext>
+            </a:extLst>
+          </p:cNvPr>
+          <p:cNvCxnSpPr>
+            <a:cxnSpLocks/>
+            <a:endCxn id="254" idx="2"/>
+          </p:cNvCxnSpPr>
+          <p:nvPr/>
+        </p:nvCxnSpPr>
+        <p:spPr>
+          <a:xfrm>
+            <a:off x="9053814" y="4230445"/>
+            <a:ext cx="795123" cy="356230"/>
+          </a:xfrm>
+          <a:prstGeom prst="line">
+            <a:avLst/>
+          </a:prstGeom>
+          <a:ln>
+            <a:solidFill>
+              <a:schemeClr val="bg1"/>
+            </a:solidFill>
+          </a:ln>
+        </p:spPr>
+        <p:style>
+          <a:lnRef idx="1">
+            <a:schemeClr val="accent1"/>
+          </a:lnRef>
+          <a:fillRef idx="0">
+            <a:schemeClr val="accent1"/>
+          </a:fillRef>
+          <a:effectRef idx="0">
+            <a:schemeClr val="accent1"/>
+          </a:effectRef>
+          <a:fontRef idx="minor">
+            <a:schemeClr val="tx1"/>
+          </a:fontRef>
+        </p:style>
+      </p:cxnSp>
+      <p:cxnSp>
+        <p:nvCxnSpPr>
+          <p:cNvPr id="238" name="直接连接符 237">
+            <a:extLst>
+              <a:ext uri="{FF2B5EF4-FFF2-40B4-BE49-F238E27FC236}">
+                <a16:creationId xmlns:a16="http://schemas.microsoft.com/office/drawing/2014/main" id="{C3864A8F-6FA0-467A-9BDF-392C178A964A}"/>
+              </a:ext>
+            </a:extLst>
+          </p:cNvPr>
+          <p:cNvCxnSpPr>
+            <a:cxnSpLocks/>
+            <a:endCxn id="254" idx="2"/>
+          </p:cNvCxnSpPr>
+          <p:nvPr/>
+        </p:nvCxnSpPr>
+        <p:spPr>
+          <a:xfrm>
+            <a:off x="9110964" y="4163619"/>
+            <a:ext cx="737973" cy="423056"/>
+          </a:xfrm>
+          <a:prstGeom prst="line">
+            <a:avLst/>
+          </a:prstGeom>
+          <a:ln>
+            <a:solidFill>
+              <a:schemeClr val="bg1"/>
+            </a:solidFill>
+          </a:ln>
+        </p:spPr>
+        <p:style>
+          <a:lnRef idx="1">
+            <a:schemeClr val="accent1"/>
+          </a:lnRef>
+          <a:fillRef idx="0">
+            <a:schemeClr val="accent1"/>
+          </a:fillRef>
+          <a:effectRef idx="0">
+            <a:schemeClr val="accent1"/>
+          </a:effectRef>
+          <a:fontRef idx="minor">
+            <a:schemeClr val="tx1"/>
+          </a:fontRef>
+        </p:style>
+      </p:cxnSp>
+      <p:cxnSp>
+        <p:nvCxnSpPr>
+          <p:cNvPr id="239" name="直接连接符 238">
+            <a:extLst>
+              <a:ext uri="{FF2B5EF4-FFF2-40B4-BE49-F238E27FC236}">
+                <a16:creationId xmlns:a16="http://schemas.microsoft.com/office/drawing/2014/main" id="{C673870C-31A2-467E-B639-FA4EFA36A9E7}"/>
+              </a:ext>
+            </a:extLst>
+          </p:cNvPr>
+          <p:cNvCxnSpPr>
+            <a:cxnSpLocks/>
+            <a:endCxn id="254" idx="2"/>
+          </p:cNvCxnSpPr>
+          <p:nvPr/>
+        </p:nvCxnSpPr>
+        <p:spPr>
+          <a:xfrm>
+            <a:off x="9152874" y="4085697"/>
+            <a:ext cx="696063" cy="500978"/>
+          </a:xfrm>
+          <a:prstGeom prst="line">
+            <a:avLst/>
+          </a:prstGeom>
+          <a:ln>
+            <a:solidFill>
+              <a:schemeClr val="bg1"/>
+            </a:solidFill>
+          </a:ln>
+        </p:spPr>
+        <p:style>
+          <a:lnRef idx="1">
+            <a:schemeClr val="accent1"/>
+          </a:lnRef>
+          <a:fillRef idx="0">
+            <a:schemeClr val="accent1"/>
+          </a:fillRef>
+          <a:effectRef idx="0">
+            <a:schemeClr val="accent1"/>
+          </a:effectRef>
+          <a:fontRef idx="minor">
+            <a:schemeClr val="tx1"/>
+          </a:fontRef>
+        </p:style>
+      </p:cxnSp>
+      <p:cxnSp>
+        <p:nvCxnSpPr>
+          <p:cNvPr id="240" name="直接连接符 239">
+            <a:extLst>
+              <a:ext uri="{FF2B5EF4-FFF2-40B4-BE49-F238E27FC236}">
+                <a16:creationId xmlns:a16="http://schemas.microsoft.com/office/drawing/2014/main" id="{FA7E8A6E-DEF7-4E40-9C2B-6DEDF9F4EC36}"/>
+              </a:ext>
+            </a:extLst>
+          </p:cNvPr>
+          <p:cNvCxnSpPr>
+            <a:cxnSpLocks/>
+            <a:endCxn id="254" idx="2"/>
+          </p:cNvCxnSpPr>
+          <p:nvPr/>
+        </p:nvCxnSpPr>
+        <p:spPr>
+          <a:xfrm>
+            <a:off x="9216505" y="4003493"/>
+            <a:ext cx="632432" cy="583182"/>
+          </a:xfrm>
+          <a:prstGeom prst="line">
+            <a:avLst/>
+          </a:prstGeom>
+          <a:ln>
+            <a:solidFill>
+              <a:schemeClr val="bg1"/>
+            </a:solidFill>
+          </a:ln>
+        </p:spPr>
+        <p:style>
+          <a:lnRef idx="1">
+            <a:schemeClr val="accent1"/>
+          </a:lnRef>
+          <a:fillRef idx="0">
+            <a:schemeClr val="accent1"/>
+          </a:fillRef>
+          <a:effectRef idx="0">
+            <a:schemeClr val="accent1"/>
+          </a:effectRef>
+          <a:fontRef idx="minor">
+            <a:schemeClr val="tx1"/>
+          </a:fontRef>
+        </p:style>
+      </p:cxnSp>
+      <p:cxnSp>
+        <p:nvCxnSpPr>
+          <p:cNvPr id="241" name="直接连接符 240">
+            <a:extLst>
+              <a:ext uri="{FF2B5EF4-FFF2-40B4-BE49-F238E27FC236}">
+                <a16:creationId xmlns:a16="http://schemas.microsoft.com/office/drawing/2014/main" id="{8466C577-3BF7-4F81-AD31-AC9A5CB23DC2}"/>
+              </a:ext>
+            </a:extLst>
+          </p:cNvPr>
+          <p:cNvCxnSpPr>
+            <a:cxnSpLocks/>
+            <a:endCxn id="255" idx="0"/>
+          </p:cNvCxnSpPr>
+          <p:nvPr/>
+        </p:nvCxnSpPr>
+        <p:spPr>
+          <a:xfrm>
+            <a:off x="9288071" y="3933081"/>
+            <a:ext cx="543966" cy="640443"/>
+          </a:xfrm>
+          <a:prstGeom prst="line">
+            <a:avLst/>
+          </a:prstGeom>
+          <a:ln>
+            <a:solidFill>
+              <a:schemeClr val="bg1"/>
+            </a:solidFill>
+          </a:ln>
+        </p:spPr>
+        <p:style>
+          <a:lnRef idx="1">
+            <a:schemeClr val="accent1"/>
+          </a:lnRef>
+          <a:fillRef idx="0">
+            <a:schemeClr val="accent1"/>
+          </a:fillRef>
+          <a:effectRef idx="0">
+            <a:schemeClr val="accent1"/>
+          </a:effectRef>
+          <a:fontRef idx="minor">
+            <a:schemeClr val="tx1"/>
+          </a:fontRef>
+        </p:style>
+      </p:cxnSp>
+      <p:cxnSp>
+        <p:nvCxnSpPr>
+          <p:cNvPr id="242" name="直接连接符 241">
+            <a:extLst>
+              <a:ext uri="{FF2B5EF4-FFF2-40B4-BE49-F238E27FC236}">
+                <a16:creationId xmlns:a16="http://schemas.microsoft.com/office/drawing/2014/main" id="{9EB03330-11B0-4575-BFD9-18E94B2E4F03}"/>
+              </a:ext>
+            </a:extLst>
+          </p:cNvPr>
+          <p:cNvCxnSpPr>
+            <a:cxnSpLocks/>
+            <a:endCxn id="254" idx="2"/>
+          </p:cNvCxnSpPr>
+          <p:nvPr/>
+        </p:nvCxnSpPr>
+        <p:spPr>
+          <a:xfrm>
+            <a:off x="9391053" y="3884294"/>
+            <a:ext cx="457884" cy="702381"/>
+          </a:xfrm>
+          <a:prstGeom prst="line">
+            <a:avLst/>
+          </a:prstGeom>
+          <a:ln>
+            <a:solidFill>
+              <a:schemeClr val="bg1"/>
+            </a:solidFill>
+          </a:ln>
+        </p:spPr>
+        <p:style>
+          <a:lnRef idx="1">
+            <a:schemeClr val="accent1"/>
+          </a:lnRef>
+          <a:fillRef idx="0">
+            <a:schemeClr val="accent1"/>
+          </a:fillRef>
+          <a:effectRef idx="0">
+            <a:schemeClr val="accent1"/>
+          </a:effectRef>
+          <a:fontRef idx="minor">
+            <a:schemeClr val="tx1"/>
+          </a:fontRef>
+        </p:style>
+      </p:cxnSp>
+      <p:cxnSp>
+        <p:nvCxnSpPr>
+          <p:cNvPr id="243" name="直接连接符 242">
+            <a:extLst>
+              <a:ext uri="{FF2B5EF4-FFF2-40B4-BE49-F238E27FC236}">
+                <a16:creationId xmlns:a16="http://schemas.microsoft.com/office/drawing/2014/main" id="{1983925C-C3BE-45B4-AD8F-901C64A8AFAE}"/>
+              </a:ext>
+            </a:extLst>
+          </p:cNvPr>
+          <p:cNvCxnSpPr>
+            <a:cxnSpLocks/>
+            <a:endCxn id="255" idx="0"/>
+          </p:cNvCxnSpPr>
+          <p:nvPr/>
+        </p:nvCxnSpPr>
+        <p:spPr>
+          <a:xfrm>
+            <a:off x="9500905" y="3829311"/>
+            <a:ext cx="331132" cy="744213"/>
+          </a:xfrm>
+          <a:prstGeom prst="line">
+            <a:avLst/>
+          </a:prstGeom>
+          <a:ln>
+            <a:solidFill>
+              <a:schemeClr val="bg1"/>
+            </a:solidFill>
+          </a:ln>
+        </p:spPr>
+        <p:style>
+          <a:lnRef idx="1">
+            <a:schemeClr val="accent1"/>
+          </a:lnRef>
+          <a:fillRef idx="0">
+            <a:schemeClr val="accent1"/>
+          </a:fillRef>
+          <a:effectRef idx="0">
+            <a:schemeClr val="accent1"/>
+          </a:effectRef>
+          <a:fontRef idx="minor">
+            <a:schemeClr val="tx1"/>
+          </a:fontRef>
+        </p:style>
+      </p:cxnSp>
+      <p:cxnSp>
+        <p:nvCxnSpPr>
+          <p:cNvPr id="244" name="直接连接符 243">
+            <a:extLst>
+              <a:ext uri="{FF2B5EF4-FFF2-40B4-BE49-F238E27FC236}">
+                <a16:creationId xmlns:a16="http://schemas.microsoft.com/office/drawing/2014/main" id="{B3F83F57-7FEA-4555-BBB2-9F047D55E3D8}"/>
+              </a:ext>
+            </a:extLst>
+          </p:cNvPr>
+          <p:cNvCxnSpPr>
+            <a:cxnSpLocks/>
+            <a:endCxn id="254" idx="2"/>
+          </p:cNvCxnSpPr>
+          <p:nvPr/>
+        </p:nvCxnSpPr>
+        <p:spPr>
+          <a:xfrm>
+            <a:off x="9646435" y="3774139"/>
+            <a:ext cx="202502" cy="812536"/>
+          </a:xfrm>
+          <a:prstGeom prst="line">
+            <a:avLst/>
+          </a:prstGeom>
+          <a:ln>
+            <a:solidFill>
+              <a:schemeClr val="bg1"/>
+            </a:solidFill>
+          </a:ln>
+        </p:spPr>
+        <p:style>
+          <a:lnRef idx="1">
+            <a:schemeClr val="accent1"/>
+          </a:lnRef>
+          <a:fillRef idx="0">
+            <a:schemeClr val="accent1"/>
+          </a:fillRef>
+          <a:effectRef idx="0">
+            <a:schemeClr val="accent1"/>
+          </a:effectRef>
+          <a:fontRef idx="minor">
+            <a:schemeClr val="tx1"/>
+          </a:fontRef>
+        </p:style>
+      </p:cxnSp>
+      <p:cxnSp>
+        <p:nvCxnSpPr>
+          <p:cNvPr id="245" name="直接连接符 244">
+            <a:extLst>
+              <a:ext uri="{FF2B5EF4-FFF2-40B4-BE49-F238E27FC236}">
+                <a16:creationId xmlns:a16="http://schemas.microsoft.com/office/drawing/2014/main" id="{1E54BCCD-BCEA-45A1-B388-090F3B23C19C}"/>
+              </a:ext>
+            </a:extLst>
+          </p:cNvPr>
+          <p:cNvCxnSpPr>
+            <a:cxnSpLocks/>
+            <a:endCxn id="255" idx="0"/>
+          </p:cNvCxnSpPr>
+          <p:nvPr/>
+        </p:nvCxnSpPr>
+        <p:spPr>
+          <a:xfrm>
+            <a:off x="9806838" y="3752009"/>
+            <a:ext cx="25199" cy="821515"/>
+          </a:xfrm>
+          <a:prstGeom prst="line">
+            <a:avLst/>
+          </a:prstGeom>
+          <a:ln>
+            <a:solidFill>
+              <a:schemeClr val="bg1"/>
+            </a:solidFill>
+          </a:ln>
+        </p:spPr>
+        <p:style>
+          <a:lnRef idx="1">
+            <a:schemeClr val="accent1"/>
+          </a:lnRef>
+          <a:fillRef idx="0">
+            <a:schemeClr val="accent1"/>
+          </a:fillRef>
+          <a:effectRef idx="0">
+            <a:schemeClr val="accent1"/>
+          </a:effectRef>
+          <a:fontRef idx="minor">
+            <a:schemeClr val="tx1"/>
+          </a:fontRef>
+        </p:style>
+      </p:cxnSp>
+      <p:cxnSp>
+        <p:nvCxnSpPr>
+          <p:cNvPr id="246" name="直接连接符 245">
+            <a:extLst>
+              <a:ext uri="{FF2B5EF4-FFF2-40B4-BE49-F238E27FC236}">
+                <a16:creationId xmlns:a16="http://schemas.microsoft.com/office/drawing/2014/main" id="{47901924-4BF9-4623-8E9E-2C3DFD3A1A3C}"/>
+              </a:ext>
+            </a:extLst>
+          </p:cNvPr>
+          <p:cNvCxnSpPr>
+            <a:cxnSpLocks/>
+            <a:endCxn id="254" idx="2"/>
+          </p:cNvCxnSpPr>
+          <p:nvPr/>
+        </p:nvCxnSpPr>
+        <p:spPr>
+          <a:xfrm flipH="1">
+            <a:off x="9848937" y="3766009"/>
+            <a:ext cx="116132" cy="820666"/>
+          </a:xfrm>
+          <a:prstGeom prst="line">
+            <a:avLst/>
+          </a:prstGeom>
+          <a:ln>
+            <a:solidFill>
+              <a:schemeClr val="bg1"/>
+            </a:solidFill>
+          </a:ln>
+        </p:spPr>
+        <p:style>
+          <a:lnRef idx="1">
+            <a:schemeClr val="accent1"/>
+          </a:lnRef>
+          <a:fillRef idx="0">
+            <a:schemeClr val="accent1"/>
+          </a:fillRef>
+          <a:effectRef idx="0">
+            <a:schemeClr val="accent1"/>
+          </a:effectRef>
+          <a:fontRef idx="minor">
+            <a:schemeClr val="tx1"/>
+          </a:fontRef>
+        </p:style>
+      </p:cxnSp>
+      <p:cxnSp>
+        <p:nvCxnSpPr>
+          <p:cNvPr id="247" name="直接连接符 246">
+            <a:extLst>
+              <a:ext uri="{FF2B5EF4-FFF2-40B4-BE49-F238E27FC236}">
+                <a16:creationId xmlns:a16="http://schemas.microsoft.com/office/drawing/2014/main" id="{6D6543E7-9D25-4627-AA2D-9AA1FF1267E3}"/>
+              </a:ext>
+            </a:extLst>
+          </p:cNvPr>
+          <p:cNvCxnSpPr>
+            <a:cxnSpLocks/>
+            <a:endCxn id="255" idx="0"/>
+          </p:cNvCxnSpPr>
+          <p:nvPr/>
+        </p:nvCxnSpPr>
+        <p:spPr>
+          <a:xfrm flipH="1">
+            <a:off x="9832037" y="3814943"/>
+            <a:ext cx="304578" cy="758581"/>
+          </a:xfrm>
+          <a:prstGeom prst="line">
+            <a:avLst/>
+          </a:prstGeom>
+          <a:ln>
+            <a:solidFill>
+              <a:schemeClr val="bg1"/>
+            </a:solidFill>
+          </a:ln>
+        </p:spPr>
+        <p:style>
+          <a:lnRef idx="1">
+            <a:schemeClr val="accent1"/>
+          </a:lnRef>
+          <a:fillRef idx="0">
+            <a:schemeClr val="accent1"/>
+          </a:fillRef>
+          <a:effectRef idx="0">
+            <a:schemeClr val="accent1"/>
+          </a:effectRef>
+          <a:fontRef idx="minor">
+            <a:schemeClr val="tx1"/>
+          </a:fontRef>
+        </p:style>
+      </p:cxnSp>
+      <p:cxnSp>
+        <p:nvCxnSpPr>
+          <p:cNvPr id="248" name="直接连接符 247">
+            <a:extLst>
+              <a:ext uri="{FF2B5EF4-FFF2-40B4-BE49-F238E27FC236}">
+                <a16:creationId xmlns:a16="http://schemas.microsoft.com/office/drawing/2014/main" id="{399BC5E8-9573-4D4E-ADA4-BDFD64986E58}"/>
+              </a:ext>
+            </a:extLst>
+          </p:cNvPr>
+          <p:cNvCxnSpPr>
+            <a:cxnSpLocks/>
+            <a:endCxn id="255" idx="0"/>
+          </p:cNvCxnSpPr>
+          <p:nvPr/>
+        </p:nvCxnSpPr>
+        <p:spPr>
+          <a:xfrm flipH="1">
+            <a:off x="9832037" y="3893402"/>
+            <a:ext cx="474098" cy="680122"/>
+          </a:xfrm>
+          <a:prstGeom prst="line">
+            <a:avLst/>
+          </a:prstGeom>
+          <a:ln>
+            <a:solidFill>
+              <a:schemeClr val="bg1"/>
+            </a:solidFill>
+          </a:ln>
+        </p:spPr>
+        <p:style>
+          <a:lnRef idx="1">
+            <a:schemeClr val="accent1"/>
+          </a:lnRef>
+          <a:fillRef idx="0">
+            <a:schemeClr val="accent1"/>
+          </a:fillRef>
+          <a:effectRef idx="0">
+            <a:schemeClr val="accent1"/>
+          </a:effectRef>
+          <a:fontRef idx="minor">
+            <a:schemeClr val="tx1"/>
+          </a:fontRef>
+        </p:style>
+      </p:cxnSp>
+      <p:cxnSp>
+        <p:nvCxnSpPr>
+          <p:cNvPr id="249" name="直接连接符 248">
+            <a:extLst>
+              <a:ext uri="{FF2B5EF4-FFF2-40B4-BE49-F238E27FC236}">
+                <a16:creationId xmlns:a16="http://schemas.microsoft.com/office/drawing/2014/main" id="{B1C976A2-9F9C-43CA-B95C-CCBEE0C9AEBE}"/>
+              </a:ext>
+            </a:extLst>
+          </p:cNvPr>
+          <p:cNvCxnSpPr>
+            <a:cxnSpLocks/>
+            <a:endCxn id="255" idx="0"/>
+          </p:cNvCxnSpPr>
+          <p:nvPr/>
+        </p:nvCxnSpPr>
+        <p:spPr>
+          <a:xfrm>
+            <a:off x="8994417" y="4549439"/>
+            <a:ext cx="837620" cy="24085"/>
+          </a:xfrm>
+          <a:prstGeom prst="line">
+            <a:avLst/>
+          </a:prstGeom>
+          <a:ln>
+            <a:solidFill>
+              <a:schemeClr val="bg1"/>
+            </a:solidFill>
+          </a:ln>
+        </p:spPr>
+        <p:style>
+          <a:lnRef idx="1">
+            <a:schemeClr val="accent1"/>
+          </a:lnRef>
+          <a:fillRef idx="0">
+            <a:schemeClr val="accent1"/>
+          </a:fillRef>
+          <a:effectRef idx="0">
+            <a:schemeClr val="accent1"/>
+          </a:effectRef>
+          <a:fontRef idx="minor">
+            <a:schemeClr val="tx1"/>
+          </a:fontRef>
+        </p:style>
+      </p:cxnSp>
+      <p:cxnSp>
+        <p:nvCxnSpPr>
+          <p:cNvPr id="250" name="直接连接符 249">
+            <a:extLst>
+              <a:ext uri="{FF2B5EF4-FFF2-40B4-BE49-F238E27FC236}">
+                <a16:creationId xmlns:a16="http://schemas.microsoft.com/office/drawing/2014/main" id="{CBC61372-9E24-4B02-8558-77BDCA7337EA}"/>
+              </a:ext>
+            </a:extLst>
+          </p:cNvPr>
+          <p:cNvCxnSpPr>
+            <a:cxnSpLocks/>
+            <a:endCxn id="254" idx="2"/>
+          </p:cNvCxnSpPr>
+          <p:nvPr/>
+        </p:nvCxnSpPr>
+        <p:spPr>
+          <a:xfrm>
+            <a:off x="8994417" y="4460699"/>
+            <a:ext cx="854520" cy="125976"/>
+          </a:xfrm>
+          <a:prstGeom prst="line">
+            <a:avLst/>
+          </a:prstGeom>
+          <a:ln>
+            <a:solidFill>
+              <a:schemeClr val="bg1"/>
+            </a:solidFill>
+          </a:ln>
+        </p:spPr>
+        <p:style>
+          <a:lnRef idx="1">
+            <a:schemeClr val="accent1"/>
+          </a:lnRef>
+          <a:fillRef idx="0">
+            <a:schemeClr val="accent1"/>
+          </a:fillRef>
+          <a:effectRef idx="0">
+            <a:schemeClr val="accent1"/>
+          </a:effectRef>
+          <a:fontRef idx="minor">
+            <a:schemeClr val="tx1"/>
+          </a:fontRef>
+        </p:style>
+      </p:cxnSp>
+      <p:cxnSp>
+        <p:nvCxnSpPr>
+          <p:cNvPr id="251" name="直接连接符 250">
+            <a:extLst>
+              <a:ext uri="{FF2B5EF4-FFF2-40B4-BE49-F238E27FC236}">
+                <a16:creationId xmlns:a16="http://schemas.microsoft.com/office/drawing/2014/main" id="{6E622152-421A-4630-AB13-9A9DC5E2EE77}"/>
+              </a:ext>
+            </a:extLst>
+          </p:cNvPr>
+          <p:cNvCxnSpPr>
+            <a:cxnSpLocks/>
+            <a:endCxn id="254" idx="2"/>
+          </p:cNvCxnSpPr>
+          <p:nvPr/>
+        </p:nvCxnSpPr>
+        <p:spPr>
+          <a:xfrm>
+            <a:off x="8994417" y="4411169"/>
+            <a:ext cx="854520" cy="175506"/>
+          </a:xfrm>
+          <a:prstGeom prst="line">
+            <a:avLst/>
+          </a:prstGeom>
+          <a:ln>
+            <a:solidFill>
+              <a:schemeClr val="bg1"/>
+            </a:solidFill>
+          </a:ln>
+        </p:spPr>
+        <p:style>
+          <a:lnRef idx="1">
+            <a:schemeClr val="accent1"/>
+          </a:lnRef>
+          <a:fillRef idx="0">
+            <a:schemeClr val="accent1"/>
+          </a:fillRef>
+          <a:effectRef idx="0">
+            <a:schemeClr val="accent1"/>
+          </a:effectRef>
+          <a:fontRef idx="minor">
+            <a:schemeClr val="tx1"/>
+          </a:fontRef>
+        </p:style>
+      </p:cxnSp>
+      <p:cxnSp>
+        <p:nvCxnSpPr>
+          <p:cNvPr id="252" name="直接连接符 251">
+            <a:extLst>
+              <a:ext uri="{FF2B5EF4-FFF2-40B4-BE49-F238E27FC236}">
+                <a16:creationId xmlns:a16="http://schemas.microsoft.com/office/drawing/2014/main" id="{88B1B48A-9233-48EE-B486-9B364262E6FF}"/>
+              </a:ext>
+            </a:extLst>
+          </p:cNvPr>
+          <p:cNvCxnSpPr>
+            <a:cxnSpLocks/>
+          </p:cNvCxnSpPr>
+          <p:nvPr/>
+        </p:nvCxnSpPr>
+        <p:spPr>
+          <a:xfrm>
+            <a:off x="8994860" y="4507098"/>
+            <a:ext cx="880346" cy="72821"/>
+          </a:xfrm>
+          <a:prstGeom prst="line">
+            <a:avLst/>
+          </a:prstGeom>
+          <a:ln>
+            <a:solidFill>
+              <a:schemeClr val="bg1"/>
+            </a:solidFill>
+          </a:ln>
+        </p:spPr>
+        <p:style>
+          <a:lnRef idx="1">
+            <a:schemeClr val="accent1"/>
+          </a:lnRef>
+          <a:fillRef idx="0">
+            <a:schemeClr val="accent1"/>
+          </a:fillRef>
+          <a:effectRef idx="0">
+            <a:schemeClr val="accent1"/>
+          </a:effectRef>
+          <a:fontRef idx="minor">
+            <a:schemeClr val="tx1"/>
+          </a:fontRef>
+        </p:style>
+      </p:cxnSp>
+      <p:sp>
+        <p:nvSpPr>
+          <p:cNvPr id="253" name="弦形 252">
+            <a:extLst>
+              <a:ext uri="{FF2B5EF4-FFF2-40B4-BE49-F238E27FC236}">
+                <a16:creationId xmlns:a16="http://schemas.microsoft.com/office/drawing/2014/main" id="{340D5269-F118-49EB-87BA-EA32F56083AE}"/>
+              </a:ext>
+            </a:extLst>
+          </p:cNvPr>
+          <p:cNvSpPr/>
+          <p:nvPr/>
+        </p:nvSpPr>
+        <p:spPr>
+          <a:xfrm>
+            <a:off x="9280483" y="4031501"/>
+            <a:ext cx="1136370" cy="1106908"/>
+          </a:xfrm>
+          <a:prstGeom prst="chord">
+            <a:avLst>
+              <a:gd name="adj1" fmla="val 8275321"/>
+              <a:gd name="adj2" fmla="val 18957101"/>
+            </a:avLst>
+          </a:prstGeom>
+          <a:solidFill>
+            <a:schemeClr val="bg1">
+              <a:lumMod val="85000"/>
+            </a:schemeClr>
+          </a:solidFill>
+          <a:ln>
+            <a:solidFill>
+              <a:schemeClr val="bg1"/>
+            </a:solidFill>
+          </a:ln>
+        </p:spPr>
+        <p:style>
+          <a:lnRef idx="2">
+            <a:schemeClr val="accent1">
+              <a:shade val="50000"/>
+            </a:schemeClr>
+          </a:lnRef>
+          <a:fillRef idx="1">
+            <a:schemeClr val="accent1"/>
+          </a:fillRef>
+          <a:effectRef idx="0">
+            <a:schemeClr val="accent1"/>
+          </a:effectRef>
+          <a:fontRef idx="minor">
+            <a:schemeClr val="lt1"/>
+          </a:fontRef>
+        </p:style>
+        <p:txBody>
+          <a:bodyPr rtlCol="0" anchor="ctr"/>
+          <a:lstStyle/>
+          <a:p>
+            <a:pPr algn="ctr"/>
+            <a:endParaRPr lang="en-US">
+              <a:solidFill>
+                <a:schemeClr val="accent1"/>
+              </a:solidFill>
+            </a:endParaRPr>
+          </a:p>
+        </p:txBody>
+      </p:sp>
+      <p:sp>
+        <p:nvSpPr>
+          <p:cNvPr id="254" name="弦形 253">
+            <a:extLst>
+              <a:ext uri="{FF2B5EF4-FFF2-40B4-BE49-F238E27FC236}">
+                <a16:creationId xmlns:a16="http://schemas.microsoft.com/office/drawing/2014/main" id="{480E346A-9029-44EB-A2DD-5DBD97924880}"/>
+              </a:ext>
+            </a:extLst>
+          </p:cNvPr>
+          <p:cNvSpPr/>
+          <p:nvPr/>
+        </p:nvSpPr>
+        <p:spPr>
+          <a:xfrm rot="5400000">
+            <a:off x="9609465" y="4264584"/>
+            <a:ext cx="478406" cy="609600"/>
+          </a:xfrm>
+          <a:prstGeom prst="chord">
+            <a:avLst>
+              <a:gd name="adj1" fmla="val 5171697"/>
+              <a:gd name="adj2" fmla="val 16362398"/>
+            </a:avLst>
+          </a:prstGeom>
+          <a:solidFill>
+            <a:schemeClr val="bg1">
+              <a:lumMod val="85000"/>
+            </a:schemeClr>
+          </a:solidFill>
+          <a:ln>
+            <a:solidFill>
+              <a:schemeClr val="bg1"/>
+            </a:solidFill>
+          </a:ln>
+        </p:spPr>
+        <p:style>
+          <a:lnRef idx="2">
+            <a:schemeClr val="accent1">
+              <a:shade val="50000"/>
+            </a:schemeClr>
+          </a:lnRef>
+          <a:fillRef idx="1">
+            <a:schemeClr val="accent1"/>
+          </a:fillRef>
+          <a:effectRef idx="0">
+            <a:schemeClr val="accent1"/>
+          </a:effectRef>
+          <a:fontRef idx="minor">
+            <a:schemeClr val="lt1"/>
+          </a:fontRef>
+        </p:style>
+        <p:txBody>
+          <a:bodyPr rtlCol="0" anchor="ctr"/>
+          <a:lstStyle/>
+          <a:p>
+            <a:pPr algn="ctr"/>
+            <a:endParaRPr lang="en-US" dirty="0"/>
+          </a:p>
+        </p:txBody>
+      </p:sp>
+      <p:sp>
+        <p:nvSpPr>
+          <p:cNvPr id="255" name="矩形 254">
+            <a:extLst>
+              <a:ext uri="{FF2B5EF4-FFF2-40B4-BE49-F238E27FC236}">
+                <a16:creationId xmlns:a16="http://schemas.microsoft.com/office/drawing/2014/main" id="{A68FC087-478F-4AF2-A0C3-87887901CE03}"/>
+              </a:ext>
+            </a:extLst>
+          </p:cNvPr>
+          <p:cNvSpPr/>
+          <p:nvPr/>
+        </p:nvSpPr>
+        <p:spPr>
+          <a:xfrm>
+            <a:off x="9551457" y="4573524"/>
+            <a:ext cx="561159" cy="269813"/>
+          </a:xfrm>
+          <a:prstGeom prst="rect">
+            <a:avLst/>
+          </a:prstGeom>
+          <a:solidFill>
+            <a:schemeClr val="bg1">
+              <a:lumMod val="85000"/>
+            </a:schemeClr>
+          </a:solidFill>
+          <a:ln>
+            <a:noFill/>
+          </a:ln>
+        </p:spPr>
+        <p:style>
+          <a:lnRef idx="2">
+            <a:schemeClr val="accent1">
+              <a:shade val="50000"/>
+            </a:schemeClr>
+          </a:lnRef>
+          <a:fillRef idx="1">
+            <a:schemeClr val="accent1"/>
+          </a:fillRef>
+          <a:effectRef idx="0">
+            <a:schemeClr val="accent1"/>
+          </a:effectRef>
+          <a:fontRef idx="minor">
+            <a:schemeClr val="lt1"/>
+          </a:fontRef>
+        </p:style>
+        <p:txBody>
+          <a:bodyPr rtlCol="0" anchor="ctr"/>
+          <a:lstStyle/>
+          <a:p>
+            <a:pPr algn="ctr"/>
+            <a:endParaRPr lang="en-US" dirty="0"/>
+          </a:p>
+        </p:txBody>
+      </p:sp>
+      <p:sp>
+        <p:nvSpPr>
+          <p:cNvPr id="256" name="等腰三角形 255">
+            <a:extLst>
+              <a:ext uri="{FF2B5EF4-FFF2-40B4-BE49-F238E27FC236}">
+                <a16:creationId xmlns:a16="http://schemas.microsoft.com/office/drawing/2014/main" id="{11AF43BD-A38C-403C-9725-CCBAF3BAF5E1}"/>
+              </a:ext>
+            </a:extLst>
+          </p:cNvPr>
+          <p:cNvSpPr/>
+          <p:nvPr/>
+        </p:nvSpPr>
+        <p:spPr>
+          <a:xfrm flipH="1" flipV="1">
+            <a:off x="9534379" y="4842986"/>
+            <a:ext cx="578237" cy="301814"/>
+          </a:xfrm>
+          <a:prstGeom prst="triangle">
+            <a:avLst>
+              <a:gd name="adj" fmla="val 0"/>
+            </a:avLst>
+          </a:prstGeom>
+          <a:solidFill>
+            <a:schemeClr val="bg1">
+              <a:lumMod val="85000"/>
+            </a:schemeClr>
+          </a:solidFill>
+          <a:ln>
+            <a:noFill/>
+          </a:ln>
+        </p:spPr>
+        <p:style>
+          <a:lnRef idx="2">
+            <a:schemeClr val="accent1">
+              <a:shade val="50000"/>
+            </a:schemeClr>
+          </a:lnRef>
+          <a:fillRef idx="1">
+            <a:schemeClr val="accent1"/>
+          </a:fillRef>
+          <a:effectRef idx="0">
+            <a:schemeClr val="accent1"/>
+          </a:effectRef>
+          <a:fontRef idx="minor">
+            <a:schemeClr val="lt1"/>
+          </a:fontRef>
+        </p:style>
+        <p:txBody>
+          <a:bodyPr rtlCol="0" anchor="ctr"/>
+          <a:lstStyle/>
+          <a:p>
+            <a:pPr algn="ctr"/>
+            <a:endParaRPr lang="en-US"/>
+          </a:p>
+        </p:txBody>
+      </p:sp>
+      <p:sp>
+        <p:nvSpPr>
+          <p:cNvPr id="257" name="矩形 256">
+            <a:extLst>
+              <a:ext uri="{FF2B5EF4-FFF2-40B4-BE49-F238E27FC236}">
+                <a16:creationId xmlns:a16="http://schemas.microsoft.com/office/drawing/2014/main" id="{44E924B2-54A0-4B54-8B8B-9E95B6E8FFC5}"/>
+              </a:ext>
+            </a:extLst>
+          </p:cNvPr>
+          <p:cNvSpPr/>
+          <p:nvPr/>
+        </p:nvSpPr>
+        <p:spPr>
+          <a:xfrm>
+            <a:off x="9984902" y="4579918"/>
+            <a:ext cx="127714" cy="484979"/>
+          </a:xfrm>
+          <a:prstGeom prst="rect">
+            <a:avLst/>
+          </a:prstGeom>
+          <a:solidFill>
+            <a:schemeClr val="tx1">
+              <a:lumMod val="65000"/>
+              <a:lumOff val="35000"/>
+            </a:schemeClr>
+          </a:solidFill>
+          <a:ln>
+            <a:noFill/>
+          </a:ln>
+        </p:spPr>
+        <p:style>
+          <a:lnRef idx="2">
+            <a:schemeClr val="accent1">
+              <a:shade val="50000"/>
+            </a:schemeClr>
+          </a:lnRef>
+          <a:fillRef idx="1">
+            <a:schemeClr val="accent1"/>
+          </a:fillRef>
+          <a:effectRef idx="0">
+            <a:schemeClr val="accent1"/>
+          </a:effectRef>
+          <a:fontRef idx="minor">
+            <a:schemeClr val="lt1"/>
+          </a:fontRef>
+        </p:style>
+        <p:txBody>
+          <a:bodyPr rtlCol="0" anchor="ctr"/>
+          <a:lstStyle/>
+          <a:p>
+            <a:pPr algn="ctr"/>
+            <a:endParaRPr lang="en-US"/>
+          </a:p>
+        </p:txBody>
+      </p:sp>
+      <p:sp>
+        <p:nvSpPr>
+          <p:cNvPr id="258" name="等腰三角形 257">
+            <a:extLst>
+              <a:ext uri="{FF2B5EF4-FFF2-40B4-BE49-F238E27FC236}">
+                <a16:creationId xmlns:a16="http://schemas.microsoft.com/office/drawing/2014/main" id="{1F3E4E9E-C3E7-4D69-A2D8-42947F69A058}"/>
+              </a:ext>
+            </a:extLst>
+          </p:cNvPr>
+          <p:cNvSpPr/>
+          <p:nvPr/>
+        </p:nvSpPr>
+        <p:spPr>
+          <a:xfrm flipV="1">
+            <a:off x="9783155" y="4579913"/>
+            <a:ext cx="329461" cy="137951"/>
+          </a:xfrm>
+          <a:prstGeom prst="triangle">
+            <a:avLst>
+              <a:gd name="adj" fmla="val 61694"/>
+            </a:avLst>
+          </a:prstGeom>
+          <a:solidFill>
+            <a:schemeClr val="tx1">
+              <a:lumMod val="65000"/>
+              <a:lumOff val="35000"/>
+            </a:schemeClr>
+          </a:solidFill>
+          <a:ln>
+            <a:noFill/>
+          </a:ln>
+        </p:spPr>
+        <p:style>
+          <a:lnRef idx="2">
+            <a:schemeClr val="accent1">
+              <a:shade val="50000"/>
+            </a:schemeClr>
+          </a:lnRef>
+          <a:fillRef idx="1">
+            <a:schemeClr val="accent1"/>
+          </a:fillRef>
+          <a:effectRef idx="0">
+            <a:schemeClr val="accent1"/>
+          </a:effectRef>
+          <a:fontRef idx="minor">
+            <a:schemeClr val="lt1"/>
+          </a:fontRef>
+        </p:style>
+        <p:txBody>
+          <a:bodyPr rtlCol="0" anchor="ctr"/>
+          <a:lstStyle/>
+          <a:p>
+            <a:pPr algn="ctr"/>
+            <a:endParaRPr lang="en-US" dirty="0"/>
+          </a:p>
+        </p:txBody>
+      </p:sp>
+      <p:sp>
+        <p:nvSpPr>
+          <p:cNvPr id="259" name="矩形 258">
+            <a:extLst>
+              <a:ext uri="{FF2B5EF4-FFF2-40B4-BE49-F238E27FC236}">
+                <a16:creationId xmlns:a16="http://schemas.microsoft.com/office/drawing/2014/main" id="{3D0B498F-6D4A-4DBA-91AC-AE2F8C1397F2}"/>
+              </a:ext>
+            </a:extLst>
+          </p:cNvPr>
+          <p:cNvSpPr/>
+          <p:nvPr/>
+        </p:nvSpPr>
+        <p:spPr>
+          <a:xfrm>
+            <a:off x="8994417" y="4601185"/>
+            <a:ext cx="549036" cy="576995"/>
+          </a:xfrm>
+          <a:prstGeom prst="rect">
+            <a:avLst/>
+          </a:prstGeom>
+          <a:solidFill>
+            <a:schemeClr val="bg1"/>
+          </a:solidFill>
+          <a:ln>
+            <a:solidFill>
+              <a:schemeClr val="bg1"/>
+            </a:solidFill>
+          </a:ln>
+        </p:spPr>
+        <p:style>
+          <a:lnRef idx="2">
+            <a:schemeClr val="accent1">
+              <a:shade val="50000"/>
+            </a:schemeClr>
+          </a:lnRef>
+          <a:fillRef idx="1">
+            <a:schemeClr val="accent1"/>
+          </a:fillRef>
+          <a:effectRef idx="0">
+            <a:schemeClr val="accent1"/>
+          </a:effectRef>
+          <a:fontRef idx="minor">
+            <a:schemeClr val="lt1"/>
+          </a:fontRef>
+        </p:style>
+        <p:txBody>
+          <a:bodyPr rtlCol="0" anchor="ctr"/>
+          <a:lstStyle/>
+          <a:p>
+            <a:pPr algn="ctr"/>
+            <a:endParaRPr lang="en-US" dirty="0"/>
+          </a:p>
+        </p:txBody>
+      </p:sp>
+      <p:sp>
+        <p:nvSpPr>
+          <p:cNvPr id="260" name="弧形 259">
+            <a:extLst>
+              <a:ext uri="{FF2B5EF4-FFF2-40B4-BE49-F238E27FC236}">
+                <a16:creationId xmlns:a16="http://schemas.microsoft.com/office/drawing/2014/main" id="{1ACFAC3E-2846-42EE-9FC2-43CE7A664FC5}"/>
+              </a:ext>
+            </a:extLst>
+          </p:cNvPr>
+          <p:cNvSpPr/>
+          <p:nvPr/>
+        </p:nvSpPr>
+        <p:spPr>
+          <a:xfrm rot="16200000">
+            <a:off x="9470399" y="4209609"/>
+            <a:ext cx="849531" cy="898386"/>
+          </a:xfrm>
+          <a:prstGeom prst="arc">
+            <a:avLst>
+              <a:gd name="adj1" fmla="val 17354715"/>
+              <a:gd name="adj2" fmla="val 1650107"/>
+            </a:avLst>
+          </a:prstGeom>
+          <a:ln w="25400">
+            <a:solidFill>
+              <a:schemeClr val="tx1">
+                <a:lumMod val="65000"/>
+                <a:lumOff val="35000"/>
+              </a:schemeClr>
+            </a:solidFill>
+          </a:ln>
+        </p:spPr>
+        <p:style>
+          <a:lnRef idx="1">
+            <a:schemeClr val="accent1"/>
+          </a:lnRef>
+          <a:fillRef idx="0">
+            <a:schemeClr val="accent1"/>
+          </a:fillRef>
+          <a:effectRef idx="0">
+            <a:schemeClr val="accent1"/>
+          </a:effectRef>
+          <a:fontRef idx="minor">
+            <a:schemeClr val="tx1"/>
+          </a:fontRef>
+        </p:style>
+        <p:txBody>
+          <a:bodyPr rtlCol="0" anchor="ctr"/>
+          <a:lstStyle/>
+          <a:p>
+            <a:pPr algn="ctr"/>
+            <a:endParaRPr lang="en-US">
+              <a:ln>
+                <a:solidFill>
+                  <a:sysClr val="windowText" lastClr="000000"/>
+                </a:solidFill>
+              </a:ln>
+            </a:endParaRPr>
+          </a:p>
+        </p:txBody>
+      </p:sp>
+      <p:sp>
+        <p:nvSpPr>
+          <p:cNvPr id="261" name="Oval 26">
+            <a:extLst>
+              <a:ext uri="{FF2B5EF4-FFF2-40B4-BE49-F238E27FC236}">
+                <a16:creationId xmlns:a16="http://schemas.microsoft.com/office/drawing/2014/main" id="{42C20B85-2A04-4860-B43B-AAB42276C37E}"/>
+              </a:ext>
+            </a:extLst>
+          </p:cNvPr>
+          <p:cNvSpPr/>
+          <p:nvPr/>
+        </p:nvSpPr>
+        <p:spPr>
+          <a:xfrm>
+            <a:off x="9465814" y="4368631"/>
+            <a:ext cx="101600" cy="101600"/>
+          </a:xfrm>
+          <a:prstGeom prst="ellipse">
+            <a:avLst/>
+          </a:prstGeom>
+          <a:solidFill>
+            <a:schemeClr val="accent6">
+              <a:lumMod val="75000"/>
+            </a:schemeClr>
+          </a:solidFill>
+          <a:ln>
+            <a:noFill/>
+          </a:ln>
+        </p:spPr>
+        <p:style>
+          <a:lnRef idx="2">
+            <a:schemeClr val="accent1">
+              <a:shade val="50000"/>
+            </a:schemeClr>
+          </a:lnRef>
+          <a:fillRef idx="1">
+            <a:schemeClr val="accent1"/>
+          </a:fillRef>
+          <a:effectRef idx="0">
+            <a:schemeClr val="accent1"/>
+          </a:effectRef>
+          <a:fontRef idx="minor">
+            <a:schemeClr val="lt1"/>
+          </a:fontRef>
+        </p:style>
+        <p:txBody>
+          <a:bodyPr rtlCol="0" anchor="ctr"/>
+          <a:lstStyle/>
+          <a:p>
+            <a:pPr algn="ctr"/>
+            <a:endParaRPr lang="en-US">
+              <a:solidFill>
+                <a:srgbClr val="ED7D31"/>
+              </a:solidFill>
+            </a:endParaRPr>
+          </a:p>
+        </p:txBody>
+      </p:sp>
+      <p:sp>
+        <p:nvSpPr>
+          <p:cNvPr id="262" name="Oval 35">
+            <a:extLst>
+              <a:ext uri="{FF2B5EF4-FFF2-40B4-BE49-F238E27FC236}">
+                <a16:creationId xmlns:a16="http://schemas.microsoft.com/office/drawing/2014/main" id="{D33A3DC4-A2DA-46E8-A8B0-687F4E0D942F}"/>
+              </a:ext>
+            </a:extLst>
+          </p:cNvPr>
+          <p:cNvSpPr/>
+          <p:nvPr/>
+        </p:nvSpPr>
+        <p:spPr>
+          <a:xfrm>
+            <a:off x="9914684" y="4188810"/>
+            <a:ext cx="101600" cy="101600"/>
+          </a:xfrm>
+          <a:prstGeom prst="ellipse">
+            <a:avLst/>
+          </a:prstGeom>
+          <a:solidFill>
+            <a:srgbClr val="FF0000"/>
+          </a:solidFill>
+          <a:ln>
+            <a:noFill/>
+          </a:ln>
+        </p:spPr>
+        <p:style>
+          <a:lnRef idx="2">
+            <a:schemeClr val="accent1">
+              <a:shade val="50000"/>
+            </a:schemeClr>
+          </a:lnRef>
+          <a:fillRef idx="1">
+            <a:schemeClr val="accent1"/>
+          </a:fillRef>
+          <a:effectRef idx="0">
+            <a:schemeClr val="accent1"/>
+          </a:effectRef>
+          <a:fontRef idx="minor">
+            <a:schemeClr val="lt1"/>
+          </a:fontRef>
+        </p:style>
+        <p:txBody>
+          <a:bodyPr rtlCol="0" anchor="ctr"/>
+          <a:lstStyle/>
+          <a:p>
+            <a:pPr algn="ctr"/>
+            <a:endParaRPr lang="en-US">
+              <a:solidFill>
+                <a:srgbClr val="FFFF00"/>
+              </a:solidFill>
+            </a:endParaRPr>
+          </a:p>
+        </p:txBody>
+      </p:sp>
+      <p:sp>
+        <p:nvSpPr>
+          <p:cNvPr id="263" name="Oval 36">
+            <a:extLst>
+              <a:ext uri="{FF2B5EF4-FFF2-40B4-BE49-F238E27FC236}">
+                <a16:creationId xmlns:a16="http://schemas.microsoft.com/office/drawing/2014/main" id="{359EF0EA-FFA8-4E39-8FEC-280F897D1CF7}"/>
+              </a:ext>
+            </a:extLst>
+          </p:cNvPr>
+          <p:cNvSpPr/>
+          <p:nvPr/>
+        </p:nvSpPr>
+        <p:spPr>
+          <a:xfrm>
+            <a:off x="9750550" y="4192177"/>
+            <a:ext cx="101600" cy="101600"/>
+          </a:xfrm>
+          <a:prstGeom prst="ellipse">
+            <a:avLst/>
+          </a:prstGeom>
+          <a:solidFill>
+            <a:schemeClr val="accent1"/>
+          </a:solidFill>
+          <a:ln>
+            <a:noFill/>
+          </a:ln>
+        </p:spPr>
+        <p:style>
+          <a:lnRef idx="2">
+            <a:schemeClr val="accent1">
+              <a:shade val="50000"/>
+            </a:schemeClr>
+          </a:lnRef>
+          <a:fillRef idx="1">
+            <a:schemeClr val="accent1"/>
+          </a:fillRef>
+          <a:effectRef idx="0">
+            <a:schemeClr val="accent1"/>
+          </a:effectRef>
+          <a:fontRef idx="minor">
+            <a:schemeClr val="lt1"/>
+          </a:fontRef>
+        </p:style>
+        <p:txBody>
+          <a:bodyPr rtlCol="0" anchor="ctr"/>
+          <a:lstStyle/>
+          <a:p>
+            <a:pPr algn="ctr"/>
+            <a:endParaRPr lang="en-US"/>
+          </a:p>
+        </p:txBody>
+      </p:sp>
+      <p:sp>
+        <p:nvSpPr>
+          <p:cNvPr id="264" name="Oval 39">
+            <a:extLst>
+              <a:ext uri="{FF2B5EF4-FFF2-40B4-BE49-F238E27FC236}">
+                <a16:creationId xmlns:a16="http://schemas.microsoft.com/office/drawing/2014/main" id="{D29D000D-6E40-450F-934B-F0B27589E4A2}"/>
+              </a:ext>
+            </a:extLst>
+          </p:cNvPr>
+          <p:cNvSpPr/>
+          <p:nvPr/>
+        </p:nvSpPr>
+        <p:spPr>
+          <a:xfrm>
+            <a:off x="9580605" y="4250427"/>
+            <a:ext cx="101600" cy="101600"/>
+          </a:xfrm>
+          <a:prstGeom prst="ellipse">
+            <a:avLst/>
+          </a:prstGeom>
+          <a:solidFill>
+            <a:srgbClr val="FF9900"/>
+          </a:solidFill>
+          <a:ln>
+            <a:noFill/>
+          </a:ln>
+        </p:spPr>
+        <p:style>
+          <a:lnRef idx="2">
+            <a:schemeClr val="accent1">
+              <a:shade val="50000"/>
+            </a:schemeClr>
+          </a:lnRef>
+          <a:fillRef idx="1">
+            <a:schemeClr val="accent1"/>
+          </a:fillRef>
+          <a:effectRef idx="0">
+            <a:schemeClr val="accent1"/>
+          </a:effectRef>
+          <a:fontRef idx="minor">
+            <a:schemeClr val="lt1"/>
+          </a:fontRef>
+        </p:style>
+        <p:txBody>
+          <a:bodyPr rtlCol="0" anchor="ctr"/>
+          <a:lstStyle/>
+          <a:p>
+            <a:pPr algn="ctr"/>
+            <a:endParaRPr lang="en-US"/>
+          </a:p>
+        </p:txBody>
+      </p:sp>
+      <p:sp>
+        <p:nvSpPr>
+          <p:cNvPr id="265" name="Oval 52">
+            <a:extLst>
+              <a:ext uri="{FF2B5EF4-FFF2-40B4-BE49-F238E27FC236}">
+                <a16:creationId xmlns:a16="http://schemas.microsoft.com/office/drawing/2014/main" id="{E233D41C-4FE4-4D8D-918B-B5AD1B265AC3}"/>
+              </a:ext>
+            </a:extLst>
+          </p:cNvPr>
+          <p:cNvSpPr/>
+          <p:nvPr/>
+        </p:nvSpPr>
+        <p:spPr>
+          <a:xfrm>
+            <a:off x="9914684" y="4583526"/>
+            <a:ext cx="101600" cy="101600"/>
+          </a:xfrm>
+          <a:prstGeom prst="ellipse">
+            <a:avLst/>
+          </a:prstGeom>
+          <a:solidFill>
+            <a:schemeClr val="bg1"/>
+          </a:solidFill>
+          <a:ln>
+            <a:noFill/>
+          </a:ln>
+        </p:spPr>
+        <p:style>
+          <a:lnRef idx="2">
+            <a:schemeClr val="accent1">
+              <a:shade val="50000"/>
+            </a:schemeClr>
+          </a:lnRef>
+          <a:fillRef idx="1">
+            <a:schemeClr val="accent1"/>
+          </a:fillRef>
+          <a:effectRef idx="0">
+            <a:schemeClr val="accent1"/>
+          </a:effectRef>
+          <a:fontRef idx="minor">
+            <a:schemeClr val="lt1"/>
+          </a:fontRef>
+        </p:style>
+        <p:txBody>
+          <a:bodyPr rtlCol="0" anchor="ctr"/>
+          <a:lstStyle/>
+          <a:p>
+            <a:pPr algn="ctr"/>
+            <a:endParaRPr lang="en-US"/>
+          </a:p>
+        </p:txBody>
+      </p:sp>
+      <p:cxnSp>
+        <p:nvCxnSpPr>
+          <p:cNvPr id="266" name="Straight Arrow Connector 32">
+            <a:extLst>
+              <a:ext uri="{FF2B5EF4-FFF2-40B4-BE49-F238E27FC236}">
+                <a16:creationId xmlns:a16="http://schemas.microsoft.com/office/drawing/2014/main" id="{E2D4FE7E-0587-4776-A43B-07E25A1F16BE}"/>
+              </a:ext>
+            </a:extLst>
+          </p:cNvPr>
+          <p:cNvCxnSpPr>
+            <a:cxnSpLocks/>
+            <a:stCxn id="262" idx="4"/>
+            <a:endCxn id="265" idx="0"/>
+          </p:cNvCxnSpPr>
+          <p:nvPr/>
+        </p:nvCxnSpPr>
+        <p:spPr>
+          <a:xfrm>
+            <a:off x="9965484" y="4290410"/>
+            <a:ext cx="0" cy="293116"/>
+          </a:xfrm>
+          <a:prstGeom prst="straightConnector1">
+            <a:avLst/>
+          </a:prstGeom>
+          <a:ln w="28575">
+            <a:solidFill>
+              <a:schemeClr val="tx1">
+                <a:lumMod val="65000"/>
+                <a:lumOff val="35000"/>
+              </a:schemeClr>
+            </a:solidFill>
+            <a:prstDash val="sysDot"/>
+            <a:tailEnd type="triangle"/>
+          </a:ln>
+        </p:spPr>
+        <p:style>
+          <a:lnRef idx="1">
+            <a:schemeClr val="accent1"/>
+          </a:lnRef>
+          <a:fillRef idx="0">
+            <a:schemeClr val="accent1"/>
+          </a:fillRef>
+          <a:effectRef idx="0">
+            <a:schemeClr val="accent1"/>
+          </a:effectRef>
+          <a:fontRef idx="minor">
+            <a:schemeClr val="tx1"/>
+          </a:fontRef>
+        </p:style>
+      </p:cxnSp>
+      <p:sp>
+        <p:nvSpPr>
+          <p:cNvPr id="267" name="等腰三角形 266">
+            <a:extLst>
+              <a:ext uri="{FF2B5EF4-FFF2-40B4-BE49-F238E27FC236}">
+                <a16:creationId xmlns:a16="http://schemas.microsoft.com/office/drawing/2014/main" id="{660F86AE-5EB9-48CC-8484-FD45EEBF9104}"/>
+              </a:ext>
+            </a:extLst>
+          </p:cNvPr>
+          <p:cNvSpPr/>
+          <p:nvPr/>
+        </p:nvSpPr>
+        <p:spPr>
+          <a:xfrm rot="5400000">
+            <a:off x="9986590" y="4921093"/>
+            <a:ext cx="215700" cy="219075"/>
+          </a:xfrm>
+          <a:prstGeom prst="triangle">
+            <a:avLst>
+              <a:gd name="adj" fmla="val 18189"/>
+            </a:avLst>
+          </a:prstGeom>
+          <a:solidFill>
+            <a:schemeClr val="bg1"/>
+          </a:solidFill>
+          <a:ln>
+            <a:noFill/>
+          </a:ln>
+        </p:spPr>
+        <p:style>
+          <a:lnRef idx="2">
+            <a:schemeClr val="accent1">
+              <a:shade val="50000"/>
+            </a:schemeClr>
+          </a:lnRef>
+          <a:fillRef idx="1">
+            <a:schemeClr val="accent1"/>
+          </a:fillRef>
+          <a:effectRef idx="0">
+            <a:schemeClr val="accent1"/>
+          </a:effectRef>
+          <a:fontRef idx="minor">
+            <a:schemeClr val="lt1"/>
+          </a:fontRef>
+        </p:style>
+        <p:txBody>
+          <a:bodyPr rtlCol="0" anchor="ctr"/>
+          <a:lstStyle/>
+          <a:p>
+            <a:pPr algn="ctr"/>
+            <a:endParaRPr lang="en-US"/>
+          </a:p>
+        </p:txBody>
+      </p:sp>
+      <p:sp>
+        <p:nvSpPr>
+          <p:cNvPr id="268" name="矩形 267">
+            <a:extLst>
+              <a:ext uri="{FF2B5EF4-FFF2-40B4-BE49-F238E27FC236}">
+                <a16:creationId xmlns:a16="http://schemas.microsoft.com/office/drawing/2014/main" id="{3E990444-D49A-46A9-848C-E30782BC1315}"/>
+              </a:ext>
+            </a:extLst>
+          </p:cNvPr>
+          <p:cNvSpPr/>
+          <p:nvPr/>
+        </p:nvSpPr>
+        <p:spPr>
+          <a:xfrm>
+            <a:off x="10019721" y="5014077"/>
+            <a:ext cx="272515" cy="144723"/>
+          </a:xfrm>
+          <a:prstGeom prst="rect">
+            <a:avLst/>
+          </a:prstGeom>
+          <a:solidFill>
+            <a:schemeClr val="bg1"/>
+          </a:solidFill>
+          <a:ln>
+            <a:noFill/>
+          </a:ln>
+        </p:spPr>
+        <p:style>
+          <a:lnRef idx="2">
+            <a:schemeClr val="accent1">
+              <a:shade val="50000"/>
+            </a:schemeClr>
+          </a:lnRef>
+          <a:fillRef idx="1">
+            <a:schemeClr val="accent1"/>
+          </a:fillRef>
+          <a:effectRef idx="0">
+            <a:schemeClr val="accent1"/>
+          </a:effectRef>
+          <a:fontRef idx="minor">
+            <a:schemeClr val="lt1"/>
+          </a:fontRef>
+        </p:style>
+        <p:txBody>
+          <a:bodyPr rtlCol="0" anchor="ctr"/>
+          <a:lstStyle/>
+          <a:p>
+            <a:pPr algn="ctr"/>
+            <a:endParaRPr lang="en-US"/>
+          </a:p>
+        </p:txBody>
+      </p:sp>
+      <p:sp>
+        <p:nvSpPr>
+          <p:cNvPr id="269" name="Rectangle 55">
+            <a:extLst>
+              <a:ext uri="{FF2B5EF4-FFF2-40B4-BE49-F238E27FC236}">
+                <a16:creationId xmlns:a16="http://schemas.microsoft.com/office/drawing/2014/main" id="{0AB18E91-865A-4932-AC61-8494CA789F85}"/>
+              </a:ext>
+            </a:extLst>
+          </p:cNvPr>
+          <p:cNvSpPr/>
+          <p:nvPr/>
+        </p:nvSpPr>
+        <p:spPr>
+          <a:xfrm>
+            <a:off x="9955419" y="4512000"/>
+            <a:ext cx="234360" cy="246221"/>
+          </a:xfrm>
+          <a:prstGeom prst="rect">
+            <a:avLst/>
+          </a:prstGeom>
+        </p:spPr>
+        <p:txBody>
+          <a:bodyPr wrap="none">
+            <a:spAutoFit/>
+          </a:bodyPr>
+          <a:lstStyle/>
+          <a:p>
+            <a:r>
+              <a:rPr lang="en-US" altLang="zh-CN" sz="1000" b="1" dirty="0">
+                <a:solidFill>
+                  <a:schemeClr val="bg1"/>
+                </a:solidFill>
+                <a:latin typeface="Times New Roman" panose="02020603050405020304" pitchFamily="18" charset="0"/>
+                <a:cs typeface="Times New Roman" panose="02020603050405020304" pitchFamily="18" charset="0"/>
+              </a:rPr>
+              <a:t>I</a:t>
+            </a:r>
+            <a:endParaRPr lang="en-US" sz="1000" b="1" dirty="0">
+              <a:solidFill>
+                <a:schemeClr val="bg1"/>
+              </a:solidFill>
+              <a:latin typeface="Times New Roman" panose="02020603050405020304" pitchFamily="18" charset="0"/>
+              <a:cs typeface="Times New Roman" panose="02020603050405020304" pitchFamily="18" charset="0"/>
+            </a:endParaRPr>
+          </a:p>
+        </p:txBody>
+      </p:sp>
+      <p:sp>
+        <p:nvSpPr>
+          <p:cNvPr id="270" name="Rectangle 55">
+            <a:extLst>
+              <a:ext uri="{FF2B5EF4-FFF2-40B4-BE49-F238E27FC236}">
+                <a16:creationId xmlns:a16="http://schemas.microsoft.com/office/drawing/2014/main" id="{762228B6-C8C9-40A4-B091-0CC9B4E4410A}"/>
+              </a:ext>
+            </a:extLst>
+          </p:cNvPr>
+          <p:cNvSpPr/>
+          <p:nvPr/>
+        </p:nvSpPr>
+        <p:spPr>
+          <a:xfrm>
+            <a:off x="9832151" y="3997693"/>
+            <a:ext cx="277640" cy="246221"/>
+          </a:xfrm>
+          <a:prstGeom prst="rect">
+            <a:avLst/>
+          </a:prstGeom>
+        </p:spPr>
+        <p:txBody>
+          <a:bodyPr wrap="none">
+            <a:spAutoFit/>
+          </a:bodyPr>
+          <a:lstStyle/>
+          <a:p>
+            <a:r>
+              <a:rPr lang="en-US" altLang="zh-CN" sz="1000" b="1" dirty="0">
+                <a:solidFill>
+                  <a:srgbClr val="FF0000"/>
+                </a:solidFill>
+                <a:latin typeface="Times New Roman" panose="02020603050405020304" pitchFamily="18" charset="0"/>
+                <a:cs typeface="Times New Roman" panose="02020603050405020304" pitchFamily="18" charset="0"/>
+              </a:rPr>
+              <a:t>A</a:t>
+            </a:r>
+            <a:endParaRPr lang="en-US" sz="1000" b="1" dirty="0">
+              <a:solidFill>
+                <a:srgbClr val="FF0000"/>
+              </a:solidFill>
+              <a:latin typeface="Times New Roman" panose="02020603050405020304" pitchFamily="18" charset="0"/>
+              <a:cs typeface="Times New Roman" panose="02020603050405020304" pitchFamily="18" charset="0"/>
+            </a:endParaRPr>
+          </a:p>
+        </p:txBody>
+      </p:sp>
+      <p:sp>
+        <p:nvSpPr>
+          <p:cNvPr id="271" name="Rectangle 55">
+            <a:extLst>
+              <a:ext uri="{FF2B5EF4-FFF2-40B4-BE49-F238E27FC236}">
+                <a16:creationId xmlns:a16="http://schemas.microsoft.com/office/drawing/2014/main" id="{4BFFA34B-A9E4-4C2B-AEA6-89F01298681F}"/>
+              </a:ext>
+            </a:extLst>
+          </p:cNvPr>
+          <p:cNvSpPr/>
+          <p:nvPr/>
+        </p:nvSpPr>
+        <p:spPr>
+          <a:xfrm>
+            <a:off x="9632257" y="4007808"/>
+            <a:ext cx="284052" cy="246221"/>
+          </a:xfrm>
+          <a:prstGeom prst="rect">
+            <a:avLst/>
+          </a:prstGeom>
+        </p:spPr>
+        <p:txBody>
+          <a:bodyPr wrap="none">
+            <a:spAutoFit/>
+          </a:bodyPr>
+          <a:lstStyle/>
+          <a:p>
+            <a:r>
+              <a:rPr lang="en-US" sz="1000" b="1" dirty="0">
+                <a:solidFill>
+                  <a:schemeClr val="accent1"/>
+                </a:solidFill>
+                <a:latin typeface="Times New Roman" panose="02020603050405020304" pitchFamily="18" charset="0"/>
+                <a:cs typeface="Times New Roman" panose="02020603050405020304" pitchFamily="18" charset="0"/>
+              </a:rPr>
+              <a:t>G</a:t>
+            </a:r>
+          </a:p>
+        </p:txBody>
+      </p:sp>
+      <p:sp>
+        <p:nvSpPr>
+          <p:cNvPr id="272" name="Rectangle 55">
+            <a:extLst>
+              <a:ext uri="{FF2B5EF4-FFF2-40B4-BE49-F238E27FC236}">
+                <a16:creationId xmlns:a16="http://schemas.microsoft.com/office/drawing/2014/main" id="{C3417078-9A64-464C-9282-1157876B0CDB}"/>
+              </a:ext>
+            </a:extLst>
+          </p:cNvPr>
+          <p:cNvSpPr/>
+          <p:nvPr/>
+        </p:nvSpPr>
+        <p:spPr>
+          <a:xfrm>
+            <a:off x="9434868" y="4084284"/>
+            <a:ext cx="277640" cy="246221"/>
+          </a:xfrm>
+          <a:prstGeom prst="rect">
+            <a:avLst/>
+          </a:prstGeom>
+        </p:spPr>
+        <p:txBody>
+          <a:bodyPr wrap="none">
+            <a:spAutoFit/>
+          </a:bodyPr>
+          <a:lstStyle/>
+          <a:p>
+            <a:r>
+              <a:rPr lang="en-US" sz="1000" b="1" dirty="0">
+                <a:solidFill>
+                  <a:srgbClr val="FF9900"/>
+                </a:solidFill>
+                <a:latin typeface="Times New Roman" panose="02020603050405020304" pitchFamily="18" charset="0"/>
+                <a:cs typeface="Times New Roman" panose="02020603050405020304" pitchFamily="18" charset="0"/>
+              </a:rPr>
+              <a:t>C</a:t>
+            </a:r>
+          </a:p>
+        </p:txBody>
+      </p:sp>
+      <p:sp>
+        <p:nvSpPr>
+          <p:cNvPr id="273" name="Rectangle 55">
+            <a:extLst>
+              <a:ext uri="{FF2B5EF4-FFF2-40B4-BE49-F238E27FC236}">
+                <a16:creationId xmlns:a16="http://schemas.microsoft.com/office/drawing/2014/main" id="{E17BB63D-25FD-4C80-A6EF-36D5A491EB7D}"/>
+              </a:ext>
+            </a:extLst>
+          </p:cNvPr>
+          <p:cNvSpPr/>
+          <p:nvPr/>
+        </p:nvSpPr>
+        <p:spPr>
+          <a:xfrm>
+            <a:off x="9286766" y="4227578"/>
+            <a:ext cx="277640" cy="246221"/>
+          </a:xfrm>
+          <a:prstGeom prst="rect">
+            <a:avLst/>
+          </a:prstGeom>
+        </p:spPr>
+        <p:txBody>
+          <a:bodyPr wrap="none">
+            <a:spAutoFit/>
+          </a:bodyPr>
+          <a:lstStyle/>
+          <a:p>
+            <a:r>
+              <a:rPr lang="en-US" sz="1000" b="1" dirty="0">
+                <a:solidFill>
+                  <a:schemeClr val="accent6">
+                    <a:lumMod val="75000"/>
+                  </a:schemeClr>
+                </a:solidFill>
+                <a:latin typeface="Times New Roman" panose="02020603050405020304" pitchFamily="18" charset="0"/>
+                <a:cs typeface="Times New Roman" panose="02020603050405020304" pitchFamily="18" charset="0"/>
+              </a:rPr>
+              <a:t>U</a:t>
+            </a:r>
+          </a:p>
+        </p:txBody>
+      </p:sp>
+      <p:sp>
+        <p:nvSpPr>
+          <p:cNvPr id="274" name="文本框 273">
+            <a:extLst>
+              <a:ext uri="{FF2B5EF4-FFF2-40B4-BE49-F238E27FC236}">
+                <a16:creationId xmlns:a16="http://schemas.microsoft.com/office/drawing/2014/main" id="{984C00F8-20CD-4070-B1EC-811E067415E1}"/>
+              </a:ext>
+            </a:extLst>
+          </p:cNvPr>
+          <p:cNvSpPr txBox="1"/>
+          <p:nvPr/>
+        </p:nvSpPr>
+        <p:spPr>
+          <a:xfrm>
+            <a:off x="7674929" y="4416976"/>
+            <a:ext cx="2441694" cy="1107996"/>
+          </a:xfrm>
+          <a:prstGeom prst="rect">
+            <a:avLst/>
+          </a:prstGeom>
+          <a:noFill/>
+          <a:effectLst/>
+        </p:spPr>
+        <p:txBody>
+          <a:bodyPr wrap="none" rtlCol="0">
+            <a:spAutoFit/>
+          </a:bodyPr>
+          <a:lstStyle/>
+          <a:p>
+            <a:r>
+              <a:rPr lang="en-US" sz="6600" b="1" dirty="0">
+                <a:solidFill>
+                  <a:schemeClr val="tx1">
+                    <a:lumMod val="65000"/>
+                    <a:lumOff val="35000"/>
+                  </a:schemeClr>
+                </a:solidFill>
+                <a:latin typeface="Times New Roman" panose="02020603050405020304" pitchFamily="18" charset="0"/>
+                <a:cs typeface="Times New Roman" panose="02020603050405020304" pitchFamily="18" charset="0"/>
+              </a:rPr>
+              <a:t>ARES</a:t>
+            </a:r>
+          </a:p>
+        </p:txBody>
+      </p:sp>
+      <p:cxnSp>
+        <p:nvCxnSpPr>
+          <p:cNvPr id="275" name="直接连接符 274">
+            <a:extLst>
+              <a:ext uri="{FF2B5EF4-FFF2-40B4-BE49-F238E27FC236}">
+                <a16:creationId xmlns:a16="http://schemas.microsoft.com/office/drawing/2014/main" id="{0129C288-D748-44AF-B174-54AF3C7ABD61}"/>
+              </a:ext>
+            </a:extLst>
+          </p:cNvPr>
+          <p:cNvCxnSpPr/>
+          <p:nvPr/>
+        </p:nvCxnSpPr>
+        <p:spPr>
+          <a:xfrm>
+            <a:off x="10038287" y="4820421"/>
+            <a:ext cx="102332" cy="0"/>
+          </a:xfrm>
+          <a:prstGeom prst="line">
+            <a:avLst/>
+          </a:prstGeom>
+          <a:ln w="25400">
+            <a:solidFill>
+              <a:schemeClr val="bg1"/>
+            </a:solidFill>
+          </a:ln>
+        </p:spPr>
+        <p:style>
+          <a:lnRef idx="1">
+            <a:schemeClr val="accent1"/>
+          </a:lnRef>
+          <a:fillRef idx="0">
+            <a:schemeClr val="accent1"/>
+          </a:fillRef>
+          <a:effectRef idx="0">
+            <a:schemeClr val="accent1"/>
+          </a:effectRef>
+          <a:fontRef idx="minor">
+            <a:schemeClr val="tx1"/>
+          </a:fontRef>
+        </p:style>
+      </p:cxnSp>
     </p:spTree>
     <p:extLst>
       <p:ext uri="{BB962C8B-B14F-4D97-AF65-F5344CB8AC3E}">
@@ -9011,7 +13095,7 @@
         </p:blipFill>
         <p:spPr>
           <a:xfrm>
-            <a:off x="2919566" y="1632155"/>
+            <a:off x="548203" y="1519360"/>
             <a:ext cx="3176434" cy="3176434"/>
           </a:xfrm>
           <a:prstGeom prst="rect">
@@ -9041,8 +13125,38 @@
         </p:blipFill>
         <p:spPr>
           <a:xfrm>
-            <a:off x="6829107" y="1744949"/>
+            <a:off x="4482763" y="1519360"/>
             <a:ext cx="3226473" cy="2950845"/>
+          </a:xfrm>
+          <a:prstGeom prst="rect">
+            <a:avLst/>
+          </a:prstGeom>
+        </p:spPr>
+      </p:pic>
+      <p:pic>
+        <p:nvPicPr>
+          <p:cNvPr id="5" name="图片 4">
+            <a:extLst>
+              <a:ext uri="{FF2B5EF4-FFF2-40B4-BE49-F238E27FC236}">
+                <a16:creationId xmlns:a16="http://schemas.microsoft.com/office/drawing/2014/main" id="{AFAFD913-4ABE-4B62-9C08-FD48806C62F6}"/>
+              </a:ext>
+            </a:extLst>
+          </p:cNvPr>
+          <p:cNvPicPr>
+            <a:picLocks noChangeAspect="1"/>
+          </p:cNvPicPr>
+          <p:nvPr/>
+        </p:nvPicPr>
+        <p:blipFill>
+          <a:blip r:embed="rId4"/>
+          <a:stretch>
+            <a:fillRect/>
+          </a:stretch>
+        </p:blipFill>
+        <p:spPr>
+          <a:xfrm>
+            <a:off x="8157854" y="2028642"/>
+            <a:ext cx="3226473" cy="1843699"/>
           </a:xfrm>
           <a:prstGeom prst="rect">
             <a:avLst/>

--- a/SupFiles/ARES_logo.pptx
+++ b/SupFiles/ARES_logo.pptx
@@ -5,11 +5,13 @@
     <p:sldMasterId id="2147483648" r:id="rId1"/>
   </p:sldMasterIdLst>
   <p:notesMasterIdLst>
-    <p:notesMasterId r:id="rId4"/>
+    <p:notesMasterId r:id="rId6"/>
   </p:notesMasterIdLst>
   <p:sldIdLst>
     <p:sldId id="256" r:id="rId2"/>
-    <p:sldId id="257" r:id="rId3"/>
+    <p:sldId id="259" r:id="rId3"/>
+    <p:sldId id="258" r:id="rId4"/>
+    <p:sldId id="257" r:id="rId5"/>
   </p:sldIdLst>
   <p:sldSz cx="12192000" cy="6858000"/>
   <p:notesSz cx="6858000" cy="9144000"/>
@@ -13073,12 +13075,6476 @@
           <a:chExt cx="0" cy="0"/>
         </a:xfrm>
       </p:grpSpPr>
+      <p:sp>
+        <p:nvSpPr>
+          <p:cNvPr id="4" name="弦形 3">
+            <a:extLst>
+              <a:ext uri="{FF2B5EF4-FFF2-40B4-BE49-F238E27FC236}">
+                <a16:creationId xmlns:a16="http://schemas.microsoft.com/office/drawing/2014/main" id="{C7ACFAD8-2D72-422B-9C0F-629C6B09A160}"/>
+              </a:ext>
+            </a:extLst>
+          </p:cNvPr>
+          <p:cNvSpPr/>
+          <p:nvPr/>
+        </p:nvSpPr>
+        <p:spPr>
+          <a:xfrm>
+            <a:off x="2210574" y="786834"/>
+            <a:ext cx="1661722" cy="1666240"/>
+          </a:xfrm>
+          <a:prstGeom prst="chord">
+            <a:avLst>
+              <a:gd name="adj1" fmla="val 8275321"/>
+              <a:gd name="adj2" fmla="val 18995435"/>
+            </a:avLst>
+          </a:prstGeom>
+          <a:solidFill>
+            <a:schemeClr val="tx1">
+              <a:lumMod val="65000"/>
+              <a:lumOff val="35000"/>
+            </a:schemeClr>
+          </a:solidFill>
+          <a:ln>
+            <a:noFill/>
+          </a:ln>
+        </p:spPr>
+        <p:style>
+          <a:lnRef idx="2">
+            <a:schemeClr val="accent1">
+              <a:shade val="50000"/>
+            </a:schemeClr>
+          </a:lnRef>
+          <a:fillRef idx="1">
+            <a:schemeClr val="accent1"/>
+          </a:fillRef>
+          <a:effectRef idx="0">
+            <a:schemeClr val="accent1"/>
+          </a:effectRef>
+          <a:fontRef idx="minor">
+            <a:schemeClr val="lt1"/>
+          </a:fontRef>
+        </p:style>
+        <p:txBody>
+          <a:bodyPr rtlCol="0" anchor="ctr"/>
+          <a:lstStyle/>
+          <a:p>
+            <a:pPr algn="ctr"/>
+            <a:endParaRPr lang="en-US" dirty="0">
+              <a:solidFill>
+                <a:schemeClr val="bg2">
+                  <a:lumMod val="50000"/>
+                </a:schemeClr>
+              </a:solidFill>
+            </a:endParaRPr>
+          </a:p>
+        </p:txBody>
+      </p:sp>
+      <p:cxnSp>
+        <p:nvCxnSpPr>
+          <p:cNvPr id="5" name="直接连接符 4">
+            <a:extLst>
+              <a:ext uri="{FF2B5EF4-FFF2-40B4-BE49-F238E27FC236}">
+                <a16:creationId xmlns:a16="http://schemas.microsoft.com/office/drawing/2014/main" id="{182925DE-966C-4154-B8CB-587E4885D387}"/>
+              </a:ext>
+            </a:extLst>
+          </p:cNvPr>
+          <p:cNvCxnSpPr>
+            <a:cxnSpLocks/>
+            <a:endCxn id="24" idx="2"/>
+          </p:cNvCxnSpPr>
+          <p:nvPr/>
+        </p:nvCxnSpPr>
+        <p:spPr>
+          <a:xfrm>
+            <a:off x="2256524" y="1322998"/>
+            <a:ext cx="808155" cy="284502"/>
+          </a:xfrm>
+          <a:prstGeom prst="line">
+            <a:avLst/>
+          </a:prstGeom>
+          <a:ln>
+            <a:solidFill>
+              <a:schemeClr val="bg1"/>
+            </a:solidFill>
+          </a:ln>
+        </p:spPr>
+        <p:style>
+          <a:lnRef idx="1">
+            <a:schemeClr val="accent1"/>
+          </a:lnRef>
+          <a:fillRef idx="0">
+            <a:schemeClr val="accent1"/>
+          </a:fillRef>
+          <a:effectRef idx="0">
+            <a:schemeClr val="accent1"/>
+          </a:effectRef>
+          <a:fontRef idx="minor">
+            <a:schemeClr val="tx1"/>
+          </a:fontRef>
+        </p:style>
+      </p:cxnSp>
+      <p:cxnSp>
+        <p:nvCxnSpPr>
+          <p:cNvPr id="6" name="直接连接符 5">
+            <a:extLst>
+              <a:ext uri="{FF2B5EF4-FFF2-40B4-BE49-F238E27FC236}">
+                <a16:creationId xmlns:a16="http://schemas.microsoft.com/office/drawing/2014/main" id="{E1302DAA-7D9A-4748-94D0-1448ECE3219A}"/>
+              </a:ext>
+            </a:extLst>
+          </p:cNvPr>
+          <p:cNvCxnSpPr>
+            <a:cxnSpLocks/>
+            <a:endCxn id="24" idx="2"/>
+          </p:cNvCxnSpPr>
+          <p:nvPr/>
+        </p:nvCxnSpPr>
+        <p:spPr>
+          <a:xfrm>
+            <a:off x="2244449" y="1378654"/>
+            <a:ext cx="820230" cy="228846"/>
+          </a:xfrm>
+          <a:prstGeom prst="line">
+            <a:avLst/>
+          </a:prstGeom>
+          <a:ln>
+            <a:solidFill>
+              <a:schemeClr val="bg1"/>
+            </a:solidFill>
+          </a:ln>
+        </p:spPr>
+        <p:style>
+          <a:lnRef idx="1">
+            <a:schemeClr val="accent1"/>
+          </a:lnRef>
+          <a:fillRef idx="0">
+            <a:schemeClr val="accent1"/>
+          </a:fillRef>
+          <a:effectRef idx="0">
+            <a:schemeClr val="accent1"/>
+          </a:effectRef>
+          <a:fontRef idx="minor">
+            <a:schemeClr val="tx1"/>
+          </a:fontRef>
+        </p:style>
+      </p:cxnSp>
+      <p:cxnSp>
+        <p:nvCxnSpPr>
+          <p:cNvPr id="7" name="直接连接符 6">
+            <a:extLst>
+              <a:ext uri="{FF2B5EF4-FFF2-40B4-BE49-F238E27FC236}">
+                <a16:creationId xmlns:a16="http://schemas.microsoft.com/office/drawing/2014/main" id="{2230FDBA-2221-4D67-ADE4-8B10B3BAC7A8}"/>
+              </a:ext>
+            </a:extLst>
+          </p:cNvPr>
+          <p:cNvCxnSpPr>
+            <a:cxnSpLocks/>
+            <a:endCxn id="24" idx="2"/>
+          </p:cNvCxnSpPr>
+          <p:nvPr/>
+        </p:nvCxnSpPr>
+        <p:spPr>
+          <a:xfrm>
+            <a:off x="2269556" y="1251270"/>
+            <a:ext cx="795123" cy="356230"/>
+          </a:xfrm>
+          <a:prstGeom prst="line">
+            <a:avLst/>
+          </a:prstGeom>
+          <a:ln>
+            <a:solidFill>
+              <a:schemeClr val="bg1"/>
+            </a:solidFill>
+          </a:ln>
+        </p:spPr>
+        <p:style>
+          <a:lnRef idx="1">
+            <a:schemeClr val="accent1"/>
+          </a:lnRef>
+          <a:fillRef idx="0">
+            <a:schemeClr val="accent1"/>
+          </a:fillRef>
+          <a:effectRef idx="0">
+            <a:schemeClr val="accent1"/>
+          </a:effectRef>
+          <a:fontRef idx="minor">
+            <a:schemeClr val="tx1"/>
+          </a:fontRef>
+        </p:style>
+      </p:cxnSp>
+      <p:cxnSp>
+        <p:nvCxnSpPr>
+          <p:cNvPr id="8" name="直接连接符 7">
+            <a:extLst>
+              <a:ext uri="{FF2B5EF4-FFF2-40B4-BE49-F238E27FC236}">
+                <a16:creationId xmlns:a16="http://schemas.microsoft.com/office/drawing/2014/main" id="{200FC056-D209-403B-8581-83B300070B68}"/>
+              </a:ext>
+            </a:extLst>
+          </p:cNvPr>
+          <p:cNvCxnSpPr>
+            <a:cxnSpLocks/>
+            <a:endCxn id="24" idx="2"/>
+          </p:cNvCxnSpPr>
+          <p:nvPr/>
+        </p:nvCxnSpPr>
+        <p:spPr>
+          <a:xfrm>
+            <a:off x="2326706" y="1184444"/>
+            <a:ext cx="737973" cy="423056"/>
+          </a:xfrm>
+          <a:prstGeom prst="line">
+            <a:avLst/>
+          </a:prstGeom>
+          <a:ln>
+            <a:solidFill>
+              <a:schemeClr val="bg1"/>
+            </a:solidFill>
+          </a:ln>
+        </p:spPr>
+        <p:style>
+          <a:lnRef idx="1">
+            <a:schemeClr val="accent1"/>
+          </a:lnRef>
+          <a:fillRef idx="0">
+            <a:schemeClr val="accent1"/>
+          </a:fillRef>
+          <a:effectRef idx="0">
+            <a:schemeClr val="accent1"/>
+          </a:effectRef>
+          <a:fontRef idx="minor">
+            <a:schemeClr val="tx1"/>
+          </a:fontRef>
+        </p:style>
+      </p:cxnSp>
+      <p:cxnSp>
+        <p:nvCxnSpPr>
+          <p:cNvPr id="9" name="直接连接符 8">
+            <a:extLst>
+              <a:ext uri="{FF2B5EF4-FFF2-40B4-BE49-F238E27FC236}">
+                <a16:creationId xmlns:a16="http://schemas.microsoft.com/office/drawing/2014/main" id="{5DF349B7-D71C-417A-BDC5-42778F979D28}"/>
+              </a:ext>
+            </a:extLst>
+          </p:cNvPr>
+          <p:cNvCxnSpPr>
+            <a:cxnSpLocks/>
+            <a:endCxn id="24" idx="2"/>
+          </p:cNvCxnSpPr>
+          <p:nvPr/>
+        </p:nvCxnSpPr>
+        <p:spPr>
+          <a:xfrm>
+            <a:off x="2368616" y="1106522"/>
+            <a:ext cx="696063" cy="500978"/>
+          </a:xfrm>
+          <a:prstGeom prst="line">
+            <a:avLst/>
+          </a:prstGeom>
+          <a:ln>
+            <a:solidFill>
+              <a:schemeClr val="bg1"/>
+            </a:solidFill>
+          </a:ln>
+        </p:spPr>
+        <p:style>
+          <a:lnRef idx="1">
+            <a:schemeClr val="accent1"/>
+          </a:lnRef>
+          <a:fillRef idx="0">
+            <a:schemeClr val="accent1"/>
+          </a:fillRef>
+          <a:effectRef idx="0">
+            <a:schemeClr val="accent1"/>
+          </a:effectRef>
+          <a:fontRef idx="minor">
+            <a:schemeClr val="tx1"/>
+          </a:fontRef>
+        </p:style>
+      </p:cxnSp>
+      <p:cxnSp>
+        <p:nvCxnSpPr>
+          <p:cNvPr id="10" name="直接连接符 9">
+            <a:extLst>
+              <a:ext uri="{FF2B5EF4-FFF2-40B4-BE49-F238E27FC236}">
+                <a16:creationId xmlns:a16="http://schemas.microsoft.com/office/drawing/2014/main" id="{B66DACBC-0485-4132-99DE-93D18E71D534}"/>
+              </a:ext>
+            </a:extLst>
+          </p:cNvPr>
+          <p:cNvCxnSpPr>
+            <a:cxnSpLocks/>
+            <a:endCxn id="24" idx="2"/>
+          </p:cNvCxnSpPr>
+          <p:nvPr/>
+        </p:nvCxnSpPr>
+        <p:spPr>
+          <a:xfrm>
+            <a:off x="2432247" y="1024318"/>
+            <a:ext cx="632432" cy="583182"/>
+          </a:xfrm>
+          <a:prstGeom prst="line">
+            <a:avLst/>
+          </a:prstGeom>
+          <a:ln>
+            <a:solidFill>
+              <a:schemeClr val="bg1"/>
+            </a:solidFill>
+          </a:ln>
+        </p:spPr>
+        <p:style>
+          <a:lnRef idx="1">
+            <a:schemeClr val="accent1"/>
+          </a:lnRef>
+          <a:fillRef idx="0">
+            <a:schemeClr val="accent1"/>
+          </a:fillRef>
+          <a:effectRef idx="0">
+            <a:schemeClr val="accent1"/>
+          </a:effectRef>
+          <a:fontRef idx="minor">
+            <a:schemeClr val="tx1"/>
+          </a:fontRef>
+        </p:style>
+      </p:cxnSp>
+      <p:cxnSp>
+        <p:nvCxnSpPr>
+          <p:cNvPr id="11" name="直接连接符 10">
+            <a:extLst>
+              <a:ext uri="{FF2B5EF4-FFF2-40B4-BE49-F238E27FC236}">
+                <a16:creationId xmlns:a16="http://schemas.microsoft.com/office/drawing/2014/main" id="{9375773D-48F5-4B6A-A1CC-162BCAC55C76}"/>
+              </a:ext>
+            </a:extLst>
+          </p:cNvPr>
+          <p:cNvCxnSpPr>
+            <a:cxnSpLocks/>
+            <a:endCxn id="25" idx="0"/>
+          </p:cNvCxnSpPr>
+          <p:nvPr/>
+        </p:nvCxnSpPr>
+        <p:spPr>
+          <a:xfrm>
+            <a:off x="2503813" y="953906"/>
+            <a:ext cx="543966" cy="640443"/>
+          </a:xfrm>
+          <a:prstGeom prst="line">
+            <a:avLst/>
+          </a:prstGeom>
+          <a:ln>
+            <a:solidFill>
+              <a:schemeClr val="bg1"/>
+            </a:solidFill>
+          </a:ln>
+        </p:spPr>
+        <p:style>
+          <a:lnRef idx="1">
+            <a:schemeClr val="accent1"/>
+          </a:lnRef>
+          <a:fillRef idx="0">
+            <a:schemeClr val="accent1"/>
+          </a:fillRef>
+          <a:effectRef idx="0">
+            <a:schemeClr val="accent1"/>
+          </a:effectRef>
+          <a:fontRef idx="minor">
+            <a:schemeClr val="tx1"/>
+          </a:fontRef>
+        </p:style>
+      </p:cxnSp>
+      <p:cxnSp>
+        <p:nvCxnSpPr>
+          <p:cNvPr id="12" name="直接连接符 11">
+            <a:extLst>
+              <a:ext uri="{FF2B5EF4-FFF2-40B4-BE49-F238E27FC236}">
+                <a16:creationId xmlns:a16="http://schemas.microsoft.com/office/drawing/2014/main" id="{173B0346-126C-429A-B352-094D67AA1312}"/>
+              </a:ext>
+            </a:extLst>
+          </p:cNvPr>
+          <p:cNvCxnSpPr>
+            <a:cxnSpLocks/>
+            <a:endCxn id="24" idx="2"/>
+          </p:cNvCxnSpPr>
+          <p:nvPr/>
+        </p:nvCxnSpPr>
+        <p:spPr>
+          <a:xfrm>
+            <a:off x="2606795" y="905119"/>
+            <a:ext cx="457884" cy="702381"/>
+          </a:xfrm>
+          <a:prstGeom prst="line">
+            <a:avLst/>
+          </a:prstGeom>
+          <a:ln>
+            <a:solidFill>
+              <a:schemeClr val="bg1"/>
+            </a:solidFill>
+          </a:ln>
+        </p:spPr>
+        <p:style>
+          <a:lnRef idx="1">
+            <a:schemeClr val="accent1"/>
+          </a:lnRef>
+          <a:fillRef idx="0">
+            <a:schemeClr val="accent1"/>
+          </a:fillRef>
+          <a:effectRef idx="0">
+            <a:schemeClr val="accent1"/>
+          </a:effectRef>
+          <a:fontRef idx="minor">
+            <a:schemeClr val="tx1"/>
+          </a:fontRef>
+        </p:style>
+      </p:cxnSp>
+      <p:cxnSp>
+        <p:nvCxnSpPr>
+          <p:cNvPr id="13" name="直接连接符 12">
+            <a:extLst>
+              <a:ext uri="{FF2B5EF4-FFF2-40B4-BE49-F238E27FC236}">
+                <a16:creationId xmlns:a16="http://schemas.microsoft.com/office/drawing/2014/main" id="{07EDB33B-D3B9-473C-9C87-7F602D643A09}"/>
+              </a:ext>
+            </a:extLst>
+          </p:cNvPr>
+          <p:cNvCxnSpPr>
+            <a:cxnSpLocks/>
+            <a:endCxn id="25" idx="0"/>
+          </p:cNvCxnSpPr>
+          <p:nvPr/>
+        </p:nvCxnSpPr>
+        <p:spPr>
+          <a:xfrm>
+            <a:off x="2716647" y="850136"/>
+            <a:ext cx="331132" cy="744213"/>
+          </a:xfrm>
+          <a:prstGeom prst="line">
+            <a:avLst/>
+          </a:prstGeom>
+          <a:ln>
+            <a:solidFill>
+              <a:schemeClr val="bg1"/>
+            </a:solidFill>
+          </a:ln>
+        </p:spPr>
+        <p:style>
+          <a:lnRef idx="1">
+            <a:schemeClr val="accent1"/>
+          </a:lnRef>
+          <a:fillRef idx="0">
+            <a:schemeClr val="accent1"/>
+          </a:fillRef>
+          <a:effectRef idx="0">
+            <a:schemeClr val="accent1"/>
+          </a:effectRef>
+          <a:fontRef idx="minor">
+            <a:schemeClr val="tx1"/>
+          </a:fontRef>
+        </p:style>
+      </p:cxnSp>
+      <p:cxnSp>
+        <p:nvCxnSpPr>
+          <p:cNvPr id="14" name="直接连接符 13">
+            <a:extLst>
+              <a:ext uri="{FF2B5EF4-FFF2-40B4-BE49-F238E27FC236}">
+                <a16:creationId xmlns:a16="http://schemas.microsoft.com/office/drawing/2014/main" id="{DFF87720-5F33-4368-A1F3-4F408B31E195}"/>
+              </a:ext>
+            </a:extLst>
+          </p:cNvPr>
+          <p:cNvCxnSpPr>
+            <a:cxnSpLocks/>
+            <a:endCxn id="24" idx="2"/>
+          </p:cNvCxnSpPr>
+          <p:nvPr/>
+        </p:nvCxnSpPr>
+        <p:spPr>
+          <a:xfrm>
+            <a:off x="2862177" y="794964"/>
+            <a:ext cx="202502" cy="812536"/>
+          </a:xfrm>
+          <a:prstGeom prst="line">
+            <a:avLst/>
+          </a:prstGeom>
+          <a:ln>
+            <a:solidFill>
+              <a:schemeClr val="bg1"/>
+            </a:solidFill>
+          </a:ln>
+        </p:spPr>
+        <p:style>
+          <a:lnRef idx="1">
+            <a:schemeClr val="accent1"/>
+          </a:lnRef>
+          <a:fillRef idx="0">
+            <a:schemeClr val="accent1"/>
+          </a:fillRef>
+          <a:effectRef idx="0">
+            <a:schemeClr val="accent1"/>
+          </a:effectRef>
+          <a:fontRef idx="minor">
+            <a:schemeClr val="tx1"/>
+          </a:fontRef>
+        </p:style>
+      </p:cxnSp>
+      <p:cxnSp>
+        <p:nvCxnSpPr>
+          <p:cNvPr id="15" name="直接连接符 14">
+            <a:extLst>
+              <a:ext uri="{FF2B5EF4-FFF2-40B4-BE49-F238E27FC236}">
+                <a16:creationId xmlns:a16="http://schemas.microsoft.com/office/drawing/2014/main" id="{20676E04-4103-4D6D-9FF6-8E7EC43D94ED}"/>
+              </a:ext>
+            </a:extLst>
+          </p:cNvPr>
+          <p:cNvCxnSpPr>
+            <a:cxnSpLocks/>
+            <a:endCxn id="25" idx="0"/>
+          </p:cNvCxnSpPr>
+          <p:nvPr/>
+        </p:nvCxnSpPr>
+        <p:spPr>
+          <a:xfrm>
+            <a:off x="3022580" y="772834"/>
+            <a:ext cx="25199" cy="821515"/>
+          </a:xfrm>
+          <a:prstGeom prst="line">
+            <a:avLst/>
+          </a:prstGeom>
+          <a:ln>
+            <a:solidFill>
+              <a:schemeClr val="bg1"/>
+            </a:solidFill>
+          </a:ln>
+        </p:spPr>
+        <p:style>
+          <a:lnRef idx="1">
+            <a:schemeClr val="accent1"/>
+          </a:lnRef>
+          <a:fillRef idx="0">
+            <a:schemeClr val="accent1"/>
+          </a:fillRef>
+          <a:effectRef idx="0">
+            <a:schemeClr val="accent1"/>
+          </a:effectRef>
+          <a:fontRef idx="minor">
+            <a:schemeClr val="tx1"/>
+          </a:fontRef>
+        </p:style>
+      </p:cxnSp>
+      <p:cxnSp>
+        <p:nvCxnSpPr>
+          <p:cNvPr id="16" name="直接连接符 15">
+            <a:extLst>
+              <a:ext uri="{FF2B5EF4-FFF2-40B4-BE49-F238E27FC236}">
+                <a16:creationId xmlns:a16="http://schemas.microsoft.com/office/drawing/2014/main" id="{B0781E7A-EFB7-49BA-BF24-2FC45064BC2C}"/>
+              </a:ext>
+            </a:extLst>
+          </p:cNvPr>
+          <p:cNvCxnSpPr>
+            <a:cxnSpLocks/>
+            <a:endCxn id="24" idx="2"/>
+          </p:cNvCxnSpPr>
+          <p:nvPr/>
+        </p:nvCxnSpPr>
+        <p:spPr>
+          <a:xfrm flipH="1">
+            <a:off x="3064679" y="786834"/>
+            <a:ext cx="116132" cy="820666"/>
+          </a:xfrm>
+          <a:prstGeom prst="line">
+            <a:avLst/>
+          </a:prstGeom>
+          <a:ln>
+            <a:solidFill>
+              <a:schemeClr val="bg1"/>
+            </a:solidFill>
+          </a:ln>
+        </p:spPr>
+        <p:style>
+          <a:lnRef idx="1">
+            <a:schemeClr val="accent1"/>
+          </a:lnRef>
+          <a:fillRef idx="0">
+            <a:schemeClr val="accent1"/>
+          </a:fillRef>
+          <a:effectRef idx="0">
+            <a:schemeClr val="accent1"/>
+          </a:effectRef>
+          <a:fontRef idx="minor">
+            <a:schemeClr val="tx1"/>
+          </a:fontRef>
+        </p:style>
+      </p:cxnSp>
+      <p:cxnSp>
+        <p:nvCxnSpPr>
+          <p:cNvPr id="17" name="直接连接符 16">
+            <a:extLst>
+              <a:ext uri="{FF2B5EF4-FFF2-40B4-BE49-F238E27FC236}">
+                <a16:creationId xmlns:a16="http://schemas.microsoft.com/office/drawing/2014/main" id="{88733978-10B9-4401-8B58-C4D47F3ADDDC}"/>
+              </a:ext>
+            </a:extLst>
+          </p:cNvPr>
+          <p:cNvCxnSpPr>
+            <a:cxnSpLocks/>
+            <a:endCxn id="25" idx="0"/>
+          </p:cNvCxnSpPr>
+          <p:nvPr/>
+        </p:nvCxnSpPr>
+        <p:spPr>
+          <a:xfrm flipH="1">
+            <a:off x="3047779" y="835768"/>
+            <a:ext cx="304578" cy="758581"/>
+          </a:xfrm>
+          <a:prstGeom prst="line">
+            <a:avLst/>
+          </a:prstGeom>
+          <a:ln>
+            <a:solidFill>
+              <a:schemeClr val="bg1"/>
+            </a:solidFill>
+          </a:ln>
+        </p:spPr>
+        <p:style>
+          <a:lnRef idx="1">
+            <a:schemeClr val="accent1"/>
+          </a:lnRef>
+          <a:fillRef idx="0">
+            <a:schemeClr val="accent1"/>
+          </a:fillRef>
+          <a:effectRef idx="0">
+            <a:schemeClr val="accent1"/>
+          </a:effectRef>
+          <a:fontRef idx="minor">
+            <a:schemeClr val="tx1"/>
+          </a:fontRef>
+        </p:style>
+      </p:cxnSp>
+      <p:cxnSp>
+        <p:nvCxnSpPr>
+          <p:cNvPr id="18" name="直接连接符 17">
+            <a:extLst>
+              <a:ext uri="{FF2B5EF4-FFF2-40B4-BE49-F238E27FC236}">
+                <a16:creationId xmlns:a16="http://schemas.microsoft.com/office/drawing/2014/main" id="{D0DF86A9-B755-47E3-BF0D-1A7595B3DF21}"/>
+              </a:ext>
+            </a:extLst>
+          </p:cNvPr>
+          <p:cNvCxnSpPr>
+            <a:cxnSpLocks/>
+            <a:endCxn id="25" idx="0"/>
+          </p:cNvCxnSpPr>
+          <p:nvPr/>
+        </p:nvCxnSpPr>
+        <p:spPr>
+          <a:xfrm flipH="1">
+            <a:off x="3047779" y="914227"/>
+            <a:ext cx="474098" cy="680122"/>
+          </a:xfrm>
+          <a:prstGeom prst="line">
+            <a:avLst/>
+          </a:prstGeom>
+          <a:ln>
+            <a:solidFill>
+              <a:schemeClr val="bg1"/>
+            </a:solidFill>
+          </a:ln>
+        </p:spPr>
+        <p:style>
+          <a:lnRef idx="1">
+            <a:schemeClr val="accent1"/>
+          </a:lnRef>
+          <a:fillRef idx="0">
+            <a:schemeClr val="accent1"/>
+          </a:fillRef>
+          <a:effectRef idx="0">
+            <a:schemeClr val="accent1"/>
+          </a:effectRef>
+          <a:fontRef idx="minor">
+            <a:schemeClr val="tx1"/>
+          </a:fontRef>
+        </p:style>
+      </p:cxnSp>
+      <p:cxnSp>
+        <p:nvCxnSpPr>
+          <p:cNvPr id="19" name="直接连接符 18">
+            <a:extLst>
+              <a:ext uri="{FF2B5EF4-FFF2-40B4-BE49-F238E27FC236}">
+                <a16:creationId xmlns:a16="http://schemas.microsoft.com/office/drawing/2014/main" id="{27163FDB-D67B-46BD-8FF1-ED626F18CA4C}"/>
+              </a:ext>
+            </a:extLst>
+          </p:cNvPr>
+          <p:cNvCxnSpPr>
+            <a:cxnSpLocks/>
+            <a:endCxn id="25" idx="0"/>
+          </p:cNvCxnSpPr>
+          <p:nvPr/>
+        </p:nvCxnSpPr>
+        <p:spPr>
+          <a:xfrm>
+            <a:off x="2210159" y="1570264"/>
+            <a:ext cx="837620" cy="24085"/>
+          </a:xfrm>
+          <a:prstGeom prst="line">
+            <a:avLst/>
+          </a:prstGeom>
+          <a:ln>
+            <a:solidFill>
+              <a:schemeClr val="bg1"/>
+            </a:solidFill>
+          </a:ln>
+        </p:spPr>
+        <p:style>
+          <a:lnRef idx="1">
+            <a:schemeClr val="accent1"/>
+          </a:lnRef>
+          <a:fillRef idx="0">
+            <a:schemeClr val="accent1"/>
+          </a:fillRef>
+          <a:effectRef idx="0">
+            <a:schemeClr val="accent1"/>
+          </a:effectRef>
+          <a:fontRef idx="minor">
+            <a:schemeClr val="tx1"/>
+          </a:fontRef>
+        </p:style>
+      </p:cxnSp>
+      <p:cxnSp>
+        <p:nvCxnSpPr>
+          <p:cNvPr id="20" name="直接连接符 19">
+            <a:extLst>
+              <a:ext uri="{FF2B5EF4-FFF2-40B4-BE49-F238E27FC236}">
+                <a16:creationId xmlns:a16="http://schemas.microsoft.com/office/drawing/2014/main" id="{D7B06068-F702-4A27-BCF3-597AD69732A9}"/>
+              </a:ext>
+            </a:extLst>
+          </p:cNvPr>
+          <p:cNvCxnSpPr>
+            <a:cxnSpLocks/>
+            <a:endCxn id="24" idx="2"/>
+          </p:cNvCxnSpPr>
+          <p:nvPr/>
+        </p:nvCxnSpPr>
+        <p:spPr>
+          <a:xfrm>
+            <a:off x="2210159" y="1481524"/>
+            <a:ext cx="854520" cy="125976"/>
+          </a:xfrm>
+          <a:prstGeom prst="line">
+            <a:avLst/>
+          </a:prstGeom>
+          <a:ln>
+            <a:solidFill>
+              <a:schemeClr val="bg1"/>
+            </a:solidFill>
+          </a:ln>
+        </p:spPr>
+        <p:style>
+          <a:lnRef idx="1">
+            <a:schemeClr val="accent1"/>
+          </a:lnRef>
+          <a:fillRef idx="0">
+            <a:schemeClr val="accent1"/>
+          </a:fillRef>
+          <a:effectRef idx="0">
+            <a:schemeClr val="accent1"/>
+          </a:effectRef>
+          <a:fontRef idx="minor">
+            <a:schemeClr val="tx1"/>
+          </a:fontRef>
+        </p:style>
+      </p:cxnSp>
+      <p:cxnSp>
+        <p:nvCxnSpPr>
+          <p:cNvPr id="21" name="直接连接符 20">
+            <a:extLst>
+              <a:ext uri="{FF2B5EF4-FFF2-40B4-BE49-F238E27FC236}">
+                <a16:creationId xmlns:a16="http://schemas.microsoft.com/office/drawing/2014/main" id="{05A8213E-F0DC-48EF-9524-4187E16AB817}"/>
+              </a:ext>
+            </a:extLst>
+          </p:cNvPr>
+          <p:cNvCxnSpPr>
+            <a:cxnSpLocks/>
+            <a:endCxn id="24" idx="2"/>
+          </p:cNvCxnSpPr>
+          <p:nvPr/>
+        </p:nvCxnSpPr>
+        <p:spPr>
+          <a:xfrm>
+            <a:off x="2210159" y="1431994"/>
+            <a:ext cx="854520" cy="175506"/>
+          </a:xfrm>
+          <a:prstGeom prst="line">
+            <a:avLst/>
+          </a:prstGeom>
+          <a:ln>
+            <a:solidFill>
+              <a:schemeClr val="bg1"/>
+            </a:solidFill>
+          </a:ln>
+        </p:spPr>
+        <p:style>
+          <a:lnRef idx="1">
+            <a:schemeClr val="accent1"/>
+          </a:lnRef>
+          <a:fillRef idx="0">
+            <a:schemeClr val="accent1"/>
+          </a:fillRef>
+          <a:effectRef idx="0">
+            <a:schemeClr val="accent1"/>
+          </a:effectRef>
+          <a:fontRef idx="minor">
+            <a:schemeClr val="tx1"/>
+          </a:fontRef>
+        </p:style>
+      </p:cxnSp>
+      <p:cxnSp>
+        <p:nvCxnSpPr>
+          <p:cNvPr id="22" name="直接连接符 21">
+            <a:extLst>
+              <a:ext uri="{FF2B5EF4-FFF2-40B4-BE49-F238E27FC236}">
+                <a16:creationId xmlns:a16="http://schemas.microsoft.com/office/drawing/2014/main" id="{F966FAEB-190B-4552-A26A-550EF107D3FB}"/>
+              </a:ext>
+            </a:extLst>
+          </p:cNvPr>
+          <p:cNvCxnSpPr>
+            <a:cxnSpLocks/>
+          </p:cNvCxnSpPr>
+          <p:nvPr/>
+        </p:nvCxnSpPr>
+        <p:spPr>
+          <a:xfrm>
+            <a:off x="2210602" y="1527923"/>
+            <a:ext cx="880346" cy="72821"/>
+          </a:xfrm>
+          <a:prstGeom prst="line">
+            <a:avLst/>
+          </a:prstGeom>
+          <a:ln>
+            <a:solidFill>
+              <a:schemeClr val="bg1"/>
+            </a:solidFill>
+          </a:ln>
+        </p:spPr>
+        <p:style>
+          <a:lnRef idx="1">
+            <a:schemeClr val="accent1"/>
+          </a:lnRef>
+          <a:fillRef idx="0">
+            <a:schemeClr val="accent1"/>
+          </a:fillRef>
+          <a:effectRef idx="0">
+            <a:schemeClr val="accent1"/>
+          </a:effectRef>
+          <a:fontRef idx="minor">
+            <a:schemeClr val="tx1"/>
+          </a:fontRef>
+        </p:style>
+      </p:cxnSp>
+      <p:sp>
+        <p:nvSpPr>
+          <p:cNvPr id="23" name="弦形 22">
+            <a:extLst>
+              <a:ext uri="{FF2B5EF4-FFF2-40B4-BE49-F238E27FC236}">
+                <a16:creationId xmlns:a16="http://schemas.microsoft.com/office/drawing/2014/main" id="{5E38741A-3550-4FAF-9109-545D6A3047A5}"/>
+              </a:ext>
+            </a:extLst>
+          </p:cNvPr>
+          <p:cNvSpPr/>
+          <p:nvPr/>
+        </p:nvSpPr>
+        <p:spPr>
+          <a:xfrm>
+            <a:off x="2496225" y="1052326"/>
+            <a:ext cx="1136370" cy="1106908"/>
+          </a:xfrm>
+          <a:prstGeom prst="chord">
+            <a:avLst>
+              <a:gd name="adj1" fmla="val 8275321"/>
+              <a:gd name="adj2" fmla="val 18957101"/>
+            </a:avLst>
+          </a:prstGeom>
+          <a:solidFill>
+            <a:schemeClr val="bg1">
+              <a:lumMod val="85000"/>
+            </a:schemeClr>
+          </a:solidFill>
+          <a:ln>
+            <a:solidFill>
+              <a:schemeClr val="bg1"/>
+            </a:solidFill>
+          </a:ln>
+        </p:spPr>
+        <p:style>
+          <a:lnRef idx="2">
+            <a:schemeClr val="accent1">
+              <a:shade val="50000"/>
+            </a:schemeClr>
+          </a:lnRef>
+          <a:fillRef idx="1">
+            <a:schemeClr val="accent1"/>
+          </a:fillRef>
+          <a:effectRef idx="0">
+            <a:schemeClr val="accent1"/>
+          </a:effectRef>
+          <a:fontRef idx="minor">
+            <a:schemeClr val="lt1"/>
+          </a:fontRef>
+        </p:style>
+        <p:txBody>
+          <a:bodyPr rtlCol="0" anchor="ctr"/>
+          <a:lstStyle/>
+          <a:p>
+            <a:pPr algn="ctr"/>
+            <a:endParaRPr lang="en-US">
+              <a:solidFill>
+                <a:schemeClr val="accent1"/>
+              </a:solidFill>
+            </a:endParaRPr>
+          </a:p>
+        </p:txBody>
+      </p:sp>
+      <p:sp>
+        <p:nvSpPr>
+          <p:cNvPr id="24" name="弦形 23">
+            <a:extLst>
+              <a:ext uri="{FF2B5EF4-FFF2-40B4-BE49-F238E27FC236}">
+                <a16:creationId xmlns:a16="http://schemas.microsoft.com/office/drawing/2014/main" id="{A10ABE3E-D0D3-4CF4-B5E7-A138ACA832EE}"/>
+              </a:ext>
+            </a:extLst>
+          </p:cNvPr>
+          <p:cNvSpPr/>
+          <p:nvPr/>
+        </p:nvSpPr>
+        <p:spPr>
+          <a:xfrm rot="5400000">
+            <a:off x="2825207" y="1285409"/>
+            <a:ext cx="478406" cy="609600"/>
+          </a:xfrm>
+          <a:prstGeom prst="chord">
+            <a:avLst>
+              <a:gd name="adj1" fmla="val 5171697"/>
+              <a:gd name="adj2" fmla="val 16362398"/>
+            </a:avLst>
+          </a:prstGeom>
+          <a:solidFill>
+            <a:schemeClr val="bg1">
+              <a:lumMod val="85000"/>
+            </a:schemeClr>
+          </a:solidFill>
+          <a:ln>
+            <a:solidFill>
+              <a:schemeClr val="bg1"/>
+            </a:solidFill>
+          </a:ln>
+        </p:spPr>
+        <p:style>
+          <a:lnRef idx="2">
+            <a:schemeClr val="accent1">
+              <a:shade val="50000"/>
+            </a:schemeClr>
+          </a:lnRef>
+          <a:fillRef idx="1">
+            <a:schemeClr val="accent1"/>
+          </a:fillRef>
+          <a:effectRef idx="0">
+            <a:schemeClr val="accent1"/>
+          </a:effectRef>
+          <a:fontRef idx="minor">
+            <a:schemeClr val="lt1"/>
+          </a:fontRef>
+        </p:style>
+        <p:txBody>
+          <a:bodyPr rtlCol="0" anchor="ctr"/>
+          <a:lstStyle/>
+          <a:p>
+            <a:pPr algn="ctr"/>
+            <a:endParaRPr lang="en-US" dirty="0"/>
+          </a:p>
+        </p:txBody>
+      </p:sp>
+      <p:sp>
+        <p:nvSpPr>
+          <p:cNvPr id="25" name="矩形 24">
+            <a:extLst>
+              <a:ext uri="{FF2B5EF4-FFF2-40B4-BE49-F238E27FC236}">
+                <a16:creationId xmlns:a16="http://schemas.microsoft.com/office/drawing/2014/main" id="{7A620143-41C4-4300-B036-A1B28CFE5E30}"/>
+              </a:ext>
+            </a:extLst>
+          </p:cNvPr>
+          <p:cNvSpPr/>
+          <p:nvPr/>
+        </p:nvSpPr>
+        <p:spPr>
+          <a:xfrm>
+            <a:off x="2767199" y="1594349"/>
+            <a:ext cx="561159" cy="269813"/>
+          </a:xfrm>
+          <a:prstGeom prst="rect">
+            <a:avLst/>
+          </a:prstGeom>
+          <a:solidFill>
+            <a:schemeClr val="bg1">
+              <a:lumMod val="85000"/>
+            </a:schemeClr>
+          </a:solidFill>
+          <a:ln>
+            <a:noFill/>
+          </a:ln>
+        </p:spPr>
+        <p:style>
+          <a:lnRef idx="2">
+            <a:schemeClr val="accent1">
+              <a:shade val="50000"/>
+            </a:schemeClr>
+          </a:lnRef>
+          <a:fillRef idx="1">
+            <a:schemeClr val="accent1"/>
+          </a:fillRef>
+          <a:effectRef idx="0">
+            <a:schemeClr val="accent1"/>
+          </a:effectRef>
+          <a:fontRef idx="minor">
+            <a:schemeClr val="lt1"/>
+          </a:fontRef>
+        </p:style>
+        <p:txBody>
+          <a:bodyPr rtlCol="0" anchor="ctr"/>
+          <a:lstStyle/>
+          <a:p>
+            <a:pPr algn="ctr"/>
+            <a:endParaRPr lang="en-US" dirty="0"/>
+          </a:p>
+        </p:txBody>
+      </p:sp>
+      <p:sp>
+        <p:nvSpPr>
+          <p:cNvPr id="26" name="等腰三角形 25">
+            <a:extLst>
+              <a:ext uri="{FF2B5EF4-FFF2-40B4-BE49-F238E27FC236}">
+                <a16:creationId xmlns:a16="http://schemas.microsoft.com/office/drawing/2014/main" id="{F1C3E187-1750-49D4-876D-9F2FDD3ABDD8}"/>
+              </a:ext>
+            </a:extLst>
+          </p:cNvPr>
+          <p:cNvSpPr/>
+          <p:nvPr/>
+        </p:nvSpPr>
+        <p:spPr>
+          <a:xfrm flipH="1" flipV="1">
+            <a:off x="2750121" y="1863811"/>
+            <a:ext cx="578237" cy="301814"/>
+          </a:xfrm>
+          <a:prstGeom prst="triangle">
+            <a:avLst>
+              <a:gd name="adj" fmla="val 0"/>
+            </a:avLst>
+          </a:prstGeom>
+          <a:solidFill>
+            <a:schemeClr val="bg1">
+              <a:lumMod val="85000"/>
+            </a:schemeClr>
+          </a:solidFill>
+          <a:ln>
+            <a:noFill/>
+          </a:ln>
+        </p:spPr>
+        <p:style>
+          <a:lnRef idx="2">
+            <a:schemeClr val="accent1">
+              <a:shade val="50000"/>
+            </a:schemeClr>
+          </a:lnRef>
+          <a:fillRef idx="1">
+            <a:schemeClr val="accent1"/>
+          </a:fillRef>
+          <a:effectRef idx="0">
+            <a:schemeClr val="accent1"/>
+          </a:effectRef>
+          <a:fontRef idx="minor">
+            <a:schemeClr val="lt1"/>
+          </a:fontRef>
+        </p:style>
+        <p:txBody>
+          <a:bodyPr rtlCol="0" anchor="ctr"/>
+          <a:lstStyle/>
+          <a:p>
+            <a:pPr algn="ctr"/>
+            <a:endParaRPr lang="en-US"/>
+          </a:p>
+        </p:txBody>
+      </p:sp>
+      <p:sp>
+        <p:nvSpPr>
+          <p:cNvPr id="27" name="矩形 26">
+            <a:extLst>
+              <a:ext uri="{FF2B5EF4-FFF2-40B4-BE49-F238E27FC236}">
+                <a16:creationId xmlns:a16="http://schemas.microsoft.com/office/drawing/2014/main" id="{0CA90C5B-F8AE-49DD-872F-EA0AA38B2F11}"/>
+              </a:ext>
+            </a:extLst>
+          </p:cNvPr>
+          <p:cNvSpPr/>
+          <p:nvPr/>
+        </p:nvSpPr>
+        <p:spPr>
+          <a:xfrm>
+            <a:off x="3200644" y="1600743"/>
+            <a:ext cx="127714" cy="484979"/>
+          </a:xfrm>
+          <a:prstGeom prst="rect">
+            <a:avLst/>
+          </a:prstGeom>
+          <a:solidFill>
+            <a:schemeClr val="tx1">
+              <a:lumMod val="65000"/>
+              <a:lumOff val="35000"/>
+            </a:schemeClr>
+          </a:solidFill>
+          <a:ln>
+            <a:noFill/>
+          </a:ln>
+        </p:spPr>
+        <p:style>
+          <a:lnRef idx="2">
+            <a:schemeClr val="accent1">
+              <a:shade val="50000"/>
+            </a:schemeClr>
+          </a:lnRef>
+          <a:fillRef idx="1">
+            <a:schemeClr val="accent1"/>
+          </a:fillRef>
+          <a:effectRef idx="0">
+            <a:schemeClr val="accent1"/>
+          </a:effectRef>
+          <a:fontRef idx="minor">
+            <a:schemeClr val="lt1"/>
+          </a:fontRef>
+        </p:style>
+        <p:txBody>
+          <a:bodyPr rtlCol="0" anchor="ctr"/>
+          <a:lstStyle/>
+          <a:p>
+            <a:pPr algn="ctr"/>
+            <a:endParaRPr lang="en-US"/>
+          </a:p>
+        </p:txBody>
+      </p:sp>
+      <p:sp>
+        <p:nvSpPr>
+          <p:cNvPr id="28" name="等腰三角形 27">
+            <a:extLst>
+              <a:ext uri="{FF2B5EF4-FFF2-40B4-BE49-F238E27FC236}">
+                <a16:creationId xmlns:a16="http://schemas.microsoft.com/office/drawing/2014/main" id="{F5D31ED1-D7A5-4C5A-AE9C-756CAD664FB3}"/>
+              </a:ext>
+            </a:extLst>
+          </p:cNvPr>
+          <p:cNvSpPr/>
+          <p:nvPr/>
+        </p:nvSpPr>
+        <p:spPr>
+          <a:xfrm flipV="1">
+            <a:off x="2998897" y="1600738"/>
+            <a:ext cx="329461" cy="137951"/>
+          </a:xfrm>
+          <a:prstGeom prst="triangle">
+            <a:avLst>
+              <a:gd name="adj" fmla="val 61694"/>
+            </a:avLst>
+          </a:prstGeom>
+          <a:solidFill>
+            <a:schemeClr val="tx1">
+              <a:lumMod val="65000"/>
+              <a:lumOff val="35000"/>
+            </a:schemeClr>
+          </a:solidFill>
+          <a:ln>
+            <a:noFill/>
+          </a:ln>
+        </p:spPr>
+        <p:style>
+          <a:lnRef idx="2">
+            <a:schemeClr val="accent1">
+              <a:shade val="50000"/>
+            </a:schemeClr>
+          </a:lnRef>
+          <a:fillRef idx="1">
+            <a:schemeClr val="accent1"/>
+          </a:fillRef>
+          <a:effectRef idx="0">
+            <a:schemeClr val="accent1"/>
+          </a:effectRef>
+          <a:fontRef idx="minor">
+            <a:schemeClr val="lt1"/>
+          </a:fontRef>
+        </p:style>
+        <p:txBody>
+          <a:bodyPr rtlCol="0" anchor="ctr"/>
+          <a:lstStyle/>
+          <a:p>
+            <a:pPr algn="ctr"/>
+            <a:endParaRPr lang="en-US" dirty="0"/>
+          </a:p>
+        </p:txBody>
+      </p:sp>
+      <p:sp>
+        <p:nvSpPr>
+          <p:cNvPr id="29" name="矩形 28">
+            <a:extLst>
+              <a:ext uri="{FF2B5EF4-FFF2-40B4-BE49-F238E27FC236}">
+                <a16:creationId xmlns:a16="http://schemas.microsoft.com/office/drawing/2014/main" id="{5CF9EB12-3FA0-4D69-86C3-AFC9AE83B05F}"/>
+              </a:ext>
+            </a:extLst>
+          </p:cNvPr>
+          <p:cNvSpPr/>
+          <p:nvPr/>
+        </p:nvSpPr>
+        <p:spPr>
+          <a:xfrm>
+            <a:off x="2210159" y="1622010"/>
+            <a:ext cx="549036" cy="576995"/>
+          </a:xfrm>
+          <a:prstGeom prst="rect">
+            <a:avLst/>
+          </a:prstGeom>
+          <a:solidFill>
+            <a:schemeClr val="bg1"/>
+          </a:solidFill>
+          <a:ln>
+            <a:solidFill>
+              <a:schemeClr val="bg1"/>
+            </a:solidFill>
+          </a:ln>
+        </p:spPr>
+        <p:style>
+          <a:lnRef idx="2">
+            <a:schemeClr val="accent1">
+              <a:shade val="50000"/>
+            </a:schemeClr>
+          </a:lnRef>
+          <a:fillRef idx="1">
+            <a:schemeClr val="accent1"/>
+          </a:fillRef>
+          <a:effectRef idx="0">
+            <a:schemeClr val="accent1"/>
+          </a:effectRef>
+          <a:fontRef idx="minor">
+            <a:schemeClr val="lt1"/>
+          </a:fontRef>
+        </p:style>
+        <p:txBody>
+          <a:bodyPr rtlCol="0" anchor="ctr"/>
+          <a:lstStyle/>
+          <a:p>
+            <a:pPr algn="ctr"/>
+            <a:endParaRPr lang="en-US" dirty="0"/>
+          </a:p>
+        </p:txBody>
+      </p:sp>
+      <p:sp>
+        <p:nvSpPr>
+          <p:cNvPr id="30" name="弧形 29">
+            <a:extLst>
+              <a:ext uri="{FF2B5EF4-FFF2-40B4-BE49-F238E27FC236}">
+                <a16:creationId xmlns:a16="http://schemas.microsoft.com/office/drawing/2014/main" id="{2DB13271-D922-4B94-A9A7-E1DC1E3DE626}"/>
+              </a:ext>
+            </a:extLst>
+          </p:cNvPr>
+          <p:cNvSpPr/>
+          <p:nvPr/>
+        </p:nvSpPr>
+        <p:spPr>
+          <a:xfrm rot="16200000">
+            <a:off x="2686141" y="1230434"/>
+            <a:ext cx="849531" cy="898386"/>
+          </a:xfrm>
+          <a:prstGeom prst="arc">
+            <a:avLst>
+              <a:gd name="adj1" fmla="val 17354715"/>
+              <a:gd name="adj2" fmla="val 1650107"/>
+            </a:avLst>
+          </a:prstGeom>
+          <a:ln w="25400">
+            <a:solidFill>
+              <a:schemeClr val="tx1">
+                <a:lumMod val="65000"/>
+                <a:lumOff val="35000"/>
+              </a:schemeClr>
+            </a:solidFill>
+          </a:ln>
+        </p:spPr>
+        <p:style>
+          <a:lnRef idx="1">
+            <a:schemeClr val="accent1"/>
+          </a:lnRef>
+          <a:fillRef idx="0">
+            <a:schemeClr val="accent1"/>
+          </a:fillRef>
+          <a:effectRef idx="0">
+            <a:schemeClr val="accent1"/>
+          </a:effectRef>
+          <a:fontRef idx="minor">
+            <a:schemeClr val="tx1"/>
+          </a:fontRef>
+        </p:style>
+        <p:txBody>
+          <a:bodyPr rtlCol="0" anchor="ctr"/>
+          <a:lstStyle/>
+          <a:p>
+            <a:pPr algn="ctr"/>
+            <a:endParaRPr lang="en-US">
+              <a:ln>
+                <a:solidFill>
+                  <a:sysClr val="windowText" lastClr="000000"/>
+                </a:solidFill>
+              </a:ln>
+            </a:endParaRPr>
+          </a:p>
+        </p:txBody>
+      </p:sp>
+      <p:sp>
+        <p:nvSpPr>
+          <p:cNvPr id="31" name="Oval 26">
+            <a:extLst>
+              <a:ext uri="{FF2B5EF4-FFF2-40B4-BE49-F238E27FC236}">
+                <a16:creationId xmlns:a16="http://schemas.microsoft.com/office/drawing/2014/main" id="{9D7E888A-C630-4C87-9C94-8B37FB5C6FF2}"/>
+              </a:ext>
+            </a:extLst>
+          </p:cNvPr>
+          <p:cNvSpPr/>
+          <p:nvPr/>
+        </p:nvSpPr>
+        <p:spPr>
+          <a:xfrm>
+            <a:off x="2681556" y="1389456"/>
+            <a:ext cx="101600" cy="101600"/>
+          </a:xfrm>
+          <a:prstGeom prst="ellipse">
+            <a:avLst/>
+          </a:prstGeom>
+          <a:solidFill>
+            <a:schemeClr val="accent6">
+              <a:lumMod val="75000"/>
+            </a:schemeClr>
+          </a:solidFill>
+          <a:ln>
+            <a:noFill/>
+          </a:ln>
+        </p:spPr>
+        <p:style>
+          <a:lnRef idx="2">
+            <a:schemeClr val="accent1">
+              <a:shade val="50000"/>
+            </a:schemeClr>
+          </a:lnRef>
+          <a:fillRef idx="1">
+            <a:schemeClr val="accent1"/>
+          </a:fillRef>
+          <a:effectRef idx="0">
+            <a:schemeClr val="accent1"/>
+          </a:effectRef>
+          <a:fontRef idx="minor">
+            <a:schemeClr val="lt1"/>
+          </a:fontRef>
+        </p:style>
+        <p:txBody>
+          <a:bodyPr rtlCol="0" anchor="ctr"/>
+          <a:lstStyle/>
+          <a:p>
+            <a:pPr algn="ctr"/>
+            <a:endParaRPr lang="en-US">
+              <a:solidFill>
+                <a:srgbClr val="ED7D31"/>
+              </a:solidFill>
+            </a:endParaRPr>
+          </a:p>
+        </p:txBody>
+      </p:sp>
+      <p:sp>
+        <p:nvSpPr>
+          <p:cNvPr id="32" name="Oval 35">
+            <a:extLst>
+              <a:ext uri="{FF2B5EF4-FFF2-40B4-BE49-F238E27FC236}">
+                <a16:creationId xmlns:a16="http://schemas.microsoft.com/office/drawing/2014/main" id="{E461D1FD-E031-49EA-BBDF-40401BEABBE2}"/>
+              </a:ext>
+            </a:extLst>
+          </p:cNvPr>
+          <p:cNvSpPr/>
+          <p:nvPr/>
+        </p:nvSpPr>
+        <p:spPr>
+          <a:xfrm>
+            <a:off x="3130426" y="1209635"/>
+            <a:ext cx="101600" cy="101600"/>
+          </a:xfrm>
+          <a:prstGeom prst="ellipse">
+            <a:avLst/>
+          </a:prstGeom>
+          <a:solidFill>
+            <a:srgbClr val="FF0000"/>
+          </a:solidFill>
+          <a:ln>
+            <a:noFill/>
+          </a:ln>
+        </p:spPr>
+        <p:style>
+          <a:lnRef idx="2">
+            <a:schemeClr val="accent1">
+              <a:shade val="50000"/>
+            </a:schemeClr>
+          </a:lnRef>
+          <a:fillRef idx="1">
+            <a:schemeClr val="accent1"/>
+          </a:fillRef>
+          <a:effectRef idx="0">
+            <a:schemeClr val="accent1"/>
+          </a:effectRef>
+          <a:fontRef idx="minor">
+            <a:schemeClr val="lt1"/>
+          </a:fontRef>
+        </p:style>
+        <p:txBody>
+          <a:bodyPr rtlCol="0" anchor="ctr"/>
+          <a:lstStyle/>
+          <a:p>
+            <a:pPr algn="ctr"/>
+            <a:endParaRPr lang="en-US">
+              <a:solidFill>
+                <a:srgbClr val="FFFF00"/>
+              </a:solidFill>
+            </a:endParaRPr>
+          </a:p>
+        </p:txBody>
+      </p:sp>
+      <p:sp>
+        <p:nvSpPr>
+          <p:cNvPr id="33" name="Oval 36">
+            <a:extLst>
+              <a:ext uri="{FF2B5EF4-FFF2-40B4-BE49-F238E27FC236}">
+                <a16:creationId xmlns:a16="http://schemas.microsoft.com/office/drawing/2014/main" id="{B91938F5-9D22-4C86-99C8-254C3FCD0D17}"/>
+              </a:ext>
+            </a:extLst>
+          </p:cNvPr>
+          <p:cNvSpPr/>
+          <p:nvPr/>
+        </p:nvSpPr>
+        <p:spPr>
+          <a:xfrm>
+            <a:off x="2966292" y="1213002"/>
+            <a:ext cx="101600" cy="101600"/>
+          </a:xfrm>
+          <a:prstGeom prst="ellipse">
+            <a:avLst/>
+          </a:prstGeom>
+          <a:solidFill>
+            <a:schemeClr val="accent1"/>
+          </a:solidFill>
+          <a:ln>
+            <a:noFill/>
+          </a:ln>
+        </p:spPr>
+        <p:style>
+          <a:lnRef idx="2">
+            <a:schemeClr val="accent1">
+              <a:shade val="50000"/>
+            </a:schemeClr>
+          </a:lnRef>
+          <a:fillRef idx="1">
+            <a:schemeClr val="accent1"/>
+          </a:fillRef>
+          <a:effectRef idx="0">
+            <a:schemeClr val="accent1"/>
+          </a:effectRef>
+          <a:fontRef idx="minor">
+            <a:schemeClr val="lt1"/>
+          </a:fontRef>
+        </p:style>
+        <p:txBody>
+          <a:bodyPr rtlCol="0" anchor="ctr"/>
+          <a:lstStyle/>
+          <a:p>
+            <a:pPr algn="ctr"/>
+            <a:endParaRPr lang="en-US"/>
+          </a:p>
+        </p:txBody>
+      </p:sp>
+      <p:sp>
+        <p:nvSpPr>
+          <p:cNvPr id="34" name="Oval 39">
+            <a:extLst>
+              <a:ext uri="{FF2B5EF4-FFF2-40B4-BE49-F238E27FC236}">
+                <a16:creationId xmlns:a16="http://schemas.microsoft.com/office/drawing/2014/main" id="{DC64EBC0-F72A-43C0-86E3-1FE52E9EDAC3}"/>
+              </a:ext>
+            </a:extLst>
+          </p:cNvPr>
+          <p:cNvSpPr/>
+          <p:nvPr/>
+        </p:nvSpPr>
+        <p:spPr>
+          <a:xfrm>
+            <a:off x="2796347" y="1271252"/>
+            <a:ext cx="101600" cy="101600"/>
+          </a:xfrm>
+          <a:prstGeom prst="ellipse">
+            <a:avLst/>
+          </a:prstGeom>
+          <a:solidFill>
+            <a:srgbClr val="FF9900"/>
+          </a:solidFill>
+          <a:ln>
+            <a:noFill/>
+          </a:ln>
+        </p:spPr>
+        <p:style>
+          <a:lnRef idx="2">
+            <a:schemeClr val="accent1">
+              <a:shade val="50000"/>
+            </a:schemeClr>
+          </a:lnRef>
+          <a:fillRef idx="1">
+            <a:schemeClr val="accent1"/>
+          </a:fillRef>
+          <a:effectRef idx="0">
+            <a:schemeClr val="accent1"/>
+          </a:effectRef>
+          <a:fontRef idx="minor">
+            <a:schemeClr val="lt1"/>
+          </a:fontRef>
+        </p:style>
+        <p:txBody>
+          <a:bodyPr rtlCol="0" anchor="ctr"/>
+          <a:lstStyle/>
+          <a:p>
+            <a:pPr algn="ctr"/>
+            <a:endParaRPr lang="en-US"/>
+          </a:p>
+        </p:txBody>
+      </p:sp>
+      <p:sp>
+        <p:nvSpPr>
+          <p:cNvPr id="35" name="Oval 52">
+            <a:extLst>
+              <a:ext uri="{FF2B5EF4-FFF2-40B4-BE49-F238E27FC236}">
+                <a16:creationId xmlns:a16="http://schemas.microsoft.com/office/drawing/2014/main" id="{53980670-2AFA-4D4E-9FEB-EC09539BDF7E}"/>
+              </a:ext>
+            </a:extLst>
+          </p:cNvPr>
+          <p:cNvSpPr/>
+          <p:nvPr/>
+        </p:nvSpPr>
+        <p:spPr>
+          <a:xfrm>
+            <a:off x="3130426" y="1604351"/>
+            <a:ext cx="101600" cy="101600"/>
+          </a:xfrm>
+          <a:prstGeom prst="ellipse">
+            <a:avLst/>
+          </a:prstGeom>
+          <a:solidFill>
+            <a:schemeClr val="bg1"/>
+          </a:solidFill>
+          <a:ln>
+            <a:noFill/>
+          </a:ln>
+        </p:spPr>
+        <p:style>
+          <a:lnRef idx="2">
+            <a:schemeClr val="accent1">
+              <a:shade val="50000"/>
+            </a:schemeClr>
+          </a:lnRef>
+          <a:fillRef idx="1">
+            <a:schemeClr val="accent1"/>
+          </a:fillRef>
+          <a:effectRef idx="0">
+            <a:schemeClr val="accent1"/>
+          </a:effectRef>
+          <a:fontRef idx="minor">
+            <a:schemeClr val="lt1"/>
+          </a:fontRef>
+        </p:style>
+        <p:txBody>
+          <a:bodyPr rtlCol="0" anchor="ctr"/>
+          <a:lstStyle/>
+          <a:p>
+            <a:pPr algn="ctr"/>
+            <a:endParaRPr lang="en-US"/>
+          </a:p>
+        </p:txBody>
+      </p:sp>
+      <p:cxnSp>
+        <p:nvCxnSpPr>
+          <p:cNvPr id="36" name="Straight Arrow Connector 32">
+            <a:extLst>
+              <a:ext uri="{FF2B5EF4-FFF2-40B4-BE49-F238E27FC236}">
+                <a16:creationId xmlns:a16="http://schemas.microsoft.com/office/drawing/2014/main" id="{F6269F1A-8E19-40D1-8074-70260E68432C}"/>
+              </a:ext>
+            </a:extLst>
+          </p:cNvPr>
+          <p:cNvCxnSpPr>
+            <a:cxnSpLocks/>
+            <a:stCxn id="32" idx="4"/>
+            <a:endCxn id="35" idx="0"/>
+          </p:cNvCxnSpPr>
+          <p:nvPr/>
+        </p:nvCxnSpPr>
+        <p:spPr>
+          <a:xfrm>
+            <a:off x="3181226" y="1311235"/>
+            <a:ext cx="0" cy="293116"/>
+          </a:xfrm>
+          <a:prstGeom prst="straightConnector1">
+            <a:avLst/>
+          </a:prstGeom>
+          <a:ln w="28575">
+            <a:solidFill>
+              <a:schemeClr val="tx1">
+                <a:lumMod val="65000"/>
+                <a:lumOff val="35000"/>
+              </a:schemeClr>
+            </a:solidFill>
+            <a:prstDash val="sysDot"/>
+            <a:tailEnd type="triangle"/>
+          </a:ln>
+        </p:spPr>
+        <p:style>
+          <a:lnRef idx="1">
+            <a:schemeClr val="accent1"/>
+          </a:lnRef>
+          <a:fillRef idx="0">
+            <a:schemeClr val="accent1"/>
+          </a:fillRef>
+          <a:effectRef idx="0">
+            <a:schemeClr val="accent1"/>
+          </a:effectRef>
+          <a:fontRef idx="minor">
+            <a:schemeClr val="tx1"/>
+          </a:fontRef>
+        </p:style>
+      </p:cxnSp>
+      <p:sp>
+        <p:nvSpPr>
+          <p:cNvPr id="37" name="等腰三角形 36">
+            <a:extLst>
+              <a:ext uri="{FF2B5EF4-FFF2-40B4-BE49-F238E27FC236}">
+                <a16:creationId xmlns:a16="http://schemas.microsoft.com/office/drawing/2014/main" id="{E48DC364-E3D0-488B-B56E-0E09F3CCE655}"/>
+              </a:ext>
+            </a:extLst>
+          </p:cNvPr>
+          <p:cNvSpPr/>
+          <p:nvPr/>
+        </p:nvSpPr>
+        <p:spPr>
+          <a:xfrm rot="5400000">
+            <a:off x="3202332" y="1941918"/>
+            <a:ext cx="215700" cy="219075"/>
+          </a:xfrm>
+          <a:prstGeom prst="triangle">
+            <a:avLst>
+              <a:gd name="adj" fmla="val 18189"/>
+            </a:avLst>
+          </a:prstGeom>
+          <a:solidFill>
+            <a:schemeClr val="bg1"/>
+          </a:solidFill>
+          <a:ln>
+            <a:noFill/>
+          </a:ln>
+        </p:spPr>
+        <p:style>
+          <a:lnRef idx="2">
+            <a:schemeClr val="accent1">
+              <a:shade val="50000"/>
+            </a:schemeClr>
+          </a:lnRef>
+          <a:fillRef idx="1">
+            <a:schemeClr val="accent1"/>
+          </a:fillRef>
+          <a:effectRef idx="0">
+            <a:schemeClr val="accent1"/>
+          </a:effectRef>
+          <a:fontRef idx="minor">
+            <a:schemeClr val="lt1"/>
+          </a:fontRef>
+        </p:style>
+        <p:txBody>
+          <a:bodyPr rtlCol="0" anchor="ctr"/>
+          <a:lstStyle/>
+          <a:p>
+            <a:pPr algn="ctr"/>
+            <a:endParaRPr lang="en-US"/>
+          </a:p>
+        </p:txBody>
+      </p:sp>
+      <p:sp>
+        <p:nvSpPr>
+          <p:cNvPr id="38" name="矩形 37">
+            <a:extLst>
+              <a:ext uri="{FF2B5EF4-FFF2-40B4-BE49-F238E27FC236}">
+                <a16:creationId xmlns:a16="http://schemas.microsoft.com/office/drawing/2014/main" id="{4D7073FE-8448-45C0-8302-7F6DF8881653}"/>
+              </a:ext>
+            </a:extLst>
+          </p:cNvPr>
+          <p:cNvSpPr/>
+          <p:nvPr/>
+        </p:nvSpPr>
+        <p:spPr>
+          <a:xfrm>
+            <a:off x="3235463" y="2034902"/>
+            <a:ext cx="272515" cy="144723"/>
+          </a:xfrm>
+          <a:prstGeom prst="rect">
+            <a:avLst/>
+          </a:prstGeom>
+          <a:solidFill>
+            <a:schemeClr val="bg1"/>
+          </a:solidFill>
+          <a:ln>
+            <a:noFill/>
+          </a:ln>
+        </p:spPr>
+        <p:style>
+          <a:lnRef idx="2">
+            <a:schemeClr val="accent1">
+              <a:shade val="50000"/>
+            </a:schemeClr>
+          </a:lnRef>
+          <a:fillRef idx="1">
+            <a:schemeClr val="accent1"/>
+          </a:fillRef>
+          <a:effectRef idx="0">
+            <a:schemeClr val="accent1"/>
+          </a:effectRef>
+          <a:fontRef idx="minor">
+            <a:schemeClr val="lt1"/>
+          </a:fontRef>
+        </p:style>
+        <p:txBody>
+          <a:bodyPr rtlCol="0" anchor="ctr"/>
+          <a:lstStyle/>
+          <a:p>
+            <a:pPr algn="ctr"/>
+            <a:endParaRPr lang="en-US"/>
+          </a:p>
+        </p:txBody>
+      </p:sp>
+      <p:sp>
+        <p:nvSpPr>
+          <p:cNvPr id="39" name="Rectangle 55">
+            <a:extLst>
+              <a:ext uri="{FF2B5EF4-FFF2-40B4-BE49-F238E27FC236}">
+                <a16:creationId xmlns:a16="http://schemas.microsoft.com/office/drawing/2014/main" id="{49388373-243F-4F84-96CF-089D005C6146}"/>
+              </a:ext>
+            </a:extLst>
+          </p:cNvPr>
+          <p:cNvSpPr/>
+          <p:nvPr/>
+        </p:nvSpPr>
+        <p:spPr>
+          <a:xfrm>
+            <a:off x="3171161" y="1532825"/>
+            <a:ext cx="234360" cy="246221"/>
+          </a:xfrm>
+          <a:prstGeom prst="rect">
+            <a:avLst/>
+          </a:prstGeom>
+        </p:spPr>
+        <p:txBody>
+          <a:bodyPr wrap="none">
+            <a:spAutoFit/>
+          </a:bodyPr>
+          <a:lstStyle/>
+          <a:p>
+            <a:r>
+              <a:rPr lang="en-US" altLang="zh-CN" sz="1000" b="1" dirty="0">
+                <a:solidFill>
+                  <a:schemeClr val="bg1"/>
+                </a:solidFill>
+                <a:latin typeface="Times New Roman" panose="02020603050405020304" pitchFamily="18" charset="0"/>
+                <a:cs typeface="Times New Roman" panose="02020603050405020304" pitchFamily="18" charset="0"/>
+              </a:rPr>
+              <a:t>I</a:t>
+            </a:r>
+            <a:endParaRPr lang="en-US" sz="1000" b="1" dirty="0">
+              <a:solidFill>
+                <a:schemeClr val="bg1"/>
+              </a:solidFill>
+              <a:latin typeface="Times New Roman" panose="02020603050405020304" pitchFamily="18" charset="0"/>
+              <a:cs typeface="Times New Roman" panose="02020603050405020304" pitchFamily="18" charset="0"/>
+            </a:endParaRPr>
+          </a:p>
+        </p:txBody>
+      </p:sp>
+      <p:sp>
+        <p:nvSpPr>
+          <p:cNvPr id="40" name="Rectangle 55">
+            <a:extLst>
+              <a:ext uri="{FF2B5EF4-FFF2-40B4-BE49-F238E27FC236}">
+                <a16:creationId xmlns:a16="http://schemas.microsoft.com/office/drawing/2014/main" id="{835DD051-5243-4A0B-A154-2B31B3EEFA8C}"/>
+              </a:ext>
+            </a:extLst>
+          </p:cNvPr>
+          <p:cNvSpPr/>
+          <p:nvPr/>
+        </p:nvSpPr>
+        <p:spPr>
+          <a:xfrm>
+            <a:off x="3047893" y="1018518"/>
+            <a:ext cx="277640" cy="246221"/>
+          </a:xfrm>
+          <a:prstGeom prst="rect">
+            <a:avLst/>
+          </a:prstGeom>
+        </p:spPr>
+        <p:txBody>
+          <a:bodyPr wrap="none">
+            <a:spAutoFit/>
+          </a:bodyPr>
+          <a:lstStyle/>
+          <a:p>
+            <a:r>
+              <a:rPr lang="en-US" altLang="zh-CN" sz="1000" b="1" dirty="0">
+                <a:solidFill>
+                  <a:srgbClr val="FF0000"/>
+                </a:solidFill>
+                <a:latin typeface="Times New Roman" panose="02020603050405020304" pitchFamily="18" charset="0"/>
+                <a:cs typeface="Times New Roman" panose="02020603050405020304" pitchFamily="18" charset="0"/>
+              </a:rPr>
+              <a:t>A</a:t>
+            </a:r>
+            <a:endParaRPr lang="en-US" sz="1000" b="1" dirty="0">
+              <a:solidFill>
+                <a:srgbClr val="FF0000"/>
+              </a:solidFill>
+              <a:latin typeface="Times New Roman" panose="02020603050405020304" pitchFamily="18" charset="0"/>
+              <a:cs typeface="Times New Roman" panose="02020603050405020304" pitchFamily="18" charset="0"/>
+            </a:endParaRPr>
+          </a:p>
+        </p:txBody>
+      </p:sp>
+      <p:sp>
+        <p:nvSpPr>
+          <p:cNvPr id="41" name="Rectangle 55">
+            <a:extLst>
+              <a:ext uri="{FF2B5EF4-FFF2-40B4-BE49-F238E27FC236}">
+                <a16:creationId xmlns:a16="http://schemas.microsoft.com/office/drawing/2014/main" id="{8167037E-943C-4781-8490-13542E387B16}"/>
+              </a:ext>
+            </a:extLst>
+          </p:cNvPr>
+          <p:cNvSpPr/>
+          <p:nvPr/>
+        </p:nvSpPr>
+        <p:spPr>
+          <a:xfrm>
+            <a:off x="2847999" y="1028633"/>
+            <a:ext cx="284052" cy="246221"/>
+          </a:xfrm>
+          <a:prstGeom prst="rect">
+            <a:avLst/>
+          </a:prstGeom>
+        </p:spPr>
+        <p:txBody>
+          <a:bodyPr wrap="none">
+            <a:spAutoFit/>
+          </a:bodyPr>
+          <a:lstStyle/>
+          <a:p>
+            <a:r>
+              <a:rPr lang="en-US" sz="1000" b="1" dirty="0">
+                <a:solidFill>
+                  <a:schemeClr val="accent1"/>
+                </a:solidFill>
+                <a:latin typeface="Times New Roman" panose="02020603050405020304" pitchFamily="18" charset="0"/>
+                <a:cs typeface="Times New Roman" panose="02020603050405020304" pitchFamily="18" charset="0"/>
+              </a:rPr>
+              <a:t>G</a:t>
+            </a:r>
+          </a:p>
+        </p:txBody>
+      </p:sp>
+      <p:sp>
+        <p:nvSpPr>
+          <p:cNvPr id="42" name="Rectangle 55">
+            <a:extLst>
+              <a:ext uri="{FF2B5EF4-FFF2-40B4-BE49-F238E27FC236}">
+                <a16:creationId xmlns:a16="http://schemas.microsoft.com/office/drawing/2014/main" id="{29891D22-7E31-48B3-9C61-51EF41B69B78}"/>
+              </a:ext>
+            </a:extLst>
+          </p:cNvPr>
+          <p:cNvSpPr/>
+          <p:nvPr/>
+        </p:nvSpPr>
+        <p:spPr>
+          <a:xfrm>
+            <a:off x="2650610" y="1105109"/>
+            <a:ext cx="277640" cy="246221"/>
+          </a:xfrm>
+          <a:prstGeom prst="rect">
+            <a:avLst/>
+          </a:prstGeom>
+        </p:spPr>
+        <p:txBody>
+          <a:bodyPr wrap="none">
+            <a:spAutoFit/>
+          </a:bodyPr>
+          <a:lstStyle/>
+          <a:p>
+            <a:r>
+              <a:rPr lang="en-US" sz="1000" b="1" dirty="0">
+                <a:solidFill>
+                  <a:srgbClr val="FF9900"/>
+                </a:solidFill>
+                <a:latin typeface="Times New Roman" panose="02020603050405020304" pitchFamily="18" charset="0"/>
+                <a:cs typeface="Times New Roman" panose="02020603050405020304" pitchFamily="18" charset="0"/>
+              </a:rPr>
+              <a:t>C</a:t>
+            </a:r>
+          </a:p>
+        </p:txBody>
+      </p:sp>
+      <p:sp>
+        <p:nvSpPr>
+          <p:cNvPr id="43" name="Rectangle 55">
+            <a:extLst>
+              <a:ext uri="{FF2B5EF4-FFF2-40B4-BE49-F238E27FC236}">
+                <a16:creationId xmlns:a16="http://schemas.microsoft.com/office/drawing/2014/main" id="{5B056E75-55CA-4DFA-9EEE-6EFD0C5575DB}"/>
+              </a:ext>
+            </a:extLst>
+          </p:cNvPr>
+          <p:cNvSpPr/>
+          <p:nvPr/>
+        </p:nvSpPr>
+        <p:spPr>
+          <a:xfrm>
+            <a:off x="2502508" y="1248403"/>
+            <a:ext cx="277640" cy="246221"/>
+          </a:xfrm>
+          <a:prstGeom prst="rect">
+            <a:avLst/>
+          </a:prstGeom>
+        </p:spPr>
+        <p:txBody>
+          <a:bodyPr wrap="none">
+            <a:spAutoFit/>
+          </a:bodyPr>
+          <a:lstStyle/>
+          <a:p>
+            <a:r>
+              <a:rPr lang="en-US" sz="1000" b="1" dirty="0">
+                <a:solidFill>
+                  <a:schemeClr val="accent6">
+                    <a:lumMod val="75000"/>
+                  </a:schemeClr>
+                </a:solidFill>
+                <a:latin typeface="Times New Roman" panose="02020603050405020304" pitchFamily="18" charset="0"/>
+                <a:cs typeface="Times New Roman" panose="02020603050405020304" pitchFamily="18" charset="0"/>
+              </a:rPr>
+              <a:t>U</a:t>
+            </a:r>
+          </a:p>
+        </p:txBody>
+      </p:sp>
+      <p:sp>
+        <p:nvSpPr>
+          <p:cNvPr id="44" name="文本框 43">
+            <a:extLst>
+              <a:ext uri="{FF2B5EF4-FFF2-40B4-BE49-F238E27FC236}">
+                <a16:creationId xmlns:a16="http://schemas.microsoft.com/office/drawing/2014/main" id="{70E52FB1-86C0-42DB-BCDC-3E5328DA8358}"/>
+              </a:ext>
+            </a:extLst>
+          </p:cNvPr>
+          <p:cNvSpPr txBox="1"/>
+          <p:nvPr/>
+        </p:nvSpPr>
+        <p:spPr>
+          <a:xfrm>
+            <a:off x="890671" y="1437801"/>
+            <a:ext cx="2441694" cy="1107996"/>
+          </a:xfrm>
+          <a:prstGeom prst="rect">
+            <a:avLst/>
+          </a:prstGeom>
+          <a:noFill/>
+          <a:effectLst/>
+        </p:spPr>
+        <p:txBody>
+          <a:bodyPr wrap="none" rtlCol="0">
+            <a:spAutoFit/>
+          </a:bodyPr>
+          <a:lstStyle/>
+          <a:p>
+            <a:r>
+              <a:rPr lang="en-US" sz="6600" b="1" dirty="0">
+                <a:solidFill>
+                  <a:schemeClr val="tx1">
+                    <a:lumMod val="65000"/>
+                    <a:lumOff val="35000"/>
+                  </a:schemeClr>
+                </a:solidFill>
+                <a:latin typeface="Times New Roman" panose="02020603050405020304" pitchFamily="18" charset="0"/>
+                <a:cs typeface="Times New Roman" panose="02020603050405020304" pitchFamily="18" charset="0"/>
+              </a:rPr>
+              <a:t>ARES</a:t>
+            </a:r>
+          </a:p>
+        </p:txBody>
+      </p:sp>
+      <p:cxnSp>
+        <p:nvCxnSpPr>
+          <p:cNvPr id="45" name="直接连接符 44">
+            <a:extLst>
+              <a:ext uri="{FF2B5EF4-FFF2-40B4-BE49-F238E27FC236}">
+                <a16:creationId xmlns:a16="http://schemas.microsoft.com/office/drawing/2014/main" id="{59847383-604C-4B03-B184-11AFDB48E315}"/>
+              </a:ext>
+            </a:extLst>
+          </p:cNvPr>
+          <p:cNvCxnSpPr/>
+          <p:nvPr/>
+        </p:nvCxnSpPr>
+        <p:spPr>
+          <a:xfrm>
+            <a:off x="3254029" y="1841246"/>
+            <a:ext cx="102332" cy="0"/>
+          </a:xfrm>
+          <a:prstGeom prst="line">
+            <a:avLst/>
+          </a:prstGeom>
+          <a:ln w="25400">
+            <a:solidFill>
+              <a:schemeClr val="bg1"/>
+            </a:solidFill>
+          </a:ln>
+        </p:spPr>
+        <p:style>
+          <a:lnRef idx="1">
+            <a:schemeClr val="accent1"/>
+          </a:lnRef>
+          <a:fillRef idx="0">
+            <a:schemeClr val="accent1"/>
+          </a:fillRef>
+          <a:effectRef idx="0">
+            <a:schemeClr val="accent1"/>
+          </a:effectRef>
+          <a:fontRef idx="minor">
+            <a:schemeClr val="tx1"/>
+          </a:fontRef>
+        </p:style>
+      </p:cxnSp>
+      <p:sp>
+        <p:nvSpPr>
+          <p:cNvPr id="46" name="弦形 45">
+            <a:extLst>
+              <a:ext uri="{FF2B5EF4-FFF2-40B4-BE49-F238E27FC236}">
+                <a16:creationId xmlns:a16="http://schemas.microsoft.com/office/drawing/2014/main" id="{AB4EDD17-06A2-49D5-8A7F-AB756F46E416}"/>
+              </a:ext>
+            </a:extLst>
+          </p:cNvPr>
+          <p:cNvSpPr/>
+          <p:nvPr/>
+        </p:nvSpPr>
+        <p:spPr>
+          <a:xfrm>
+            <a:off x="6351156" y="576068"/>
+            <a:ext cx="1661722" cy="1666240"/>
+          </a:xfrm>
+          <a:prstGeom prst="chord">
+            <a:avLst>
+              <a:gd name="adj1" fmla="val 8275321"/>
+              <a:gd name="adj2" fmla="val 18995435"/>
+            </a:avLst>
+          </a:prstGeom>
+          <a:solidFill>
+            <a:schemeClr val="tx1">
+              <a:lumMod val="65000"/>
+              <a:lumOff val="35000"/>
+            </a:schemeClr>
+          </a:solidFill>
+          <a:ln>
+            <a:noFill/>
+          </a:ln>
+        </p:spPr>
+        <p:style>
+          <a:lnRef idx="2">
+            <a:schemeClr val="accent1">
+              <a:shade val="50000"/>
+            </a:schemeClr>
+          </a:lnRef>
+          <a:fillRef idx="1">
+            <a:schemeClr val="accent1"/>
+          </a:fillRef>
+          <a:effectRef idx="0">
+            <a:schemeClr val="accent1"/>
+          </a:effectRef>
+          <a:fontRef idx="minor">
+            <a:schemeClr val="lt1"/>
+          </a:fontRef>
+        </p:style>
+        <p:txBody>
+          <a:bodyPr rtlCol="0" anchor="ctr"/>
+          <a:lstStyle/>
+          <a:p>
+            <a:pPr algn="ctr"/>
+            <a:endParaRPr lang="en-US" dirty="0">
+              <a:solidFill>
+                <a:schemeClr val="bg2">
+                  <a:lumMod val="50000"/>
+                </a:schemeClr>
+              </a:solidFill>
+            </a:endParaRPr>
+          </a:p>
+        </p:txBody>
+      </p:sp>
+      <p:cxnSp>
+        <p:nvCxnSpPr>
+          <p:cNvPr id="47" name="直接连接符 46">
+            <a:extLst>
+              <a:ext uri="{FF2B5EF4-FFF2-40B4-BE49-F238E27FC236}">
+                <a16:creationId xmlns:a16="http://schemas.microsoft.com/office/drawing/2014/main" id="{41CD3F78-3D2A-42C6-AD4E-E54928200B1E}"/>
+              </a:ext>
+            </a:extLst>
+          </p:cNvPr>
+          <p:cNvCxnSpPr>
+            <a:cxnSpLocks/>
+            <a:endCxn id="66" idx="2"/>
+          </p:cNvCxnSpPr>
+          <p:nvPr/>
+        </p:nvCxnSpPr>
+        <p:spPr>
+          <a:xfrm>
+            <a:off x="6397106" y="1112232"/>
+            <a:ext cx="808155" cy="284502"/>
+          </a:xfrm>
+          <a:prstGeom prst="line">
+            <a:avLst/>
+          </a:prstGeom>
+          <a:ln>
+            <a:solidFill>
+              <a:schemeClr val="bg1"/>
+            </a:solidFill>
+          </a:ln>
+        </p:spPr>
+        <p:style>
+          <a:lnRef idx="1">
+            <a:schemeClr val="accent1"/>
+          </a:lnRef>
+          <a:fillRef idx="0">
+            <a:schemeClr val="accent1"/>
+          </a:fillRef>
+          <a:effectRef idx="0">
+            <a:schemeClr val="accent1"/>
+          </a:effectRef>
+          <a:fontRef idx="minor">
+            <a:schemeClr val="tx1"/>
+          </a:fontRef>
+        </p:style>
+      </p:cxnSp>
+      <p:cxnSp>
+        <p:nvCxnSpPr>
+          <p:cNvPr id="48" name="直接连接符 47">
+            <a:extLst>
+              <a:ext uri="{FF2B5EF4-FFF2-40B4-BE49-F238E27FC236}">
+                <a16:creationId xmlns:a16="http://schemas.microsoft.com/office/drawing/2014/main" id="{1523052B-8349-4399-8960-10AED5E50D62}"/>
+              </a:ext>
+            </a:extLst>
+          </p:cNvPr>
+          <p:cNvCxnSpPr>
+            <a:cxnSpLocks/>
+            <a:endCxn id="66" idx="2"/>
+          </p:cNvCxnSpPr>
+          <p:nvPr/>
+        </p:nvCxnSpPr>
+        <p:spPr>
+          <a:xfrm>
+            <a:off x="6385031" y="1167888"/>
+            <a:ext cx="820230" cy="228846"/>
+          </a:xfrm>
+          <a:prstGeom prst="line">
+            <a:avLst/>
+          </a:prstGeom>
+          <a:ln>
+            <a:solidFill>
+              <a:schemeClr val="bg1"/>
+            </a:solidFill>
+          </a:ln>
+        </p:spPr>
+        <p:style>
+          <a:lnRef idx="1">
+            <a:schemeClr val="accent1"/>
+          </a:lnRef>
+          <a:fillRef idx="0">
+            <a:schemeClr val="accent1"/>
+          </a:fillRef>
+          <a:effectRef idx="0">
+            <a:schemeClr val="accent1"/>
+          </a:effectRef>
+          <a:fontRef idx="minor">
+            <a:schemeClr val="tx1"/>
+          </a:fontRef>
+        </p:style>
+      </p:cxnSp>
+      <p:cxnSp>
+        <p:nvCxnSpPr>
+          <p:cNvPr id="49" name="直接连接符 48">
+            <a:extLst>
+              <a:ext uri="{FF2B5EF4-FFF2-40B4-BE49-F238E27FC236}">
+                <a16:creationId xmlns:a16="http://schemas.microsoft.com/office/drawing/2014/main" id="{977EC491-15C8-4CCD-9DBE-200F133C4092}"/>
+              </a:ext>
+            </a:extLst>
+          </p:cNvPr>
+          <p:cNvCxnSpPr>
+            <a:cxnSpLocks/>
+            <a:endCxn id="66" idx="2"/>
+          </p:cNvCxnSpPr>
+          <p:nvPr/>
+        </p:nvCxnSpPr>
+        <p:spPr>
+          <a:xfrm>
+            <a:off x="6410138" y="1040504"/>
+            <a:ext cx="795123" cy="356230"/>
+          </a:xfrm>
+          <a:prstGeom prst="line">
+            <a:avLst/>
+          </a:prstGeom>
+          <a:ln>
+            <a:solidFill>
+              <a:schemeClr val="bg1"/>
+            </a:solidFill>
+          </a:ln>
+        </p:spPr>
+        <p:style>
+          <a:lnRef idx="1">
+            <a:schemeClr val="accent1"/>
+          </a:lnRef>
+          <a:fillRef idx="0">
+            <a:schemeClr val="accent1"/>
+          </a:fillRef>
+          <a:effectRef idx="0">
+            <a:schemeClr val="accent1"/>
+          </a:effectRef>
+          <a:fontRef idx="minor">
+            <a:schemeClr val="tx1"/>
+          </a:fontRef>
+        </p:style>
+      </p:cxnSp>
+      <p:cxnSp>
+        <p:nvCxnSpPr>
+          <p:cNvPr id="50" name="直接连接符 49">
+            <a:extLst>
+              <a:ext uri="{FF2B5EF4-FFF2-40B4-BE49-F238E27FC236}">
+                <a16:creationId xmlns:a16="http://schemas.microsoft.com/office/drawing/2014/main" id="{1AC7E9AF-10FA-47E5-ACAE-DC8C76059F00}"/>
+              </a:ext>
+            </a:extLst>
+          </p:cNvPr>
+          <p:cNvCxnSpPr>
+            <a:cxnSpLocks/>
+            <a:endCxn id="66" idx="2"/>
+          </p:cNvCxnSpPr>
+          <p:nvPr/>
+        </p:nvCxnSpPr>
+        <p:spPr>
+          <a:xfrm>
+            <a:off x="6467288" y="973678"/>
+            <a:ext cx="737973" cy="423056"/>
+          </a:xfrm>
+          <a:prstGeom prst="line">
+            <a:avLst/>
+          </a:prstGeom>
+          <a:ln>
+            <a:solidFill>
+              <a:schemeClr val="bg1"/>
+            </a:solidFill>
+          </a:ln>
+        </p:spPr>
+        <p:style>
+          <a:lnRef idx="1">
+            <a:schemeClr val="accent1"/>
+          </a:lnRef>
+          <a:fillRef idx="0">
+            <a:schemeClr val="accent1"/>
+          </a:fillRef>
+          <a:effectRef idx="0">
+            <a:schemeClr val="accent1"/>
+          </a:effectRef>
+          <a:fontRef idx="minor">
+            <a:schemeClr val="tx1"/>
+          </a:fontRef>
+        </p:style>
+      </p:cxnSp>
+      <p:cxnSp>
+        <p:nvCxnSpPr>
+          <p:cNvPr id="51" name="直接连接符 50">
+            <a:extLst>
+              <a:ext uri="{FF2B5EF4-FFF2-40B4-BE49-F238E27FC236}">
+                <a16:creationId xmlns:a16="http://schemas.microsoft.com/office/drawing/2014/main" id="{9041FB3B-733F-4A5B-96ED-FEC67D68C01C}"/>
+              </a:ext>
+            </a:extLst>
+          </p:cNvPr>
+          <p:cNvCxnSpPr>
+            <a:cxnSpLocks/>
+            <a:endCxn id="66" idx="2"/>
+          </p:cNvCxnSpPr>
+          <p:nvPr/>
+        </p:nvCxnSpPr>
+        <p:spPr>
+          <a:xfrm>
+            <a:off x="6509198" y="895756"/>
+            <a:ext cx="696063" cy="500978"/>
+          </a:xfrm>
+          <a:prstGeom prst="line">
+            <a:avLst/>
+          </a:prstGeom>
+          <a:ln>
+            <a:solidFill>
+              <a:schemeClr val="bg1"/>
+            </a:solidFill>
+          </a:ln>
+        </p:spPr>
+        <p:style>
+          <a:lnRef idx="1">
+            <a:schemeClr val="accent1"/>
+          </a:lnRef>
+          <a:fillRef idx="0">
+            <a:schemeClr val="accent1"/>
+          </a:fillRef>
+          <a:effectRef idx="0">
+            <a:schemeClr val="accent1"/>
+          </a:effectRef>
+          <a:fontRef idx="minor">
+            <a:schemeClr val="tx1"/>
+          </a:fontRef>
+        </p:style>
+      </p:cxnSp>
+      <p:cxnSp>
+        <p:nvCxnSpPr>
+          <p:cNvPr id="52" name="直接连接符 51">
+            <a:extLst>
+              <a:ext uri="{FF2B5EF4-FFF2-40B4-BE49-F238E27FC236}">
+                <a16:creationId xmlns:a16="http://schemas.microsoft.com/office/drawing/2014/main" id="{48620E85-10FA-4BB5-9E69-216C67F0AD12}"/>
+              </a:ext>
+            </a:extLst>
+          </p:cNvPr>
+          <p:cNvCxnSpPr>
+            <a:cxnSpLocks/>
+            <a:endCxn id="66" idx="2"/>
+          </p:cNvCxnSpPr>
+          <p:nvPr/>
+        </p:nvCxnSpPr>
+        <p:spPr>
+          <a:xfrm>
+            <a:off x="6572829" y="813552"/>
+            <a:ext cx="632432" cy="583182"/>
+          </a:xfrm>
+          <a:prstGeom prst="line">
+            <a:avLst/>
+          </a:prstGeom>
+          <a:ln>
+            <a:solidFill>
+              <a:schemeClr val="bg1"/>
+            </a:solidFill>
+          </a:ln>
+        </p:spPr>
+        <p:style>
+          <a:lnRef idx="1">
+            <a:schemeClr val="accent1"/>
+          </a:lnRef>
+          <a:fillRef idx="0">
+            <a:schemeClr val="accent1"/>
+          </a:fillRef>
+          <a:effectRef idx="0">
+            <a:schemeClr val="accent1"/>
+          </a:effectRef>
+          <a:fontRef idx="minor">
+            <a:schemeClr val="tx1"/>
+          </a:fontRef>
+        </p:style>
+      </p:cxnSp>
+      <p:cxnSp>
+        <p:nvCxnSpPr>
+          <p:cNvPr id="53" name="直接连接符 52">
+            <a:extLst>
+              <a:ext uri="{FF2B5EF4-FFF2-40B4-BE49-F238E27FC236}">
+                <a16:creationId xmlns:a16="http://schemas.microsoft.com/office/drawing/2014/main" id="{2457BC78-C8E2-4115-8762-64F088F5EFBD}"/>
+              </a:ext>
+            </a:extLst>
+          </p:cNvPr>
+          <p:cNvCxnSpPr>
+            <a:cxnSpLocks/>
+            <a:endCxn id="67" idx="0"/>
+          </p:cNvCxnSpPr>
+          <p:nvPr/>
+        </p:nvCxnSpPr>
+        <p:spPr>
+          <a:xfrm>
+            <a:off x="6644395" y="743140"/>
+            <a:ext cx="543966" cy="640443"/>
+          </a:xfrm>
+          <a:prstGeom prst="line">
+            <a:avLst/>
+          </a:prstGeom>
+          <a:ln>
+            <a:solidFill>
+              <a:schemeClr val="bg1"/>
+            </a:solidFill>
+          </a:ln>
+        </p:spPr>
+        <p:style>
+          <a:lnRef idx="1">
+            <a:schemeClr val="accent1"/>
+          </a:lnRef>
+          <a:fillRef idx="0">
+            <a:schemeClr val="accent1"/>
+          </a:fillRef>
+          <a:effectRef idx="0">
+            <a:schemeClr val="accent1"/>
+          </a:effectRef>
+          <a:fontRef idx="minor">
+            <a:schemeClr val="tx1"/>
+          </a:fontRef>
+        </p:style>
+      </p:cxnSp>
+      <p:cxnSp>
+        <p:nvCxnSpPr>
+          <p:cNvPr id="54" name="直接连接符 53">
+            <a:extLst>
+              <a:ext uri="{FF2B5EF4-FFF2-40B4-BE49-F238E27FC236}">
+                <a16:creationId xmlns:a16="http://schemas.microsoft.com/office/drawing/2014/main" id="{58D9FE8E-04A9-48D1-9E21-C6E4DDB4D29E}"/>
+              </a:ext>
+            </a:extLst>
+          </p:cNvPr>
+          <p:cNvCxnSpPr>
+            <a:cxnSpLocks/>
+            <a:endCxn id="66" idx="2"/>
+          </p:cNvCxnSpPr>
+          <p:nvPr/>
+        </p:nvCxnSpPr>
+        <p:spPr>
+          <a:xfrm>
+            <a:off x="6747377" y="694353"/>
+            <a:ext cx="457884" cy="702381"/>
+          </a:xfrm>
+          <a:prstGeom prst="line">
+            <a:avLst/>
+          </a:prstGeom>
+          <a:ln>
+            <a:solidFill>
+              <a:schemeClr val="bg1"/>
+            </a:solidFill>
+          </a:ln>
+        </p:spPr>
+        <p:style>
+          <a:lnRef idx="1">
+            <a:schemeClr val="accent1"/>
+          </a:lnRef>
+          <a:fillRef idx="0">
+            <a:schemeClr val="accent1"/>
+          </a:fillRef>
+          <a:effectRef idx="0">
+            <a:schemeClr val="accent1"/>
+          </a:effectRef>
+          <a:fontRef idx="minor">
+            <a:schemeClr val="tx1"/>
+          </a:fontRef>
+        </p:style>
+      </p:cxnSp>
+      <p:cxnSp>
+        <p:nvCxnSpPr>
+          <p:cNvPr id="55" name="直接连接符 54">
+            <a:extLst>
+              <a:ext uri="{FF2B5EF4-FFF2-40B4-BE49-F238E27FC236}">
+                <a16:creationId xmlns:a16="http://schemas.microsoft.com/office/drawing/2014/main" id="{CF485F24-EF36-4ABC-8713-6C9E8264A2F4}"/>
+              </a:ext>
+            </a:extLst>
+          </p:cNvPr>
+          <p:cNvCxnSpPr>
+            <a:cxnSpLocks/>
+            <a:endCxn id="67" idx="0"/>
+          </p:cNvCxnSpPr>
+          <p:nvPr/>
+        </p:nvCxnSpPr>
+        <p:spPr>
+          <a:xfrm>
+            <a:off x="6857229" y="639370"/>
+            <a:ext cx="331132" cy="744213"/>
+          </a:xfrm>
+          <a:prstGeom prst="line">
+            <a:avLst/>
+          </a:prstGeom>
+          <a:ln>
+            <a:solidFill>
+              <a:schemeClr val="bg1"/>
+            </a:solidFill>
+          </a:ln>
+        </p:spPr>
+        <p:style>
+          <a:lnRef idx="1">
+            <a:schemeClr val="accent1"/>
+          </a:lnRef>
+          <a:fillRef idx="0">
+            <a:schemeClr val="accent1"/>
+          </a:fillRef>
+          <a:effectRef idx="0">
+            <a:schemeClr val="accent1"/>
+          </a:effectRef>
+          <a:fontRef idx="minor">
+            <a:schemeClr val="tx1"/>
+          </a:fontRef>
+        </p:style>
+      </p:cxnSp>
+      <p:cxnSp>
+        <p:nvCxnSpPr>
+          <p:cNvPr id="56" name="直接连接符 55">
+            <a:extLst>
+              <a:ext uri="{FF2B5EF4-FFF2-40B4-BE49-F238E27FC236}">
+                <a16:creationId xmlns:a16="http://schemas.microsoft.com/office/drawing/2014/main" id="{6878DF37-68AE-4F21-BE66-55F3D4E7BCF5}"/>
+              </a:ext>
+            </a:extLst>
+          </p:cNvPr>
+          <p:cNvCxnSpPr>
+            <a:cxnSpLocks/>
+            <a:endCxn id="66" idx="2"/>
+          </p:cNvCxnSpPr>
+          <p:nvPr/>
+        </p:nvCxnSpPr>
+        <p:spPr>
+          <a:xfrm>
+            <a:off x="7002759" y="584198"/>
+            <a:ext cx="202502" cy="812536"/>
+          </a:xfrm>
+          <a:prstGeom prst="line">
+            <a:avLst/>
+          </a:prstGeom>
+          <a:ln>
+            <a:solidFill>
+              <a:schemeClr val="bg1"/>
+            </a:solidFill>
+          </a:ln>
+        </p:spPr>
+        <p:style>
+          <a:lnRef idx="1">
+            <a:schemeClr val="accent1"/>
+          </a:lnRef>
+          <a:fillRef idx="0">
+            <a:schemeClr val="accent1"/>
+          </a:fillRef>
+          <a:effectRef idx="0">
+            <a:schemeClr val="accent1"/>
+          </a:effectRef>
+          <a:fontRef idx="minor">
+            <a:schemeClr val="tx1"/>
+          </a:fontRef>
+        </p:style>
+      </p:cxnSp>
+      <p:cxnSp>
+        <p:nvCxnSpPr>
+          <p:cNvPr id="57" name="直接连接符 56">
+            <a:extLst>
+              <a:ext uri="{FF2B5EF4-FFF2-40B4-BE49-F238E27FC236}">
+                <a16:creationId xmlns:a16="http://schemas.microsoft.com/office/drawing/2014/main" id="{8691A06B-00D9-4923-B82D-427F089C0844}"/>
+              </a:ext>
+            </a:extLst>
+          </p:cNvPr>
+          <p:cNvCxnSpPr>
+            <a:cxnSpLocks/>
+            <a:endCxn id="67" idx="0"/>
+          </p:cNvCxnSpPr>
+          <p:nvPr/>
+        </p:nvCxnSpPr>
+        <p:spPr>
+          <a:xfrm>
+            <a:off x="7163162" y="562068"/>
+            <a:ext cx="25199" cy="821515"/>
+          </a:xfrm>
+          <a:prstGeom prst="line">
+            <a:avLst/>
+          </a:prstGeom>
+          <a:ln>
+            <a:solidFill>
+              <a:schemeClr val="bg1"/>
+            </a:solidFill>
+          </a:ln>
+        </p:spPr>
+        <p:style>
+          <a:lnRef idx="1">
+            <a:schemeClr val="accent1"/>
+          </a:lnRef>
+          <a:fillRef idx="0">
+            <a:schemeClr val="accent1"/>
+          </a:fillRef>
+          <a:effectRef idx="0">
+            <a:schemeClr val="accent1"/>
+          </a:effectRef>
+          <a:fontRef idx="minor">
+            <a:schemeClr val="tx1"/>
+          </a:fontRef>
+        </p:style>
+      </p:cxnSp>
+      <p:cxnSp>
+        <p:nvCxnSpPr>
+          <p:cNvPr id="58" name="直接连接符 57">
+            <a:extLst>
+              <a:ext uri="{FF2B5EF4-FFF2-40B4-BE49-F238E27FC236}">
+                <a16:creationId xmlns:a16="http://schemas.microsoft.com/office/drawing/2014/main" id="{28DF88BB-1606-4D3E-89EC-2F039338CD25}"/>
+              </a:ext>
+            </a:extLst>
+          </p:cNvPr>
+          <p:cNvCxnSpPr>
+            <a:cxnSpLocks/>
+            <a:endCxn id="66" idx="2"/>
+          </p:cNvCxnSpPr>
+          <p:nvPr/>
+        </p:nvCxnSpPr>
+        <p:spPr>
+          <a:xfrm flipH="1">
+            <a:off x="7205261" y="576068"/>
+            <a:ext cx="116132" cy="820666"/>
+          </a:xfrm>
+          <a:prstGeom prst="line">
+            <a:avLst/>
+          </a:prstGeom>
+          <a:ln>
+            <a:solidFill>
+              <a:schemeClr val="bg1"/>
+            </a:solidFill>
+          </a:ln>
+        </p:spPr>
+        <p:style>
+          <a:lnRef idx="1">
+            <a:schemeClr val="accent1"/>
+          </a:lnRef>
+          <a:fillRef idx="0">
+            <a:schemeClr val="accent1"/>
+          </a:fillRef>
+          <a:effectRef idx="0">
+            <a:schemeClr val="accent1"/>
+          </a:effectRef>
+          <a:fontRef idx="minor">
+            <a:schemeClr val="tx1"/>
+          </a:fontRef>
+        </p:style>
+      </p:cxnSp>
+      <p:cxnSp>
+        <p:nvCxnSpPr>
+          <p:cNvPr id="59" name="直接连接符 58">
+            <a:extLst>
+              <a:ext uri="{FF2B5EF4-FFF2-40B4-BE49-F238E27FC236}">
+                <a16:creationId xmlns:a16="http://schemas.microsoft.com/office/drawing/2014/main" id="{CDB1A783-3202-424B-B458-87B29F38DE4D}"/>
+              </a:ext>
+            </a:extLst>
+          </p:cNvPr>
+          <p:cNvCxnSpPr>
+            <a:cxnSpLocks/>
+            <a:endCxn id="67" idx="0"/>
+          </p:cNvCxnSpPr>
+          <p:nvPr/>
+        </p:nvCxnSpPr>
+        <p:spPr>
+          <a:xfrm flipH="1">
+            <a:off x="7188361" y="625002"/>
+            <a:ext cx="304578" cy="758581"/>
+          </a:xfrm>
+          <a:prstGeom prst="line">
+            <a:avLst/>
+          </a:prstGeom>
+          <a:ln>
+            <a:solidFill>
+              <a:schemeClr val="bg1"/>
+            </a:solidFill>
+          </a:ln>
+        </p:spPr>
+        <p:style>
+          <a:lnRef idx="1">
+            <a:schemeClr val="accent1"/>
+          </a:lnRef>
+          <a:fillRef idx="0">
+            <a:schemeClr val="accent1"/>
+          </a:fillRef>
+          <a:effectRef idx="0">
+            <a:schemeClr val="accent1"/>
+          </a:effectRef>
+          <a:fontRef idx="minor">
+            <a:schemeClr val="tx1"/>
+          </a:fontRef>
+        </p:style>
+      </p:cxnSp>
+      <p:cxnSp>
+        <p:nvCxnSpPr>
+          <p:cNvPr id="60" name="直接连接符 59">
+            <a:extLst>
+              <a:ext uri="{FF2B5EF4-FFF2-40B4-BE49-F238E27FC236}">
+                <a16:creationId xmlns:a16="http://schemas.microsoft.com/office/drawing/2014/main" id="{01370966-5862-4542-9A47-A4003C8A4960}"/>
+              </a:ext>
+            </a:extLst>
+          </p:cNvPr>
+          <p:cNvCxnSpPr>
+            <a:cxnSpLocks/>
+            <a:endCxn id="67" idx="0"/>
+          </p:cNvCxnSpPr>
+          <p:nvPr/>
+        </p:nvCxnSpPr>
+        <p:spPr>
+          <a:xfrm flipH="1">
+            <a:off x="7188361" y="703461"/>
+            <a:ext cx="474098" cy="680122"/>
+          </a:xfrm>
+          <a:prstGeom prst="line">
+            <a:avLst/>
+          </a:prstGeom>
+          <a:ln>
+            <a:solidFill>
+              <a:schemeClr val="bg1"/>
+            </a:solidFill>
+          </a:ln>
+        </p:spPr>
+        <p:style>
+          <a:lnRef idx="1">
+            <a:schemeClr val="accent1"/>
+          </a:lnRef>
+          <a:fillRef idx="0">
+            <a:schemeClr val="accent1"/>
+          </a:fillRef>
+          <a:effectRef idx="0">
+            <a:schemeClr val="accent1"/>
+          </a:effectRef>
+          <a:fontRef idx="minor">
+            <a:schemeClr val="tx1"/>
+          </a:fontRef>
+        </p:style>
+      </p:cxnSp>
+      <p:cxnSp>
+        <p:nvCxnSpPr>
+          <p:cNvPr id="61" name="直接连接符 60">
+            <a:extLst>
+              <a:ext uri="{FF2B5EF4-FFF2-40B4-BE49-F238E27FC236}">
+                <a16:creationId xmlns:a16="http://schemas.microsoft.com/office/drawing/2014/main" id="{039B512F-A043-44E3-A06F-31505078FB3D}"/>
+              </a:ext>
+            </a:extLst>
+          </p:cNvPr>
+          <p:cNvCxnSpPr>
+            <a:cxnSpLocks/>
+            <a:endCxn id="67" idx="0"/>
+          </p:cNvCxnSpPr>
+          <p:nvPr/>
+        </p:nvCxnSpPr>
+        <p:spPr>
+          <a:xfrm>
+            <a:off x="6350741" y="1359498"/>
+            <a:ext cx="837620" cy="24085"/>
+          </a:xfrm>
+          <a:prstGeom prst="line">
+            <a:avLst/>
+          </a:prstGeom>
+          <a:ln>
+            <a:solidFill>
+              <a:schemeClr val="bg1"/>
+            </a:solidFill>
+          </a:ln>
+        </p:spPr>
+        <p:style>
+          <a:lnRef idx="1">
+            <a:schemeClr val="accent1"/>
+          </a:lnRef>
+          <a:fillRef idx="0">
+            <a:schemeClr val="accent1"/>
+          </a:fillRef>
+          <a:effectRef idx="0">
+            <a:schemeClr val="accent1"/>
+          </a:effectRef>
+          <a:fontRef idx="minor">
+            <a:schemeClr val="tx1"/>
+          </a:fontRef>
+        </p:style>
+      </p:cxnSp>
+      <p:cxnSp>
+        <p:nvCxnSpPr>
+          <p:cNvPr id="62" name="直接连接符 61">
+            <a:extLst>
+              <a:ext uri="{FF2B5EF4-FFF2-40B4-BE49-F238E27FC236}">
+                <a16:creationId xmlns:a16="http://schemas.microsoft.com/office/drawing/2014/main" id="{5F3E90B1-A3F8-4439-9A7C-B33FBCB254E6}"/>
+              </a:ext>
+            </a:extLst>
+          </p:cNvPr>
+          <p:cNvCxnSpPr>
+            <a:cxnSpLocks/>
+            <a:endCxn id="66" idx="2"/>
+          </p:cNvCxnSpPr>
+          <p:nvPr/>
+        </p:nvCxnSpPr>
+        <p:spPr>
+          <a:xfrm>
+            <a:off x="6350741" y="1270758"/>
+            <a:ext cx="854520" cy="125976"/>
+          </a:xfrm>
+          <a:prstGeom prst="line">
+            <a:avLst/>
+          </a:prstGeom>
+          <a:ln>
+            <a:solidFill>
+              <a:schemeClr val="bg1"/>
+            </a:solidFill>
+          </a:ln>
+        </p:spPr>
+        <p:style>
+          <a:lnRef idx="1">
+            <a:schemeClr val="accent1"/>
+          </a:lnRef>
+          <a:fillRef idx="0">
+            <a:schemeClr val="accent1"/>
+          </a:fillRef>
+          <a:effectRef idx="0">
+            <a:schemeClr val="accent1"/>
+          </a:effectRef>
+          <a:fontRef idx="minor">
+            <a:schemeClr val="tx1"/>
+          </a:fontRef>
+        </p:style>
+      </p:cxnSp>
+      <p:cxnSp>
+        <p:nvCxnSpPr>
+          <p:cNvPr id="63" name="直接连接符 62">
+            <a:extLst>
+              <a:ext uri="{FF2B5EF4-FFF2-40B4-BE49-F238E27FC236}">
+                <a16:creationId xmlns:a16="http://schemas.microsoft.com/office/drawing/2014/main" id="{F9FE88F4-D51F-43B4-8BB3-8C9D9850A50C}"/>
+              </a:ext>
+            </a:extLst>
+          </p:cNvPr>
+          <p:cNvCxnSpPr>
+            <a:cxnSpLocks/>
+            <a:endCxn id="66" idx="2"/>
+          </p:cNvCxnSpPr>
+          <p:nvPr/>
+        </p:nvCxnSpPr>
+        <p:spPr>
+          <a:xfrm>
+            <a:off x="6350741" y="1221228"/>
+            <a:ext cx="854520" cy="175506"/>
+          </a:xfrm>
+          <a:prstGeom prst="line">
+            <a:avLst/>
+          </a:prstGeom>
+          <a:ln>
+            <a:solidFill>
+              <a:schemeClr val="bg1"/>
+            </a:solidFill>
+          </a:ln>
+        </p:spPr>
+        <p:style>
+          <a:lnRef idx="1">
+            <a:schemeClr val="accent1"/>
+          </a:lnRef>
+          <a:fillRef idx="0">
+            <a:schemeClr val="accent1"/>
+          </a:fillRef>
+          <a:effectRef idx="0">
+            <a:schemeClr val="accent1"/>
+          </a:effectRef>
+          <a:fontRef idx="minor">
+            <a:schemeClr val="tx1"/>
+          </a:fontRef>
+        </p:style>
+      </p:cxnSp>
+      <p:cxnSp>
+        <p:nvCxnSpPr>
+          <p:cNvPr id="64" name="直接连接符 63">
+            <a:extLst>
+              <a:ext uri="{FF2B5EF4-FFF2-40B4-BE49-F238E27FC236}">
+                <a16:creationId xmlns:a16="http://schemas.microsoft.com/office/drawing/2014/main" id="{86D4D6BC-A26C-47B0-ADB0-D71312897521}"/>
+              </a:ext>
+            </a:extLst>
+          </p:cNvPr>
+          <p:cNvCxnSpPr>
+            <a:cxnSpLocks/>
+          </p:cNvCxnSpPr>
+          <p:nvPr/>
+        </p:nvCxnSpPr>
+        <p:spPr>
+          <a:xfrm>
+            <a:off x="6351184" y="1317157"/>
+            <a:ext cx="880346" cy="72821"/>
+          </a:xfrm>
+          <a:prstGeom prst="line">
+            <a:avLst/>
+          </a:prstGeom>
+          <a:ln>
+            <a:solidFill>
+              <a:schemeClr val="bg1"/>
+            </a:solidFill>
+          </a:ln>
+        </p:spPr>
+        <p:style>
+          <a:lnRef idx="1">
+            <a:schemeClr val="accent1"/>
+          </a:lnRef>
+          <a:fillRef idx="0">
+            <a:schemeClr val="accent1"/>
+          </a:fillRef>
+          <a:effectRef idx="0">
+            <a:schemeClr val="accent1"/>
+          </a:effectRef>
+          <a:fontRef idx="minor">
+            <a:schemeClr val="tx1"/>
+          </a:fontRef>
+        </p:style>
+      </p:cxnSp>
+      <p:sp>
+        <p:nvSpPr>
+          <p:cNvPr id="65" name="弦形 64">
+            <a:extLst>
+              <a:ext uri="{FF2B5EF4-FFF2-40B4-BE49-F238E27FC236}">
+                <a16:creationId xmlns:a16="http://schemas.microsoft.com/office/drawing/2014/main" id="{920A5A5C-BEAC-4148-80E8-8BD2C7893D51}"/>
+              </a:ext>
+            </a:extLst>
+          </p:cNvPr>
+          <p:cNvSpPr/>
+          <p:nvPr/>
+        </p:nvSpPr>
+        <p:spPr>
+          <a:xfrm>
+            <a:off x="6636807" y="841560"/>
+            <a:ext cx="1136370" cy="1106908"/>
+          </a:xfrm>
+          <a:prstGeom prst="chord">
+            <a:avLst>
+              <a:gd name="adj1" fmla="val 8275321"/>
+              <a:gd name="adj2" fmla="val 18957101"/>
+            </a:avLst>
+          </a:prstGeom>
+          <a:solidFill>
+            <a:schemeClr val="bg1">
+              <a:lumMod val="85000"/>
+            </a:schemeClr>
+          </a:solidFill>
+          <a:ln>
+            <a:solidFill>
+              <a:schemeClr val="bg1"/>
+            </a:solidFill>
+          </a:ln>
+        </p:spPr>
+        <p:style>
+          <a:lnRef idx="2">
+            <a:schemeClr val="accent1">
+              <a:shade val="50000"/>
+            </a:schemeClr>
+          </a:lnRef>
+          <a:fillRef idx="1">
+            <a:schemeClr val="accent1"/>
+          </a:fillRef>
+          <a:effectRef idx="0">
+            <a:schemeClr val="accent1"/>
+          </a:effectRef>
+          <a:fontRef idx="minor">
+            <a:schemeClr val="lt1"/>
+          </a:fontRef>
+        </p:style>
+        <p:txBody>
+          <a:bodyPr rtlCol="0" anchor="ctr"/>
+          <a:lstStyle/>
+          <a:p>
+            <a:pPr algn="ctr"/>
+            <a:endParaRPr lang="en-US">
+              <a:solidFill>
+                <a:schemeClr val="accent1"/>
+              </a:solidFill>
+            </a:endParaRPr>
+          </a:p>
+        </p:txBody>
+      </p:sp>
+      <p:sp>
+        <p:nvSpPr>
+          <p:cNvPr id="66" name="弦形 65">
+            <a:extLst>
+              <a:ext uri="{FF2B5EF4-FFF2-40B4-BE49-F238E27FC236}">
+                <a16:creationId xmlns:a16="http://schemas.microsoft.com/office/drawing/2014/main" id="{CC162486-EB7B-4D2A-AA87-C2F8FFBB3DFE}"/>
+              </a:ext>
+            </a:extLst>
+          </p:cNvPr>
+          <p:cNvSpPr/>
+          <p:nvPr/>
+        </p:nvSpPr>
+        <p:spPr>
+          <a:xfrm rot="5400000">
+            <a:off x="6965789" y="1074643"/>
+            <a:ext cx="478406" cy="609600"/>
+          </a:xfrm>
+          <a:prstGeom prst="chord">
+            <a:avLst>
+              <a:gd name="adj1" fmla="val 5171697"/>
+              <a:gd name="adj2" fmla="val 16362398"/>
+            </a:avLst>
+          </a:prstGeom>
+          <a:solidFill>
+            <a:schemeClr val="bg1">
+              <a:lumMod val="85000"/>
+            </a:schemeClr>
+          </a:solidFill>
+          <a:ln>
+            <a:solidFill>
+              <a:schemeClr val="bg1"/>
+            </a:solidFill>
+          </a:ln>
+        </p:spPr>
+        <p:style>
+          <a:lnRef idx="2">
+            <a:schemeClr val="accent1">
+              <a:shade val="50000"/>
+            </a:schemeClr>
+          </a:lnRef>
+          <a:fillRef idx="1">
+            <a:schemeClr val="accent1"/>
+          </a:fillRef>
+          <a:effectRef idx="0">
+            <a:schemeClr val="accent1"/>
+          </a:effectRef>
+          <a:fontRef idx="minor">
+            <a:schemeClr val="lt1"/>
+          </a:fontRef>
+        </p:style>
+        <p:txBody>
+          <a:bodyPr rtlCol="0" anchor="ctr"/>
+          <a:lstStyle/>
+          <a:p>
+            <a:pPr algn="ctr"/>
+            <a:endParaRPr lang="en-US" dirty="0"/>
+          </a:p>
+        </p:txBody>
+      </p:sp>
+      <p:sp>
+        <p:nvSpPr>
+          <p:cNvPr id="67" name="矩形 66">
+            <a:extLst>
+              <a:ext uri="{FF2B5EF4-FFF2-40B4-BE49-F238E27FC236}">
+                <a16:creationId xmlns:a16="http://schemas.microsoft.com/office/drawing/2014/main" id="{619D7B4B-4994-4C52-95DD-880973862395}"/>
+              </a:ext>
+            </a:extLst>
+          </p:cNvPr>
+          <p:cNvSpPr/>
+          <p:nvPr/>
+        </p:nvSpPr>
+        <p:spPr>
+          <a:xfrm>
+            <a:off x="6907781" y="1383583"/>
+            <a:ext cx="561159" cy="269813"/>
+          </a:xfrm>
+          <a:prstGeom prst="rect">
+            <a:avLst/>
+          </a:prstGeom>
+          <a:solidFill>
+            <a:schemeClr val="bg1">
+              <a:lumMod val="85000"/>
+            </a:schemeClr>
+          </a:solidFill>
+          <a:ln>
+            <a:noFill/>
+          </a:ln>
+        </p:spPr>
+        <p:style>
+          <a:lnRef idx="2">
+            <a:schemeClr val="accent1">
+              <a:shade val="50000"/>
+            </a:schemeClr>
+          </a:lnRef>
+          <a:fillRef idx="1">
+            <a:schemeClr val="accent1"/>
+          </a:fillRef>
+          <a:effectRef idx="0">
+            <a:schemeClr val="accent1"/>
+          </a:effectRef>
+          <a:fontRef idx="minor">
+            <a:schemeClr val="lt1"/>
+          </a:fontRef>
+        </p:style>
+        <p:txBody>
+          <a:bodyPr rtlCol="0" anchor="ctr"/>
+          <a:lstStyle/>
+          <a:p>
+            <a:pPr algn="ctr"/>
+            <a:endParaRPr lang="en-US" dirty="0"/>
+          </a:p>
+        </p:txBody>
+      </p:sp>
+      <p:sp>
+        <p:nvSpPr>
+          <p:cNvPr id="68" name="等腰三角形 67">
+            <a:extLst>
+              <a:ext uri="{FF2B5EF4-FFF2-40B4-BE49-F238E27FC236}">
+                <a16:creationId xmlns:a16="http://schemas.microsoft.com/office/drawing/2014/main" id="{5B834300-29B9-4E60-95EF-ED6ACA7E7C85}"/>
+              </a:ext>
+            </a:extLst>
+          </p:cNvPr>
+          <p:cNvSpPr/>
+          <p:nvPr/>
+        </p:nvSpPr>
+        <p:spPr>
+          <a:xfrm flipH="1" flipV="1">
+            <a:off x="6890703" y="1653045"/>
+            <a:ext cx="578237" cy="301814"/>
+          </a:xfrm>
+          <a:prstGeom prst="triangle">
+            <a:avLst>
+              <a:gd name="adj" fmla="val 0"/>
+            </a:avLst>
+          </a:prstGeom>
+          <a:solidFill>
+            <a:schemeClr val="bg1">
+              <a:lumMod val="85000"/>
+            </a:schemeClr>
+          </a:solidFill>
+          <a:ln>
+            <a:noFill/>
+          </a:ln>
+        </p:spPr>
+        <p:style>
+          <a:lnRef idx="2">
+            <a:schemeClr val="accent1">
+              <a:shade val="50000"/>
+            </a:schemeClr>
+          </a:lnRef>
+          <a:fillRef idx="1">
+            <a:schemeClr val="accent1"/>
+          </a:fillRef>
+          <a:effectRef idx="0">
+            <a:schemeClr val="accent1"/>
+          </a:effectRef>
+          <a:fontRef idx="minor">
+            <a:schemeClr val="lt1"/>
+          </a:fontRef>
+        </p:style>
+        <p:txBody>
+          <a:bodyPr rtlCol="0" anchor="ctr"/>
+          <a:lstStyle/>
+          <a:p>
+            <a:pPr algn="ctr"/>
+            <a:endParaRPr lang="en-US"/>
+          </a:p>
+        </p:txBody>
+      </p:sp>
+      <p:sp>
+        <p:nvSpPr>
+          <p:cNvPr id="69" name="矩形 68">
+            <a:extLst>
+              <a:ext uri="{FF2B5EF4-FFF2-40B4-BE49-F238E27FC236}">
+                <a16:creationId xmlns:a16="http://schemas.microsoft.com/office/drawing/2014/main" id="{4F8B454A-8BDF-49E0-BBCC-70E7895523CD}"/>
+              </a:ext>
+            </a:extLst>
+          </p:cNvPr>
+          <p:cNvSpPr/>
+          <p:nvPr/>
+        </p:nvSpPr>
+        <p:spPr>
+          <a:xfrm>
+            <a:off x="7341226" y="1389977"/>
+            <a:ext cx="127714" cy="484979"/>
+          </a:xfrm>
+          <a:prstGeom prst="rect">
+            <a:avLst/>
+          </a:prstGeom>
+          <a:solidFill>
+            <a:schemeClr val="tx1">
+              <a:lumMod val="65000"/>
+              <a:lumOff val="35000"/>
+            </a:schemeClr>
+          </a:solidFill>
+          <a:ln>
+            <a:noFill/>
+          </a:ln>
+        </p:spPr>
+        <p:style>
+          <a:lnRef idx="2">
+            <a:schemeClr val="accent1">
+              <a:shade val="50000"/>
+            </a:schemeClr>
+          </a:lnRef>
+          <a:fillRef idx="1">
+            <a:schemeClr val="accent1"/>
+          </a:fillRef>
+          <a:effectRef idx="0">
+            <a:schemeClr val="accent1"/>
+          </a:effectRef>
+          <a:fontRef idx="minor">
+            <a:schemeClr val="lt1"/>
+          </a:fontRef>
+        </p:style>
+        <p:txBody>
+          <a:bodyPr rtlCol="0" anchor="ctr"/>
+          <a:lstStyle/>
+          <a:p>
+            <a:pPr algn="ctr"/>
+            <a:endParaRPr lang="en-US"/>
+          </a:p>
+        </p:txBody>
+      </p:sp>
+      <p:sp>
+        <p:nvSpPr>
+          <p:cNvPr id="70" name="等腰三角形 69">
+            <a:extLst>
+              <a:ext uri="{FF2B5EF4-FFF2-40B4-BE49-F238E27FC236}">
+                <a16:creationId xmlns:a16="http://schemas.microsoft.com/office/drawing/2014/main" id="{3695C3AC-722F-449F-B787-6CBBEA6E39DD}"/>
+              </a:ext>
+            </a:extLst>
+          </p:cNvPr>
+          <p:cNvSpPr/>
+          <p:nvPr/>
+        </p:nvSpPr>
+        <p:spPr>
+          <a:xfrm flipV="1">
+            <a:off x="7139479" y="1389972"/>
+            <a:ext cx="329461" cy="137951"/>
+          </a:xfrm>
+          <a:prstGeom prst="triangle">
+            <a:avLst>
+              <a:gd name="adj" fmla="val 61694"/>
+            </a:avLst>
+          </a:prstGeom>
+          <a:solidFill>
+            <a:schemeClr val="tx1">
+              <a:lumMod val="65000"/>
+              <a:lumOff val="35000"/>
+            </a:schemeClr>
+          </a:solidFill>
+          <a:ln>
+            <a:noFill/>
+          </a:ln>
+        </p:spPr>
+        <p:style>
+          <a:lnRef idx="2">
+            <a:schemeClr val="accent1">
+              <a:shade val="50000"/>
+            </a:schemeClr>
+          </a:lnRef>
+          <a:fillRef idx="1">
+            <a:schemeClr val="accent1"/>
+          </a:fillRef>
+          <a:effectRef idx="0">
+            <a:schemeClr val="accent1"/>
+          </a:effectRef>
+          <a:fontRef idx="minor">
+            <a:schemeClr val="lt1"/>
+          </a:fontRef>
+        </p:style>
+        <p:txBody>
+          <a:bodyPr rtlCol="0" anchor="ctr"/>
+          <a:lstStyle/>
+          <a:p>
+            <a:pPr algn="ctr"/>
+            <a:endParaRPr lang="en-US" dirty="0"/>
+          </a:p>
+        </p:txBody>
+      </p:sp>
+      <p:sp>
+        <p:nvSpPr>
+          <p:cNvPr id="71" name="矩形 70">
+            <a:extLst>
+              <a:ext uri="{FF2B5EF4-FFF2-40B4-BE49-F238E27FC236}">
+                <a16:creationId xmlns:a16="http://schemas.microsoft.com/office/drawing/2014/main" id="{D4F8DF38-F7A4-456B-A454-78CC3456EF0C}"/>
+              </a:ext>
+            </a:extLst>
+          </p:cNvPr>
+          <p:cNvSpPr/>
+          <p:nvPr/>
+        </p:nvSpPr>
+        <p:spPr>
+          <a:xfrm>
+            <a:off x="6350741" y="1411244"/>
+            <a:ext cx="549036" cy="576995"/>
+          </a:xfrm>
+          <a:prstGeom prst="rect">
+            <a:avLst/>
+          </a:prstGeom>
+          <a:solidFill>
+            <a:schemeClr val="bg1"/>
+          </a:solidFill>
+          <a:ln>
+            <a:solidFill>
+              <a:schemeClr val="bg1"/>
+            </a:solidFill>
+          </a:ln>
+        </p:spPr>
+        <p:style>
+          <a:lnRef idx="2">
+            <a:schemeClr val="accent1">
+              <a:shade val="50000"/>
+            </a:schemeClr>
+          </a:lnRef>
+          <a:fillRef idx="1">
+            <a:schemeClr val="accent1"/>
+          </a:fillRef>
+          <a:effectRef idx="0">
+            <a:schemeClr val="accent1"/>
+          </a:effectRef>
+          <a:fontRef idx="minor">
+            <a:schemeClr val="lt1"/>
+          </a:fontRef>
+        </p:style>
+        <p:txBody>
+          <a:bodyPr rtlCol="0" anchor="ctr"/>
+          <a:lstStyle/>
+          <a:p>
+            <a:pPr algn="ctr"/>
+            <a:endParaRPr lang="en-US" dirty="0"/>
+          </a:p>
+        </p:txBody>
+      </p:sp>
+      <p:sp>
+        <p:nvSpPr>
+          <p:cNvPr id="72" name="弧形 71">
+            <a:extLst>
+              <a:ext uri="{FF2B5EF4-FFF2-40B4-BE49-F238E27FC236}">
+                <a16:creationId xmlns:a16="http://schemas.microsoft.com/office/drawing/2014/main" id="{2D9D53E4-8B7A-43E1-B9CB-427946D00411}"/>
+              </a:ext>
+            </a:extLst>
+          </p:cNvPr>
+          <p:cNvSpPr/>
+          <p:nvPr/>
+        </p:nvSpPr>
+        <p:spPr>
+          <a:xfrm rot="16200000">
+            <a:off x="6826723" y="1019668"/>
+            <a:ext cx="849531" cy="898386"/>
+          </a:xfrm>
+          <a:prstGeom prst="arc">
+            <a:avLst>
+              <a:gd name="adj1" fmla="val 17354715"/>
+              <a:gd name="adj2" fmla="val 1650107"/>
+            </a:avLst>
+          </a:prstGeom>
+          <a:ln w="25400">
+            <a:solidFill>
+              <a:schemeClr val="tx1">
+                <a:lumMod val="65000"/>
+                <a:lumOff val="35000"/>
+              </a:schemeClr>
+            </a:solidFill>
+          </a:ln>
+        </p:spPr>
+        <p:style>
+          <a:lnRef idx="1">
+            <a:schemeClr val="accent1"/>
+          </a:lnRef>
+          <a:fillRef idx="0">
+            <a:schemeClr val="accent1"/>
+          </a:fillRef>
+          <a:effectRef idx="0">
+            <a:schemeClr val="accent1"/>
+          </a:effectRef>
+          <a:fontRef idx="minor">
+            <a:schemeClr val="tx1"/>
+          </a:fontRef>
+        </p:style>
+        <p:txBody>
+          <a:bodyPr rtlCol="0" anchor="ctr"/>
+          <a:lstStyle/>
+          <a:p>
+            <a:pPr algn="ctr"/>
+            <a:endParaRPr lang="en-US">
+              <a:ln>
+                <a:solidFill>
+                  <a:sysClr val="windowText" lastClr="000000"/>
+                </a:solidFill>
+              </a:ln>
+            </a:endParaRPr>
+          </a:p>
+        </p:txBody>
+      </p:sp>
+      <p:sp>
+        <p:nvSpPr>
+          <p:cNvPr id="73" name="Oval 26">
+            <a:extLst>
+              <a:ext uri="{FF2B5EF4-FFF2-40B4-BE49-F238E27FC236}">
+                <a16:creationId xmlns:a16="http://schemas.microsoft.com/office/drawing/2014/main" id="{3AE27EFB-2DFA-40C8-AF73-7747E84ED79C}"/>
+              </a:ext>
+            </a:extLst>
+          </p:cNvPr>
+          <p:cNvSpPr/>
+          <p:nvPr/>
+        </p:nvSpPr>
+        <p:spPr>
+          <a:xfrm>
+            <a:off x="6822138" y="1178690"/>
+            <a:ext cx="101600" cy="101600"/>
+          </a:xfrm>
+          <a:prstGeom prst="ellipse">
+            <a:avLst/>
+          </a:prstGeom>
+          <a:solidFill>
+            <a:schemeClr val="accent6">
+              <a:lumMod val="75000"/>
+            </a:schemeClr>
+          </a:solidFill>
+          <a:ln>
+            <a:noFill/>
+          </a:ln>
+        </p:spPr>
+        <p:style>
+          <a:lnRef idx="2">
+            <a:schemeClr val="accent1">
+              <a:shade val="50000"/>
+            </a:schemeClr>
+          </a:lnRef>
+          <a:fillRef idx="1">
+            <a:schemeClr val="accent1"/>
+          </a:fillRef>
+          <a:effectRef idx="0">
+            <a:schemeClr val="accent1"/>
+          </a:effectRef>
+          <a:fontRef idx="minor">
+            <a:schemeClr val="lt1"/>
+          </a:fontRef>
+        </p:style>
+        <p:txBody>
+          <a:bodyPr rtlCol="0" anchor="ctr"/>
+          <a:lstStyle/>
+          <a:p>
+            <a:pPr algn="ctr"/>
+            <a:endParaRPr lang="en-US">
+              <a:solidFill>
+                <a:srgbClr val="ED7D31"/>
+              </a:solidFill>
+            </a:endParaRPr>
+          </a:p>
+        </p:txBody>
+      </p:sp>
+      <p:sp>
+        <p:nvSpPr>
+          <p:cNvPr id="74" name="Oval 35">
+            <a:extLst>
+              <a:ext uri="{FF2B5EF4-FFF2-40B4-BE49-F238E27FC236}">
+                <a16:creationId xmlns:a16="http://schemas.microsoft.com/office/drawing/2014/main" id="{3531E5D5-0DEF-4850-846E-F92322CB539E}"/>
+              </a:ext>
+            </a:extLst>
+          </p:cNvPr>
+          <p:cNvSpPr/>
+          <p:nvPr/>
+        </p:nvSpPr>
+        <p:spPr>
+          <a:xfrm>
+            <a:off x="7271008" y="998869"/>
+            <a:ext cx="101600" cy="101600"/>
+          </a:xfrm>
+          <a:prstGeom prst="ellipse">
+            <a:avLst/>
+          </a:prstGeom>
+          <a:solidFill>
+            <a:srgbClr val="FF0000"/>
+          </a:solidFill>
+          <a:ln>
+            <a:noFill/>
+          </a:ln>
+        </p:spPr>
+        <p:style>
+          <a:lnRef idx="2">
+            <a:schemeClr val="accent1">
+              <a:shade val="50000"/>
+            </a:schemeClr>
+          </a:lnRef>
+          <a:fillRef idx="1">
+            <a:schemeClr val="accent1"/>
+          </a:fillRef>
+          <a:effectRef idx="0">
+            <a:schemeClr val="accent1"/>
+          </a:effectRef>
+          <a:fontRef idx="minor">
+            <a:schemeClr val="lt1"/>
+          </a:fontRef>
+        </p:style>
+        <p:txBody>
+          <a:bodyPr rtlCol="0" anchor="ctr"/>
+          <a:lstStyle/>
+          <a:p>
+            <a:pPr algn="ctr"/>
+            <a:endParaRPr lang="en-US">
+              <a:solidFill>
+                <a:srgbClr val="FFFF00"/>
+              </a:solidFill>
+            </a:endParaRPr>
+          </a:p>
+        </p:txBody>
+      </p:sp>
+      <p:sp>
+        <p:nvSpPr>
+          <p:cNvPr id="75" name="Oval 36">
+            <a:extLst>
+              <a:ext uri="{FF2B5EF4-FFF2-40B4-BE49-F238E27FC236}">
+                <a16:creationId xmlns:a16="http://schemas.microsoft.com/office/drawing/2014/main" id="{4AAD188A-8E6D-4FA3-BBC7-0F86D1D50E56}"/>
+              </a:ext>
+            </a:extLst>
+          </p:cNvPr>
+          <p:cNvSpPr/>
+          <p:nvPr/>
+        </p:nvSpPr>
+        <p:spPr>
+          <a:xfrm>
+            <a:off x="7106874" y="1002236"/>
+            <a:ext cx="101600" cy="101600"/>
+          </a:xfrm>
+          <a:prstGeom prst="ellipse">
+            <a:avLst/>
+          </a:prstGeom>
+          <a:solidFill>
+            <a:schemeClr val="accent1"/>
+          </a:solidFill>
+          <a:ln>
+            <a:noFill/>
+          </a:ln>
+        </p:spPr>
+        <p:style>
+          <a:lnRef idx="2">
+            <a:schemeClr val="accent1">
+              <a:shade val="50000"/>
+            </a:schemeClr>
+          </a:lnRef>
+          <a:fillRef idx="1">
+            <a:schemeClr val="accent1"/>
+          </a:fillRef>
+          <a:effectRef idx="0">
+            <a:schemeClr val="accent1"/>
+          </a:effectRef>
+          <a:fontRef idx="minor">
+            <a:schemeClr val="lt1"/>
+          </a:fontRef>
+        </p:style>
+        <p:txBody>
+          <a:bodyPr rtlCol="0" anchor="ctr"/>
+          <a:lstStyle/>
+          <a:p>
+            <a:pPr algn="ctr"/>
+            <a:endParaRPr lang="en-US"/>
+          </a:p>
+        </p:txBody>
+      </p:sp>
+      <p:sp>
+        <p:nvSpPr>
+          <p:cNvPr id="76" name="Oval 39">
+            <a:extLst>
+              <a:ext uri="{FF2B5EF4-FFF2-40B4-BE49-F238E27FC236}">
+                <a16:creationId xmlns:a16="http://schemas.microsoft.com/office/drawing/2014/main" id="{B05E0F2F-5E23-4867-8C46-A34DBB870B5F}"/>
+              </a:ext>
+            </a:extLst>
+          </p:cNvPr>
+          <p:cNvSpPr/>
+          <p:nvPr/>
+        </p:nvSpPr>
+        <p:spPr>
+          <a:xfrm>
+            <a:off x="6936929" y="1060486"/>
+            <a:ext cx="101600" cy="101600"/>
+          </a:xfrm>
+          <a:prstGeom prst="ellipse">
+            <a:avLst/>
+          </a:prstGeom>
+          <a:solidFill>
+            <a:srgbClr val="FF9900"/>
+          </a:solidFill>
+          <a:ln>
+            <a:noFill/>
+          </a:ln>
+        </p:spPr>
+        <p:style>
+          <a:lnRef idx="2">
+            <a:schemeClr val="accent1">
+              <a:shade val="50000"/>
+            </a:schemeClr>
+          </a:lnRef>
+          <a:fillRef idx="1">
+            <a:schemeClr val="accent1"/>
+          </a:fillRef>
+          <a:effectRef idx="0">
+            <a:schemeClr val="accent1"/>
+          </a:effectRef>
+          <a:fontRef idx="minor">
+            <a:schemeClr val="lt1"/>
+          </a:fontRef>
+        </p:style>
+        <p:txBody>
+          <a:bodyPr rtlCol="0" anchor="ctr"/>
+          <a:lstStyle/>
+          <a:p>
+            <a:pPr algn="ctr"/>
+            <a:endParaRPr lang="en-US"/>
+          </a:p>
+        </p:txBody>
+      </p:sp>
+      <p:sp>
+        <p:nvSpPr>
+          <p:cNvPr id="77" name="Oval 52">
+            <a:extLst>
+              <a:ext uri="{FF2B5EF4-FFF2-40B4-BE49-F238E27FC236}">
+                <a16:creationId xmlns:a16="http://schemas.microsoft.com/office/drawing/2014/main" id="{10498660-BC8A-4FDF-8802-040266E356DE}"/>
+              </a:ext>
+            </a:extLst>
+          </p:cNvPr>
+          <p:cNvSpPr/>
+          <p:nvPr/>
+        </p:nvSpPr>
+        <p:spPr>
+          <a:xfrm>
+            <a:off x="7271008" y="1393585"/>
+            <a:ext cx="101600" cy="101600"/>
+          </a:xfrm>
+          <a:prstGeom prst="ellipse">
+            <a:avLst/>
+          </a:prstGeom>
+          <a:solidFill>
+            <a:schemeClr val="bg1"/>
+          </a:solidFill>
+          <a:ln>
+            <a:noFill/>
+          </a:ln>
+        </p:spPr>
+        <p:style>
+          <a:lnRef idx="2">
+            <a:schemeClr val="accent1">
+              <a:shade val="50000"/>
+            </a:schemeClr>
+          </a:lnRef>
+          <a:fillRef idx="1">
+            <a:schemeClr val="accent1"/>
+          </a:fillRef>
+          <a:effectRef idx="0">
+            <a:schemeClr val="accent1"/>
+          </a:effectRef>
+          <a:fontRef idx="minor">
+            <a:schemeClr val="lt1"/>
+          </a:fontRef>
+        </p:style>
+        <p:txBody>
+          <a:bodyPr rtlCol="0" anchor="ctr"/>
+          <a:lstStyle/>
+          <a:p>
+            <a:pPr algn="ctr"/>
+            <a:endParaRPr lang="en-US"/>
+          </a:p>
+        </p:txBody>
+      </p:sp>
+      <p:cxnSp>
+        <p:nvCxnSpPr>
+          <p:cNvPr id="78" name="Straight Arrow Connector 32">
+            <a:extLst>
+              <a:ext uri="{FF2B5EF4-FFF2-40B4-BE49-F238E27FC236}">
+                <a16:creationId xmlns:a16="http://schemas.microsoft.com/office/drawing/2014/main" id="{21504F2F-4D0D-4B0A-9CBE-4CCB894FDFDD}"/>
+              </a:ext>
+            </a:extLst>
+          </p:cNvPr>
+          <p:cNvCxnSpPr>
+            <a:cxnSpLocks/>
+            <a:stCxn id="74" idx="4"/>
+            <a:endCxn id="77" idx="0"/>
+          </p:cNvCxnSpPr>
+          <p:nvPr/>
+        </p:nvCxnSpPr>
+        <p:spPr>
+          <a:xfrm>
+            <a:off x="7321808" y="1100469"/>
+            <a:ext cx="0" cy="293116"/>
+          </a:xfrm>
+          <a:prstGeom prst="straightConnector1">
+            <a:avLst/>
+          </a:prstGeom>
+          <a:ln w="28575">
+            <a:solidFill>
+              <a:schemeClr val="tx1">
+                <a:lumMod val="65000"/>
+                <a:lumOff val="35000"/>
+              </a:schemeClr>
+            </a:solidFill>
+            <a:prstDash val="sysDot"/>
+            <a:tailEnd type="triangle"/>
+          </a:ln>
+        </p:spPr>
+        <p:style>
+          <a:lnRef idx="1">
+            <a:schemeClr val="accent1"/>
+          </a:lnRef>
+          <a:fillRef idx="0">
+            <a:schemeClr val="accent1"/>
+          </a:fillRef>
+          <a:effectRef idx="0">
+            <a:schemeClr val="accent1"/>
+          </a:effectRef>
+          <a:fontRef idx="minor">
+            <a:schemeClr val="tx1"/>
+          </a:fontRef>
+        </p:style>
+      </p:cxnSp>
+      <p:sp>
+        <p:nvSpPr>
+          <p:cNvPr id="79" name="等腰三角形 78">
+            <a:extLst>
+              <a:ext uri="{FF2B5EF4-FFF2-40B4-BE49-F238E27FC236}">
+                <a16:creationId xmlns:a16="http://schemas.microsoft.com/office/drawing/2014/main" id="{EFC160B8-60B2-4630-B458-F64DFA9D9BB6}"/>
+              </a:ext>
+            </a:extLst>
+          </p:cNvPr>
+          <p:cNvSpPr/>
+          <p:nvPr/>
+        </p:nvSpPr>
+        <p:spPr>
+          <a:xfrm rot="5400000">
+            <a:off x="7342914" y="1731152"/>
+            <a:ext cx="215700" cy="219075"/>
+          </a:xfrm>
+          <a:prstGeom prst="triangle">
+            <a:avLst>
+              <a:gd name="adj" fmla="val 18189"/>
+            </a:avLst>
+          </a:prstGeom>
+          <a:solidFill>
+            <a:schemeClr val="bg1"/>
+          </a:solidFill>
+          <a:ln>
+            <a:noFill/>
+          </a:ln>
+        </p:spPr>
+        <p:style>
+          <a:lnRef idx="2">
+            <a:schemeClr val="accent1">
+              <a:shade val="50000"/>
+            </a:schemeClr>
+          </a:lnRef>
+          <a:fillRef idx="1">
+            <a:schemeClr val="accent1"/>
+          </a:fillRef>
+          <a:effectRef idx="0">
+            <a:schemeClr val="accent1"/>
+          </a:effectRef>
+          <a:fontRef idx="minor">
+            <a:schemeClr val="lt1"/>
+          </a:fontRef>
+        </p:style>
+        <p:txBody>
+          <a:bodyPr rtlCol="0" anchor="ctr"/>
+          <a:lstStyle/>
+          <a:p>
+            <a:pPr algn="ctr"/>
+            <a:endParaRPr lang="en-US"/>
+          </a:p>
+        </p:txBody>
+      </p:sp>
+      <p:sp>
+        <p:nvSpPr>
+          <p:cNvPr id="80" name="矩形 79">
+            <a:extLst>
+              <a:ext uri="{FF2B5EF4-FFF2-40B4-BE49-F238E27FC236}">
+                <a16:creationId xmlns:a16="http://schemas.microsoft.com/office/drawing/2014/main" id="{AC69A0FA-59CA-414D-BB70-9E4A1893CFA3}"/>
+              </a:ext>
+            </a:extLst>
+          </p:cNvPr>
+          <p:cNvSpPr/>
+          <p:nvPr/>
+        </p:nvSpPr>
+        <p:spPr>
+          <a:xfrm>
+            <a:off x="7376045" y="1824136"/>
+            <a:ext cx="272515" cy="144723"/>
+          </a:xfrm>
+          <a:prstGeom prst="rect">
+            <a:avLst/>
+          </a:prstGeom>
+          <a:solidFill>
+            <a:schemeClr val="bg1"/>
+          </a:solidFill>
+          <a:ln>
+            <a:noFill/>
+          </a:ln>
+        </p:spPr>
+        <p:style>
+          <a:lnRef idx="2">
+            <a:schemeClr val="accent1">
+              <a:shade val="50000"/>
+            </a:schemeClr>
+          </a:lnRef>
+          <a:fillRef idx="1">
+            <a:schemeClr val="accent1"/>
+          </a:fillRef>
+          <a:effectRef idx="0">
+            <a:schemeClr val="accent1"/>
+          </a:effectRef>
+          <a:fontRef idx="minor">
+            <a:schemeClr val="lt1"/>
+          </a:fontRef>
+        </p:style>
+        <p:txBody>
+          <a:bodyPr rtlCol="0" anchor="ctr"/>
+          <a:lstStyle/>
+          <a:p>
+            <a:pPr algn="ctr"/>
+            <a:endParaRPr lang="en-US"/>
+          </a:p>
+        </p:txBody>
+      </p:sp>
+      <p:sp>
+        <p:nvSpPr>
+          <p:cNvPr id="81" name="Rectangle 55">
+            <a:extLst>
+              <a:ext uri="{FF2B5EF4-FFF2-40B4-BE49-F238E27FC236}">
+                <a16:creationId xmlns:a16="http://schemas.microsoft.com/office/drawing/2014/main" id="{36078DCF-F2B1-4679-9218-FDF288AF5623}"/>
+              </a:ext>
+            </a:extLst>
+          </p:cNvPr>
+          <p:cNvSpPr/>
+          <p:nvPr/>
+        </p:nvSpPr>
+        <p:spPr>
+          <a:xfrm>
+            <a:off x="7311743" y="1322059"/>
+            <a:ext cx="234360" cy="246221"/>
+          </a:xfrm>
+          <a:prstGeom prst="rect">
+            <a:avLst/>
+          </a:prstGeom>
+        </p:spPr>
+        <p:txBody>
+          <a:bodyPr wrap="none">
+            <a:spAutoFit/>
+          </a:bodyPr>
+          <a:lstStyle/>
+          <a:p>
+            <a:r>
+              <a:rPr lang="en-US" altLang="zh-CN" sz="1000" b="1" dirty="0">
+                <a:solidFill>
+                  <a:schemeClr val="bg1"/>
+                </a:solidFill>
+                <a:latin typeface="Times New Roman" panose="02020603050405020304" pitchFamily="18" charset="0"/>
+                <a:cs typeface="Times New Roman" panose="02020603050405020304" pitchFamily="18" charset="0"/>
+              </a:rPr>
+              <a:t>I</a:t>
+            </a:r>
+            <a:endParaRPr lang="en-US" sz="1000" b="1" dirty="0">
+              <a:solidFill>
+                <a:schemeClr val="bg1"/>
+              </a:solidFill>
+              <a:latin typeface="Times New Roman" panose="02020603050405020304" pitchFamily="18" charset="0"/>
+              <a:cs typeface="Times New Roman" panose="02020603050405020304" pitchFamily="18" charset="0"/>
+            </a:endParaRPr>
+          </a:p>
+        </p:txBody>
+      </p:sp>
+      <p:sp>
+        <p:nvSpPr>
+          <p:cNvPr id="82" name="Rectangle 55">
+            <a:extLst>
+              <a:ext uri="{FF2B5EF4-FFF2-40B4-BE49-F238E27FC236}">
+                <a16:creationId xmlns:a16="http://schemas.microsoft.com/office/drawing/2014/main" id="{071C13E9-CA38-4C97-9DC9-58DD9F489ABE}"/>
+              </a:ext>
+            </a:extLst>
+          </p:cNvPr>
+          <p:cNvSpPr/>
+          <p:nvPr/>
+        </p:nvSpPr>
+        <p:spPr>
+          <a:xfrm>
+            <a:off x="7188475" y="807752"/>
+            <a:ext cx="277640" cy="246221"/>
+          </a:xfrm>
+          <a:prstGeom prst="rect">
+            <a:avLst/>
+          </a:prstGeom>
+        </p:spPr>
+        <p:txBody>
+          <a:bodyPr wrap="none">
+            <a:spAutoFit/>
+          </a:bodyPr>
+          <a:lstStyle/>
+          <a:p>
+            <a:r>
+              <a:rPr lang="en-US" altLang="zh-CN" sz="1000" b="1" dirty="0">
+                <a:solidFill>
+                  <a:srgbClr val="FF0000"/>
+                </a:solidFill>
+                <a:latin typeface="Times New Roman" panose="02020603050405020304" pitchFamily="18" charset="0"/>
+                <a:cs typeface="Times New Roman" panose="02020603050405020304" pitchFamily="18" charset="0"/>
+              </a:rPr>
+              <a:t>A</a:t>
+            </a:r>
+            <a:endParaRPr lang="en-US" sz="1000" b="1" dirty="0">
+              <a:solidFill>
+                <a:srgbClr val="FF0000"/>
+              </a:solidFill>
+              <a:latin typeface="Times New Roman" panose="02020603050405020304" pitchFamily="18" charset="0"/>
+              <a:cs typeface="Times New Roman" panose="02020603050405020304" pitchFamily="18" charset="0"/>
+            </a:endParaRPr>
+          </a:p>
+        </p:txBody>
+      </p:sp>
+      <p:sp>
+        <p:nvSpPr>
+          <p:cNvPr id="83" name="Rectangle 55">
+            <a:extLst>
+              <a:ext uri="{FF2B5EF4-FFF2-40B4-BE49-F238E27FC236}">
+                <a16:creationId xmlns:a16="http://schemas.microsoft.com/office/drawing/2014/main" id="{098ED430-823F-416F-955C-11E2F1CFF912}"/>
+              </a:ext>
+            </a:extLst>
+          </p:cNvPr>
+          <p:cNvSpPr/>
+          <p:nvPr/>
+        </p:nvSpPr>
+        <p:spPr>
+          <a:xfrm>
+            <a:off x="6988581" y="817867"/>
+            <a:ext cx="284052" cy="246221"/>
+          </a:xfrm>
+          <a:prstGeom prst="rect">
+            <a:avLst/>
+          </a:prstGeom>
+        </p:spPr>
+        <p:txBody>
+          <a:bodyPr wrap="none">
+            <a:spAutoFit/>
+          </a:bodyPr>
+          <a:lstStyle/>
+          <a:p>
+            <a:r>
+              <a:rPr lang="en-US" sz="1000" b="1" dirty="0">
+                <a:solidFill>
+                  <a:schemeClr val="accent1"/>
+                </a:solidFill>
+                <a:latin typeface="Times New Roman" panose="02020603050405020304" pitchFamily="18" charset="0"/>
+                <a:cs typeface="Times New Roman" panose="02020603050405020304" pitchFamily="18" charset="0"/>
+              </a:rPr>
+              <a:t>G</a:t>
+            </a:r>
+          </a:p>
+        </p:txBody>
+      </p:sp>
+      <p:sp>
+        <p:nvSpPr>
+          <p:cNvPr id="84" name="Rectangle 55">
+            <a:extLst>
+              <a:ext uri="{FF2B5EF4-FFF2-40B4-BE49-F238E27FC236}">
+                <a16:creationId xmlns:a16="http://schemas.microsoft.com/office/drawing/2014/main" id="{CBBFA49D-4BBA-46B8-B6BA-F022CD717898}"/>
+              </a:ext>
+            </a:extLst>
+          </p:cNvPr>
+          <p:cNvSpPr/>
+          <p:nvPr/>
+        </p:nvSpPr>
+        <p:spPr>
+          <a:xfrm>
+            <a:off x="6791192" y="894343"/>
+            <a:ext cx="277640" cy="246221"/>
+          </a:xfrm>
+          <a:prstGeom prst="rect">
+            <a:avLst/>
+          </a:prstGeom>
+        </p:spPr>
+        <p:txBody>
+          <a:bodyPr wrap="none">
+            <a:spAutoFit/>
+          </a:bodyPr>
+          <a:lstStyle/>
+          <a:p>
+            <a:r>
+              <a:rPr lang="en-US" sz="1000" b="1" dirty="0">
+                <a:solidFill>
+                  <a:srgbClr val="FF9900"/>
+                </a:solidFill>
+                <a:latin typeface="Times New Roman" panose="02020603050405020304" pitchFamily="18" charset="0"/>
+                <a:cs typeface="Times New Roman" panose="02020603050405020304" pitchFamily="18" charset="0"/>
+              </a:rPr>
+              <a:t>C</a:t>
+            </a:r>
+          </a:p>
+        </p:txBody>
+      </p:sp>
+      <p:sp>
+        <p:nvSpPr>
+          <p:cNvPr id="85" name="Rectangle 55">
+            <a:extLst>
+              <a:ext uri="{FF2B5EF4-FFF2-40B4-BE49-F238E27FC236}">
+                <a16:creationId xmlns:a16="http://schemas.microsoft.com/office/drawing/2014/main" id="{312AE699-781F-480B-9482-481360736BCF}"/>
+              </a:ext>
+            </a:extLst>
+          </p:cNvPr>
+          <p:cNvSpPr/>
+          <p:nvPr/>
+        </p:nvSpPr>
+        <p:spPr>
+          <a:xfrm>
+            <a:off x="6643090" y="1037637"/>
+            <a:ext cx="277640" cy="246221"/>
+          </a:xfrm>
+          <a:prstGeom prst="rect">
+            <a:avLst/>
+          </a:prstGeom>
+        </p:spPr>
+        <p:txBody>
+          <a:bodyPr wrap="none">
+            <a:spAutoFit/>
+          </a:bodyPr>
+          <a:lstStyle/>
+          <a:p>
+            <a:r>
+              <a:rPr lang="en-US" sz="1000" b="1" dirty="0">
+                <a:solidFill>
+                  <a:schemeClr val="accent6">
+                    <a:lumMod val="75000"/>
+                  </a:schemeClr>
+                </a:solidFill>
+                <a:latin typeface="Times New Roman" panose="02020603050405020304" pitchFamily="18" charset="0"/>
+                <a:cs typeface="Times New Roman" panose="02020603050405020304" pitchFamily="18" charset="0"/>
+              </a:rPr>
+              <a:t>U</a:t>
+            </a:r>
+          </a:p>
+        </p:txBody>
+      </p:sp>
+      <p:cxnSp>
+        <p:nvCxnSpPr>
+          <p:cNvPr id="86" name="直接连接符 85">
+            <a:extLst>
+              <a:ext uri="{FF2B5EF4-FFF2-40B4-BE49-F238E27FC236}">
+                <a16:creationId xmlns:a16="http://schemas.microsoft.com/office/drawing/2014/main" id="{10C75FB7-D7F3-4736-BAC4-15FCC9C488E8}"/>
+              </a:ext>
+            </a:extLst>
+          </p:cNvPr>
+          <p:cNvCxnSpPr/>
+          <p:nvPr/>
+        </p:nvCxnSpPr>
+        <p:spPr>
+          <a:xfrm>
+            <a:off x="7394611" y="1630480"/>
+            <a:ext cx="102332" cy="0"/>
+          </a:xfrm>
+          <a:prstGeom prst="line">
+            <a:avLst/>
+          </a:prstGeom>
+          <a:ln w="25400">
+            <a:solidFill>
+              <a:schemeClr val="bg1"/>
+            </a:solidFill>
+          </a:ln>
+        </p:spPr>
+        <p:style>
+          <a:lnRef idx="1">
+            <a:schemeClr val="accent1"/>
+          </a:lnRef>
+          <a:fillRef idx="0">
+            <a:schemeClr val="accent1"/>
+          </a:fillRef>
+          <a:effectRef idx="0">
+            <a:schemeClr val="accent1"/>
+          </a:effectRef>
+          <a:fontRef idx="minor">
+            <a:schemeClr val="tx1"/>
+          </a:fontRef>
+        </p:style>
+      </p:cxnSp>
+      <p:sp>
+        <p:nvSpPr>
+          <p:cNvPr id="88" name="椭圆 87">
+            <a:extLst>
+              <a:ext uri="{FF2B5EF4-FFF2-40B4-BE49-F238E27FC236}">
+                <a16:creationId xmlns:a16="http://schemas.microsoft.com/office/drawing/2014/main" id="{B3955CCD-7D31-4027-86CF-18F34B87289C}"/>
+              </a:ext>
+            </a:extLst>
+          </p:cNvPr>
+          <p:cNvSpPr/>
+          <p:nvPr/>
+        </p:nvSpPr>
+        <p:spPr>
+          <a:xfrm>
+            <a:off x="6033706" y="384923"/>
+            <a:ext cx="2286000" cy="2286000"/>
+          </a:xfrm>
+          <a:prstGeom prst="ellipse">
+            <a:avLst/>
+          </a:prstGeom>
+          <a:solidFill>
+            <a:schemeClr val="tx1">
+              <a:lumMod val="95000"/>
+              <a:lumOff val="5000"/>
+              <a:alpha val="10000"/>
+            </a:schemeClr>
+          </a:solidFill>
+          <a:ln>
+            <a:noFill/>
+          </a:ln>
+        </p:spPr>
+        <p:style>
+          <a:lnRef idx="2">
+            <a:schemeClr val="accent1">
+              <a:shade val="50000"/>
+            </a:schemeClr>
+          </a:lnRef>
+          <a:fillRef idx="1">
+            <a:schemeClr val="accent1"/>
+          </a:fillRef>
+          <a:effectRef idx="0">
+            <a:schemeClr val="accent1"/>
+          </a:effectRef>
+          <a:fontRef idx="minor">
+            <a:schemeClr val="lt1"/>
+          </a:fontRef>
+        </p:style>
+        <p:txBody>
+          <a:bodyPr rtlCol="0" anchor="ctr"/>
+          <a:lstStyle/>
+          <a:p>
+            <a:pPr algn="ctr"/>
+            <a:endParaRPr lang="en-US"/>
+          </a:p>
+        </p:txBody>
+      </p:sp>
+      <p:sp>
+        <p:nvSpPr>
+          <p:cNvPr id="90" name="文本框 89">
+            <a:extLst>
+              <a:ext uri="{FF2B5EF4-FFF2-40B4-BE49-F238E27FC236}">
+                <a16:creationId xmlns:a16="http://schemas.microsoft.com/office/drawing/2014/main" id="{762BFC7F-A588-47E5-A3E5-5994D57D4FC8}"/>
+              </a:ext>
+            </a:extLst>
+          </p:cNvPr>
+          <p:cNvSpPr txBox="1"/>
+          <p:nvPr/>
+        </p:nvSpPr>
+        <p:spPr>
+          <a:xfrm>
+            <a:off x="6556629" y="1889049"/>
+            <a:ext cx="1279517" cy="584775"/>
+          </a:xfrm>
+          <a:prstGeom prst="rect">
+            <a:avLst/>
+          </a:prstGeom>
+          <a:noFill/>
+          <a:effectLst/>
+        </p:spPr>
+        <p:txBody>
+          <a:bodyPr wrap="none" rtlCol="0">
+            <a:spAutoFit/>
+          </a:bodyPr>
+          <a:lstStyle/>
+          <a:p>
+            <a:r>
+              <a:rPr lang="en-US" sz="3200" b="1" dirty="0">
+                <a:solidFill>
+                  <a:schemeClr val="tx1">
+                    <a:lumMod val="65000"/>
+                    <a:lumOff val="35000"/>
+                  </a:schemeClr>
+                </a:solidFill>
+                <a:latin typeface="Times New Roman" panose="02020603050405020304" pitchFamily="18" charset="0"/>
+                <a:cs typeface="Times New Roman" panose="02020603050405020304" pitchFamily="18" charset="0"/>
+              </a:rPr>
+              <a:t>ARES</a:t>
+            </a:r>
+          </a:p>
+        </p:txBody>
+      </p:sp>
+    </p:spTree>
+    <p:extLst>
+      <p:ext uri="{BB962C8B-B14F-4D97-AF65-F5344CB8AC3E}">
+        <p14:creationId xmlns:p14="http://schemas.microsoft.com/office/powerpoint/2010/main" val="2923663928"/>
+      </p:ext>
+    </p:extLst>
+  </p:cSld>
+  <p:clrMapOvr>
+    <a:masterClrMapping/>
+  </p:clrMapOvr>
+</p:sld>
+</file>
+
+<file path=ppt/slides/slide3.xml><?xml version="1.0" encoding="utf-8"?>
+<p:sld xmlns:a="http://schemas.openxmlformats.org/drawingml/2006/main" xmlns:r="http://schemas.openxmlformats.org/officeDocument/2006/relationships" xmlns:p="http://schemas.openxmlformats.org/presentationml/2006/main">
+  <p:cSld>
+    <p:spTree>
+      <p:nvGrpSpPr>
+        <p:cNvPr id="1" name=""/>
+        <p:cNvGrpSpPr/>
+        <p:nvPr/>
+      </p:nvGrpSpPr>
+      <p:grpSpPr>
+        <a:xfrm>
+          <a:off x="0" y="0"/>
+          <a:ext cx="0" cy="0"/>
+          <a:chOff x="0" y="0"/>
+          <a:chExt cx="0" cy="0"/>
+        </a:xfrm>
+      </p:grpSpPr>
+      <p:sp>
+        <p:nvSpPr>
+          <p:cNvPr id="4" name="弦形 3">
+            <a:extLst>
+              <a:ext uri="{FF2B5EF4-FFF2-40B4-BE49-F238E27FC236}">
+                <a16:creationId xmlns:a16="http://schemas.microsoft.com/office/drawing/2014/main" id="{43E27805-5173-4D27-845F-071CE8836F66}"/>
+              </a:ext>
+            </a:extLst>
+          </p:cNvPr>
+          <p:cNvSpPr/>
+          <p:nvPr/>
+        </p:nvSpPr>
+        <p:spPr>
+          <a:xfrm>
+            <a:off x="2661219" y="1225026"/>
+            <a:ext cx="1661722" cy="1666240"/>
+          </a:xfrm>
+          <a:prstGeom prst="chord">
+            <a:avLst>
+              <a:gd name="adj1" fmla="val 8275321"/>
+              <a:gd name="adj2" fmla="val 18995435"/>
+            </a:avLst>
+          </a:prstGeom>
+          <a:solidFill>
+            <a:schemeClr val="tx1">
+              <a:lumMod val="65000"/>
+              <a:lumOff val="35000"/>
+            </a:schemeClr>
+          </a:solidFill>
+          <a:ln>
+            <a:noFill/>
+          </a:ln>
+        </p:spPr>
+        <p:style>
+          <a:lnRef idx="2">
+            <a:schemeClr val="accent1">
+              <a:shade val="50000"/>
+            </a:schemeClr>
+          </a:lnRef>
+          <a:fillRef idx="1">
+            <a:schemeClr val="accent1"/>
+          </a:fillRef>
+          <a:effectRef idx="0">
+            <a:schemeClr val="accent1"/>
+          </a:effectRef>
+          <a:fontRef idx="minor">
+            <a:schemeClr val="lt1"/>
+          </a:fontRef>
+        </p:style>
+        <p:txBody>
+          <a:bodyPr rtlCol="0" anchor="ctr"/>
+          <a:lstStyle/>
+          <a:p>
+            <a:pPr algn="ctr"/>
+            <a:endParaRPr lang="en-US" dirty="0">
+              <a:solidFill>
+                <a:schemeClr val="bg2">
+                  <a:lumMod val="50000"/>
+                </a:schemeClr>
+              </a:solidFill>
+            </a:endParaRPr>
+          </a:p>
+        </p:txBody>
+      </p:sp>
+      <p:cxnSp>
+        <p:nvCxnSpPr>
+          <p:cNvPr id="5" name="直接连接符 4">
+            <a:extLst>
+              <a:ext uri="{FF2B5EF4-FFF2-40B4-BE49-F238E27FC236}">
+                <a16:creationId xmlns:a16="http://schemas.microsoft.com/office/drawing/2014/main" id="{45AF4415-2E47-4179-AC50-4B68B643D9AB}"/>
+              </a:ext>
+            </a:extLst>
+          </p:cNvPr>
+          <p:cNvCxnSpPr>
+            <a:cxnSpLocks/>
+            <a:endCxn id="24" idx="2"/>
+          </p:cNvCxnSpPr>
+          <p:nvPr/>
+        </p:nvCxnSpPr>
+        <p:spPr>
+          <a:xfrm>
+            <a:off x="2707169" y="1761190"/>
+            <a:ext cx="808155" cy="284502"/>
+          </a:xfrm>
+          <a:prstGeom prst="line">
+            <a:avLst/>
+          </a:prstGeom>
+          <a:ln>
+            <a:solidFill>
+              <a:schemeClr val="bg1"/>
+            </a:solidFill>
+          </a:ln>
+        </p:spPr>
+        <p:style>
+          <a:lnRef idx="1">
+            <a:schemeClr val="accent1"/>
+          </a:lnRef>
+          <a:fillRef idx="0">
+            <a:schemeClr val="accent1"/>
+          </a:fillRef>
+          <a:effectRef idx="0">
+            <a:schemeClr val="accent1"/>
+          </a:effectRef>
+          <a:fontRef idx="minor">
+            <a:schemeClr val="tx1"/>
+          </a:fontRef>
+        </p:style>
+      </p:cxnSp>
+      <p:cxnSp>
+        <p:nvCxnSpPr>
+          <p:cNvPr id="6" name="直接连接符 5">
+            <a:extLst>
+              <a:ext uri="{FF2B5EF4-FFF2-40B4-BE49-F238E27FC236}">
+                <a16:creationId xmlns:a16="http://schemas.microsoft.com/office/drawing/2014/main" id="{5432C324-6713-403D-A1CC-5C646A4CF8E2}"/>
+              </a:ext>
+            </a:extLst>
+          </p:cNvPr>
+          <p:cNvCxnSpPr>
+            <a:cxnSpLocks/>
+            <a:endCxn id="24" idx="2"/>
+          </p:cNvCxnSpPr>
+          <p:nvPr/>
+        </p:nvCxnSpPr>
+        <p:spPr>
+          <a:xfrm>
+            <a:off x="2695094" y="1816846"/>
+            <a:ext cx="820230" cy="228846"/>
+          </a:xfrm>
+          <a:prstGeom prst="line">
+            <a:avLst/>
+          </a:prstGeom>
+          <a:ln>
+            <a:solidFill>
+              <a:schemeClr val="bg1"/>
+            </a:solidFill>
+          </a:ln>
+        </p:spPr>
+        <p:style>
+          <a:lnRef idx="1">
+            <a:schemeClr val="accent1"/>
+          </a:lnRef>
+          <a:fillRef idx="0">
+            <a:schemeClr val="accent1"/>
+          </a:fillRef>
+          <a:effectRef idx="0">
+            <a:schemeClr val="accent1"/>
+          </a:effectRef>
+          <a:fontRef idx="minor">
+            <a:schemeClr val="tx1"/>
+          </a:fontRef>
+        </p:style>
+      </p:cxnSp>
+      <p:cxnSp>
+        <p:nvCxnSpPr>
+          <p:cNvPr id="7" name="直接连接符 6">
+            <a:extLst>
+              <a:ext uri="{FF2B5EF4-FFF2-40B4-BE49-F238E27FC236}">
+                <a16:creationId xmlns:a16="http://schemas.microsoft.com/office/drawing/2014/main" id="{A5899A82-8994-466B-83A3-89AF10BE074C}"/>
+              </a:ext>
+            </a:extLst>
+          </p:cNvPr>
+          <p:cNvCxnSpPr>
+            <a:cxnSpLocks/>
+            <a:endCxn id="24" idx="2"/>
+          </p:cNvCxnSpPr>
+          <p:nvPr/>
+        </p:nvCxnSpPr>
+        <p:spPr>
+          <a:xfrm>
+            <a:off x="2720201" y="1689462"/>
+            <a:ext cx="795123" cy="356230"/>
+          </a:xfrm>
+          <a:prstGeom prst="line">
+            <a:avLst/>
+          </a:prstGeom>
+          <a:ln>
+            <a:solidFill>
+              <a:schemeClr val="bg1"/>
+            </a:solidFill>
+          </a:ln>
+        </p:spPr>
+        <p:style>
+          <a:lnRef idx="1">
+            <a:schemeClr val="accent1"/>
+          </a:lnRef>
+          <a:fillRef idx="0">
+            <a:schemeClr val="accent1"/>
+          </a:fillRef>
+          <a:effectRef idx="0">
+            <a:schemeClr val="accent1"/>
+          </a:effectRef>
+          <a:fontRef idx="minor">
+            <a:schemeClr val="tx1"/>
+          </a:fontRef>
+        </p:style>
+      </p:cxnSp>
+      <p:cxnSp>
+        <p:nvCxnSpPr>
+          <p:cNvPr id="8" name="直接连接符 7">
+            <a:extLst>
+              <a:ext uri="{FF2B5EF4-FFF2-40B4-BE49-F238E27FC236}">
+                <a16:creationId xmlns:a16="http://schemas.microsoft.com/office/drawing/2014/main" id="{A3429C86-AC98-44A7-9C99-4AC9004237DB}"/>
+              </a:ext>
+            </a:extLst>
+          </p:cNvPr>
+          <p:cNvCxnSpPr>
+            <a:cxnSpLocks/>
+            <a:endCxn id="24" idx="2"/>
+          </p:cNvCxnSpPr>
+          <p:nvPr/>
+        </p:nvCxnSpPr>
+        <p:spPr>
+          <a:xfrm>
+            <a:off x="2777351" y="1622636"/>
+            <a:ext cx="737973" cy="423056"/>
+          </a:xfrm>
+          <a:prstGeom prst="line">
+            <a:avLst/>
+          </a:prstGeom>
+          <a:ln>
+            <a:solidFill>
+              <a:schemeClr val="bg1"/>
+            </a:solidFill>
+          </a:ln>
+        </p:spPr>
+        <p:style>
+          <a:lnRef idx="1">
+            <a:schemeClr val="accent1"/>
+          </a:lnRef>
+          <a:fillRef idx="0">
+            <a:schemeClr val="accent1"/>
+          </a:fillRef>
+          <a:effectRef idx="0">
+            <a:schemeClr val="accent1"/>
+          </a:effectRef>
+          <a:fontRef idx="minor">
+            <a:schemeClr val="tx1"/>
+          </a:fontRef>
+        </p:style>
+      </p:cxnSp>
+      <p:cxnSp>
+        <p:nvCxnSpPr>
+          <p:cNvPr id="9" name="直接连接符 8">
+            <a:extLst>
+              <a:ext uri="{FF2B5EF4-FFF2-40B4-BE49-F238E27FC236}">
+                <a16:creationId xmlns:a16="http://schemas.microsoft.com/office/drawing/2014/main" id="{15412BC3-9CF2-4044-B8A6-47590E9EC74B}"/>
+              </a:ext>
+            </a:extLst>
+          </p:cNvPr>
+          <p:cNvCxnSpPr>
+            <a:cxnSpLocks/>
+            <a:endCxn id="24" idx="2"/>
+          </p:cNvCxnSpPr>
+          <p:nvPr/>
+        </p:nvCxnSpPr>
+        <p:spPr>
+          <a:xfrm>
+            <a:off x="2819261" y="1544714"/>
+            <a:ext cx="696063" cy="500978"/>
+          </a:xfrm>
+          <a:prstGeom prst="line">
+            <a:avLst/>
+          </a:prstGeom>
+          <a:ln>
+            <a:solidFill>
+              <a:schemeClr val="bg1"/>
+            </a:solidFill>
+          </a:ln>
+        </p:spPr>
+        <p:style>
+          <a:lnRef idx="1">
+            <a:schemeClr val="accent1"/>
+          </a:lnRef>
+          <a:fillRef idx="0">
+            <a:schemeClr val="accent1"/>
+          </a:fillRef>
+          <a:effectRef idx="0">
+            <a:schemeClr val="accent1"/>
+          </a:effectRef>
+          <a:fontRef idx="minor">
+            <a:schemeClr val="tx1"/>
+          </a:fontRef>
+        </p:style>
+      </p:cxnSp>
+      <p:cxnSp>
+        <p:nvCxnSpPr>
+          <p:cNvPr id="10" name="直接连接符 9">
+            <a:extLst>
+              <a:ext uri="{FF2B5EF4-FFF2-40B4-BE49-F238E27FC236}">
+                <a16:creationId xmlns:a16="http://schemas.microsoft.com/office/drawing/2014/main" id="{90573CEC-5ED1-4BA1-B7E3-F85DCCB37765}"/>
+              </a:ext>
+            </a:extLst>
+          </p:cNvPr>
+          <p:cNvCxnSpPr>
+            <a:cxnSpLocks/>
+            <a:endCxn id="24" idx="2"/>
+          </p:cNvCxnSpPr>
+          <p:nvPr/>
+        </p:nvCxnSpPr>
+        <p:spPr>
+          <a:xfrm>
+            <a:off x="2882892" y="1462510"/>
+            <a:ext cx="632432" cy="583182"/>
+          </a:xfrm>
+          <a:prstGeom prst="line">
+            <a:avLst/>
+          </a:prstGeom>
+          <a:ln>
+            <a:solidFill>
+              <a:schemeClr val="bg1"/>
+            </a:solidFill>
+          </a:ln>
+        </p:spPr>
+        <p:style>
+          <a:lnRef idx="1">
+            <a:schemeClr val="accent1"/>
+          </a:lnRef>
+          <a:fillRef idx="0">
+            <a:schemeClr val="accent1"/>
+          </a:fillRef>
+          <a:effectRef idx="0">
+            <a:schemeClr val="accent1"/>
+          </a:effectRef>
+          <a:fontRef idx="minor">
+            <a:schemeClr val="tx1"/>
+          </a:fontRef>
+        </p:style>
+      </p:cxnSp>
+      <p:cxnSp>
+        <p:nvCxnSpPr>
+          <p:cNvPr id="11" name="直接连接符 10">
+            <a:extLst>
+              <a:ext uri="{FF2B5EF4-FFF2-40B4-BE49-F238E27FC236}">
+                <a16:creationId xmlns:a16="http://schemas.microsoft.com/office/drawing/2014/main" id="{19D4CFFE-1426-4267-AFF6-7035F598F6BF}"/>
+              </a:ext>
+            </a:extLst>
+          </p:cNvPr>
+          <p:cNvCxnSpPr>
+            <a:cxnSpLocks/>
+            <a:endCxn id="25" idx="0"/>
+          </p:cNvCxnSpPr>
+          <p:nvPr/>
+        </p:nvCxnSpPr>
+        <p:spPr>
+          <a:xfrm>
+            <a:off x="2954458" y="1392098"/>
+            <a:ext cx="543966" cy="640443"/>
+          </a:xfrm>
+          <a:prstGeom prst="line">
+            <a:avLst/>
+          </a:prstGeom>
+          <a:ln>
+            <a:solidFill>
+              <a:schemeClr val="bg1"/>
+            </a:solidFill>
+          </a:ln>
+        </p:spPr>
+        <p:style>
+          <a:lnRef idx="1">
+            <a:schemeClr val="accent1"/>
+          </a:lnRef>
+          <a:fillRef idx="0">
+            <a:schemeClr val="accent1"/>
+          </a:fillRef>
+          <a:effectRef idx="0">
+            <a:schemeClr val="accent1"/>
+          </a:effectRef>
+          <a:fontRef idx="minor">
+            <a:schemeClr val="tx1"/>
+          </a:fontRef>
+        </p:style>
+      </p:cxnSp>
+      <p:cxnSp>
+        <p:nvCxnSpPr>
+          <p:cNvPr id="12" name="直接连接符 11">
+            <a:extLst>
+              <a:ext uri="{FF2B5EF4-FFF2-40B4-BE49-F238E27FC236}">
+                <a16:creationId xmlns:a16="http://schemas.microsoft.com/office/drawing/2014/main" id="{D67E4357-BE26-4190-9B48-9D1373D8B7CA}"/>
+              </a:ext>
+            </a:extLst>
+          </p:cNvPr>
+          <p:cNvCxnSpPr>
+            <a:cxnSpLocks/>
+            <a:endCxn id="24" idx="2"/>
+          </p:cNvCxnSpPr>
+          <p:nvPr/>
+        </p:nvCxnSpPr>
+        <p:spPr>
+          <a:xfrm>
+            <a:off x="3057440" y="1343311"/>
+            <a:ext cx="457884" cy="702381"/>
+          </a:xfrm>
+          <a:prstGeom prst="line">
+            <a:avLst/>
+          </a:prstGeom>
+          <a:ln>
+            <a:solidFill>
+              <a:schemeClr val="bg1"/>
+            </a:solidFill>
+          </a:ln>
+        </p:spPr>
+        <p:style>
+          <a:lnRef idx="1">
+            <a:schemeClr val="accent1"/>
+          </a:lnRef>
+          <a:fillRef idx="0">
+            <a:schemeClr val="accent1"/>
+          </a:fillRef>
+          <a:effectRef idx="0">
+            <a:schemeClr val="accent1"/>
+          </a:effectRef>
+          <a:fontRef idx="minor">
+            <a:schemeClr val="tx1"/>
+          </a:fontRef>
+        </p:style>
+      </p:cxnSp>
+      <p:cxnSp>
+        <p:nvCxnSpPr>
+          <p:cNvPr id="13" name="直接连接符 12">
+            <a:extLst>
+              <a:ext uri="{FF2B5EF4-FFF2-40B4-BE49-F238E27FC236}">
+                <a16:creationId xmlns:a16="http://schemas.microsoft.com/office/drawing/2014/main" id="{7BCE995B-808B-4913-A4F5-A360BCB04805}"/>
+              </a:ext>
+            </a:extLst>
+          </p:cNvPr>
+          <p:cNvCxnSpPr>
+            <a:cxnSpLocks/>
+            <a:endCxn id="25" idx="0"/>
+          </p:cNvCxnSpPr>
+          <p:nvPr/>
+        </p:nvCxnSpPr>
+        <p:spPr>
+          <a:xfrm>
+            <a:off x="3167292" y="1288328"/>
+            <a:ext cx="331132" cy="744213"/>
+          </a:xfrm>
+          <a:prstGeom prst="line">
+            <a:avLst/>
+          </a:prstGeom>
+          <a:ln>
+            <a:solidFill>
+              <a:schemeClr val="bg1"/>
+            </a:solidFill>
+          </a:ln>
+        </p:spPr>
+        <p:style>
+          <a:lnRef idx="1">
+            <a:schemeClr val="accent1"/>
+          </a:lnRef>
+          <a:fillRef idx="0">
+            <a:schemeClr val="accent1"/>
+          </a:fillRef>
+          <a:effectRef idx="0">
+            <a:schemeClr val="accent1"/>
+          </a:effectRef>
+          <a:fontRef idx="minor">
+            <a:schemeClr val="tx1"/>
+          </a:fontRef>
+        </p:style>
+      </p:cxnSp>
+      <p:cxnSp>
+        <p:nvCxnSpPr>
+          <p:cNvPr id="14" name="直接连接符 13">
+            <a:extLst>
+              <a:ext uri="{FF2B5EF4-FFF2-40B4-BE49-F238E27FC236}">
+                <a16:creationId xmlns:a16="http://schemas.microsoft.com/office/drawing/2014/main" id="{99DE8F8C-29A8-4E65-A1B0-FE602CE361A8}"/>
+              </a:ext>
+            </a:extLst>
+          </p:cNvPr>
+          <p:cNvCxnSpPr>
+            <a:cxnSpLocks/>
+            <a:endCxn id="24" idx="2"/>
+          </p:cNvCxnSpPr>
+          <p:nvPr/>
+        </p:nvCxnSpPr>
+        <p:spPr>
+          <a:xfrm>
+            <a:off x="3312822" y="1233156"/>
+            <a:ext cx="202502" cy="812536"/>
+          </a:xfrm>
+          <a:prstGeom prst="line">
+            <a:avLst/>
+          </a:prstGeom>
+          <a:ln>
+            <a:solidFill>
+              <a:schemeClr val="bg1"/>
+            </a:solidFill>
+          </a:ln>
+        </p:spPr>
+        <p:style>
+          <a:lnRef idx="1">
+            <a:schemeClr val="accent1"/>
+          </a:lnRef>
+          <a:fillRef idx="0">
+            <a:schemeClr val="accent1"/>
+          </a:fillRef>
+          <a:effectRef idx="0">
+            <a:schemeClr val="accent1"/>
+          </a:effectRef>
+          <a:fontRef idx="minor">
+            <a:schemeClr val="tx1"/>
+          </a:fontRef>
+        </p:style>
+      </p:cxnSp>
+      <p:cxnSp>
+        <p:nvCxnSpPr>
+          <p:cNvPr id="15" name="直接连接符 14">
+            <a:extLst>
+              <a:ext uri="{FF2B5EF4-FFF2-40B4-BE49-F238E27FC236}">
+                <a16:creationId xmlns:a16="http://schemas.microsoft.com/office/drawing/2014/main" id="{75FDCEBC-474F-4EE6-BC6F-2F6F6A139A92}"/>
+              </a:ext>
+            </a:extLst>
+          </p:cNvPr>
+          <p:cNvCxnSpPr>
+            <a:cxnSpLocks/>
+            <a:endCxn id="25" idx="0"/>
+          </p:cNvCxnSpPr>
+          <p:nvPr/>
+        </p:nvCxnSpPr>
+        <p:spPr>
+          <a:xfrm>
+            <a:off x="3473225" y="1211026"/>
+            <a:ext cx="25199" cy="821515"/>
+          </a:xfrm>
+          <a:prstGeom prst="line">
+            <a:avLst/>
+          </a:prstGeom>
+          <a:ln>
+            <a:solidFill>
+              <a:schemeClr val="bg1"/>
+            </a:solidFill>
+          </a:ln>
+        </p:spPr>
+        <p:style>
+          <a:lnRef idx="1">
+            <a:schemeClr val="accent1"/>
+          </a:lnRef>
+          <a:fillRef idx="0">
+            <a:schemeClr val="accent1"/>
+          </a:fillRef>
+          <a:effectRef idx="0">
+            <a:schemeClr val="accent1"/>
+          </a:effectRef>
+          <a:fontRef idx="minor">
+            <a:schemeClr val="tx1"/>
+          </a:fontRef>
+        </p:style>
+      </p:cxnSp>
+      <p:cxnSp>
+        <p:nvCxnSpPr>
+          <p:cNvPr id="16" name="直接连接符 15">
+            <a:extLst>
+              <a:ext uri="{FF2B5EF4-FFF2-40B4-BE49-F238E27FC236}">
+                <a16:creationId xmlns:a16="http://schemas.microsoft.com/office/drawing/2014/main" id="{341924ED-C18D-41E0-ABDD-F455D948193F}"/>
+              </a:ext>
+            </a:extLst>
+          </p:cNvPr>
+          <p:cNvCxnSpPr>
+            <a:cxnSpLocks/>
+            <a:endCxn id="24" idx="2"/>
+          </p:cNvCxnSpPr>
+          <p:nvPr/>
+        </p:nvCxnSpPr>
+        <p:spPr>
+          <a:xfrm flipH="1">
+            <a:off x="3515324" y="1225026"/>
+            <a:ext cx="116132" cy="820666"/>
+          </a:xfrm>
+          <a:prstGeom prst="line">
+            <a:avLst/>
+          </a:prstGeom>
+          <a:ln>
+            <a:solidFill>
+              <a:schemeClr val="bg1"/>
+            </a:solidFill>
+          </a:ln>
+        </p:spPr>
+        <p:style>
+          <a:lnRef idx="1">
+            <a:schemeClr val="accent1"/>
+          </a:lnRef>
+          <a:fillRef idx="0">
+            <a:schemeClr val="accent1"/>
+          </a:fillRef>
+          <a:effectRef idx="0">
+            <a:schemeClr val="accent1"/>
+          </a:effectRef>
+          <a:fontRef idx="minor">
+            <a:schemeClr val="tx1"/>
+          </a:fontRef>
+        </p:style>
+      </p:cxnSp>
+      <p:cxnSp>
+        <p:nvCxnSpPr>
+          <p:cNvPr id="17" name="直接连接符 16">
+            <a:extLst>
+              <a:ext uri="{FF2B5EF4-FFF2-40B4-BE49-F238E27FC236}">
+                <a16:creationId xmlns:a16="http://schemas.microsoft.com/office/drawing/2014/main" id="{9B22C1F7-CECE-4B91-B069-89583D4267FA}"/>
+              </a:ext>
+            </a:extLst>
+          </p:cNvPr>
+          <p:cNvCxnSpPr>
+            <a:cxnSpLocks/>
+            <a:endCxn id="25" idx="0"/>
+          </p:cNvCxnSpPr>
+          <p:nvPr/>
+        </p:nvCxnSpPr>
+        <p:spPr>
+          <a:xfrm flipH="1">
+            <a:off x="3498424" y="1273960"/>
+            <a:ext cx="304578" cy="758581"/>
+          </a:xfrm>
+          <a:prstGeom prst="line">
+            <a:avLst/>
+          </a:prstGeom>
+          <a:ln>
+            <a:solidFill>
+              <a:schemeClr val="bg1"/>
+            </a:solidFill>
+          </a:ln>
+        </p:spPr>
+        <p:style>
+          <a:lnRef idx="1">
+            <a:schemeClr val="accent1"/>
+          </a:lnRef>
+          <a:fillRef idx="0">
+            <a:schemeClr val="accent1"/>
+          </a:fillRef>
+          <a:effectRef idx="0">
+            <a:schemeClr val="accent1"/>
+          </a:effectRef>
+          <a:fontRef idx="minor">
+            <a:schemeClr val="tx1"/>
+          </a:fontRef>
+        </p:style>
+      </p:cxnSp>
+      <p:cxnSp>
+        <p:nvCxnSpPr>
+          <p:cNvPr id="18" name="直接连接符 17">
+            <a:extLst>
+              <a:ext uri="{FF2B5EF4-FFF2-40B4-BE49-F238E27FC236}">
+                <a16:creationId xmlns:a16="http://schemas.microsoft.com/office/drawing/2014/main" id="{281B3EF4-530F-497E-911B-47A96923FF90}"/>
+              </a:ext>
+            </a:extLst>
+          </p:cNvPr>
+          <p:cNvCxnSpPr>
+            <a:cxnSpLocks/>
+            <a:endCxn id="25" idx="0"/>
+          </p:cNvCxnSpPr>
+          <p:nvPr/>
+        </p:nvCxnSpPr>
+        <p:spPr>
+          <a:xfrm flipH="1">
+            <a:off x="3498424" y="1352419"/>
+            <a:ext cx="474098" cy="680122"/>
+          </a:xfrm>
+          <a:prstGeom prst="line">
+            <a:avLst/>
+          </a:prstGeom>
+          <a:ln>
+            <a:solidFill>
+              <a:schemeClr val="bg1"/>
+            </a:solidFill>
+          </a:ln>
+        </p:spPr>
+        <p:style>
+          <a:lnRef idx="1">
+            <a:schemeClr val="accent1"/>
+          </a:lnRef>
+          <a:fillRef idx="0">
+            <a:schemeClr val="accent1"/>
+          </a:fillRef>
+          <a:effectRef idx="0">
+            <a:schemeClr val="accent1"/>
+          </a:effectRef>
+          <a:fontRef idx="minor">
+            <a:schemeClr val="tx1"/>
+          </a:fontRef>
+        </p:style>
+      </p:cxnSp>
+      <p:cxnSp>
+        <p:nvCxnSpPr>
+          <p:cNvPr id="19" name="直接连接符 18">
+            <a:extLst>
+              <a:ext uri="{FF2B5EF4-FFF2-40B4-BE49-F238E27FC236}">
+                <a16:creationId xmlns:a16="http://schemas.microsoft.com/office/drawing/2014/main" id="{46F1D3CA-6195-45F7-8B3C-ADCE5FAA5FD3}"/>
+              </a:ext>
+            </a:extLst>
+          </p:cNvPr>
+          <p:cNvCxnSpPr>
+            <a:cxnSpLocks/>
+            <a:endCxn id="25" idx="0"/>
+          </p:cNvCxnSpPr>
+          <p:nvPr/>
+        </p:nvCxnSpPr>
+        <p:spPr>
+          <a:xfrm>
+            <a:off x="2660804" y="2008456"/>
+            <a:ext cx="837620" cy="24085"/>
+          </a:xfrm>
+          <a:prstGeom prst="line">
+            <a:avLst/>
+          </a:prstGeom>
+          <a:ln>
+            <a:solidFill>
+              <a:schemeClr val="bg1"/>
+            </a:solidFill>
+          </a:ln>
+        </p:spPr>
+        <p:style>
+          <a:lnRef idx="1">
+            <a:schemeClr val="accent1"/>
+          </a:lnRef>
+          <a:fillRef idx="0">
+            <a:schemeClr val="accent1"/>
+          </a:fillRef>
+          <a:effectRef idx="0">
+            <a:schemeClr val="accent1"/>
+          </a:effectRef>
+          <a:fontRef idx="minor">
+            <a:schemeClr val="tx1"/>
+          </a:fontRef>
+        </p:style>
+      </p:cxnSp>
+      <p:cxnSp>
+        <p:nvCxnSpPr>
+          <p:cNvPr id="20" name="直接连接符 19">
+            <a:extLst>
+              <a:ext uri="{FF2B5EF4-FFF2-40B4-BE49-F238E27FC236}">
+                <a16:creationId xmlns:a16="http://schemas.microsoft.com/office/drawing/2014/main" id="{D69819FB-CB8F-4ECB-95E2-E17C7FCFA64B}"/>
+              </a:ext>
+            </a:extLst>
+          </p:cNvPr>
+          <p:cNvCxnSpPr>
+            <a:cxnSpLocks/>
+            <a:endCxn id="24" idx="2"/>
+          </p:cNvCxnSpPr>
+          <p:nvPr/>
+        </p:nvCxnSpPr>
+        <p:spPr>
+          <a:xfrm>
+            <a:off x="2660804" y="1919716"/>
+            <a:ext cx="854520" cy="125976"/>
+          </a:xfrm>
+          <a:prstGeom prst="line">
+            <a:avLst/>
+          </a:prstGeom>
+          <a:ln>
+            <a:solidFill>
+              <a:schemeClr val="bg1"/>
+            </a:solidFill>
+          </a:ln>
+        </p:spPr>
+        <p:style>
+          <a:lnRef idx="1">
+            <a:schemeClr val="accent1"/>
+          </a:lnRef>
+          <a:fillRef idx="0">
+            <a:schemeClr val="accent1"/>
+          </a:fillRef>
+          <a:effectRef idx="0">
+            <a:schemeClr val="accent1"/>
+          </a:effectRef>
+          <a:fontRef idx="minor">
+            <a:schemeClr val="tx1"/>
+          </a:fontRef>
+        </p:style>
+      </p:cxnSp>
+      <p:cxnSp>
+        <p:nvCxnSpPr>
+          <p:cNvPr id="21" name="直接连接符 20">
+            <a:extLst>
+              <a:ext uri="{FF2B5EF4-FFF2-40B4-BE49-F238E27FC236}">
+                <a16:creationId xmlns:a16="http://schemas.microsoft.com/office/drawing/2014/main" id="{FD07C737-91F7-4D02-A433-ADB49AA8FC7B}"/>
+              </a:ext>
+            </a:extLst>
+          </p:cNvPr>
+          <p:cNvCxnSpPr>
+            <a:cxnSpLocks/>
+            <a:endCxn id="24" idx="2"/>
+          </p:cNvCxnSpPr>
+          <p:nvPr/>
+        </p:nvCxnSpPr>
+        <p:spPr>
+          <a:xfrm>
+            <a:off x="2660804" y="1870186"/>
+            <a:ext cx="854520" cy="175506"/>
+          </a:xfrm>
+          <a:prstGeom prst="line">
+            <a:avLst/>
+          </a:prstGeom>
+          <a:ln>
+            <a:solidFill>
+              <a:schemeClr val="bg1"/>
+            </a:solidFill>
+          </a:ln>
+        </p:spPr>
+        <p:style>
+          <a:lnRef idx="1">
+            <a:schemeClr val="accent1"/>
+          </a:lnRef>
+          <a:fillRef idx="0">
+            <a:schemeClr val="accent1"/>
+          </a:fillRef>
+          <a:effectRef idx="0">
+            <a:schemeClr val="accent1"/>
+          </a:effectRef>
+          <a:fontRef idx="minor">
+            <a:schemeClr val="tx1"/>
+          </a:fontRef>
+        </p:style>
+      </p:cxnSp>
+      <p:cxnSp>
+        <p:nvCxnSpPr>
+          <p:cNvPr id="22" name="直接连接符 21">
+            <a:extLst>
+              <a:ext uri="{FF2B5EF4-FFF2-40B4-BE49-F238E27FC236}">
+                <a16:creationId xmlns:a16="http://schemas.microsoft.com/office/drawing/2014/main" id="{8700BF33-7EED-4723-9D2C-F11809F28AD5}"/>
+              </a:ext>
+            </a:extLst>
+          </p:cNvPr>
+          <p:cNvCxnSpPr>
+            <a:cxnSpLocks/>
+          </p:cNvCxnSpPr>
+          <p:nvPr/>
+        </p:nvCxnSpPr>
+        <p:spPr>
+          <a:xfrm>
+            <a:off x="2661247" y="1966115"/>
+            <a:ext cx="880346" cy="72821"/>
+          </a:xfrm>
+          <a:prstGeom prst="line">
+            <a:avLst/>
+          </a:prstGeom>
+          <a:ln>
+            <a:solidFill>
+              <a:schemeClr val="bg1"/>
+            </a:solidFill>
+          </a:ln>
+        </p:spPr>
+        <p:style>
+          <a:lnRef idx="1">
+            <a:schemeClr val="accent1"/>
+          </a:lnRef>
+          <a:fillRef idx="0">
+            <a:schemeClr val="accent1"/>
+          </a:fillRef>
+          <a:effectRef idx="0">
+            <a:schemeClr val="accent1"/>
+          </a:effectRef>
+          <a:fontRef idx="minor">
+            <a:schemeClr val="tx1"/>
+          </a:fontRef>
+        </p:style>
+      </p:cxnSp>
+      <p:sp>
+        <p:nvSpPr>
+          <p:cNvPr id="23" name="弦形 22">
+            <a:extLst>
+              <a:ext uri="{FF2B5EF4-FFF2-40B4-BE49-F238E27FC236}">
+                <a16:creationId xmlns:a16="http://schemas.microsoft.com/office/drawing/2014/main" id="{6124E9C9-B63E-4B2A-872A-967EEC940652}"/>
+              </a:ext>
+            </a:extLst>
+          </p:cNvPr>
+          <p:cNvSpPr/>
+          <p:nvPr/>
+        </p:nvSpPr>
+        <p:spPr>
+          <a:xfrm>
+            <a:off x="2946870" y="1490518"/>
+            <a:ext cx="1136370" cy="1106908"/>
+          </a:xfrm>
+          <a:prstGeom prst="chord">
+            <a:avLst>
+              <a:gd name="adj1" fmla="val 8275321"/>
+              <a:gd name="adj2" fmla="val 18957101"/>
+            </a:avLst>
+          </a:prstGeom>
+          <a:solidFill>
+            <a:schemeClr val="bg1">
+              <a:lumMod val="75000"/>
+            </a:schemeClr>
+          </a:solidFill>
+          <a:ln>
+            <a:solidFill>
+              <a:schemeClr val="bg1"/>
+            </a:solidFill>
+          </a:ln>
+        </p:spPr>
+        <p:style>
+          <a:lnRef idx="2">
+            <a:schemeClr val="accent1">
+              <a:shade val="50000"/>
+            </a:schemeClr>
+          </a:lnRef>
+          <a:fillRef idx="1">
+            <a:schemeClr val="accent1"/>
+          </a:fillRef>
+          <a:effectRef idx="0">
+            <a:schemeClr val="accent1"/>
+          </a:effectRef>
+          <a:fontRef idx="minor">
+            <a:schemeClr val="lt1"/>
+          </a:fontRef>
+        </p:style>
+        <p:txBody>
+          <a:bodyPr rtlCol="0" anchor="ctr"/>
+          <a:lstStyle/>
+          <a:p>
+            <a:pPr algn="ctr"/>
+            <a:endParaRPr lang="en-US">
+              <a:solidFill>
+                <a:schemeClr val="accent1"/>
+              </a:solidFill>
+            </a:endParaRPr>
+          </a:p>
+        </p:txBody>
+      </p:sp>
+      <p:sp>
+        <p:nvSpPr>
+          <p:cNvPr id="24" name="弦形 23">
+            <a:extLst>
+              <a:ext uri="{FF2B5EF4-FFF2-40B4-BE49-F238E27FC236}">
+                <a16:creationId xmlns:a16="http://schemas.microsoft.com/office/drawing/2014/main" id="{A9D6F074-F40B-4265-A1F0-3B50FA108D48}"/>
+              </a:ext>
+            </a:extLst>
+          </p:cNvPr>
+          <p:cNvSpPr/>
+          <p:nvPr/>
+        </p:nvSpPr>
+        <p:spPr>
+          <a:xfrm rot="5400000">
+            <a:off x="3275852" y="1723601"/>
+            <a:ext cx="478406" cy="609600"/>
+          </a:xfrm>
+          <a:prstGeom prst="chord">
+            <a:avLst>
+              <a:gd name="adj1" fmla="val 5171697"/>
+              <a:gd name="adj2" fmla="val 16362398"/>
+            </a:avLst>
+          </a:prstGeom>
+          <a:solidFill>
+            <a:schemeClr val="bg1">
+              <a:lumMod val="75000"/>
+            </a:schemeClr>
+          </a:solidFill>
+          <a:ln>
+            <a:solidFill>
+              <a:schemeClr val="bg1"/>
+            </a:solidFill>
+          </a:ln>
+        </p:spPr>
+        <p:style>
+          <a:lnRef idx="2">
+            <a:schemeClr val="accent1">
+              <a:shade val="50000"/>
+            </a:schemeClr>
+          </a:lnRef>
+          <a:fillRef idx="1">
+            <a:schemeClr val="accent1"/>
+          </a:fillRef>
+          <a:effectRef idx="0">
+            <a:schemeClr val="accent1"/>
+          </a:effectRef>
+          <a:fontRef idx="minor">
+            <a:schemeClr val="lt1"/>
+          </a:fontRef>
+        </p:style>
+        <p:txBody>
+          <a:bodyPr rtlCol="0" anchor="ctr"/>
+          <a:lstStyle/>
+          <a:p>
+            <a:pPr algn="ctr"/>
+            <a:endParaRPr lang="en-US" dirty="0"/>
+          </a:p>
+        </p:txBody>
+      </p:sp>
+      <p:sp>
+        <p:nvSpPr>
+          <p:cNvPr id="25" name="矩形 24">
+            <a:extLst>
+              <a:ext uri="{FF2B5EF4-FFF2-40B4-BE49-F238E27FC236}">
+                <a16:creationId xmlns:a16="http://schemas.microsoft.com/office/drawing/2014/main" id="{D2B3E19F-BD65-4C89-A06D-B7539173FC5E}"/>
+              </a:ext>
+            </a:extLst>
+          </p:cNvPr>
+          <p:cNvSpPr/>
+          <p:nvPr/>
+        </p:nvSpPr>
+        <p:spPr>
+          <a:xfrm>
+            <a:off x="3217844" y="2032541"/>
+            <a:ext cx="561159" cy="269813"/>
+          </a:xfrm>
+          <a:prstGeom prst="rect">
+            <a:avLst/>
+          </a:prstGeom>
+          <a:solidFill>
+            <a:schemeClr val="bg1">
+              <a:lumMod val="75000"/>
+            </a:schemeClr>
+          </a:solidFill>
+          <a:ln>
+            <a:noFill/>
+          </a:ln>
+        </p:spPr>
+        <p:style>
+          <a:lnRef idx="2">
+            <a:schemeClr val="accent1">
+              <a:shade val="50000"/>
+            </a:schemeClr>
+          </a:lnRef>
+          <a:fillRef idx="1">
+            <a:schemeClr val="accent1"/>
+          </a:fillRef>
+          <a:effectRef idx="0">
+            <a:schemeClr val="accent1"/>
+          </a:effectRef>
+          <a:fontRef idx="minor">
+            <a:schemeClr val="lt1"/>
+          </a:fontRef>
+        </p:style>
+        <p:txBody>
+          <a:bodyPr rtlCol="0" anchor="ctr"/>
+          <a:lstStyle/>
+          <a:p>
+            <a:pPr algn="ctr"/>
+            <a:endParaRPr lang="en-US" dirty="0"/>
+          </a:p>
+        </p:txBody>
+      </p:sp>
+      <p:sp>
+        <p:nvSpPr>
+          <p:cNvPr id="26" name="等腰三角形 25">
+            <a:extLst>
+              <a:ext uri="{FF2B5EF4-FFF2-40B4-BE49-F238E27FC236}">
+                <a16:creationId xmlns:a16="http://schemas.microsoft.com/office/drawing/2014/main" id="{E1253B61-EE06-423D-A3DC-885B57BB7FCB}"/>
+              </a:ext>
+            </a:extLst>
+          </p:cNvPr>
+          <p:cNvSpPr/>
+          <p:nvPr/>
+        </p:nvSpPr>
+        <p:spPr>
+          <a:xfrm flipH="1" flipV="1">
+            <a:off x="3200766" y="2302003"/>
+            <a:ext cx="578237" cy="301814"/>
+          </a:xfrm>
+          <a:prstGeom prst="triangle">
+            <a:avLst>
+              <a:gd name="adj" fmla="val 0"/>
+            </a:avLst>
+          </a:prstGeom>
+          <a:solidFill>
+            <a:schemeClr val="bg1">
+              <a:lumMod val="75000"/>
+            </a:schemeClr>
+          </a:solidFill>
+          <a:ln>
+            <a:noFill/>
+          </a:ln>
+        </p:spPr>
+        <p:style>
+          <a:lnRef idx="2">
+            <a:schemeClr val="accent1">
+              <a:shade val="50000"/>
+            </a:schemeClr>
+          </a:lnRef>
+          <a:fillRef idx="1">
+            <a:schemeClr val="accent1"/>
+          </a:fillRef>
+          <a:effectRef idx="0">
+            <a:schemeClr val="accent1"/>
+          </a:effectRef>
+          <a:fontRef idx="minor">
+            <a:schemeClr val="lt1"/>
+          </a:fontRef>
+        </p:style>
+        <p:txBody>
+          <a:bodyPr rtlCol="0" anchor="ctr"/>
+          <a:lstStyle/>
+          <a:p>
+            <a:pPr algn="ctr"/>
+            <a:endParaRPr lang="en-US"/>
+          </a:p>
+        </p:txBody>
+      </p:sp>
+      <p:sp>
+        <p:nvSpPr>
+          <p:cNvPr id="27" name="矩形 26">
+            <a:extLst>
+              <a:ext uri="{FF2B5EF4-FFF2-40B4-BE49-F238E27FC236}">
+                <a16:creationId xmlns:a16="http://schemas.microsoft.com/office/drawing/2014/main" id="{51E2079E-41CC-4883-8E76-052A2A550C54}"/>
+              </a:ext>
+            </a:extLst>
+          </p:cNvPr>
+          <p:cNvSpPr/>
+          <p:nvPr/>
+        </p:nvSpPr>
+        <p:spPr>
+          <a:xfrm>
+            <a:off x="3651289" y="2038935"/>
+            <a:ext cx="127714" cy="484979"/>
+          </a:xfrm>
+          <a:prstGeom prst="rect">
+            <a:avLst/>
+          </a:prstGeom>
+          <a:solidFill>
+            <a:schemeClr val="tx1">
+              <a:lumMod val="65000"/>
+              <a:lumOff val="35000"/>
+            </a:schemeClr>
+          </a:solidFill>
+          <a:ln>
+            <a:noFill/>
+          </a:ln>
+        </p:spPr>
+        <p:style>
+          <a:lnRef idx="2">
+            <a:schemeClr val="accent1">
+              <a:shade val="50000"/>
+            </a:schemeClr>
+          </a:lnRef>
+          <a:fillRef idx="1">
+            <a:schemeClr val="accent1"/>
+          </a:fillRef>
+          <a:effectRef idx="0">
+            <a:schemeClr val="accent1"/>
+          </a:effectRef>
+          <a:fontRef idx="minor">
+            <a:schemeClr val="lt1"/>
+          </a:fontRef>
+        </p:style>
+        <p:txBody>
+          <a:bodyPr rtlCol="0" anchor="ctr"/>
+          <a:lstStyle/>
+          <a:p>
+            <a:pPr algn="ctr"/>
+            <a:endParaRPr lang="en-US"/>
+          </a:p>
+        </p:txBody>
+      </p:sp>
+      <p:sp>
+        <p:nvSpPr>
+          <p:cNvPr id="28" name="等腰三角形 27">
+            <a:extLst>
+              <a:ext uri="{FF2B5EF4-FFF2-40B4-BE49-F238E27FC236}">
+                <a16:creationId xmlns:a16="http://schemas.microsoft.com/office/drawing/2014/main" id="{0865AB34-CB94-4307-8C67-997E7EEABA11}"/>
+              </a:ext>
+            </a:extLst>
+          </p:cNvPr>
+          <p:cNvSpPr/>
+          <p:nvPr/>
+        </p:nvSpPr>
+        <p:spPr>
+          <a:xfrm flipV="1">
+            <a:off x="3449542" y="2038930"/>
+            <a:ext cx="329461" cy="137951"/>
+          </a:xfrm>
+          <a:prstGeom prst="triangle">
+            <a:avLst>
+              <a:gd name="adj" fmla="val 61694"/>
+            </a:avLst>
+          </a:prstGeom>
+          <a:solidFill>
+            <a:schemeClr val="tx1">
+              <a:lumMod val="65000"/>
+              <a:lumOff val="35000"/>
+            </a:schemeClr>
+          </a:solidFill>
+          <a:ln>
+            <a:noFill/>
+          </a:ln>
+        </p:spPr>
+        <p:style>
+          <a:lnRef idx="2">
+            <a:schemeClr val="accent1">
+              <a:shade val="50000"/>
+            </a:schemeClr>
+          </a:lnRef>
+          <a:fillRef idx="1">
+            <a:schemeClr val="accent1"/>
+          </a:fillRef>
+          <a:effectRef idx="0">
+            <a:schemeClr val="accent1"/>
+          </a:effectRef>
+          <a:fontRef idx="minor">
+            <a:schemeClr val="lt1"/>
+          </a:fontRef>
+        </p:style>
+        <p:txBody>
+          <a:bodyPr rtlCol="0" anchor="ctr"/>
+          <a:lstStyle/>
+          <a:p>
+            <a:pPr algn="ctr"/>
+            <a:endParaRPr lang="en-US" dirty="0"/>
+          </a:p>
+        </p:txBody>
+      </p:sp>
+      <p:sp>
+        <p:nvSpPr>
+          <p:cNvPr id="29" name="矩形 28">
+            <a:extLst>
+              <a:ext uri="{FF2B5EF4-FFF2-40B4-BE49-F238E27FC236}">
+                <a16:creationId xmlns:a16="http://schemas.microsoft.com/office/drawing/2014/main" id="{0E6C0AAE-D0F5-4EA2-B631-15BC79ECD8A4}"/>
+              </a:ext>
+            </a:extLst>
+          </p:cNvPr>
+          <p:cNvSpPr/>
+          <p:nvPr/>
+        </p:nvSpPr>
+        <p:spPr>
+          <a:xfrm>
+            <a:off x="2660804" y="2060202"/>
+            <a:ext cx="549036" cy="576995"/>
+          </a:xfrm>
+          <a:prstGeom prst="rect">
+            <a:avLst/>
+          </a:prstGeom>
+          <a:solidFill>
+            <a:schemeClr val="bg1"/>
+          </a:solidFill>
+          <a:ln>
+            <a:solidFill>
+              <a:schemeClr val="bg1"/>
+            </a:solidFill>
+          </a:ln>
+        </p:spPr>
+        <p:style>
+          <a:lnRef idx="2">
+            <a:schemeClr val="accent1">
+              <a:shade val="50000"/>
+            </a:schemeClr>
+          </a:lnRef>
+          <a:fillRef idx="1">
+            <a:schemeClr val="accent1"/>
+          </a:fillRef>
+          <a:effectRef idx="0">
+            <a:schemeClr val="accent1"/>
+          </a:effectRef>
+          <a:fontRef idx="minor">
+            <a:schemeClr val="lt1"/>
+          </a:fontRef>
+        </p:style>
+        <p:txBody>
+          <a:bodyPr rtlCol="0" anchor="ctr"/>
+          <a:lstStyle/>
+          <a:p>
+            <a:pPr algn="ctr"/>
+            <a:endParaRPr lang="en-US" dirty="0"/>
+          </a:p>
+        </p:txBody>
+      </p:sp>
+      <p:sp>
+        <p:nvSpPr>
+          <p:cNvPr id="30" name="弧形 29">
+            <a:extLst>
+              <a:ext uri="{FF2B5EF4-FFF2-40B4-BE49-F238E27FC236}">
+                <a16:creationId xmlns:a16="http://schemas.microsoft.com/office/drawing/2014/main" id="{C919BBC1-0464-483A-ABEA-183A5E8E606B}"/>
+              </a:ext>
+            </a:extLst>
+          </p:cNvPr>
+          <p:cNvSpPr/>
+          <p:nvPr/>
+        </p:nvSpPr>
+        <p:spPr>
+          <a:xfrm rot="16200000">
+            <a:off x="3136786" y="1668626"/>
+            <a:ext cx="849531" cy="898386"/>
+          </a:xfrm>
+          <a:prstGeom prst="arc">
+            <a:avLst>
+              <a:gd name="adj1" fmla="val 17354715"/>
+              <a:gd name="adj2" fmla="val 1650107"/>
+            </a:avLst>
+          </a:prstGeom>
+          <a:ln w="25400">
+            <a:solidFill>
+              <a:schemeClr val="tx1">
+                <a:lumMod val="65000"/>
+                <a:lumOff val="35000"/>
+              </a:schemeClr>
+            </a:solidFill>
+          </a:ln>
+        </p:spPr>
+        <p:style>
+          <a:lnRef idx="1">
+            <a:schemeClr val="accent1"/>
+          </a:lnRef>
+          <a:fillRef idx="0">
+            <a:schemeClr val="accent1"/>
+          </a:fillRef>
+          <a:effectRef idx="0">
+            <a:schemeClr val="accent1"/>
+          </a:effectRef>
+          <a:fontRef idx="minor">
+            <a:schemeClr val="tx1"/>
+          </a:fontRef>
+        </p:style>
+        <p:txBody>
+          <a:bodyPr rtlCol="0" anchor="ctr"/>
+          <a:lstStyle/>
+          <a:p>
+            <a:pPr algn="ctr"/>
+            <a:endParaRPr lang="en-US">
+              <a:ln>
+                <a:solidFill>
+                  <a:sysClr val="windowText" lastClr="000000"/>
+                </a:solidFill>
+              </a:ln>
+            </a:endParaRPr>
+          </a:p>
+        </p:txBody>
+      </p:sp>
+      <p:sp>
+        <p:nvSpPr>
+          <p:cNvPr id="31" name="Oval 26">
+            <a:extLst>
+              <a:ext uri="{FF2B5EF4-FFF2-40B4-BE49-F238E27FC236}">
+                <a16:creationId xmlns:a16="http://schemas.microsoft.com/office/drawing/2014/main" id="{ABF33448-5FE3-4ED1-8840-0B468493CBF4}"/>
+              </a:ext>
+            </a:extLst>
+          </p:cNvPr>
+          <p:cNvSpPr/>
+          <p:nvPr/>
+        </p:nvSpPr>
+        <p:spPr>
+          <a:xfrm>
+            <a:off x="3132201" y="1827648"/>
+            <a:ext cx="101600" cy="101600"/>
+          </a:xfrm>
+          <a:prstGeom prst="ellipse">
+            <a:avLst/>
+          </a:prstGeom>
+          <a:solidFill>
+            <a:schemeClr val="accent6">
+              <a:lumMod val="75000"/>
+            </a:schemeClr>
+          </a:solidFill>
+          <a:ln>
+            <a:noFill/>
+          </a:ln>
+        </p:spPr>
+        <p:style>
+          <a:lnRef idx="2">
+            <a:schemeClr val="accent1">
+              <a:shade val="50000"/>
+            </a:schemeClr>
+          </a:lnRef>
+          <a:fillRef idx="1">
+            <a:schemeClr val="accent1"/>
+          </a:fillRef>
+          <a:effectRef idx="0">
+            <a:schemeClr val="accent1"/>
+          </a:effectRef>
+          <a:fontRef idx="minor">
+            <a:schemeClr val="lt1"/>
+          </a:fontRef>
+        </p:style>
+        <p:txBody>
+          <a:bodyPr rtlCol="0" anchor="ctr"/>
+          <a:lstStyle/>
+          <a:p>
+            <a:pPr algn="ctr"/>
+            <a:endParaRPr lang="en-US">
+              <a:solidFill>
+                <a:srgbClr val="ED7D31"/>
+              </a:solidFill>
+            </a:endParaRPr>
+          </a:p>
+        </p:txBody>
+      </p:sp>
+      <p:sp>
+        <p:nvSpPr>
+          <p:cNvPr id="32" name="Oval 35">
+            <a:extLst>
+              <a:ext uri="{FF2B5EF4-FFF2-40B4-BE49-F238E27FC236}">
+                <a16:creationId xmlns:a16="http://schemas.microsoft.com/office/drawing/2014/main" id="{E17C0613-2C9A-40BA-8C61-C7E8720C7A98}"/>
+              </a:ext>
+            </a:extLst>
+          </p:cNvPr>
+          <p:cNvSpPr/>
+          <p:nvPr/>
+        </p:nvSpPr>
+        <p:spPr>
+          <a:xfrm>
+            <a:off x="3581071" y="1647827"/>
+            <a:ext cx="101600" cy="101600"/>
+          </a:xfrm>
+          <a:prstGeom prst="ellipse">
+            <a:avLst/>
+          </a:prstGeom>
+          <a:solidFill>
+            <a:srgbClr val="FF0000"/>
+          </a:solidFill>
+          <a:ln>
+            <a:noFill/>
+          </a:ln>
+        </p:spPr>
+        <p:style>
+          <a:lnRef idx="2">
+            <a:schemeClr val="accent1">
+              <a:shade val="50000"/>
+            </a:schemeClr>
+          </a:lnRef>
+          <a:fillRef idx="1">
+            <a:schemeClr val="accent1"/>
+          </a:fillRef>
+          <a:effectRef idx="0">
+            <a:schemeClr val="accent1"/>
+          </a:effectRef>
+          <a:fontRef idx="minor">
+            <a:schemeClr val="lt1"/>
+          </a:fontRef>
+        </p:style>
+        <p:txBody>
+          <a:bodyPr rtlCol="0" anchor="ctr"/>
+          <a:lstStyle/>
+          <a:p>
+            <a:pPr algn="ctr"/>
+            <a:endParaRPr lang="en-US">
+              <a:solidFill>
+                <a:srgbClr val="FFFF00"/>
+              </a:solidFill>
+            </a:endParaRPr>
+          </a:p>
+        </p:txBody>
+      </p:sp>
+      <p:sp>
+        <p:nvSpPr>
+          <p:cNvPr id="33" name="Oval 36">
+            <a:extLst>
+              <a:ext uri="{FF2B5EF4-FFF2-40B4-BE49-F238E27FC236}">
+                <a16:creationId xmlns:a16="http://schemas.microsoft.com/office/drawing/2014/main" id="{D58380C4-8CE1-4B8F-BFBD-41C6BBD8D3C2}"/>
+              </a:ext>
+            </a:extLst>
+          </p:cNvPr>
+          <p:cNvSpPr/>
+          <p:nvPr/>
+        </p:nvSpPr>
+        <p:spPr>
+          <a:xfrm>
+            <a:off x="3416937" y="1651194"/>
+            <a:ext cx="101600" cy="101600"/>
+          </a:xfrm>
+          <a:prstGeom prst="ellipse">
+            <a:avLst/>
+          </a:prstGeom>
+          <a:solidFill>
+            <a:schemeClr val="accent1"/>
+          </a:solidFill>
+          <a:ln>
+            <a:noFill/>
+          </a:ln>
+        </p:spPr>
+        <p:style>
+          <a:lnRef idx="2">
+            <a:schemeClr val="accent1">
+              <a:shade val="50000"/>
+            </a:schemeClr>
+          </a:lnRef>
+          <a:fillRef idx="1">
+            <a:schemeClr val="accent1"/>
+          </a:fillRef>
+          <a:effectRef idx="0">
+            <a:schemeClr val="accent1"/>
+          </a:effectRef>
+          <a:fontRef idx="minor">
+            <a:schemeClr val="lt1"/>
+          </a:fontRef>
+        </p:style>
+        <p:txBody>
+          <a:bodyPr rtlCol="0" anchor="ctr"/>
+          <a:lstStyle/>
+          <a:p>
+            <a:pPr algn="ctr"/>
+            <a:endParaRPr lang="en-US"/>
+          </a:p>
+        </p:txBody>
+      </p:sp>
+      <p:sp>
+        <p:nvSpPr>
+          <p:cNvPr id="34" name="Oval 39">
+            <a:extLst>
+              <a:ext uri="{FF2B5EF4-FFF2-40B4-BE49-F238E27FC236}">
+                <a16:creationId xmlns:a16="http://schemas.microsoft.com/office/drawing/2014/main" id="{0F06C584-F584-4790-B109-9534B027EB5E}"/>
+              </a:ext>
+            </a:extLst>
+          </p:cNvPr>
+          <p:cNvSpPr/>
+          <p:nvPr/>
+        </p:nvSpPr>
+        <p:spPr>
+          <a:xfrm>
+            <a:off x="3246992" y="1709444"/>
+            <a:ext cx="101600" cy="101600"/>
+          </a:xfrm>
+          <a:prstGeom prst="ellipse">
+            <a:avLst/>
+          </a:prstGeom>
+          <a:solidFill>
+            <a:srgbClr val="FF9900"/>
+          </a:solidFill>
+          <a:ln>
+            <a:noFill/>
+          </a:ln>
+        </p:spPr>
+        <p:style>
+          <a:lnRef idx="2">
+            <a:schemeClr val="accent1">
+              <a:shade val="50000"/>
+            </a:schemeClr>
+          </a:lnRef>
+          <a:fillRef idx="1">
+            <a:schemeClr val="accent1"/>
+          </a:fillRef>
+          <a:effectRef idx="0">
+            <a:schemeClr val="accent1"/>
+          </a:effectRef>
+          <a:fontRef idx="minor">
+            <a:schemeClr val="lt1"/>
+          </a:fontRef>
+        </p:style>
+        <p:txBody>
+          <a:bodyPr rtlCol="0" anchor="ctr"/>
+          <a:lstStyle/>
+          <a:p>
+            <a:pPr algn="ctr"/>
+            <a:endParaRPr lang="en-US"/>
+          </a:p>
+        </p:txBody>
+      </p:sp>
+      <p:sp>
+        <p:nvSpPr>
+          <p:cNvPr id="35" name="Oval 52">
+            <a:extLst>
+              <a:ext uri="{FF2B5EF4-FFF2-40B4-BE49-F238E27FC236}">
+                <a16:creationId xmlns:a16="http://schemas.microsoft.com/office/drawing/2014/main" id="{AB9F0D54-6355-4C8A-8193-CD4FD5875F51}"/>
+              </a:ext>
+            </a:extLst>
+          </p:cNvPr>
+          <p:cNvSpPr/>
+          <p:nvPr/>
+        </p:nvSpPr>
+        <p:spPr>
+          <a:xfrm>
+            <a:off x="3581071" y="2042543"/>
+            <a:ext cx="101600" cy="101600"/>
+          </a:xfrm>
+          <a:prstGeom prst="ellipse">
+            <a:avLst/>
+          </a:prstGeom>
+          <a:solidFill>
+            <a:schemeClr val="bg1"/>
+          </a:solidFill>
+          <a:ln>
+            <a:noFill/>
+          </a:ln>
+        </p:spPr>
+        <p:style>
+          <a:lnRef idx="2">
+            <a:schemeClr val="accent1">
+              <a:shade val="50000"/>
+            </a:schemeClr>
+          </a:lnRef>
+          <a:fillRef idx="1">
+            <a:schemeClr val="accent1"/>
+          </a:fillRef>
+          <a:effectRef idx="0">
+            <a:schemeClr val="accent1"/>
+          </a:effectRef>
+          <a:fontRef idx="minor">
+            <a:schemeClr val="lt1"/>
+          </a:fontRef>
+        </p:style>
+        <p:txBody>
+          <a:bodyPr rtlCol="0" anchor="ctr"/>
+          <a:lstStyle/>
+          <a:p>
+            <a:pPr algn="ctr"/>
+            <a:endParaRPr lang="en-US"/>
+          </a:p>
+        </p:txBody>
+      </p:sp>
+      <p:cxnSp>
+        <p:nvCxnSpPr>
+          <p:cNvPr id="36" name="Straight Arrow Connector 32">
+            <a:extLst>
+              <a:ext uri="{FF2B5EF4-FFF2-40B4-BE49-F238E27FC236}">
+                <a16:creationId xmlns:a16="http://schemas.microsoft.com/office/drawing/2014/main" id="{713D3A3E-0CA9-45AF-AD41-1B55DF2D1AC9}"/>
+              </a:ext>
+            </a:extLst>
+          </p:cNvPr>
+          <p:cNvCxnSpPr>
+            <a:cxnSpLocks/>
+            <a:stCxn id="32" idx="4"/>
+            <a:endCxn id="35" idx="0"/>
+          </p:cNvCxnSpPr>
+          <p:nvPr/>
+        </p:nvCxnSpPr>
+        <p:spPr>
+          <a:xfrm>
+            <a:off x="3631871" y="1749427"/>
+            <a:ext cx="0" cy="293116"/>
+          </a:xfrm>
+          <a:prstGeom prst="straightConnector1">
+            <a:avLst/>
+          </a:prstGeom>
+          <a:ln w="28575">
+            <a:solidFill>
+              <a:schemeClr val="tx1">
+                <a:lumMod val="65000"/>
+                <a:lumOff val="35000"/>
+              </a:schemeClr>
+            </a:solidFill>
+            <a:prstDash val="sysDot"/>
+            <a:tailEnd type="triangle"/>
+          </a:ln>
+        </p:spPr>
+        <p:style>
+          <a:lnRef idx="1">
+            <a:schemeClr val="accent1"/>
+          </a:lnRef>
+          <a:fillRef idx="0">
+            <a:schemeClr val="accent1"/>
+          </a:fillRef>
+          <a:effectRef idx="0">
+            <a:schemeClr val="accent1"/>
+          </a:effectRef>
+          <a:fontRef idx="minor">
+            <a:schemeClr val="tx1"/>
+          </a:fontRef>
+        </p:style>
+      </p:cxnSp>
+      <p:sp>
+        <p:nvSpPr>
+          <p:cNvPr id="37" name="等腰三角形 36">
+            <a:extLst>
+              <a:ext uri="{FF2B5EF4-FFF2-40B4-BE49-F238E27FC236}">
+                <a16:creationId xmlns:a16="http://schemas.microsoft.com/office/drawing/2014/main" id="{2948375C-0604-4325-AD2E-7A6BF9173A22}"/>
+              </a:ext>
+            </a:extLst>
+          </p:cNvPr>
+          <p:cNvSpPr/>
+          <p:nvPr/>
+        </p:nvSpPr>
+        <p:spPr>
+          <a:xfrm rot="5400000">
+            <a:off x="3652977" y="2380110"/>
+            <a:ext cx="215700" cy="219075"/>
+          </a:xfrm>
+          <a:prstGeom prst="triangle">
+            <a:avLst>
+              <a:gd name="adj" fmla="val 18189"/>
+            </a:avLst>
+          </a:prstGeom>
+          <a:solidFill>
+            <a:schemeClr val="bg1"/>
+          </a:solidFill>
+          <a:ln>
+            <a:noFill/>
+          </a:ln>
+        </p:spPr>
+        <p:style>
+          <a:lnRef idx="2">
+            <a:schemeClr val="accent1">
+              <a:shade val="50000"/>
+            </a:schemeClr>
+          </a:lnRef>
+          <a:fillRef idx="1">
+            <a:schemeClr val="accent1"/>
+          </a:fillRef>
+          <a:effectRef idx="0">
+            <a:schemeClr val="accent1"/>
+          </a:effectRef>
+          <a:fontRef idx="minor">
+            <a:schemeClr val="lt1"/>
+          </a:fontRef>
+        </p:style>
+        <p:txBody>
+          <a:bodyPr rtlCol="0" anchor="ctr"/>
+          <a:lstStyle/>
+          <a:p>
+            <a:pPr algn="ctr"/>
+            <a:endParaRPr lang="en-US"/>
+          </a:p>
+        </p:txBody>
+      </p:sp>
+      <p:sp>
+        <p:nvSpPr>
+          <p:cNvPr id="38" name="矩形 37">
+            <a:extLst>
+              <a:ext uri="{FF2B5EF4-FFF2-40B4-BE49-F238E27FC236}">
+                <a16:creationId xmlns:a16="http://schemas.microsoft.com/office/drawing/2014/main" id="{00AC5BCF-A52C-4D24-A66F-C48427855C52}"/>
+              </a:ext>
+            </a:extLst>
+          </p:cNvPr>
+          <p:cNvSpPr/>
+          <p:nvPr/>
+        </p:nvSpPr>
+        <p:spPr>
+          <a:xfrm>
+            <a:off x="3686108" y="2473094"/>
+            <a:ext cx="272515" cy="144723"/>
+          </a:xfrm>
+          <a:prstGeom prst="rect">
+            <a:avLst/>
+          </a:prstGeom>
+          <a:solidFill>
+            <a:schemeClr val="bg1"/>
+          </a:solidFill>
+          <a:ln>
+            <a:noFill/>
+          </a:ln>
+        </p:spPr>
+        <p:style>
+          <a:lnRef idx="2">
+            <a:schemeClr val="accent1">
+              <a:shade val="50000"/>
+            </a:schemeClr>
+          </a:lnRef>
+          <a:fillRef idx="1">
+            <a:schemeClr val="accent1"/>
+          </a:fillRef>
+          <a:effectRef idx="0">
+            <a:schemeClr val="accent1"/>
+          </a:effectRef>
+          <a:fontRef idx="minor">
+            <a:schemeClr val="lt1"/>
+          </a:fontRef>
+        </p:style>
+        <p:txBody>
+          <a:bodyPr rtlCol="0" anchor="ctr"/>
+          <a:lstStyle/>
+          <a:p>
+            <a:pPr algn="ctr"/>
+            <a:endParaRPr lang="en-US"/>
+          </a:p>
+        </p:txBody>
+      </p:sp>
+      <p:sp>
+        <p:nvSpPr>
+          <p:cNvPr id="39" name="Rectangle 55">
+            <a:extLst>
+              <a:ext uri="{FF2B5EF4-FFF2-40B4-BE49-F238E27FC236}">
+                <a16:creationId xmlns:a16="http://schemas.microsoft.com/office/drawing/2014/main" id="{1B5A08F9-0352-490F-AF7A-BC5EADB27FD2}"/>
+              </a:ext>
+            </a:extLst>
+          </p:cNvPr>
+          <p:cNvSpPr/>
+          <p:nvPr/>
+        </p:nvSpPr>
+        <p:spPr>
+          <a:xfrm>
+            <a:off x="3621806" y="1971017"/>
+            <a:ext cx="234360" cy="246221"/>
+          </a:xfrm>
+          <a:prstGeom prst="rect">
+            <a:avLst/>
+          </a:prstGeom>
+        </p:spPr>
+        <p:txBody>
+          <a:bodyPr wrap="none">
+            <a:spAutoFit/>
+          </a:bodyPr>
+          <a:lstStyle/>
+          <a:p>
+            <a:r>
+              <a:rPr lang="en-US" altLang="zh-CN" sz="1000" b="1" dirty="0">
+                <a:solidFill>
+                  <a:schemeClr val="bg1"/>
+                </a:solidFill>
+                <a:latin typeface="Times New Roman" panose="02020603050405020304" pitchFamily="18" charset="0"/>
+                <a:cs typeface="Times New Roman" panose="02020603050405020304" pitchFamily="18" charset="0"/>
+              </a:rPr>
+              <a:t>I</a:t>
+            </a:r>
+            <a:endParaRPr lang="en-US" sz="1000" b="1" dirty="0">
+              <a:solidFill>
+                <a:schemeClr val="bg1"/>
+              </a:solidFill>
+              <a:latin typeface="Times New Roman" panose="02020603050405020304" pitchFamily="18" charset="0"/>
+              <a:cs typeface="Times New Roman" panose="02020603050405020304" pitchFamily="18" charset="0"/>
+            </a:endParaRPr>
+          </a:p>
+        </p:txBody>
+      </p:sp>
+      <p:sp>
+        <p:nvSpPr>
+          <p:cNvPr id="40" name="Rectangle 55">
+            <a:extLst>
+              <a:ext uri="{FF2B5EF4-FFF2-40B4-BE49-F238E27FC236}">
+                <a16:creationId xmlns:a16="http://schemas.microsoft.com/office/drawing/2014/main" id="{3F5559CF-BAEF-481D-87E6-C432892EC1C1}"/>
+              </a:ext>
+            </a:extLst>
+          </p:cNvPr>
+          <p:cNvSpPr/>
+          <p:nvPr/>
+        </p:nvSpPr>
+        <p:spPr>
+          <a:xfrm>
+            <a:off x="3498538" y="1456710"/>
+            <a:ext cx="277640" cy="246221"/>
+          </a:xfrm>
+          <a:prstGeom prst="rect">
+            <a:avLst/>
+          </a:prstGeom>
+        </p:spPr>
+        <p:txBody>
+          <a:bodyPr wrap="none">
+            <a:spAutoFit/>
+          </a:bodyPr>
+          <a:lstStyle/>
+          <a:p>
+            <a:r>
+              <a:rPr lang="en-US" altLang="zh-CN" sz="1000" b="1" dirty="0">
+                <a:solidFill>
+                  <a:srgbClr val="FF0000"/>
+                </a:solidFill>
+                <a:latin typeface="Times New Roman" panose="02020603050405020304" pitchFamily="18" charset="0"/>
+                <a:cs typeface="Times New Roman" panose="02020603050405020304" pitchFamily="18" charset="0"/>
+              </a:rPr>
+              <a:t>A</a:t>
+            </a:r>
+            <a:endParaRPr lang="en-US" sz="1000" b="1" dirty="0">
+              <a:solidFill>
+                <a:srgbClr val="FF0000"/>
+              </a:solidFill>
+              <a:latin typeface="Times New Roman" panose="02020603050405020304" pitchFamily="18" charset="0"/>
+              <a:cs typeface="Times New Roman" panose="02020603050405020304" pitchFamily="18" charset="0"/>
+            </a:endParaRPr>
+          </a:p>
+        </p:txBody>
+      </p:sp>
+      <p:sp>
+        <p:nvSpPr>
+          <p:cNvPr id="41" name="Rectangle 55">
+            <a:extLst>
+              <a:ext uri="{FF2B5EF4-FFF2-40B4-BE49-F238E27FC236}">
+                <a16:creationId xmlns:a16="http://schemas.microsoft.com/office/drawing/2014/main" id="{B1B2D9EA-CD5B-40D0-AEAD-C5DE32AEC9BE}"/>
+              </a:ext>
+            </a:extLst>
+          </p:cNvPr>
+          <p:cNvSpPr/>
+          <p:nvPr/>
+        </p:nvSpPr>
+        <p:spPr>
+          <a:xfrm>
+            <a:off x="3298644" y="1466825"/>
+            <a:ext cx="284052" cy="246221"/>
+          </a:xfrm>
+          <a:prstGeom prst="rect">
+            <a:avLst/>
+          </a:prstGeom>
+        </p:spPr>
+        <p:txBody>
+          <a:bodyPr wrap="none">
+            <a:spAutoFit/>
+          </a:bodyPr>
+          <a:lstStyle/>
+          <a:p>
+            <a:r>
+              <a:rPr lang="en-US" sz="1000" b="1" dirty="0">
+                <a:solidFill>
+                  <a:schemeClr val="accent1"/>
+                </a:solidFill>
+                <a:latin typeface="Times New Roman" panose="02020603050405020304" pitchFamily="18" charset="0"/>
+                <a:cs typeface="Times New Roman" panose="02020603050405020304" pitchFamily="18" charset="0"/>
+              </a:rPr>
+              <a:t>G</a:t>
+            </a:r>
+          </a:p>
+        </p:txBody>
+      </p:sp>
+      <p:sp>
+        <p:nvSpPr>
+          <p:cNvPr id="42" name="Rectangle 55">
+            <a:extLst>
+              <a:ext uri="{FF2B5EF4-FFF2-40B4-BE49-F238E27FC236}">
+                <a16:creationId xmlns:a16="http://schemas.microsoft.com/office/drawing/2014/main" id="{AC9AA198-F3CB-4208-8803-D24FE1850786}"/>
+              </a:ext>
+            </a:extLst>
+          </p:cNvPr>
+          <p:cNvSpPr/>
+          <p:nvPr/>
+        </p:nvSpPr>
+        <p:spPr>
+          <a:xfrm>
+            <a:off x="3101255" y="1543301"/>
+            <a:ext cx="277640" cy="246221"/>
+          </a:xfrm>
+          <a:prstGeom prst="rect">
+            <a:avLst/>
+          </a:prstGeom>
+        </p:spPr>
+        <p:txBody>
+          <a:bodyPr wrap="none">
+            <a:spAutoFit/>
+          </a:bodyPr>
+          <a:lstStyle/>
+          <a:p>
+            <a:r>
+              <a:rPr lang="en-US" sz="1000" b="1" dirty="0">
+                <a:solidFill>
+                  <a:srgbClr val="FF9900"/>
+                </a:solidFill>
+                <a:latin typeface="Times New Roman" panose="02020603050405020304" pitchFamily="18" charset="0"/>
+                <a:cs typeface="Times New Roman" panose="02020603050405020304" pitchFamily="18" charset="0"/>
+              </a:rPr>
+              <a:t>C</a:t>
+            </a:r>
+          </a:p>
+        </p:txBody>
+      </p:sp>
+      <p:sp>
+        <p:nvSpPr>
+          <p:cNvPr id="43" name="Rectangle 55">
+            <a:extLst>
+              <a:ext uri="{FF2B5EF4-FFF2-40B4-BE49-F238E27FC236}">
+                <a16:creationId xmlns:a16="http://schemas.microsoft.com/office/drawing/2014/main" id="{8706B702-B330-4872-93E2-443280755129}"/>
+              </a:ext>
+            </a:extLst>
+          </p:cNvPr>
+          <p:cNvSpPr/>
+          <p:nvPr/>
+        </p:nvSpPr>
+        <p:spPr>
+          <a:xfrm>
+            <a:off x="2953153" y="1686595"/>
+            <a:ext cx="277640" cy="246221"/>
+          </a:xfrm>
+          <a:prstGeom prst="rect">
+            <a:avLst/>
+          </a:prstGeom>
+        </p:spPr>
+        <p:txBody>
+          <a:bodyPr wrap="none">
+            <a:spAutoFit/>
+          </a:bodyPr>
+          <a:lstStyle/>
+          <a:p>
+            <a:r>
+              <a:rPr lang="en-US" sz="1000" b="1" dirty="0">
+                <a:solidFill>
+                  <a:schemeClr val="accent6">
+                    <a:lumMod val="75000"/>
+                  </a:schemeClr>
+                </a:solidFill>
+                <a:latin typeface="Times New Roman" panose="02020603050405020304" pitchFamily="18" charset="0"/>
+                <a:cs typeface="Times New Roman" panose="02020603050405020304" pitchFamily="18" charset="0"/>
+              </a:rPr>
+              <a:t>U</a:t>
+            </a:r>
+          </a:p>
+        </p:txBody>
+      </p:sp>
+      <p:cxnSp>
+        <p:nvCxnSpPr>
+          <p:cNvPr id="45" name="直接连接符 44">
+            <a:extLst>
+              <a:ext uri="{FF2B5EF4-FFF2-40B4-BE49-F238E27FC236}">
+                <a16:creationId xmlns:a16="http://schemas.microsoft.com/office/drawing/2014/main" id="{01D97587-65F8-40FB-B3F2-6AF6539798FC}"/>
+              </a:ext>
+            </a:extLst>
+          </p:cNvPr>
+          <p:cNvCxnSpPr/>
+          <p:nvPr/>
+        </p:nvCxnSpPr>
+        <p:spPr>
+          <a:xfrm>
+            <a:off x="3704674" y="2279438"/>
+            <a:ext cx="102332" cy="0"/>
+          </a:xfrm>
+          <a:prstGeom prst="line">
+            <a:avLst/>
+          </a:prstGeom>
+          <a:ln w="25400">
+            <a:solidFill>
+              <a:schemeClr val="bg1"/>
+            </a:solidFill>
+          </a:ln>
+        </p:spPr>
+        <p:style>
+          <a:lnRef idx="1">
+            <a:schemeClr val="accent1"/>
+          </a:lnRef>
+          <a:fillRef idx="0">
+            <a:schemeClr val="accent1"/>
+          </a:fillRef>
+          <a:effectRef idx="0">
+            <a:schemeClr val="accent1"/>
+          </a:effectRef>
+          <a:fontRef idx="minor">
+            <a:schemeClr val="tx1"/>
+          </a:fontRef>
+        </p:style>
+      </p:cxnSp>
+      <p:sp>
+        <p:nvSpPr>
+          <p:cNvPr id="47" name="文本框 46">
+            <a:extLst>
+              <a:ext uri="{FF2B5EF4-FFF2-40B4-BE49-F238E27FC236}">
+                <a16:creationId xmlns:a16="http://schemas.microsoft.com/office/drawing/2014/main" id="{CB25BDE2-F227-42FB-8A02-C669168EDA83}"/>
+              </a:ext>
+            </a:extLst>
+          </p:cNvPr>
+          <p:cNvSpPr txBox="1"/>
+          <p:nvPr/>
+        </p:nvSpPr>
+        <p:spPr>
+          <a:xfrm>
+            <a:off x="2820187" y="2680185"/>
+            <a:ext cx="1061496" cy="1938992"/>
+          </a:xfrm>
+          <a:prstGeom prst="rect">
+            <a:avLst/>
+          </a:prstGeom>
+          <a:noFill/>
+        </p:spPr>
+        <p:txBody>
+          <a:bodyPr wrap="square">
+            <a:spAutoFit/>
+          </a:bodyPr>
+          <a:lstStyle/>
+          <a:p>
+            <a:r>
+              <a:rPr lang="en-US" sz="12000" b="1" dirty="0">
+                <a:solidFill>
+                  <a:schemeClr val="tx1">
+                    <a:lumMod val="65000"/>
+                    <a:lumOff val="35000"/>
+                  </a:schemeClr>
+                </a:solidFill>
+                <a:latin typeface="Times New Roman" panose="02020603050405020304" pitchFamily="18" charset="0"/>
+                <a:cs typeface="Times New Roman" panose="02020603050405020304" pitchFamily="18" charset="0"/>
+              </a:rPr>
+              <a:t>R</a:t>
+            </a:r>
+            <a:endParaRPr lang="en-US" sz="12000" dirty="0">
+              <a:latin typeface="Times New Roman" panose="02020603050405020304" pitchFamily="18" charset="0"/>
+              <a:cs typeface="Times New Roman" panose="02020603050405020304" pitchFamily="18" charset="0"/>
+            </a:endParaRPr>
+          </a:p>
+        </p:txBody>
+      </p:sp>
+      <p:sp>
+        <p:nvSpPr>
+          <p:cNvPr id="57" name="文本框 56">
+            <a:extLst>
+              <a:ext uri="{FF2B5EF4-FFF2-40B4-BE49-F238E27FC236}">
+                <a16:creationId xmlns:a16="http://schemas.microsoft.com/office/drawing/2014/main" id="{4E26FAE1-46E3-421D-B094-B45EB9D3F28B}"/>
+              </a:ext>
+            </a:extLst>
+          </p:cNvPr>
+          <p:cNvSpPr txBox="1"/>
+          <p:nvPr/>
+        </p:nvSpPr>
+        <p:spPr>
+          <a:xfrm rot="5400000">
+            <a:off x="2664545" y="1280462"/>
+            <a:ext cx="1642557" cy="3170099"/>
+          </a:xfrm>
+          <a:prstGeom prst="rect">
+            <a:avLst/>
+          </a:prstGeom>
+          <a:noFill/>
+        </p:spPr>
+        <p:txBody>
+          <a:bodyPr wrap="square">
+            <a:spAutoFit/>
+          </a:bodyPr>
+          <a:lstStyle/>
+          <a:p>
+            <a:r>
+              <a:rPr lang="en-US" sz="20000" b="1" dirty="0">
+                <a:solidFill>
+                  <a:schemeClr val="tx1">
+                    <a:lumMod val="65000"/>
+                    <a:lumOff val="35000"/>
+                  </a:schemeClr>
+                </a:solidFill>
+                <a:latin typeface="Times New Roman" panose="02020603050405020304" pitchFamily="18" charset="0"/>
+                <a:cs typeface="Times New Roman" panose="02020603050405020304" pitchFamily="18" charset="0"/>
+              </a:rPr>
+              <a:t>E</a:t>
+            </a:r>
+            <a:endParaRPr lang="en-US" sz="20000" dirty="0">
+              <a:latin typeface="Times New Roman" panose="02020603050405020304" pitchFamily="18" charset="0"/>
+              <a:cs typeface="Times New Roman" panose="02020603050405020304" pitchFamily="18" charset="0"/>
+            </a:endParaRPr>
+          </a:p>
+        </p:txBody>
+      </p:sp>
+      <p:sp>
+        <p:nvSpPr>
+          <p:cNvPr id="51" name="文本框 50">
+            <a:extLst>
+              <a:ext uri="{FF2B5EF4-FFF2-40B4-BE49-F238E27FC236}">
+                <a16:creationId xmlns:a16="http://schemas.microsoft.com/office/drawing/2014/main" id="{8A1789A9-3FE9-45FF-AEE6-AD403545BB71}"/>
+              </a:ext>
+            </a:extLst>
+          </p:cNvPr>
+          <p:cNvSpPr txBox="1"/>
+          <p:nvPr/>
+        </p:nvSpPr>
+        <p:spPr>
+          <a:xfrm>
+            <a:off x="2918774" y="3698482"/>
+            <a:ext cx="477973" cy="707886"/>
+          </a:xfrm>
+          <a:prstGeom prst="rect">
+            <a:avLst/>
+          </a:prstGeom>
+          <a:noFill/>
+        </p:spPr>
+        <p:txBody>
+          <a:bodyPr wrap="square">
+            <a:spAutoFit/>
+          </a:bodyPr>
+          <a:lstStyle/>
+          <a:p>
+            <a:r>
+              <a:rPr lang="en-US" sz="4000" b="1" dirty="0">
+                <a:solidFill>
+                  <a:schemeClr val="bg1"/>
+                </a:solidFill>
+                <a:latin typeface="Times New Roman" panose="02020603050405020304" pitchFamily="18" charset="0"/>
+                <a:cs typeface="Times New Roman" panose="02020603050405020304" pitchFamily="18" charset="0"/>
+              </a:rPr>
+              <a:t>A</a:t>
+            </a:r>
+            <a:endParaRPr lang="en-US" sz="4000" dirty="0">
+              <a:solidFill>
+                <a:schemeClr val="bg1"/>
+              </a:solidFill>
+              <a:latin typeface="Times New Roman" panose="02020603050405020304" pitchFamily="18" charset="0"/>
+              <a:cs typeface="Times New Roman" panose="02020603050405020304" pitchFamily="18" charset="0"/>
+            </a:endParaRPr>
+          </a:p>
+        </p:txBody>
+      </p:sp>
+      <p:sp>
+        <p:nvSpPr>
+          <p:cNvPr id="64" name="等腰三角形 63">
+            <a:extLst>
+              <a:ext uri="{FF2B5EF4-FFF2-40B4-BE49-F238E27FC236}">
+                <a16:creationId xmlns:a16="http://schemas.microsoft.com/office/drawing/2014/main" id="{77D0F4E6-6352-45C3-8C5A-63887A1C1262}"/>
+              </a:ext>
+            </a:extLst>
+          </p:cNvPr>
+          <p:cNvSpPr/>
+          <p:nvPr/>
+        </p:nvSpPr>
+        <p:spPr>
+          <a:xfrm rot="10800000">
+            <a:off x="3421323" y="2416061"/>
+            <a:ext cx="229966" cy="124618"/>
+          </a:xfrm>
+          <a:prstGeom prst="triangle">
+            <a:avLst>
+              <a:gd name="adj" fmla="val 0"/>
+            </a:avLst>
+          </a:prstGeom>
+          <a:solidFill>
+            <a:schemeClr val="bg1">
+              <a:lumMod val="75000"/>
+            </a:schemeClr>
+          </a:solidFill>
+          <a:ln>
+            <a:noFill/>
+          </a:ln>
+        </p:spPr>
+        <p:style>
+          <a:lnRef idx="2">
+            <a:schemeClr val="accent1">
+              <a:shade val="50000"/>
+            </a:schemeClr>
+          </a:lnRef>
+          <a:fillRef idx="1">
+            <a:schemeClr val="accent1"/>
+          </a:fillRef>
+          <a:effectRef idx="0">
+            <a:schemeClr val="accent1"/>
+          </a:effectRef>
+          <a:fontRef idx="minor">
+            <a:schemeClr val="lt1"/>
+          </a:fontRef>
+        </p:style>
+        <p:txBody>
+          <a:bodyPr rtlCol="0" anchor="ctr"/>
+          <a:lstStyle/>
+          <a:p>
+            <a:pPr algn="ctr"/>
+            <a:endParaRPr lang="en-US"/>
+          </a:p>
+        </p:txBody>
+      </p:sp>
+      <p:sp>
+        <p:nvSpPr>
+          <p:cNvPr id="66" name="文本框 65">
+            <a:extLst>
+              <a:ext uri="{FF2B5EF4-FFF2-40B4-BE49-F238E27FC236}">
+                <a16:creationId xmlns:a16="http://schemas.microsoft.com/office/drawing/2014/main" id="{CE5A1DB0-07E8-41BD-A7F9-2D26494FBF96}"/>
+              </a:ext>
+            </a:extLst>
+          </p:cNvPr>
+          <p:cNvSpPr txBox="1"/>
+          <p:nvPr/>
+        </p:nvSpPr>
+        <p:spPr>
+          <a:xfrm>
+            <a:off x="3124242" y="1864125"/>
+            <a:ext cx="655949" cy="1107996"/>
+          </a:xfrm>
+          <a:prstGeom prst="rect">
+            <a:avLst/>
+          </a:prstGeom>
+          <a:noFill/>
+          <a:effectLst/>
+        </p:spPr>
+        <p:txBody>
+          <a:bodyPr wrap="none" rtlCol="0">
+            <a:spAutoFit/>
+          </a:bodyPr>
+          <a:lstStyle/>
+          <a:p>
+            <a:r>
+              <a:rPr lang="en-US" sz="6600" b="1" dirty="0">
+                <a:solidFill>
+                  <a:schemeClr val="bg1"/>
+                </a:solidFill>
+                <a:latin typeface="Times New Roman" panose="02020603050405020304" pitchFamily="18" charset="0"/>
+                <a:cs typeface="Times New Roman" panose="02020603050405020304" pitchFamily="18" charset="0"/>
+              </a:rPr>
+              <a:t>S</a:t>
+            </a:r>
+          </a:p>
+        </p:txBody>
+      </p:sp>
+      <p:sp>
+        <p:nvSpPr>
+          <p:cNvPr id="73" name="矩形 72">
+            <a:extLst>
+              <a:ext uri="{FF2B5EF4-FFF2-40B4-BE49-F238E27FC236}">
+                <a16:creationId xmlns:a16="http://schemas.microsoft.com/office/drawing/2014/main" id="{CB508A3C-C182-4753-A77C-570914C01FD3}"/>
+              </a:ext>
+            </a:extLst>
+          </p:cNvPr>
+          <p:cNvSpPr/>
+          <p:nvPr/>
+        </p:nvSpPr>
+        <p:spPr>
+          <a:xfrm>
+            <a:off x="2935322" y="3180296"/>
+            <a:ext cx="935043" cy="62149"/>
+          </a:xfrm>
+          <a:prstGeom prst="rect">
+            <a:avLst/>
+          </a:prstGeom>
+          <a:solidFill>
+            <a:schemeClr val="tx1">
+              <a:lumMod val="65000"/>
+              <a:lumOff val="35000"/>
+            </a:schemeClr>
+          </a:solidFill>
+          <a:ln>
+            <a:noFill/>
+          </a:ln>
+        </p:spPr>
+        <p:style>
+          <a:lnRef idx="2">
+            <a:schemeClr val="accent1">
+              <a:shade val="50000"/>
+            </a:schemeClr>
+          </a:lnRef>
+          <a:fillRef idx="1">
+            <a:schemeClr val="accent1"/>
+          </a:fillRef>
+          <a:effectRef idx="0">
+            <a:schemeClr val="accent1"/>
+          </a:effectRef>
+          <a:fontRef idx="minor">
+            <a:schemeClr val="lt1"/>
+          </a:fontRef>
+        </p:style>
+        <p:txBody>
+          <a:bodyPr rtlCol="0" anchor="ctr"/>
+          <a:lstStyle/>
+          <a:p>
+            <a:pPr algn="ctr"/>
+            <a:endParaRPr lang="en-US"/>
+          </a:p>
+        </p:txBody>
+      </p:sp>
       <p:pic>
         <p:nvPicPr>
-          <p:cNvPr id="17" name="图片 16">
-            <a:extLst>
-              <a:ext uri="{FF2B5EF4-FFF2-40B4-BE49-F238E27FC236}">
-                <a16:creationId xmlns:a16="http://schemas.microsoft.com/office/drawing/2014/main" id="{7D3959F1-4F21-44EA-BA4F-65123D00C07D}"/>
+          <p:cNvPr id="78" name="图片 77">
+            <a:extLst>
+              <a:ext uri="{FF2B5EF4-FFF2-40B4-BE49-F238E27FC236}">
+                <a16:creationId xmlns:a16="http://schemas.microsoft.com/office/drawing/2014/main" id="{14CD869F-E8E6-4012-AD29-E979C8000AA0}"/>
               </a:ext>
             </a:extLst>
           </p:cNvPr>
@@ -13095,6 +19561,66 @@
         </p:blipFill>
         <p:spPr>
           <a:xfrm>
+            <a:off x="6759979" y="832687"/>
+            <a:ext cx="1956791" cy="3382453"/>
+          </a:xfrm>
+          <a:prstGeom prst="rect">
+            <a:avLst/>
+          </a:prstGeom>
+        </p:spPr>
+      </p:pic>
+    </p:spTree>
+    <p:extLst>
+      <p:ext uri="{BB962C8B-B14F-4D97-AF65-F5344CB8AC3E}">
+        <p14:creationId xmlns:p14="http://schemas.microsoft.com/office/powerpoint/2010/main" val="1962114018"/>
+      </p:ext>
+    </p:extLst>
+  </p:cSld>
+  <p:clrMapOvr>
+    <a:masterClrMapping/>
+  </p:clrMapOvr>
+</p:sld>
+</file>
+
+<file path=ppt/slides/slide4.xml><?xml version="1.0" encoding="utf-8"?>
+<p:sld xmlns:a="http://schemas.openxmlformats.org/drawingml/2006/main" xmlns:r="http://schemas.openxmlformats.org/officeDocument/2006/relationships" xmlns:p="http://schemas.openxmlformats.org/presentationml/2006/main">
+  <p:cSld>
+    <p:spTree>
+      <p:nvGrpSpPr>
+        <p:cNvPr id="1" name=""/>
+        <p:cNvGrpSpPr/>
+        <p:nvPr/>
+      </p:nvGrpSpPr>
+      <p:grpSpPr>
+        <a:xfrm>
+          <a:off x="0" y="0"/>
+          <a:ext cx="0" cy="0"/>
+          <a:chOff x="0" y="0"/>
+          <a:chExt cx="0" cy="0"/>
+        </a:xfrm>
+      </p:grpSpPr>
+      <p:pic>
+        <p:nvPicPr>
+          <p:cNvPr id="17" name="图片 16">
+            <a:extLst>
+              <a:ext uri="{FF2B5EF4-FFF2-40B4-BE49-F238E27FC236}">
+                <a16:creationId xmlns:a16="http://schemas.microsoft.com/office/drawing/2014/main" id="{7D3959F1-4F21-44EA-BA4F-65123D00C07D}"/>
+              </a:ext>
+            </a:extLst>
+          </p:cNvPr>
+          <p:cNvPicPr>
+            <a:picLocks noChangeAspect="1"/>
+          </p:cNvPicPr>
+          <p:nvPr/>
+        </p:nvPicPr>
+        <p:blipFill>
+          <a:blip r:embed="rId2"/>
+          <a:stretch>
+            <a:fillRect/>
+          </a:stretch>
+        </p:blipFill>
+        <p:spPr>
+          <a:xfrm>
             <a:off x="548203" y="1519360"/>
             <a:ext cx="3176434" cy="3176434"/>
           </a:xfrm>
@@ -13105,10 +19631,10 @@
       </p:pic>
       <p:pic>
         <p:nvPicPr>
-          <p:cNvPr id="9" name="图片 8">
-            <a:extLst>
-              <a:ext uri="{FF2B5EF4-FFF2-40B4-BE49-F238E27FC236}">
-                <a16:creationId xmlns:a16="http://schemas.microsoft.com/office/drawing/2014/main" id="{C2E9313B-C71F-4974-AAFC-C3E4E40B63E6}"/>
+          <p:cNvPr id="5" name="图片 4">
+            <a:extLst>
+              <a:ext uri="{FF2B5EF4-FFF2-40B4-BE49-F238E27FC236}">
+                <a16:creationId xmlns:a16="http://schemas.microsoft.com/office/drawing/2014/main" id="{AFAFD913-4ABE-4B62-9C08-FD48806C62F6}"/>
               </a:ext>
             </a:extLst>
           </p:cNvPr>
@@ -13125,8 +19651,8 @@
         </p:blipFill>
         <p:spPr>
           <a:xfrm>
-            <a:off x="4482763" y="1519360"/>
-            <a:ext cx="3226473" cy="2950845"/>
+            <a:off x="8157854" y="2028642"/>
+            <a:ext cx="3226473" cy="1843699"/>
           </a:xfrm>
           <a:prstGeom prst="rect">
             <a:avLst/>
@@ -13135,10 +19661,10 @@
       </p:pic>
       <p:pic>
         <p:nvPicPr>
-          <p:cNvPr id="5" name="图片 4">
-            <a:extLst>
-              <a:ext uri="{FF2B5EF4-FFF2-40B4-BE49-F238E27FC236}">
-                <a16:creationId xmlns:a16="http://schemas.microsoft.com/office/drawing/2014/main" id="{AFAFD913-4ABE-4B62-9C08-FD48806C62F6}"/>
+          <p:cNvPr id="3" name="图片 2">
+            <a:extLst>
+              <a:ext uri="{FF2B5EF4-FFF2-40B4-BE49-F238E27FC236}">
+                <a16:creationId xmlns:a16="http://schemas.microsoft.com/office/drawing/2014/main" id="{0C06457B-64D2-4505-8BC5-32BE91CAE79F}"/>
               </a:ext>
             </a:extLst>
           </p:cNvPr>
@@ -13155,8 +19681,8 @@
         </p:blipFill>
         <p:spPr>
           <a:xfrm>
-            <a:off x="8157854" y="2028642"/>
-            <a:ext cx="3226473" cy="1843699"/>
+            <a:off x="4231294" y="1397625"/>
+            <a:ext cx="3419903" cy="3419903"/>
           </a:xfrm>
           <a:prstGeom prst="rect">
             <a:avLst/>

--- a/SupFiles/ARES_logo.pptx
+++ b/SupFiles/ARES_logo.pptx
@@ -18125,7 +18125,7 @@
           </a:prstGeom>
           <a:solidFill>
             <a:schemeClr val="bg1">
-              <a:lumMod val="75000"/>
+              <a:lumMod val="85000"/>
             </a:schemeClr>
           </a:solidFill>
           <a:ln>
@@ -18188,7 +18188,7 @@
           </a:prstGeom>
           <a:solidFill>
             <a:schemeClr val="bg1">
-              <a:lumMod val="75000"/>
+              <a:lumMod val="85000"/>
             </a:schemeClr>
           </a:solidFill>
           <a:ln>
@@ -18244,7 +18244,7 @@
           </a:prstGeom>
           <a:solidFill>
             <a:schemeClr val="bg1">
-              <a:lumMod val="75000"/>
+              <a:lumMod val="85000"/>
             </a:schemeClr>
           </a:solidFill>
           <a:ln>
@@ -18300,7 +18300,7 @@
           </a:prstGeom>
           <a:solidFill>
             <a:schemeClr val="bg1">
-              <a:lumMod val="75000"/>
+              <a:lumMod val="85000"/>
             </a:schemeClr>
           </a:solidFill>
           <a:ln>
@@ -19292,10 +19292,169 @@
       </p:sp>
       <p:sp>
         <p:nvSpPr>
-          <p:cNvPr id="57" name="文本框 56">
-            <a:extLst>
-              <a:ext uri="{FF2B5EF4-FFF2-40B4-BE49-F238E27FC236}">
-                <a16:creationId xmlns:a16="http://schemas.microsoft.com/office/drawing/2014/main" id="{4E26FAE1-46E3-421D-B094-B45EB9D3F28B}"/>
+          <p:cNvPr id="51" name="文本框 50">
+            <a:extLst>
+              <a:ext uri="{FF2B5EF4-FFF2-40B4-BE49-F238E27FC236}">
+                <a16:creationId xmlns:a16="http://schemas.microsoft.com/office/drawing/2014/main" id="{8A1789A9-3FE9-45FF-AEE6-AD403545BB71}"/>
+              </a:ext>
+            </a:extLst>
+          </p:cNvPr>
+          <p:cNvSpPr txBox="1"/>
+          <p:nvPr/>
+        </p:nvSpPr>
+        <p:spPr>
+          <a:xfrm>
+            <a:off x="2918774" y="3698482"/>
+            <a:ext cx="477973" cy="707886"/>
+          </a:xfrm>
+          <a:prstGeom prst="rect">
+            <a:avLst/>
+          </a:prstGeom>
+          <a:noFill/>
+        </p:spPr>
+        <p:txBody>
+          <a:bodyPr wrap="square">
+            <a:spAutoFit/>
+          </a:bodyPr>
+          <a:lstStyle/>
+          <a:p>
+            <a:r>
+              <a:rPr lang="en-US" sz="4000" b="1" dirty="0">
+                <a:solidFill>
+                  <a:schemeClr val="bg1"/>
+                </a:solidFill>
+                <a:latin typeface="Times New Roman" panose="02020603050405020304" pitchFamily="18" charset="0"/>
+                <a:cs typeface="Times New Roman" panose="02020603050405020304" pitchFamily="18" charset="0"/>
+              </a:rPr>
+              <a:t>A</a:t>
+            </a:r>
+            <a:endParaRPr lang="en-US" sz="4000" dirty="0">
+              <a:solidFill>
+                <a:schemeClr val="bg1"/>
+              </a:solidFill>
+              <a:latin typeface="Times New Roman" panose="02020603050405020304" pitchFamily="18" charset="0"/>
+              <a:cs typeface="Times New Roman" panose="02020603050405020304" pitchFamily="18" charset="0"/>
+            </a:endParaRPr>
+          </a:p>
+        </p:txBody>
+      </p:sp>
+      <p:sp>
+        <p:nvSpPr>
+          <p:cNvPr id="64" name="等腰三角形 63">
+            <a:extLst>
+              <a:ext uri="{FF2B5EF4-FFF2-40B4-BE49-F238E27FC236}">
+                <a16:creationId xmlns:a16="http://schemas.microsoft.com/office/drawing/2014/main" id="{77D0F4E6-6352-45C3-8C5A-63887A1C1262}"/>
+              </a:ext>
+            </a:extLst>
+          </p:cNvPr>
+          <p:cNvSpPr/>
+          <p:nvPr/>
+        </p:nvSpPr>
+        <p:spPr>
+          <a:xfrm rot="10800000">
+            <a:off x="3421323" y="2416061"/>
+            <a:ext cx="229966" cy="124618"/>
+          </a:xfrm>
+          <a:prstGeom prst="triangle">
+            <a:avLst>
+              <a:gd name="adj" fmla="val 0"/>
+            </a:avLst>
+          </a:prstGeom>
+          <a:solidFill>
+            <a:schemeClr val="bg1">
+              <a:lumMod val="85000"/>
+            </a:schemeClr>
+          </a:solidFill>
+          <a:ln>
+            <a:noFill/>
+          </a:ln>
+        </p:spPr>
+        <p:style>
+          <a:lnRef idx="2">
+            <a:schemeClr val="accent1">
+              <a:shade val="50000"/>
+            </a:schemeClr>
+          </a:lnRef>
+          <a:fillRef idx="1">
+            <a:schemeClr val="accent1"/>
+          </a:fillRef>
+          <a:effectRef idx="0">
+            <a:schemeClr val="accent1"/>
+          </a:effectRef>
+          <a:fontRef idx="minor">
+            <a:schemeClr val="lt1"/>
+          </a:fontRef>
+        </p:style>
+        <p:txBody>
+          <a:bodyPr rtlCol="0" anchor="ctr"/>
+          <a:lstStyle/>
+          <a:p>
+            <a:pPr algn="ctr"/>
+            <a:endParaRPr lang="en-US"/>
+          </a:p>
+        </p:txBody>
+      </p:sp>
+      <p:sp>
+        <p:nvSpPr>
+          <p:cNvPr id="73" name="矩形 72">
+            <a:extLst>
+              <a:ext uri="{FF2B5EF4-FFF2-40B4-BE49-F238E27FC236}">
+                <a16:creationId xmlns:a16="http://schemas.microsoft.com/office/drawing/2014/main" id="{CB508A3C-C182-4753-A77C-570914C01FD3}"/>
+              </a:ext>
+            </a:extLst>
+          </p:cNvPr>
+          <p:cNvSpPr/>
+          <p:nvPr/>
+        </p:nvSpPr>
+        <p:spPr>
+          <a:xfrm>
+            <a:off x="2935322" y="3180296"/>
+            <a:ext cx="935043" cy="62149"/>
+          </a:xfrm>
+          <a:prstGeom prst="rect">
+            <a:avLst/>
+          </a:prstGeom>
+          <a:solidFill>
+            <a:schemeClr val="tx1">
+              <a:lumMod val="65000"/>
+              <a:lumOff val="35000"/>
+            </a:schemeClr>
+          </a:solidFill>
+          <a:ln>
+            <a:noFill/>
+          </a:ln>
+        </p:spPr>
+        <p:style>
+          <a:lnRef idx="2">
+            <a:schemeClr val="accent1">
+              <a:shade val="50000"/>
+            </a:schemeClr>
+          </a:lnRef>
+          <a:fillRef idx="1">
+            <a:schemeClr val="accent1"/>
+          </a:fillRef>
+          <a:effectRef idx="0">
+            <a:schemeClr val="accent1"/>
+          </a:effectRef>
+          <a:fontRef idx="minor">
+            <a:schemeClr val="lt1"/>
+          </a:fontRef>
+        </p:style>
+        <p:txBody>
+          <a:bodyPr rtlCol="0" anchor="ctr"/>
+          <a:lstStyle/>
+          <a:p>
+            <a:pPr algn="ctr"/>
+            <a:endParaRPr lang="en-US"/>
+          </a:p>
+        </p:txBody>
+      </p:sp>
+      <p:sp>
+        <p:nvSpPr>
+          <p:cNvPr id="2" name="文本框 1">
+            <a:extLst>
+              <a:ext uri="{FF2B5EF4-FFF2-40B4-BE49-F238E27FC236}">
+                <a16:creationId xmlns:a16="http://schemas.microsoft.com/office/drawing/2014/main" id="{38C3A889-C2AE-4C19-8700-92B72F25738C}"/>
               </a:ext>
             </a:extLst>
           </p:cNvPr>
@@ -19340,114 +19499,10 @@
       </p:sp>
       <p:sp>
         <p:nvSpPr>
-          <p:cNvPr id="51" name="文本框 50">
-            <a:extLst>
-              <a:ext uri="{FF2B5EF4-FFF2-40B4-BE49-F238E27FC236}">
-                <a16:creationId xmlns:a16="http://schemas.microsoft.com/office/drawing/2014/main" id="{8A1789A9-3FE9-45FF-AEE6-AD403545BB71}"/>
-              </a:ext>
-            </a:extLst>
-          </p:cNvPr>
-          <p:cNvSpPr txBox="1"/>
-          <p:nvPr/>
-        </p:nvSpPr>
-        <p:spPr>
-          <a:xfrm>
-            <a:off x="2918774" y="3698482"/>
-            <a:ext cx="477973" cy="707886"/>
-          </a:xfrm>
-          <a:prstGeom prst="rect">
-            <a:avLst/>
-          </a:prstGeom>
-          <a:noFill/>
-        </p:spPr>
-        <p:txBody>
-          <a:bodyPr wrap="square">
-            <a:spAutoFit/>
-          </a:bodyPr>
-          <a:lstStyle/>
-          <a:p>
-            <a:r>
-              <a:rPr lang="en-US" sz="4000" b="1" dirty="0">
-                <a:solidFill>
-                  <a:schemeClr val="bg1"/>
-                </a:solidFill>
-                <a:latin typeface="Times New Roman" panose="02020603050405020304" pitchFamily="18" charset="0"/>
-                <a:cs typeface="Times New Roman" panose="02020603050405020304" pitchFamily="18" charset="0"/>
-              </a:rPr>
-              <a:t>A</a:t>
-            </a:r>
-            <a:endParaRPr lang="en-US" sz="4000" dirty="0">
-              <a:solidFill>
-                <a:schemeClr val="bg1"/>
-              </a:solidFill>
-              <a:latin typeface="Times New Roman" panose="02020603050405020304" pitchFamily="18" charset="0"/>
-              <a:cs typeface="Times New Roman" panose="02020603050405020304" pitchFamily="18" charset="0"/>
-            </a:endParaRPr>
-          </a:p>
-        </p:txBody>
-      </p:sp>
-      <p:sp>
-        <p:nvSpPr>
-          <p:cNvPr id="64" name="等腰三角形 63">
-            <a:extLst>
-              <a:ext uri="{FF2B5EF4-FFF2-40B4-BE49-F238E27FC236}">
-                <a16:creationId xmlns:a16="http://schemas.microsoft.com/office/drawing/2014/main" id="{77D0F4E6-6352-45C3-8C5A-63887A1C1262}"/>
-              </a:ext>
-            </a:extLst>
-          </p:cNvPr>
-          <p:cNvSpPr/>
-          <p:nvPr/>
-        </p:nvSpPr>
-        <p:spPr>
-          <a:xfrm rot="10800000">
-            <a:off x="3421323" y="2416061"/>
-            <a:ext cx="229966" cy="124618"/>
-          </a:xfrm>
-          <a:prstGeom prst="triangle">
-            <a:avLst>
-              <a:gd name="adj" fmla="val 0"/>
-            </a:avLst>
-          </a:prstGeom>
-          <a:solidFill>
-            <a:schemeClr val="bg1">
-              <a:lumMod val="75000"/>
-            </a:schemeClr>
-          </a:solidFill>
-          <a:ln>
-            <a:noFill/>
-          </a:ln>
-        </p:spPr>
-        <p:style>
-          <a:lnRef idx="2">
-            <a:schemeClr val="accent1">
-              <a:shade val="50000"/>
-            </a:schemeClr>
-          </a:lnRef>
-          <a:fillRef idx="1">
-            <a:schemeClr val="accent1"/>
-          </a:fillRef>
-          <a:effectRef idx="0">
-            <a:schemeClr val="accent1"/>
-          </a:effectRef>
-          <a:fontRef idx="minor">
-            <a:schemeClr val="lt1"/>
-          </a:fontRef>
-        </p:style>
-        <p:txBody>
-          <a:bodyPr rtlCol="0" anchor="ctr"/>
-          <a:lstStyle/>
-          <a:p>
-            <a:pPr algn="ctr"/>
-            <a:endParaRPr lang="en-US"/>
-          </a:p>
-        </p:txBody>
-      </p:sp>
-      <p:sp>
-        <p:nvSpPr>
-          <p:cNvPr id="66" name="文本框 65">
-            <a:extLst>
-              <a:ext uri="{FF2B5EF4-FFF2-40B4-BE49-F238E27FC236}">
-                <a16:creationId xmlns:a16="http://schemas.microsoft.com/office/drawing/2014/main" id="{CE5A1DB0-07E8-41BD-A7F9-2D26494FBF96}"/>
+          <p:cNvPr id="3" name="文本框 2">
+            <a:extLst>
+              <a:ext uri="{FF2B5EF4-FFF2-40B4-BE49-F238E27FC236}">
+                <a16:creationId xmlns:a16="http://schemas.microsoft.com/office/drawing/2014/main" id="{8FAADFA3-12BF-4C4F-AAA9-0947BF40E9EE}"/>
               </a:ext>
             </a:extLst>
           </p:cNvPr>
@@ -19484,67 +19539,12 @@
           </a:p>
         </p:txBody>
       </p:sp>
-      <p:sp>
-        <p:nvSpPr>
-          <p:cNvPr id="73" name="矩形 72">
-            <a:extLst>
-              <a:ext uri="{FF2B5EF4-FFF2-40B4-BE49-F238E27FC236}">
-                <a16:creationId xmlns:a16="http://schemas.microsoft.com/office/drawing/2014/main" id="{CB508A3C-C182-4753-A77C-570914C01FD3}"/>
-              </a:ext>
-            </a:extLst>
-          </p:cNvPr>
-          <p:cNvSpPr/>
-          <p:nvPr/>
-        </p:nvSpPr>
-        <p:spPr>
-          <a:xfrm>
-            <a:off x="2935322" y="3180296"/>
-            <a:ext cx="935043" cy="62149"/>
-          </a:xfrm>
-          <a:prstGeom prst="rect">
-            <a:avLst/>
-          </a:prstGeom>
-          <a:solidFill>
-            <a:schemeClr val="tx1">
-              <a:lumMod val="65000"/>
-              <a:lumOff val="35000"/>
-            </a:schemeClr>
-          </a:solidFill>
-          <a:ln>
-            <a:noFill/>
-          </a:ln>
-        </p:spPr>
-        <p:style>
-          <a:lnRef idx="2">
-            <a:schemeClr val="accent1">
-              <a:shade val="50000"/>
-            </a:schemeClr>
-          </a:lnRef>
-          <a:fillRef idx="1">
-            <a:schemeClr val="accent1"/>
-          </a:fillRef>
-          <a:effectRef idx="0">
-            <a:schemeClr val="accent1"/>
-          </a:effectRef>
-          <a:fontRef idx="minor">
-            <a:schemeClr val="lt1"/>
-          </a:fontRef>
-        </p:style>
-        <p:txBody>
-          <a:bodyPr rtlCol="0" anchor="ctr"/>
-          <a:lstStyle/>
-          <a:p>
-            <a:pPr algn="ctr"/>
-            <a:endParaRPr lang="en-US"/>
-          </a:p>
-        </p:txBody>
-      </p:sp>
       <p:pic>
         <p:nvPicPr>
-          <p:cNvPr id="78" name="图片 77">
-            <a:extLst>
-              <a:ext uri="{FF2B5EF4-FFF2-40B4-BE49-F238E27FC236}">
-                <a16:creationId xmlns:a16="http://schemas.microsoft.com/office/drawing/2014/main" id="{14CD869F-E8E6-4012-AD29-E979C8000AA0}"/>
+          <p:cNvPr id="46" name="图片 45">
+            <a:extLst>
+              <a:ext uri="{FF2B5EF4-FFF2-40B4-BE49-F238E27FC236}">
+                <a16:creationId xmlns:a16="http://schemas.microsoft.com/office/drawing/2014/main" id="{03737D32-8083-452E-9CA3-22587E5A82F7}"/>
               </a:ext>
             </a:extLst>
           </p:cNvPr>
@@ -19561,8 +19561,8 @@
         </p:blipFill>
         <p:spPr>
           <a:xfrm>
-            <a:off x="6759979" y="832687"/>
-            <a:ext cx="1956791" cy="3382453"/>
+            <a:off x="5990286" y="1158171"/>
+            <a:ext cx="2435631" cy="3941876"/>
           </a:xfrm>
           <a:prstGeom prst="rect">
             <a:avLst/>

--- a/SupFiles/ARES_logo.pptx
+++ b/SupFiles/ARES_logo.pptx
@@ -19340,62 +19340,6 @@
       </p:sp>
       <p:sp>
         <p:nvSpPr>
-          <p:cNvPr id="64" name="等腰三角形 63">
-            <a:extLst>
-              <a:ext uri="{FF2B5EF4-FFF2-40B4-BE49-F238E27FC236}">
-                <a16:creationId xmlns:a16="http://schemas.microsoft.com/office/drawing/2014/main" id="{77D0F4E6-6352-45C3-8C5A-63887A1C1262}"/>
-              </a:ext>
-            </a:extLst>
-          </p:cNvPr>
-          <p:cNvSpPr/>
-          <p:nvPr/>
-        </p:nvSpPr>
-        <p:spPr>
-          <a:xfrm rot="10800000">
-            <a:off x="3421323" y="2416061"/>
-            <a:ext cx="229966" cy="124618"/>
-          </a:xfrm>
-          <a:prstGeom prst="triangle">
-            <a:avLst>
-              <a:gd name="adj" fmla="val 0"/>
-            </a:avLst>
-          </a:prstGeom>
-          <a:solidFill>
-            <a:schemeClr val="bg1">
-              <a:lumMod val="85000"/>
-            </a:schemeClr>
-          </a:solidFill>
-          <a:ln>
-            <a:noFill/>
-          </a:ln>
-        </p:spPr>
-        <p:style>
-          <a:lnRef idx="2">
-            <a:schemeClr val="accent1">
-              <a:shade val="50000"/>
-            </a:schemeClr>
-          </a:lnRef>
-          <a:fillRef idx="1">
-            <a:schemeClr val="accent1"/>
-          </a:fillRef>
-          <a:effectRef idx="0">
-            <a:schemeClr val="accent1"/>
-          </a:effectRef>
-          <a:fontRef idx="minor">
-            <a:schemeClr val="lt1"/>
-          </a:fontRef>
-        </p:style>
-        <p:txBody>
-          <a:bodyPr rtlCol="0" anchor="ctr"/>
-          <a:lstStyle/>
-          <a:p>
-            <a:pPr algn="ctr"/>
-            <a:endParaRPr lang="en-US"/>
-          </a:p>
-        </p:txBody>
-      </p:sp>
-      <p:sp>
-        <p:nvSpPr>
           <p:cNvPr id="73" name="矩形 72">
             <a:extLst>
               <a:ext uri="{FF2B5EF4-FFF2-40B4-BE49-F238E27FC236}">
@@ -19451,10 +19395,10 @@
       </p:sp>
       <p:sp>
         <p:nvSpPr>
-          <p:cNvPr id="2" name="文本框 1">
-            <a:extLst>
-              <a:ext uri="{FF2B5EF4-FFF2-40B4-BE49-F238E27FC236}">
-                <a16:creationId xmlns:a16="http://schemas.microsoft.com/office/drawing/2014/main" id="{38C3A889-C2AE-4C19-8700-92B72F25738C}"/>
+          <p:cNvPr id="49" name="文本框 48">
+            <a:extLst>
+              <a:ext uri="{FF2B5EF4-FFF2-40B4-BE49-F238E27FC236}">
+                <a16:creationId xmlns:a16="http://schemas.microsoft.com/office/drawing/2014/main" id="{7F451C98-F029-4274-BA65-0ACB2DBF1435}"/>
               </a:ext>
             </a:extLst>
           </p:cNvPr>
@@ -19499,10 +19443,66 @@
       </p:sp>
       <p:sp>
         <p:nvSpPr>
-          <p:cNvPr id="3" name="文本框 2">
-            <a:extLst>
-              <a:ext uri="{FF2B5EF4-FFF2-40B4-BE49-F238E27FC236}">
-                <a16:creationId xmlns:a16="http://schemas.microsoft.com/office/drawing/2014/main" id="{8FAADFA3-12BF-4C4F-AAA9-0947BF40E9EE}"/>
+          <p:cNvPr id="64" name="等腰三角形 63">
+            <a:extLst>
+              <a:ext uri="{FF2B5EF4-FFF2-40B4-BE49-F238E27FC236}">
+                <a16:creationId xmlns:a16="http://schemas.microsoft.com/office/drawing/2014/main" id="{77D0F4E6-6352-45C3-8C5A-63887A1C1262}"/>
+              </a:ext>
+            </a:extLst>
+          </p:cNvPr>
+          <p:cNvSpPr/>
+          <p:nvPr/>
+        </p:nvSpPr>
+        <p:spPr>
+          <a:xfrm rot="10800000">
+            <a:off x="3422017" y="2411942"/>
+            <a:ext cx="229966" cy="124618"/>
+          </a:xfrm>
+          <a:prstGeom prst="triangle">
+            <a:avLst>
+              <a:gd name="adj" fmla="val 0"/>
+            </a:avLst>
+          </a:prstGeom>
+          <a:solidFill>
+            <a:schemeClr val="bg1">
+              <a:lumMod val="85000"/>
+            </a:schemeClr>
+          </a:solidFill>
+          <a:ln>
+            <a:noFill/>
+          </a:ln>
+        </p:spPr>
+        <p:style>
+          <a:lnRef idx="2">
+            <a:schemeClr val="accent1">
+              <a:shade val="50000"/>
+            </a:schemeClr>
+          </a:lnRef>
+          <a:fillRef idx="1">
+            <a:schemeClr val="accent1"/>
+          </a:fillRef>
+          <a:effectRef idx="0">
+            <a:schemeClr val="accent1"/>
+          </a:effectRef>
+          <a:fontRef idx="minor">
+            <a:schemeClr val="lt1"/>
+          </a:fontRef>
+        </p:style>
+        <p:txBody>
+          <a:bodyPr rtlCol="0" anchor="ctr"/>
+          <a:lstStyle/>
+          <a:p>
+            <a:pPr algn="ctr"/>
+            <a:endParaRPr lang="en-US"/>
+          </a:p>
+        </p:txBody>
+      </p:sp>
+      <p:sp>
+        <p:nvSpPr>
+          <p:cNvPr id="53" name="文本框 52">
+            <a:extLst>
+              <a:ext uri="{FF2B5EF4-FFF2-40B4-BE49-F238E27FC236}">
+                <a16:creationId xmlns:a16="http://schemas.microsoft.com/office/drawing/2014/main" id="{CF1C6FA5-E0D3-4A78-99EA-F42DC43958BB}"/>
               </a:ext>
             </a:extLst>
           </p:cNvPr>
@@ -19511,7 +19511,7 @@
         </p:nvSpPr>
         <p:spPr>
           <a:xfrm>
-            <a:off x="3124242" y="1864125"/>
+            <a:off x="3131862" y="1864125"/>
             <a:ext cx="655949" cy="1107996"/>
           </a:xfrm>
           <a:prstGeom prst="rect">
@@ -19541,10 +19541,10 @@
       </p:sp>
       <p:pic>
         <p:nvPicPr>
-          <p:cNvPr id="46" name="图片 45">
-            <a:extLst>
-              <a:ext uri="{FF2B5EF4-FFF2-40B4-BE49-F238E27FC236}">
-                <a16:creationId xmlns:a16="http://schemas.microsoft.com/office/drawing/2014/main" id="{03737D32-8083-452E-9CA3-22587E5A82F7}"/>
+          <p:cNvPr id="62" name="图片 61">
+            <a:extLst>
+              <a:ext uri="{FF2B5EF4-FFF2-40B4-BE49-F238E27FC236}">
+                <a16:creationId xmlns:a16="http://schemas.microsoft.com/office/drawing/2014/main" id="{0EE39F24-454B-403C-A496-DCA8EFB4BBDE}"/>
               </a:ext>
             </a:extLst>
           </p:cNvPr>
@@ -19561,8 +19561,8 @@
         </p:blipFill>
         <p:spPr>
           <a:xfrm>
-            <a:off x="5990286" y="1158171"/>
-            <a:ext cx="2435631" cy="3941876"/>
+            <a:off x="5990286" y="969108"/>
+            <a:ext cx="2690278" cy="4422375"/>
           </a:xfrm>
           <a:prstGeom prst="rect">
             <a:avLst/>
